--- a/Presentacion_v1.pptx
+++ b/Presentacion_v1.pptx
@@ -1,14 +1,24 @@
 
 <file path=ppt/presentation.xml><?xml version="1.0" encoding="utf-8"?>
-<p:presentation xmlns:a="http://schemas.openxmlformats.org/drawingml/2006/main" xmlns:r="http://schemas.openxmlformats.org/officeDocument/2006/relationships" xmlns:p="http://schemas.openxmlformats.org/presentationml/2006/main" saveSubsetFonts="1">
+<p:presentation xmlns:a="http://schemas.openxmlformats.org/drawingml/2006/main" xmlns:r="http://schemas.openxmlformats.org/officeDocument/2006/relationships" xmlns:p="http://schemas.openxmlformats.org/presentationml/2006/main" showSpecialPlsOnTitleSld="0" saveSubsetFonts="1">
   <p:sldMasterIdLst>
-    <p:sldMasterId id="2147483648" r:id="rId1"/>
+    <p:sldMasterId id="2147483672" r:id="rId1"/>
   </p:sldMasterIdLst>
+  <p:notesMasterIdLst>
+    <p:notesMasterId r:id="rId13"/>
+  </p:notesMasterIdLst>
   <p:sldIdLst>
     <p:sldId id="256" r:id="rId2"/>
-    <p:sldId id="258" r:id="rId3"/>
+    <p:sldId id="262" r:id="rId3"/>
     <p:sldId id="257" r:id="rId4"/>
-    <p:sldId id="259" r:id="rId5"/>
+    <p:sldId id="264" r:id="rId5"/>
+    <p:sldId id="266" r:id="rId6"/>
+    <p:sldId id="258" r:id="rId7"/>
+    <p:sldId id="259" r:id="rId8"/>
+    <p:sldId id="260" r:id="rId9"/>
+    <p:sldId id="261" r:id="rId10"/>
+    <p:sldId id="263" r:id="rId11"/>
+    <p:sldId id="265" r:id="rId12"/>
   </p:sldIdLst>
   <p:sldSz cx="12192000" cy="6858000"/>
   <p:notesSz cx="6858000" cy="9144000"/>
@@ -16,7 +26,7 @@
     <a:defPPr>
       <a:defRPr lang="en-US"/>
     </a:defPPr>
-    <a:lvl1pPr marL="0" algn="l" defTabSz="914400" rtl="0" eaLnBrk="1" latinLnBrk="0" hangingPunct="1">
+    <a:lvl1pPr marL="0" algn="l" defTabSz="457200" rtl="0" eaLnBrk="1" latinLnBrk="0" hangingPunct="1">
       <a:defRPr sz="1800" kern="1200">
         <a:solidFill>
           <a:schemeClr val="tx1"/>
@@ -26,7 +36,7 @@
         <a:cs typeface="+mn-cs"/>
       </a:defRPr>
     </a:lvl1pPr>
-    <a:lvl2pPr marL="457200" algn="l" defTabSz="914400" rtl="0" eaLnBrk="1" latinLnBrk="0" hangingPunct="1">
+    <a:lvl2pPr marL="457200" algn="l" defTabSz="457200" rtl="0" eaLnBrk="1" latinLnBrk="0" hangingPunct="1">
       <a:defRPr sz="1800" kern="1200">
         <a:solidFill>
           <a:schemeClr val="tx1"/>
@@ -36,7 +46,7 @@
         <a:cs typeface="+mn-cs"/>
       </a:defRPr>
     </a:lvl2pPr>
-    <a:lvl3pPr marL="914400" algn="l" defTabSz="914400" rtl="0" eaLnBrk="1" latinLnBrk="0" hangingPunct="1">
+    <a:lvl3pPr marL="914400" algn="l" defTabSz="457200" rtl="0" eaLnBrk="1" latinLnBrk="0" hangingPunct="1">
       <a:defRPr sz="1800" kern="1200">
         <a:solidFill>
           <a:schemeClr val="tx1"/>
@@ -46,7 +56,7 @@
         <a:cs typeface="+mn-cs"/>
       </a:defRPr>
     </a:lvl3pPr>
-    <a:lvl4pPr marL="1371600" algn="l" defTabSz="914400" rtl="0" eaLnBrk="1" latinLnBrk="0" hangingPunct="1">
+    <a:lvl4pPr marL="1371600" algn="l" defTabSz="457200" rtl="0" eaLnBrk="1" latinLnBrk="0" hangingPunct="1">
       <a:defRPr sz="1800" kern="1200">
         <a:solidFill>
           <a:schemeClr val="tx1"/>
@@ -56,7 +66,7 @@
         <a:cs typeface="+mn-cs"/>
       </a:defRPr>
     </a:lvl4pPr>
-    <a:lvl5pPr marL="1828800" algn="l" defTabSz="914400" rtl="0" eaLnBrk="1" latinLnBrk="0" hangingPunct="1">
+    <a:lvl5pPr marL="1828800" algn="l" defTabSz="457200" rtl="0" eaLnBrk="1" latinLnBrk="0" hangingPunct="1">
       <a:defRPr sz="1800" kern="1200">
         <a:solidFill>
           <a:schemeClr val="tx1"/>
@@ -66,7 +76,7 @@
         <a:cs typeface="+mn-cs"/>
       </a:defRPr>
     </a:lvl5pPr>
-    <a:lvl6pPr marL="2286000" algn="l" defTabSz="914400" rtl="0" eaLnBrk="1" latinLnBrk="0" hangingPunct="1">
+    <a:lvl6pPr marL="2286000" algn="l" defTabSz="457200" rtl="0" eaLnBrk="1" latinLnBrk="0" hangingPunct="1">
       <a:defRPr sz="1800" kern="1200">
         <a:solidFill>
           <a:schemeClr val="tx1"/>
@@ -76,7 +86,7 @@
         <a:cs typeface="+mn-cs"/>
       </a:defRPr>
     </a:lvl6pPr>
-    <a:lvl7pPr marL="2743200" algn="l" defTabSz="914400" rtl="0" eaLnBrk="1" latinLnBrk="0" hangingPunct="1">
+    <a:lvl7pPr marL="2743200" algn="l" defTabSz="457200" rtl="0" eaLnBrk="1" latinLnBrk="0" hangingPunct="1">
       <a:defRPr sz="1800" kern="1200">
         <a:solidFill>
           <a:schemeClr val="tx1"/>
@@ -86,7 +96,7 @@
         <a:cs typeface="+mn-cs"/>
       </a:defRPr>
     </a:lvl7pPr>
-    <a:lvl8pPr marL="3200400" algn="l" defTabSz="914400" rtl="0" eaLnBrk="1" latinLnBrk="0" hangingPunct="1">
+    <a:lvl8pPr marL="3200400" algn="l" defTabSz="457200" rtl="0" eaLnBrk="1" latinLnBrk="0" hangingPunct="1">
       <a:defRPr sz="1800" kern="1200">
         <a:solidFill>
           <a:schemeClr val="tx1"/>
@@ -96,7 +106,7 @@
         <a:cs typeface="+mn-cs"/>
       </a:defRPr>
     </a:lvl8pPr>
-    <a:lvl9pPr marL="3657600" algn="l" defTabSz="914400" rtl="0" eaLnBrk="1" latinLnBrk="0" hangingPunct="1">
+    <a:lvl9pPr marL="3657600" algn="l" defTabSz="457200" rtl="0" eaLnBrk="1" latinLnBrk="0" hangingPunct="1">
       <a:defRPr sz="1800" kern="1200">
         <a:solidFill>
           <a:schemeClr val="tx1"/>
@@ -107,11 +117,366 @@
       </a:defRPr>
     </a:lvl9pPr>
   </p:defaultTextStyle>
+  <p:extLst>
+    <p:ext uri="{EFAFB233-063F-42B5-8137-9DF3F51BA10A}">
+      <p15:sldGuideLst xmlns:p15="http://schemas.microsoft.com/office/powerpoint/2012/main"/>
+    </p:ext>
+  </p:extLst>
 </p:presentation>
 </file>
 
+<file path=ppt/notesMasters/notesMaster1.xml><?xml version="1.0" encoding="utf-8"?>
+<p:notesMaster xmlns:a="http://schemas.openxmlformats.org/drawingml/2006/main" xmlns:r="http://schemas.openxmlformats.org/officeDocument/2006/relationships" xmlns:p="http://schemas.openxmlformats.org/presentationml/2006/main">
+  <p:cSld>
+    <p:bg>
+      <p:bgRef idx="1001">
+        <a:schemeClr val="bg1"/>
+      </p:bgRef>
+    </p:bg>
+    <p:spTree>
+      <p:nvGrpSpPr>
+        <p:cNvPr id="1" name=""/>
+        <p:cNvGrpSpPr/>
+        <p:nvPr/>
+      </p:nvGrpSpPr>
+      <p:grpSpPr>
+        <a:xfrm>
+          <a:off x="0" y="0"/>
+          <a:ext cx="0" cy="0"/>
+          <a:chOff x="0" y="0"/>
+          <a:chExt cx="0" cy="0"/>
+        </a:xfrm>
+      </p:grpSpPr>
+      <p:sp>
+        <p:nvSpPr>
+          <p:cNvPr id="2" name="Marcador de encabezado 1"/>
+          <p:cNvSpPr>
+            <a:spLocks noGrp="1"/>
+          </p:cNvSpPr>
+          <p:nvPr>
+            <p:ph type="hdr" sz="quarter"/>
+          </p:nvPr>
+        </p:nvSpPr>
+        <p:spPr>
+          <a:xfrm>
+            <a:off x="0" y="0"/>
+            <a:ext cx="2971800" cy="458788"/>
+          </a:xfrm>
+          <a:prstGeom prst="rect">
+            <a:avLst/>
+          </a:prstGeom>
+        </p:spPr>
+        <p:txBody>
+          <a:bodyPr vert="horz" lIns="91440" tIns="45720" rIns="91440" bIns="45720" rtlCol="0"/>
+          <a:lstStyle>
+            <a:lvl1pPr algn="l">
+              <a:defRPr sz="1200"/>
+            </a:lvl1pPr>
+          </a:lstStyle>
+          <a:p>
+            <a:endParaRPr lang="en-US"/>
+          </a:p>
+        </p:txBody>
+      </p:sp>
+      <p:sp>
+        <p:nvSpPr>
+          <p:cNvPr id="3" name="Marcador de fecha 2"/>
+          <p:cNvSpPr>
+            <a:spLocks noGrp="1"/>
+          </p:cNvSpPr>
+          <p:nvPr>
+            <p:ph type="dt" idx="1"/>
+          </p:nvPr>
+        </p:nvSpPr>
+        <p:spPr>
+          <a:xfrm>
+            <a:off x="3884613" y="0"/>
+            <a:ext cx="2971800" cy="458788"/>
+          </a:xfrm>
+          <a:prstGeom prst="rect">
+            <a:avLst/>
+          </a:prstGeom>
+        </p:spPr>
+        <p:txBody>
+          <a:bodyPr vert="horz" lIns="91440" tIns="45720" rIns="91440" bIns="45720" rtlCol="0"/>
+          <a:lstStyle>
+            <a:lvl1pPr algn="r">
+              <a:defRPr sz="1200"/>
+            </a:lvl1pPr>
+          </a:lstStyle>
+          <a:p>
+            <a:fld id="{19ACBE14-CFA7-4795-81EF-F522099A4FBC}" type="datetimeFigureOut">
+              <a:rPr lang="en-US" smtClean="0"/>
+              <a:t>11/3/2020</a:t>
+            </a:fld>
+            <a:endParaRPr lang="en-US"/>
+          </a:p>
+        </p:txBody>
+      </p:sp>
+      <p:sp>
+        <p:nvSpPr>
+          <p:cNvPr id="4" name="Marcador de imagen de diapositiva 3"/>
+          <p:cNvSpPr>
+            <a:spLocks noGrp="1" noRot="1" noChangeAspect="1"/>
+          </p:cNvSpPr>
+          <p:nvPr>
+            <p:ph type="sldImg" idx="2"/>
+          </p:nvPr>
+        </p:nvSpPr>
+        <p:spPr>
+          <a:xfrm>
+            <a:off x="685800" y="1143000"/>
+            <a:ext cx="5486400" cy="3086100"/>
+          </a:xfrm>
+          <a:prstGeom prst="rect">
+            <a:avLst/>
+          </a:prstGeom>
+          <a:noFill/>
+          <a:ln w="12700">
+            <a:solidFill>
+              <a:prstClr val="black"/>
+            </a:solidFill>
+          </a:ln>
+        </p:spPr>
+        <p:txBody>
+          <a:bodyPr vert="horz" lIns="91440" tIns="45720" rIns="91440" bIns="45720" rtlCol="0" anchor="ctr"/>
+          <a:lstStyle/>
+          <a:p>
+            <a:endParaRPr lang="en-US"/>
+          </a:p>
+        </p:txBody>
+      </p:sp>
+      <p:sp>
+        <p:nvSpPr>
+          <p:cNvPr id="5" name="Marcador de notas 4"/>
+          <p:cNvSpPr>
+            <a:spLocks noGrp="1"/>
+          </p:cNvSpPr>
+          <p:nvPr>
+            <p:ph type="body" sz="quarter" idx="3"/>
+          </p:nvPr>
+        </p:nvSpPr>
+        <p:spPr>
+          <a:xfrm>
+            <a:off x="685800" y="4400550"/>
+            <a:ext cx="5486400" cy="3600450"/>
+          </a:xfrm>
+          <a:prstGeom prst="rect">
+            <a:avLst/>
+          </a:prstGeom>
+        </p:spPr>
+        <p:txBody>
+          <a:bodyPr vert="horz" lIns="91440" tIns="45720" rIns="91440" bIns="45720" rtlCol="0"/>
+          <a:lstStyle/>
+          <a:p>
+            <a:pPr lvl="0"/>
+            <a:r>
+              <a:rPr lang="es-ES"/>
+              <a:t>Haga clic para modificar los estilos de texto del patrón</a:t>
+            </a:r>
+          </a:p>
+          <a:p>
+            <a:pPr lvl="1"/>
+            <a:r>
+              <a:rPr lang="es-ES"/>
+              <a:t>Segundo nivel</a:t>
+            </a:r>
+          </a:p>
+          <a:p>
+            <a:pPr lvl="2"/>
+            <a:r>
+              <a:rPr lang="es-ES"/>
+              <a:t>Tercer nivel</a:t>
+            </a:r>
+          </a:p>
+          <a:p>
+            <a:pPr lvl="3"/>
+            <a:r>
+              <a:rPr lang="es-ES"/>
+              <a:t>Cuarto nivel</a:t>
+            </a:r>
+          </a:p>
+          <a:p>
+            <a:pPr lvl="4"/>
+            <a:r>
+              <a:rPr lang="es-ES"/>
+              <a:t>Quinto nivel</a:t>
+            </a:r>
+            <a:endParaRPr lang="en-US"/>
+          </a:p>
+        </p:txBody>
+      </p:sp>
+      <p:sp>
+        <p:nvSpPr>
+          <p:cNvPr id="6" name="Marcador de pie de página 5"/>
+          <p:cNvSpPr>
+            <a:spLocks noGrp="1"/>
+          </p:cNvSpPr>
+          <p:nvPr>
+            <p:ph type="ftr" sz="quarter" idx="4"/>
+          </p:nvPr>
+        </p:nvSpPr>
+        <p:spPr>
+          <a:xfrm>
+            <a:off x="0" y="8685213"/>
+            <a:ext cx="2971800" cy="458787"/>
+          </a:xfrm>
+          <a:prstGeom prst="rect">
+            <a:avLst/>
+          </a:prstGeom>
+        </p:spPr>
+        <p:txBody>
+          <a:bodyPr vert="horz" lIns="91440" tIns="45720" rIns="91440" bIns="45720" rtlCol="0" anchor="b"/>
+          <a:lstStyle>
+            <a:lvl1pPr algn="l">
+              <a:defRPr sz="1200"/>
+            </a:lvl1pPr>
+          </a:lstStyle>
+          <a:p>
+            <a:endParaRPr lang="en-US"/>
+          </a:p>
+        </p:txBody>
+      </p:sp>
+      <p:sp>
+        <p:nvSpPr>
+          <p:cNvPr id="7" name="Marcador de número de diapositiva 6"/>
+          <p:cNvSpPr>
+            <a:spLocks noGrp="1"/>
+          </p:cNvSpPr>
+          <p:nvPr>
+            <p:ph type="sldNum" sz="quarter" idx="5"/>
+          </p:nvPr>
+        </p:nvSpPr>
+        <p:spPr>
+          <a:xfrm>
+            <a:off x="3884613" y="8685213"/>
+            <a:ext cx="2971800" cy="458787"/>
+          </a:xfrm>
+          <a:prstGeom prst="rect">
+            <a:avLst/>
+          </a:prstGeom>
+        </p:spPr>
+        <p:txBody>
+          <a:bodyPr vert="horz" lIns="91440" tIns="45720" rIns="91440" bIns="45720" rtlCol="0" anchor="b"/>
+          <a:lstStyle>
+            <a:lvl1pPr algn="r">
+              <a:defRPr sz="1200"/>
+            </a:lvl1pPr>
+          </a:lstStyle>
+          <a:p>
+            <a:fld id="{BBF9A713-39A1-4455-9A50-A722BB5B6022}" type="slidenum">
+              <a:rPr lang="en-US" smtClean="0"/>
+              <a:t>‹Nº›</a:t>
+            </a:fld>
+            <a:endParaRPr lang="en-US"/>
+          </a:p>
+        </p:txBody>
+      </p:sp>
+    </p:spTree>
+    <p:extLst>
+      <p:ext uri="{BB962C8B-B14F-4D97-AF65-F5344CB8AC3E}">
+        <p14:creationId xmlns:p14="http://schemas.microsoft.com/office/powerpoint/2010/main" val="1439872468"/>
+      </p:ext>
+    </p:extLst>
+  </p:cSld>
+  <p:clrMap bg1="lt1" tx1="dk1" bg2="lt2" tx2="dk2" accent1="accent1" accent2="accent2" accent3="accent3" accent4="accent4" accent5="accent5" accent6="accent6" hlink="hlink" folHlink="folHlink"/>
+  <p:notesStyle>
+    <a:lvl1pPr marL="0" algn="l" defTabSz="914400" rtl="0" eaLnBrk="1" latinLnBrk="0" hangingPunct="1">
+      <a:defRPr sz="1200" kern="1200">
+        <a:solidFill>
+          <a:schemeClr val="tx1"/>
+        </a:solidFill>
+        <a:latin typeface="+mn-lt"/>
+        <a:ea typeface="+mn-ea"/>
+        <a:cs typeface="+mn-cs"/>
+      </a:defRPr>
+    </a:lvl1pPr>
+    <a:lvl2pPr marL="457200" algn="l" defTabSz="914400" rtl="0" eaLnBrk="1" latinLnBrk="0" hangingPunct="1">
+      <a:defRPr sz="1200" kern="1200">
+        <a:solidFill>
+          <a:schemeClr val="tx1"/>
+        </a:solidFill>
+        <a:latin typeface="+mn-lt"/>
+        <a:ea typeface="+mn-ea"/>
+        <a:cs typeface="+mn-cs"/>
+      </a:defRPr>
+    </a:lvl2pPr>
+    <a:lvl3pPr marL="914400" algn="l" defTabSz="914400" rtl="0" eaLnBrk="1" latinLnBrk="0" hangingPunct="1">
+      <a:defRPr sz="1200" kern="1200">
+        <a:solidFill>
+          <a:schemeClr val="tx1"/>
+        </a:solidFill>
+        <a:latin typeface="+mn-lt"/>
+        <a:ea typeface="+mn-ea"/>
+        <a:cs typeface="+mn-cs"/>
+      </a:defRPr>
+    </a:lvl3pPr>
+    <a:lvl4pPr marL="1371600" algn="l" defTabSz="914400" rtl="0" eaLnBrk="1" latinLnBrk="0" hangingPunct="1">
+      <a:defRPr sz="1200" kern="1200">
+        <a:solidFill>
+          <a:schemeClr val="tx1"/>
+        </a:solidFill>
+        <a:latin typeface="+mn-lt"/>
+        <a:ea typeface="+mn-ea"/>
+        <a:cs typeface="+mn-cs"/>
+      </a:defRPr>
+    </a:lvl4pPr>
+    <a:lvl5pPr marL="1828800" algn="l" defTabSz="914400" rtl="0" eaLnBrk="1" latinLnBrk="0" hangingPunct="1">
+      <a:defRPr sz="1200" kern="1200">
+        <a:solidFill>
+          <a:schemeClr val="tx1"/>
+        </a:solidFill>
+        <a:latin typeface="+mn-lt"/>
+        <a:ea typeface="+mn-ea"/>
+        <a:cs typeface="+mn-cs"/>
+      </a:defRPr>
+    </a:lvl5pPr>
+    <a:lvl6pPr marL="2286000" algn="l" defTabSz="914400" rtl="0" eaLnBrk="1" latinLnBrk="0" hangingPunct="1">
+      <a:defRPr sz="1200" kern="1200">
+        <a:solidFill>
+          <a:schemeClr val="tx1"/>
+        </a:solidFill>
+        <a:latin typeface="+mn-lt"/>
+        <a:ea typeface="+mn-ea"/>
+        <a:cs typeface="+mn-cs"/>
+      </a:defRPr>
+    </a:lvl6pPr>
+    <a:lvl7pPr marL="2743200" algn="l" defTabSz="914400" rtl="0" eaLnBrk="1" latinLnBrk="0" hangingPunct="1">
+      <a:defRPr sz="1200" kern="1200">
+        <a:solidFill>
+          <a:schemeClr val="tx1"/>
+        </a:solidFill>
+        <a:latin typeface="+mn-lt"/>
+        <a:ea typeface="+mn-ea"/>
+        <a:cs typeface="+mn-cs"/>
+      </a:defRPr>
+    </a:lvl7pPr>
+    <a:lvl8pPr marL="3200400" algn="l" defTabSz="914400" rtl="0" eaLnBrk="1" latinLnBrk="0" hangingPunct="1">
+      <a:defRPr sz="1200" kern="1200">
+        <a:solidFill>
+          <a:schemeClr val="tx1"/>
+        </a:solidFill>
+        <a:latin typeface="+mn-lt"/>
+        <a:ea typeface="+mn-ea"/>
+        <a:cs typeface="+mn-cs"/>
+      </a:defRPr>
+    </a:lvl8pPr>
+    <a:lvl9pPr marL="3657600" algn="l" defTabSz="914400" rtl="0" eaLnBrk="1" latinLnBrk="0" hangingPunct="1">
+      <a:defRPr sz="1200" kern="1200">
+        <a:solidFill>
+          <a:schemeClr val="tx1"/>
+        </a:solidFill>
+        <a:latin typeface="+mn-lt"/>
+        <a:ea typeface="+mn-ea"/>
+        <a:cs typeface="+mn-cs"/>
+      </a:defRPr>
+    </a:lvl9pPr>
+  </p:notesStyle>
+</p:notesMaster>
+</file>
+
 <file path=ppt/slideLayouts/slideLayout1.xml><?xml version="1.0" encoding="utf-8"?>
-<p:sldLayout xmlns:a="http://schemas.openxmlformats.org/drawingml/2006/main" xmlns:r="http://schemas.openxmlformats.org/officeDocument/2006/relationships" xmlns:p="http://schemas.openxmlformats.org/presentationml/2006/main" type="title" preserve="1">
+<p:sldLayout xmlns:a="http://schemas.openxmlformats.org/drawingml/2006/main" xmlns:r="http://schemas.openxmlformats.org/officeDocument/2006/relationships" xmlns:p="http://schemas.openxmlformats.org/presentationml/2006/main" showMasterSp="0" type="title" preserve="1">
   <p:cSld name="Diapositiva de título">
     <p:spTree>
       <p:nvGrpSpPr>
@@ -129,13 +494,83 @@
       </p:grpSpPr>
       <p:sp>
         <p:nvSpPr>
-          <p:cNvPr id="2" name="Título 1">
-            <a:extLst>
-              <a:ext uri="{FF2B5EF4-FFF2-40B4-BE49-F238E27FC236}">
-                <a16:creationId xmlns:a16="http://schemas.microsoft.com/office/drawing/2014/main" id="{A9818657-9F46-4F5A-A1FB-D488751A34C5}"/>
-              </a:ext>
-            </a:extLst>
-          </p:cNvPr>
+          <p:cNvPr id="7" name="Rectangle 6"/>
+          <p:cNvSpPr/>
+          <p:nvPr/>
+        </p:nvSpPr>
+        <p:spPr>
+          <a:xfrm>
+            <a:off x="3175" y="6400800"/>
+            <a:ext cx="12188825" cy="457200"/>
+          </a:xfrm>
+          <a:prstGeom prst="rect">
+            <a:avLst/>
+          </a:prstGeom>
+          <a:solidFill>
+            <a:schemeClr val="accent2"/>
+          </a:solidFill>
+          <a:ln>
+            <a:noFill/>
+          </a:ln>
+        </p:spPr>
+        <p:style>
+          <a:lnRef idx="2">
+            <a:schemeClr val="accent1">
+              <a:shade val="50000"/>
+            </a:schemeClr>
+          </a:lnRef>
+          <a:fillRef idx="1">
+            <a:schemeClr val="accent1"/>
+          </a:fillRef>
+          <a:effectRef idx="0">
+            <a:schemeClr val="accent1"/>
+          </a:effectRef>
+          <a:fontRef idx="minor">
+            <a:schemeClr val="lt1"/>
+          </a:fontRef>
+        </p:style>
+      </p:sp>
+      <p:sp>
+        <p:nvSpPr>
+          <p:cNvPr id="8" name="Rectangle 7"/>
+          <p:cNvSpPr/>
+          <p:nvPr/>
+        </p:nvSpPr>
+        <p:spPr>
+          <a:xfrm>
+            <a:off x="15" y="6334316"/>
+            <a:ext cx="12188825" cy="64008"/>
+          </a:xfrm>
+          <a:prstGeom prst="rect">
+            <a:avLst/>
+          </a:prstGeom>
+          <a:solidFill>
+            <a:schemeClr val="accent1"/>
+          </a:solidFill>
+          <a:ln>
+            <a:noFill/>
+          </a:ln>
+        </p:spPr>
+        <p:style>
+          <a:lnRef idx="2">
+            <a:schemeClr val="accent1">
+              <a:shade val="50000"/>
+            </a:schemeClr>
+          </a:lnRef>
+          <a:fillRef idx="1">
+            <a:schemeClr val="accent1"/>
+          </a:fillRef>
+          <a:effectRef idx="0">
+            <a:schemeClr val="accent1"/>
+          </a:effectRef>
+          <a:fontRef idx="minor">
+            <a:schemeClr val="lt1"/>
+          </a:fontRef>
+        </p:style>
+      </p:sp>
+      <p:sp>
+        <p:nvSpPr>
+          <p:cNvPr id="2" name="Title 1"/>
           <p:cNvSpPr>
             <a:spLocks noGrp="1"/>
           </p:cNvSpPr>
@@ -145,15 +580,27 @@
         </p:nvSpPr>
         <p:spPr>
           <a:xfrm>
-            <a:off x="1524000" y="1122363"/>
-            <a:ext cx="9144000" cy="2387600"/>
-          </a:xfrm>
-        </p:spPr>
-        <p:txBody>
-          <a:bodyPr anchor="b"/>
+            <a:off x="1097280" y="758952"/>
+            <a:ext cx="10058400" cy="3566160"/>
+          </a:xfrm>
+        </p:spPr>
+        <p:txBody>
+          <a:bodyPr anchor="b">
+            <a:normAutofit/>
+          </a:bodyPr>
           <a:lstStyle>
-            <a:lvl1pPr algn="ctr">
-              <a:defRPr sz="6000"/>
+            <a:lvl1pPr algn="l">
+              <a:lnSpc>
+                <a:spcPct val="85000"/>
+              </a:lnSpc>
+              <a:defRPr sz="8000" spc="-50" baseline="0">
+                <a:solidFill>
+                  <a:schemeClr val="tx1">
+                    <a:lumMod val="85000"/>
+                    <a:lumOff val="15000"/>
+                  </a:schemeClr>
+                </a:solidFill>
+              </a:defRPr>
             </a:lvl1pPr>
           </a:lstStyle>
           <a:p>
@@ -161,19 +608,13 @@
               <a:rPr lang="es-ES"/>
               <a:t>Haga clic para modificar el estilo de título del patrón</a:t>
             </a:r>
-            <a:endParaRPr lang="en-US"/>
-          </a:p>
-        </p:txBody>
-      </p:sp>
-      <p:sp>
-        <p:nvSpPr>
-          <p:cNvPr id="3" name="Subtítulo 2">
-            <a:extLst>
-              <a:ext uri="{FF2B5EF4-FFF2-40B4-BE49-F238E27FC236}">
-                <a16:creationId xmlns:a16="http://schemas.microsoft.com/office/drawing/2014/main" id="{252EEF0F-707D-4485-AAB1-EF09EB47F107}"/>
-              </a:ext>
-            </a:extLst>
-          </p:cNvPr>
+            <a:endParaRPr lang="en-US" dirty="0"/>
+          </a:p>
+        </p:txBody>
+      </p:sp>
+      <p:sp>
+        <p:nvSpPr>
+          <p:cNvPr id="3" name="Subtitle 2"/>
           <p:cNvSpPr>
             <a:spLocks noGrp="1"/>
           </p:cNvSpPr>
@@ -183,48 +624,55 @@
         </p:nvSpPr>
         <p:spPr>
           <a:xfrm>
-            <a:off x="1524000" y="3602038"/>
-            <a:ext cx="9144000" cy="1655762"/>
-          </a:xfrm>
-        </p:spPr>
-        <p:txBody>
-          <a:bodyPr/>
+            <a:off x="1100051" y="4455620"/>
+            <a:ext cx="10058400" cy="1143000"/>
+          </a:xfrm>
+        </p:spPr>
+        <p:txBody>
+          <a:bodyPr lIns="91440" rIns="91440">
+            <a:normAutofit/>
+          </a:bodyPr>
           <a:lstStyle>
-            <a:lvl1pPr marL="0" indent="0" algn="ctr">
+            <a:lvl1pPr marL="0" indent="0" algn="l">
               <a:buNone/>
-              <a:defRPr sz="2400"/>
+              <a:defRPr sz="2400" cap="all" spc="200" baseline="0">
+                <a:solidFill>
+                  <a:schemeClr val="tx2"/>
+                </a:solidFill>
+                <a:latin typeface="+mj-lt"/>
+              </a:defRPr>
             </a:lvl1pPr>
             <a:lvl2pPr marL="457200" indent="0" algn="ctr">
               <a:buNone/>
-              <a:defRPr sz="2000"/>
+              <a:defRPr sz="2400"/>
             </a:lvl2pPr>
             <a:lvl3pPr marL="914400" indent="0" algn="ctr">
               <a:buNone/>
-              <a:defRPr sz="1800"/>
+              <a:defRPr sz="2400"/>
             </a:lvl3pPr>
             <a:lvl4pPr marL="1371600" indent="0" algn="ctr">
               <a:buNone/>
-              <a:defRPr sz="1600"/>
+              <a:defRPr sz="2000"/>
             </a:lvl4pPr>
             <a:lvl5pPr marL="1828800" indent="0" algn="ctr">
               <a:buNone/>
-              <a:defRPr sz="1600"/>
+              <a:defRPr sz="2000"/>
             </a:lvl5pPr>
             <a:lvl6pPr marL="2286000" indent="0" algn="ctr">
               <a:buNone/>
-              <a:defRPr sz="1600"/>
+              <a:defRPr sz="2000"/>
             </a:lvl6pPr>
             <a:lvl7pPr marL="2743200" indent="0" algn="ctr">
               <a:buNone/>
-              <a:defRPr sz="1600"/>
+              <a:defRPr sz="2000"/>
             </a:lvl7pPr>
             <a:lvl8pPr marL="3200400" indent="0" algn="ctr">
               <a:buNone/>
-              <a:defRPr sz="1600"/>
+              <a:defRPr sz="2000"/>
             </a:lvl8pPr>
             <a:lvl9pPr marL="3657600" indent="0" algn="ctr">
               <a:buNone/>
-              <a:defRPr sz="1600"/>
+              <a:defRPr sz="2000"/>
             </a:lvl9pPr>
           </a:lstStyle>
           <a:p>
@@ -232,19 +680,13 @@
               <a:rPr lang="es-ES"/>
               <a:t>Haga clic para modificar el estilo de subtítulo del patrón</a:t>
             </a:r>
-            <a:endParaRPr lang="en-US"/>
-          </a:p>
-        </p:txBody>
-      </p:sp>
-      <p:sp>
-        <p:nvSpPr>
-          <p:cNvPr id="4" name="Marcador de fecha 3">
-            <a:extLst>
-              <a:ext uri="{FF2B5EF4-FFF2-40B4-BE49-F238E27FC236}">
-                <a16:creationId xmlns:a16="http://schemas.microsoft.com/office/drawing/2014/main" id="{955E6670-4D32-43E3-AFD7-E9FC7CF1D397}"/>
-              </a:ext>
-            </a:extLst>
-          </p:cNvPr>
+            <a:endParaRPr lang="en-US" dirty="0"/>
+          </a:p>
+        </p:txBody>
+      </p:sp>
+      <p:sp>
+        <p:nvSpPr>
+          <p:cNvPr id="4" name="Date Placeholder 3"/>
           <p:cNvSpPr>
             <a:spLocks noGrp="1"/>
           </p:cNvSpPr>
@@ -257,9 +699,9 @@
           <a:bodyPr/>
           <a:lstStyle/>
           <a:p>
-            <a:fld id="{66FDCE43-4C6A-411B-A53F-054978AFBE8C}" type="datetimeFigureOut">
+            <a:fld id="{AC56C321-71D9-4220-8F30-FFDBCFA7B955}" type="datetime1">
               <a:rPr lang="en-US" smtClean="0"/>
-              <a:t>10/5/2020</a:t>
+              <a:t>11/3/2020</a:t>
             </a:fld>
             <a:endParaRPr lang="en-US"/>
           </a:p>
@@ -267,13 +709,7 @@
       </p:sp>
       <p:sp>
         <p:nvSpPr>
-          <p:cNvPr id="5" name="Marcador de pie de página 4">
-            <a:extLst>
-              <a:ext uri="{FF2B5EF4-FFF2-40B4-BE49-F238E27FC236}">
-                <a16:creationId xmlns:a16="http://schemas.microsoft.com/office/drawing/2014/main" id="{A28A5DCC-8F76-46BD-B23F-85468105DF1C}"/>
-              </a:ext>
-            </a:extLst>
-          </p:cNvPr>
+          <p:cNvPr id="5" name="Footer Placeholder 4"/>
           <p:cNvSpPr>
             <a:spLocks noGrp="1"/>
           </p:cNvSpPr>
@@ -286,19 +722,17 @@
           <a:bodyPr/>
           <a:lstStyle/>
           <a:p>
+            <a:r>
+              <a:rPr lang="es-ES"/>
+              <a:t>Diplomado en Inteligencia Artificial y Aprendizaje Profundo -UN</a:t>
+            </a:r>
             <a:endParaRPr lang="en-US"/>
           </a:p>
         </p:txBody>
       </p:sp>
       <p:sp>
         <p:nvSpPr>
-          <p:cNvPr id="6" name="Marcador de número de diapositiva 5">
-            <a:extLst>
-              <a:ext uri="{FF2B5EF4-FFF2-40B4-BE49-F238E27FC236}">
-                <a16:creationId xmlns:a16="http://schemas.microsoft.com/office/drawing/2014/main" id="{741B2FBD-AC87-4EAB-BC8B-B29E11F55EAB}"/>
-              </a:ext>
-            </a:extLst>
-          </p:cNvPr>
+          <p:cNvPr id="6" name="Slide Number Placeholder 5"/>
           <p:cNvSpPr>
             <a:spLocks noGrp="1"/>
           </p:cNvSpPr>
@@ -311,7 +745,7 @@
           <a:bodyPr/>
           <a:lstStyle/>
           <a:p>
-            <a:fld id="{D06F6822-8219-4E77-AF8A-CA9A8BDE2C8A}" type="slidenum">
+            <a:fld id="{1987B7B8-616A-43F8-924E-8DBE374A2992}" type="slidenum">
               <a:rPr lang="en-US" smtClean="0"/>
               <a:t>‹Nº›</a:t>
             </a:fld>
@@ -319,10 +753,48 @@
           </a:p>
         </p:txBody>
       </p:sp>
+      <p:cxnSp>
+        <p:nvCxnSpPr>
+          <p:cNvPr id="9" name="Straight Connector 8"/>
+          <p:cNvCxnSpPr/>
+          <p:nvPr/>
+        </p:nvCxnSpPr>
+        <p:spPr>
+          <a:xfrm>
+            <a:off x="1207658" y="4343400"/>
+            <a:ext cx="9875520" cy="0"/>
+          </a:xfrm>
+          <a:prstGeom prst="line">
+            <a:avLst/>
+          </a:prstGeom>
+          <a:ln w="6350">
+            <a:solidFill>
+              <a:schemeClr val="tx1">
+                <a:lumMod val="50000"/>
+                <a:lumOff val="50000"/>
+              </a:schemeClr>
+            </a:solidFill>
+          </a:ln>
+        </p:spPr>
+        <p:style>
+          <a:lnRef idx="1">
+            <a:schemeClr val="accent1"/>
+          </a:lnRef>
+          <a:fillRef idx="0">
+            <a:schemeClr val="accent1"/>
+          </a:fillRef>
+          <a:effectRef idx="0">
+            <a:schemeClr val="accent1"/>
+          </a:effectRef>
+          <a:fontRef idx="minor">
+            <a:schemeClr val="tx1"/>
+          </a:fontRef>
+        </p:style>
+      </p:cxnSp>
     </p:spTree>
     <p:extLst>
       <p:ext uri="{BB962C8B-B14F-4D97-AF65-F5344CB8AC3E}">
-        <p14:creationId xmlns:p14="http://schemas.microsoft.com/office/powerpoint/2010/main" val="4063577958"/>
+        <p14:creationId xmlns:p14="http://schemas.microsoft.com/office/powerpoint/2010/main" val="3428170605"/>
       </p:ext>
     </p:extLst>
   </p:cSld>
@@ -351,13 +823,7 @@
       </p:grpSpPr>
       <p:sp>
         <p:nvSpPr>
-          <p:cNvPr id="2" name="Título 1">
-            <a:extLst>
-              <a:ext uri="{FF2B5EF4-FFF2-40B4-BE49-F238E27FC236}">
-                <a16:creationId xmlns:a16="http://schemas.microsoft.com/office/drawing/2014/main" id="{B5B83421-2C52-4E01-9731-5F2560FEDD03}"/>
-              </a:ext>
-            </a:extLst>
-          </p:cNvPr>
+          <p:cNvPr id="2" name="Title 1"/>
           <p:cNvSpPr>
             <a:spLocks noGrp="1"/>
           </p:cNvSpPr>
@@ -374,19 +840,13 @@
               <a:rPr lang="es-ES"/>
               <a:t>Haga clic para modificar el estilo de título del patrón</a:t>
             </a:r>
-            <a:endParaRPr lang="en-US"/>
-          </a:p>
-        </p:txBody>
-      </p:sp>
-      <p:sp>
-        <p:nvSpPr>
-          <p:cNvPr id="3" name="Marcador de texto vertical 2">
-            <a:extLst>
-              <a:ext uri="{FF2B5EF4-FFF2-40B4-BE49-F238E27FC236}">
-                <a16:creationId xmlns:a16="http://schemas.microsoft.com/office/drawing/2014/main" id="{C6BE3B58-D266-4D44-96CE-191E70977ED7}"/>
-              </a:ext>
-            </a:extLst>
-          </p:cNvPr>
+            <a:endParaRPr lang="en-US" dirty="0"/>
+          </a:p>
+        </p:txBody>
+      </p:sp>
+      <p:sp>
+        <p:nvSpPr>
+          <p:cNvPr id="3" name="Vertical Text Placeholder 2"/>
           <p:cNvSpPr>
             <a:spLocks noGrp="1"/>
           </p:cNvSpPr>
@@ -396,7 +856,7 @@
         </p:nvSpPr>
         <p:spPr/>
         <p:txBody>
-          <a:bodyPr vert="eaVert"/>
+          <a:bodyPr vert="eaVert" lIns="45720" tIns="0" rIns="45720" bIns="0"/>
           <a:lstStyle/>
           <a:p>
             <a:pPr lvl="0"/>
@@ -432,19 +892,13 @@
               <a:rPr lang="es-ES"/>
               <a:t>Quinto nivel</a:t>
             </a:r>
-            <a:endParaRPr lang="en-US"/>
-          </a:p>
-        </p:txBody>
-      </p:sp>
-      <p:sp>
-        <p:nvSpPr>
-          <p:cNvPr id="4" name="Marcador de fecha 3">
-            <a:extLst>
-              <a:ext uri="{FF2B5EF4-FFF2-40B4-BE49-F238E27FC236}">
-                <a16:creationId xmlns:a16="http://schemas.microsoft.com/office/drawing/2014/main" id="{77095B2E-9AC9-4F33-89E5-0AE32F710E16}"/>
-              </a:ext>
-            </a:extLst>
-          </p:cNvPr>
+            <a:endParaRPr lang="en-US" dirty="0"/>
+          </a:p>
+        </p:txBody>
+      </p:sp>
+      <p:sp>
+        <p:nvSpPr>
+          <p:cNvPr id="4" name="Date Placeholder 3"/>
           <p:cNvSpPr>
             <a:spLocks noGrp="1"/>
           </p:cNvSpPr>
@@ -457,9 +911,9 @@
           <a:bodyPr/>
           <a:lstStyle/>
           <a:p>
-            <a:fld id="{66FDCE43-4C6A-411B-A53F-054978AFBE8C}" type="datetimeFigureOut">
+            <a:fld id="{66943E3B-9E0A-4037-9560-F2883C000E88}" type="datetime1">
               <a:rPr lang="en-US" smtClean="0"/>
-              <a:t>10/5/2020</a:t>
+              <a:t>11/3/2020</a:t>
             </a:fld>
             <a:endParaRPr lang="en-US"/>
           </a:p>
@@ -467,13 +921,7 @@
       </p:sp>
       <p:sp>
         <p:nvSpPr>
-          <p:cNvPr id="5" name="Marcador de pie de página 4">
-            <a:extLst>
-              <a:ext uri="{FF2B5EF4-FFF2-40B4-BE49-F238E27FC236}">
-                <a16:creationId xmlns:a16="http://schemas.microsoft.com/office/drawing/2014/main" id="{D47FA328-ECA2-4287-BC63-5EEF247CDE33}"/>
-              </a:ext>
-            </a:extLst>
-          </p:cNvPr>
+          <p:cNvPr id="5" name="Footer Placeholder 4"/>
           <p:cNvSpPr>
             <a:spLocks noGrp="1"/>
           </p:cNvSpPr>
@@ -486,19 +934,17 @@
           <a:bodyPr/>
           <a:lstStyle/>
           <a:p>
+            <a:r>
+              <a:rPr lang="es-ES"/>
+              <a:t>Diplomado en Inteligencia Artificial y Aprendizaje Profundo -UN</a:t>
+            </a:r>
             <a:endParaRPr lang="en-US"/>
           </a:p>
         </p:txBody>
       </p:sp>
       <p:sp>
         <p:nvSpPr>
-          <p:cNvPr id="6" name="Marcador de número de diapositiva 5">
-            <a:extLst>
-              <a:ext uri="{FF2B5EF4-FFF2-40B4-BE49-F238E27FC236}">
-                <a16:creationId xmlns:a16="http://schemas.microsoft.com/office/drawing/2014/main" id="{3D483C7B-0956-438C-A55E-23D2ADA1DF06}"/>
-              </a:ext>
-            </a:extLst>
-          </p:cNvPr>
+          <p:cNvPr id="6" name="Slide Number Placeholder 5"/>
           <p:cNvSpPr>
             <a:spLocks noGrp="1"/>
           </p:cNvSpPr>
@@ -511,7 +957,7 @@
           <a:bodyPr/>
           <a:lstStyle/>
           <a:p>
-            <a:fld id="{D06F6822-8219-4E77-AF8A-CA9A8BDE2C8A}" type="slidenum">
+            <a:fld id="{1987B7B8-616A-43F8-924E-8DBE374A2992}" type="slidenum">
               <a:rPr lang="en-US" smtClean="0"/>
               <a:t>‹Nº›</a:t>
             </a:fld>
@@ -522,7 +968,7 @@
     </p:spTree>
     <p:extLst>
       <p:ext uri="{BB962C8B-B14F-4D97-AF65-F5344CB8AC3E}">
-        <p14:creationId xmlns:p14="http://schemas.microsoft.com/office/powerpoint/2010/main" val="3382256640"/>
+        <p14:creationId xmlns:p14="http://schemas.microsoft.com/office/powerpoint/2010/main" val="1531781446"/>
       </p:ext>
     </p:extLst>
   </p:cSld>
@@ -533,7 +979,7 @@
 </file>
 
 <file path=ppt/slideLayouts/slideLayout11.xml><?xml version="1.0" encoding="utf-8"?>
-<p:sldLayout xmlns:a="http://schemas.openxmlformats.org/drawingml/2006/main" xmlns:r="http://schemas.openxmlformats.org/officeDocument/2006/relationships" xmlns:p="http://schemas.openxmlformats.org/presentationml/2006/main" type="vertTitleAndTx" preserve="1">
+<p:sldLayout xmlns:a="http://schemas.openxmlformats.org/drawingml/2006/main" xmlns:r="http://schemas.openxmlformats.org/officeDocument/2006/relationships" xmlns:p="http://schemas.openxmlformats.org/presentationml/2006/main" showMasterSp="0" type="vertTitleAndTx" preserve="1">
   <p:cSld name="Título vertical y texto">
     <p:spTree>
       <p:nvGrpSpPr>
@@ -551,13 +997,83 @@
       </p:grpSpPr>
       <p:sp>
         <p:nvSpPr>
-          <p:cNvPr id="2" name="Título vertical 1">
-            <a:extLst>
-              <a:ext uri="{FF2B5EF4-FFF2-40B4-BE49-F238E27FC236}">
-                <a16:creationId xmlns:a16="http://schemas.microsoft.com/office/drawing/2014/main" id="{1B8D17F6-D0AE-4587-8F6E-836A7204E5C2}"/>
-              </a:ext>
-            </a:extLst>
-          </p:cNvPr>
+          <p:cNvPr id="7" name="Rectangle 6"/>
+          <p:cNvSpPr/>
+          <p:nvPr/>
+        </p:nvSpPr>
+        <p:spPr>
+          <a:xfrm>
+            <a:off x="3175" y="6400800"/>
+            <a:ext cx="12188825" cy="457200"/>
+          </a:xfrm>
+          <a:prstGeom prst="rect">
+            <a:avLst/>
+          </a:prstGeom>
+          <a:solidFill>
+            <a:schemeClr val="accent2"/>
+          </a:solidFill>
+          <a:ln>
+            <a:noFill/>
+          </a:ln>
+        </p:spPr>
+        <p:style>
+          <a:lnRef idx="2">
+            <a:schemeClr val="accent1">
+              <a:shade val="50000"/>
+            </a:schemeClr>
+          </a:lnRef>
+          <a:fillRef idx="1">
+            <a:schemeClr val="accent1"/>
+          </a:fillRef>
+          <a:effectRef idx="0">
+            <a:schemeClr val="accent1"/>
+          </a:effectRef>
+          <a:fontRef idx="minor">
+            <a:schemeClr val="lt1"/>
+          </a:fontRef>
+        </p:style>
+      </p:sp>
+      <p:sp>
+        <p:nvSpPr>
+          <p:cNvPr id="8" name="Rectangle 7"/>
+          <p:cNvSpPr/>
+          <p:nvPr/>
+        </p:nvSpPr>
+        <p:spPr>
+          <a:xfrm>
+            <a:off x="15" y="6334316"/>
+            <a:ext cx="12188825" cy="64008"/>
+          </a:xfrm>
+          <a:prstGeom prst="rect">
+            <a:avLst/>
+          </a:prstGeom>
+          <a:solidFill>
+            <a:schemeClr val="accent1"/>
+          </a:solidFill>
+          <a:ln>
+            <a:noFill/>
+          </a:ln>
+        </p:spPr>
+        <p:style>
+          <a:lnRef idx="2">
+            <a:schemeClr val="accent1">
+              <a:shade val="50000"/>
+            </a:schemeClr>
+          </a:lnRef>
+          <a:fillRef idx="1">
+            <a:schemeClr val="accent1"/>
+          </a:fillRef>
+          <a:effectRef idx="0">
+            <a:schemeClr val="accent1"/>
+          </a:effectRef>
+          <a:fontRef idx="minor">
+            <a:schemeClr val="lt1"/>
+          </a:fontRef>
+        </p:style>
+      </p:sp>
+      <p:sp>
+        <p:nvSpPr>
+          <p:cNvPr id="2" name="Vertical Title 1"/>
           <p:cNvSpPr>
             <a:spLocks noGrp="1"/>
           </p:cNvSpPr>
@@ -567,8 +1083,8 @@
         </p:nvSpPr>
         <p:spPr>
           <a:xfrm>
-            <a:off x="8724900" y="365125"/>
-            <a:ext cx="2628900" cy="5811838"/>
+            <a:off x="8724900" y="414778"/>
+            <a:ext cx="2628900" cy="5757421"/>
           </a:xfrm>
         </p:spPr>
         <p:txBody>
@@ -579,19 +1095,13 @@
               <a:rPr lang="es-ES"/>
               <a:t>Haga clic para modificar el estilo de título del patrón</a:t>
             </a:r>
-            <a:endParaRPr lang="en-US"/>
-          </a:p>
-        </p:txBody>
-      </p:sp>
-      <p:sp>
-        <p:nvSpPr>
-          <p:cNvPr id="3" name="Marcador de texto vertical 2">
-            <a:extLst>
-              <a:ext uri="{FF2B5EF4-FFF2-40B4-BE49-F238E27FC236}">
-                <a16:creationId xmlns:a16="http://schemas.microsoft.com/office/drawing/2014/main" id="{E21F5025-641C-4E70-B5B6-09FDD99A2D39}"/>
-              </a:ext>
-            </a:extLst>
-          </p:cNvPr>
+            <a:endParaRPr lang="en-US" dirty="0"/>
+          </a:p>
+        </p:txBody>
+      </p:sp>
+      <p:sp>
+        <p:nvSpPr>
+          <p:cNvPr id="3" name="Vertical Text Placeholder 2"/>
           <p:cNvSpPr>
             <a:spLocks noGrp="1"/>
           </p:cNvSpPr>
@@ -601,12 +1111,12 @@
         </p:nvSpPr>
         <p:spPr>
           <a:xfrm>
-            <a:off x="838200" y="365125"/>
-            <a:ext cx="7734300" cy="5811838"/>
-          </a:xfrm>
-        </p:spPr>
-        <p:txBody>
-          <a:bodyPr vert="eaVert"/>
+            <a:off x="838200" y="414778"/>
+            <a:ext cx="7734300" cy="5757422"/>
+          </a:xfrm>
+        </p:spPr>
+        <p:txBody>
+          <a:bodyPr vert="eaVert" lIns="45720" tIns="0" rIns="45720" bIns="0"/>
           <a:lstStyle/>
           <a:p>
             <a:pPr lvl="0"/>
@@ -642,19 +1152,13 @@
               <a:rPr lang="es-ES"/>
               <a:t>Quinto nivel</a:t>
             </a:r>
-            <a:endParaRPr lang="en-US"/>
-          </a:p>
-        </p:txBody>
-      </p:sp>
-      <p:sp>
-        <p:nvSpPr>
-          <p:cNvPr id="4" name="Marcador de fecha 3">
-            <a:extLst>
-              <a:ext uri="{FF2B5EF4-FFF2-40B4-BE49-F238E27FC236}">
-                <a16:creationId xmlns:a16="http://schemas.microsoft.com/office/drawing/2014/main" id="{9CD3AF29-64C2-4FD9-AE69-8A3737E32551}"/>
-              </a:ext>
-            </a:extLst>
-          </p:cNvPr>
+            <a:endParaRPr lang="en-US" dirty="0"/>
+          </a:p>
+        </p:txBody>
+      </p:sp>
+      <p:sp>
+        <p:nvSpPr>
+          <p:cNvPr id="4" name="Date Placeholder 3"/>
           <p:cNvSpPr>
             <a:spLocks noGrp="1"/>
           </p:cNvSpPr>
@@ -667,9 +1171,9 @@
           <a:bodyPr/>
           <a:lstStyle/>
           <a:p>
-            <a:fld id="{66FDCE43-4C6A-411B-A53F-054978AFBE8C}" type="datetimeFigureOut">
+            <a:fld id="{BF29F4FA-08B0-4772-82E3-D433C5D642F2}" type="datetime1">
               <a:rPr lang="en-US" smtClean="0"/>
-              <a:t>10/5/2020</a:t>
+              <a:t>11/3/2020</a:t>
             </a:fld>
             <a:endParaRPr lang="en-US"/>
           </a:p>
@@ -677,13 +1181,7 @@
       </p:sp>
       <p:sp>
         <p:nvSpPr>
-          <p:cNvPr id="5" name="Marcador de pie de página 4">
-            <a:extLst>
-              <a:ext uri="{FF2B5EF4-FFF2-40B4-BE49-F238E27FC236}">
-                <a16:creationId xmlns:a16="http://schemas.microsoft.com/office/drawing/2014/main" id="{24F016B3-E695-49B8-A3CC-D0519354A5EF}"/>
-              </a:ext>
-            </a:extLst>
-          </p:cNvPr>
+          <p:cNvPr id="5" name="Footer Placeholder 4"/>
           <p:cNvSpPr>
             <a:spLocks noGrp="1"/>
           </p:cNvSpPr>
@@ -696,19 +1194,17 @@
           <a:bodyPr/>
           <a:lstStyle/>
           <a:p>
+            <a:r>
+              <a:rPr lang="es-ES"/>
+              <a:t>Diplomado en Inteligencia Artificial y Aprendizaje Profundo -UN</a:t>
+            </a:r>
             <a:endParaRPr lang="en-US"/>
           </a:p>
         </p:txBody>
       </p:sp>
       <p:sp>
         <p:nvSpPr>
-          <p:cNvPr id="6" name="Marcador de número de diapositiva 5">
-            <a:extLst>
-              <a:ext uri="{FF2B5EF4-FFF2-40B4-BE49-F238E27FC236}">
-                <a16:creationId xmlns:a16="http://schemas.microsoft.com/office/drawing/2014/main" id="{2B3E08AE-6894-4A02-B371-1581366F4C4B}"/>
-              </a:ext>
-            </a:extLst>
-          </p:cNvPr>
+          <p:cNvPr id="6" name="Slide Number Placeholder 5"/>
           <p:cNvSpPr>
             <a:spLocks noGrp="1"/>
           </p:cNvSpPr>
@@ -721,7 +1217,7 @@
           <a:bodyPr/>
           <a:lstStyle/>
           <a:p>
-            <a:fld id="{D06F6822-8219-4E77-AF8A-CA9A8BDE2C8A}" type="slidenum">
+            <a:fld id="{1987B7B8-616A-43F8-924E-8DBE374A2992}" type="slidenum">
               <a:rPr lang="en-US" smtClean="0"/>
               <a:t>‹Nº›</a:t>
             </a:fld>
@@ -732,7 +1228,7 @@
     </p:spTree>
     <p:extLst>
       <p:ext uri="{BB962C8B-B14F-4D97-AF65-F5344CB8AC3E}">
-        <p14:creationId xmlns:p14="http://schemas.microsoft.com/office/powerpoint/2010/main" val="902714623"/>
+        <p14:creationId xmlns:p14="http://schemas.microsoft.com/office/powerpoint/2010/main" val="2359096319"/>
       </p:ext>
     </p:extLst>
   </p:cSld>
@@ -761,13 +1257,7 @@
       </p:grpSpPr>
       <p:sp>
         <p:nvSpPr>
-          <p:cNvPr id="2" name="Título 1">
-            <a:extLst>
-              <a:ext uri="{FF2B5EF4-FFF2-40B4-BE49-F238E27FC236}">
-                <a16:creationId xmlns:a16="http://schemas.microsoft.com/office/drawing/2014/main" id="{2F555972-BF4E-4F49-BFE3-915D64202987}"/>
-              </a:ext>
-            </a:extLst>
-          </p:cNvPr>
+          <p:cNvPr id="2" name="Title 1"/>
           <p:cNvSpPr>
             <a:spLocks noGrp="1"/>
           </p:cNvSpPr>
@@ -778,25 +1268,23 @@
         <p:spPr/>
         <p:txBody>
           <a:bodyPr/>
-          <a:lstStyle/>
+          <a:lstStyle>
+            <a:lvl1pPr marL="0">
+              <a:defRPr/>
+            </a:lvl1pPr>
+          </a:lstStyle>
           <a:p>
             <a:r>
               <a:rPr lang="es-ES"/>
               <a:t>Haga clic para modificar el estilo de título del patrón</a:t>
             </a:r>
-            <a:endParaRPr lang="en-US"/>
-          </a:p>
-        </p:txBody>
-      </p:sp>
-      <p:sp>
-        <p:nvSpPr>
-          <p:cNvPr id="3" name="Marcador de contenido 2">
-            <a:extLst>
-              <a:ext uri="{FF2B5EF4-FFF2-40B4-BE49-F238E27FC236}">
-                <a16:creationId xmlns:a16="http://schemas.microsoft.com/office/drawing/2014/main" id="{AED738AC-7EBD-464E-A7ED-8E5B9D5E1D62}"/>
-              </a:ext>
-            </a:extLst>
-          </p:cNvPr>
+            <a:endParaRPr lang="en-US" dirty="0"/>
+          </a:p>
+        </p:txBody>
+      </p:sp>
+      <p:sp>
+        <p:nvSpPr>
+          <p:cNvPr id="3" name="Content Placeholder 2"/>
           <p:cNvSpPr>
             <a:spLocks noGrp="1"/>
           </p:cNvSpPr>
@@ -842,19 +1330,13 @@
               <a:rPr lang="es-ES"/>
               <a:t>Quinto nivel</a:t>
             </a:r>
-            <a:endParaRPr lang="en-US"/>
-          </a:p>
-        </p:txBody>
-      </p:sp>
-      <p:sp>
-        <p:nvSpPr>
-          <p:cNvPr id="4" name="Marcador de fecha 3">
-            <a:extLst>
-              <a:ext uri="{FF2B5EF4-FFF2-40B4-BE49-F238E27FC236}">
-                <a16:creationId xmlns:a16="http://schemas.microsoft.com/office/drawing/2014/main" id="{0C79D511-88A5-49A2-A293-3492A9F32190}"/>
-              </a:ext>
-            </a:extLst>
-          </p:cNvPr>
+            <a:endParaRPr lang="en-US" dirty="0"/>
+          </a:p>
+        </p:txBody>
+      </p:sp>
+      <p:sp>
+        <p:nvSpPr>
+          <p:cNvPr id="4" name="Date Placeholder 3"/>
           <p:cNvSpPr>
             <a:spLocks noGrp="1"/>
           </p:cNvSpPr>
@@ -867,9 +1349,9 @@
           <a:bodyPr/>
           <a:lstStyle/>
           <a:p>
-            <a:fld id="{66FDCE43-4C6A-411B-A53F-054978AFBE8C}" type="datetimeFigureOut">
+            <a:fld id="{093FBC96-4E2D-4172-97AD-2FC9AE61AC0F}" type="datetime1">
               <a:rPr lang="en-US" smtClean="0"/>
-              <a:t>10/5/2020</a:t>
+              <a:t>11/3/2020</a:t>
             </a:fld>
             <a:endParaRPr lang="en-US"/>
           </a:p>
@@ -877,13 +1359,7 @@
       </p:sp>
       <p:sp>
         <p:nvSpPr>
-          <p:cNvPr id="5" name="Marcador de pie de página 4">
-            <a:extLst>
-              <a:ext uri="{FF2B5EF4-FFF2-40B4-BE49-F238E27FC236}">
-                <a16:creationId xmlns:a16="http://schemas.microsoft.com/office/drawing/2014/main" id="{F34E8356-0E1E-411C-B7DA-56E70D1F8A16}"/>
-              </a:ext>
-            </a:extLst>
-          </p:cNvPr>
+          <p:cNvPr id="5" name="Footer Placeholder 4"/>
           <p:cNvSpPr>
             <a:spLocks noGrp="1"/>
           </p:cNvSpPr>
@@ -896,19 +1372,17 @@
           <a:bodyPr/>
           <a:lstStyle/>
           <a:p>
+            <a:r>
+              <a:rPr lang="es-ES"/>
+              <a:t>Diplomado en Inteligencia Artificial y Aprendizaje Profundo -UN</a:t>
+            </a:r>
             <a:endParaRPr lang="en-US"/>
           </a:p>
         </p:txBody>
       </p:sp>
       <p:sp>
         <p:nvSpPr>
-          <p:cNvPr id="6" name="Marcador de número de diapositiva 5">
-            <a:extLst>
-              <a:ext uri="{FF2B5EF4-FFF2-40B4-BE49-F238E27FC236}">
-                <a16:creationId xmlns:a16="http://schemas.microsoft.com/office/drawing/2014/main" id="{BB0A5716-10CD-4ECD-BAC2-0C3BE02C5642}"/>
-              </a:ext>
-            </a:extLst>
-          </p:cNvPr>
+          <p:cNvPr id="6" name="Slide Number Placeholder 5"/>
           <p:cNvSpPr>
             <a:spLocks noGrp="1"/>
           </p:cNvSpPr>
@@ -921,7 +1395,7 @@
           <a:bodyPr/>
           <a:lstStyle/>
           <a:p>
-            <a:fld id="{D06F6822-8219-4E77-AF8A-CA9A8BDE2C8A}" type="slidenum">
+            <a:fld id="{1987B7B8-616A-43F8-924E-8DBE374A2992}" type="slidenum">
               <a:rPr lang="en-US" smtClean="0"/>
               <a:t>‹Nº›</a:t>
             </a:fld>
@@ -932,7 +1406,7 @@
     </p:spTree>
     <p:extLst>
       <p:ext uri="{BB962C8B-B14F-4D97-AF65-F5344CB8AC3E}">
-        <p14:creationId xmlns:p14="http://schemas.microsoft.com/office/powerpoint/2010/main" val="1772448994"/>
+        <p14:creationId xmlns:p14="http://schemas.microsoft.com/office/powerpoint/2010/main" val="3226502986"/>
       </p:ext>
     </p:extLst>
   </p:cSld>
@@ -943,8 +1417,16 @@
 </file>
 
 <file path=ppt/slideLayouts/slideLayout3.xml><?xml version="1.0" encoding="utf-8"?>
-<p:sldLayout xmlns:a="http://schemas.openxmlformats.org/drawingml/2006/main" xmlns:r="http://schemas.openxmlformats.org/officeDocument/2006/relationships" xmlns:p="http://schemas.openxmlformats.org/presentationml/2006/main" type="secHead" preserve="1">
+<p:sldLayout xmlns:a="http://schemas.openxmlformats.org/drawingml/2006/main" xmlns:r="http://schemas.openxmlformats.org/officeDocument/2006/relationships" xmlns:p="http://schemas.openxmlformats.org/presentationml/2006/main" showMasterSp="0" type="secHead" preserve="1">
   <p:cSld name="Encabezado de sección">
+    <p:bg>
+      <p:bgPr>
+        <a:solidFill>
+          <a:schemeClr val="bg1"/>
+        </a:solidFill>
+        <a:effectLst/>
+      </p:bgPr>
+    </p:bg>
     <p:spTree>
       <p:nvGrpSpPr>
         <p:cNvPr id="1" name=""/>
@@ -961,13 +1443,83 @@
       </p:grpSpPr>
       <p:sp>
         <p:nvSpPr>
-          <p:cNvPr id="2" name="Título 1">
-            <a:extLst>
-              <a:ext uri="{FF2B5EF4-FFF2-40B4-BE49-F238E27FC236}">
-                <a16:creationId xmlns:a16="http://schemas.microsoft.com/office/drawing/2014/main" id="{C8449270-FDCD-47E6-876C-B45E0EBDBB01}"/>
-              </a:ext>
-            </a:extLst>
-          </p:cNvPr>
+          <p:cNvPr id="7" name="Rectangle 6"/>
+          <p:cNvSpPr/>
+          <p:nvPr/>
+        </p:nvSpPr>
+        <p:spPr>
+          <a:xfrm>
+            <a:off x="3175" y="6400800"/>
+            <a:ext cx="12188825" cy="457200"/>
+          </a:xfrm>
+          <a:prstGeom prst="rect">
+            <a:avLst/>
+          </a:prstGeom>
+          <a:solidFill>
+            <a:schemeClr val="accent2"/>
+          </a:solidFill>
+          <a:ln>
+            <a:noFill/>
+          </a:ln>
+        </p:spPr>
+        <p:style>
+          <a:lnRef idx="2">
+            <a:schemeClr val="accent1">
+              <a:shade val="50000"/>
+            </a:schemeClr>
+          </a:lnRef>
+          <a:fillRef idx="1">
+            <a:schemeClr val="accent1"/>
+          </a:fillRef>
+          <a:effectRef idx="0">
+            <a:schemeClr val="accent1"/>
+          </a:effectRef>
+          <a:fontRef idx="minor">
+            <a:schemeClr val="lt1"/>
+          </a:fontRef>
+        </p:style>
+      </p:sp>
+      <p:sp>
+        <p:nvSpPr>
+          <p:cNvPr id="8" name="Rectangle 7"/>
+          <p:cNvSpPr/>
+          <p:nvPr/>
+        </p:nvSpPr>
+        <p:spPr>
+          <a:xfrm>
+            <a:off x="15" y="6334316"/>
+            <a:ext cx="12188825" cy="64008"/>
+          </a:xfrm>
+          <a:prstGeom prst="rect">
+            <a:avLst/>
+          </a:prstGeom>
+          <a:solidFill>
+            <a:schemeClr val="accent1"/>
+          </a:solidFill>
+          <a:ln>
+            <a:noFill/>
+          </a:ln>
+        </p:spPr>
+        <p:style>
+          <a:lnRef idx="2">
+            <a:schemeClr val="accent1">
+              <a:shade val="50000"/>
+            </a:schemeClr>
+          </a:lnRef>
+          <a:fillRef idx="1">
+            <a:schemeClr val="accent1"/>
+          </a:fillRef>
+          <a:effectRef idx="0">
+            <a:schemeClr val="accent1"/>
+          </a:effectRef>
+          <a:fontRef idx="minor">
+            <a:schemeClr val="lt1"/>
+          </a:fontRef>
+        </p:style>
+      </p:sp>
+      <p:sp>
+        <p:nvSpPr>
+          <p:cNvPr id="2" name="Title 1"/>
           <p:cNvSpPr>
             <a:spLocks noGrp="1"/>
           </p:cNvSpPr>
@@ -977,64 +1529,71 @@
         </p:nvSpPr>
         <p:spPr>
           <a:xfrm>
-            <a:off x="831850" y="1709738"/>
-            <a:ext cx="10515600" cy="2852737"/>
-          </a:xfrm>
-        </p:spPr>
-        <p:txBody>
-          <a:bodyPr anchor="b"/>
+            <a:off x="1097280" y="758952"/>
+            <a:ext cx="10058400" cy="3566160"/>
+          </a:xfrm>
+        </p:spPr>
+        <p:txBody>
+          <a:bodyPr anchor="b" anchorCtr="0">
+            <a:normAutofit/>
+          </a:bodyPr>
           <a:lstStyle>
             <a:lvl1pPr>
-              <a:defRPr sz="6000"/>
-            </a:lvl1pPr>
-          </a:lstStyle>
-          <a:p>
-            <a:r>
-              <a:rPr lang="es-ES"/>
-              <a:t>Haga clic para modificar el estilo de título del patrón</a:t>
-            </a:r>
-            <a:endParaRPr lang="en-US"/>
-          </a:p>
-        </p:txBody>
-      </p:sp>
-      <p:sp>
-        <p:nvSpPr>
-          <p:cNvPr id="3" name="Marcador de texto 2">
-            <a:extLst>
-              <a:ext uri="{FF2B5EF4-FFF2-40B4-BE49-F238E27FC236}">
-                <a16:creationId xmlns:a16="http://schemas.microsoft.com/office/drawing/2014/main" id="{81633190-4DD6-40C2-850A-A8701409A0FB}"/>
-              </a:ext>
-            </a:extLst>
-          </p:cNvPr>
-          <p:cNvSpPr>
-            <a:spLocks noGrp="1"/>
-          </p:cNvSpPr>
-          <p:nvPr>
-            <p:ph type="body" idx="1"/>
-          </p:nvPr>
-        </p:nvSpPr>
-        <p:spPr>
-          <a:xfrm>
-            <a:off x="831850" y="4589463"/>
-            <a:ext cx="10515600" cy="1500187"/>
-          </a:xfrm>
-        </p:spPr>
-        <p:txBody>
-          <a:bodyPr/>
-          <a:lstStyle>
-            <a:lvl1pPr marL="0" indent="0">
-              <a:buNone/>
-              <a:defRPr sz="2400">
+              <a:lnSpc>
+                <a:spcPct val="85000"/>
+              </a:lnSpc>
+              <a:defRPr sz="8000" b="0">
                 <a:solidFill>
                   <a:schemeClr val="tx1">
-                    <a:tint val="75000"/>
+                    <a:lumMod val="85000"/>
+                    <a:lumOff val="15000"/>
                   </a:schemeClr>
                 </a:solidFill>
               </a:defRPr>
             </a:lvl1pPr>
+          </a:lstStyle>
+          <a:p>
+            <a:r>
+              <a:rPr lang="es-ES"/>
+              <a:t>Haga clic para modificar el estilo de título del patrón</a:t>
+            </a:r>
+            <a:endParaRPr lang="en-US" dirty="0"/>
+          </a:p>
+        </p:txBody>
+      </p:sp>
+      <p:sp>
+        <p:nvSpPr>
+          <p:cNvPr id="3" name="Text Placeholder 2"/>
+          <p:cNvSpPr>
+            <a:spLocks noGrp="1"/>
+          </p:cNvSpPr>
+          <p:nvPr>
+            <p:ph type="body" idx="1"/>
+          </p:nvPr>
+        </p:nvSpPr>
+        <p:spPr>
+          <a:xfrm>
+            <a:off x="1097280" y="4453128"/>
+            <a:ext cx="10058400" cy="1143000"/>
+          </a:xfrm>
+        </p:spPr>
+        <p:txBody>
+          <a:bodyPr lIns="91440" rIns="91440" anchor="t" anchorCtr="0">
+            <a:normAutofit/>
+          </a:bodyPr>
+          <a:lstStyle>
+            <a:lvl1pPr marL="0" indent="0">
+              <a:buNone/>
+              <a:defRPr sz="2400" cap="all" spc="200" baseline="0">
+                <a:solidFill>
+                  <a:schemeClr val="tx2"/>
+                </a:solidFill>
+                <a:latin typeface="+mj-lt"/>
+              </a:defRPr>
+            </a:lvl1pPr>
             <a:lvl2pPr marL="457200" indent="0">
               <a:buNone/>
-              <a:defRPr sz="2000">
+              <a:defRPr sz="1800">
                 <a:solidFill>
                   <a:schemeClr val="tx1">
                     <a:tint val="75000"/>
@@ -1044,7 +1603,7 @@
             </a:lvl2pPr>
             <a:lvl3pPr marL="914400" indent="0">
               <a:buNone/>
-              <a:defRPr sz="1800">
+              <a:defRPr sz="1600">
                 <a:solidFill>
                   <a:schemeClr val="tx1">
                     <a:tint val="75000"/>
@@ -1054,7 +1613,7 @@
             </a:lvl3pPr>
             <a:lvl4pPr marL="1371600" indent="0">
               <a:buNone/>
-              <a:defRPr sz="1600">
+              <a:defRPr sz="1400">
                 <a:solidFill>
                   <a:schemeClr val="tx1">
                     <a:tint val="75000"/>
@@ -1064,7 +1623,7 @@
             </a:lvl4pPr>
             <a:lvl5pPr marL="1828800" indent="0">
               <a:buNone/>
-              <a:defRPr sz="1600">
+              <a:defRPr sz="1400">
                 <a:solidFill>
                   <a:schemeClr val="tx1">
                     <a:tint val="75000"/>
@@ -1074,7 +1633,7 @@
             </a:lvl5pPr>
             <a:lvl6pPr marL="2286000" indent="0">
               <a:buNone/>
-              <a:defRPr sz="1600">
+              <a:defRPr sz="1400">
                 <a:solidFill>
                   <a:schemeClr val="tx1">
                     <a:tint val="75000"/>
@@ -1084,7 +1643,7 @@
             </a:lvl6pPr>
             <a:lvl7pPr marL="2743200" indent="0">
               <a:buNone/>
-              <a:defRPr sz="1600">
+              <a:defRPr sz="1400">
                 <a:solidFill>
                   <a:schemeClr val="tx1">
                     <a:tint val="75000"/>
@@ -1094,7 +1653,7 @@
             </a:lvl7pPr>
             <a:lvl8pPr marL="3200400" indent="0">
               <a:buNone/>
-              <a:defRPr sz="1600">
+              <a:defRPr sz="1400">
                 <a:solidFill>
                   <a:schemeClr val="tx1">
                     <a:tint val="75000"/>
@@ -1104,7 +1663,7 @@
             </a:lvl8pPr>
             <a:lvl9pPr marL="3657600" indent="0">
               <a:buNone/>
-              <a:defRPr sz="1600">
+              <a:defRPr sz="1400">
                 <a:solidFill>
                   <a:schemeClr val="tx1">
                     <a:tint val="75000"/>
@@ -1124,13 +1683,7 @@
       </p:sp>
       <p:sp>
         <p:nvSpPr>
-          <p:cNvPr id="4" name="Marcador de fecha 3">
-            <a:extLst>
-              <a:ext uri="{FF2B5EF4-FFF2-40B4-BE49-F238E27FC236}">
-                <a16:creationId xmlns:a16="http://schemas.microsoft.com/office/drawing/2014/main" id="{5CD48AF5-386C-448F-9F64-5681633475C6}"/>
-              </a:ext>
-            </a:extLst>
-          </p:cNvPr>
+          <p:cNvPr id="4" name="Date Placeholder 3"/>
           <p:cNvSpPr>
             <a:spLocks noGrp="1"/>
           </p:cNvSpPr>
@@ -1143,9 +1696,9 @@
           <a:bodyPr/>
           <a:lstStyle/>
           <a:p>
-            <a:fld id="{66FDCE43-4C6A-411B-A53F-054978AFBE8C}" type="datetimeFigureOut">
+            <a:fld id="{4EA70D51-2151-4867-BACC-1F7949947D11}" type="datetime1">
               <a:rPr lang="en-US" smtClean="0"/>
-              <a:t>10/5/2020</a:t>
+              <a:t>11/3/2020</a:t>
             </a:fld>
             <a:endParaRPr lang="en-US"/>
           </a:p>
@@ -1153,13 +1706,7 @@
       </p:sp>
       <p:sp>
         <p:nvSpPr>
-          <p:cNvPr id="5" name="Marcador de pie de página 4">
-            <a:extLst>
-              <a:ext uri="{FF2B5EF4-FFF2-40B4-BE49-F238E27FC236}">
-                <a16:creationId xmlns:a16="http://schemas.microsoft.com/office/drawing/2014/main" id="{1C2C13C4-3500-4ECE-97D8-30460DD4C61D}"/>
-              </a:ext>
-            </a:extLst>
-          </p:cNvPr>
+          <p:cNvPr id="5" name="Footer Placeholder 4"/>
           <p:cNvSpPr>
             <a:spLocks noGrp="1"/>
           </p:cNvSpPr>
@@ -1172,19 +1719,17 @@
           <a:bodyPr/>
           <a:lstStyle/>
           <a:p>
+            <a:r>
+              <a:rPr lang="es-ES"/>
+              <a:t>Diplomado en Inteligencia Artificial y Aprendizaje Profundo -UN</a:t>
+            </a:r>
             <a:endParaRPr lang="en-US"/>
           </a:p>
         </p:txBody>
       </p:sp>
       <p:sp>
         <p:nvSpPr>
-          <p:cNvPr id="6" name="Marcador de número de diapositiva 5">
-            <a:extLst>
-              <a:ext uri="{FF2B5EF4-FFF2-40B4-BE49-F238E27FC236}">
-                <a16:creationId xmlns:a16="http://schemas.microsoft.com/office/drawing/2014/main" id="{5D769710-925A-4F3E-979A-367C382FD00E}"/>
-              </a:ext>
-            </a:extLst>
-          </p:cNvPr>
+          <p:cNvPr id="6" name="Slide Number Placeholder 5"/>
           <p:cNvSpPr>
             <a:spLocks noGrp="1"/>
           </p:cNvSpPr>
@@ -1197,7 +1742,7 @@
           <a:bodyPr/>
           <a:lstStyle/>
           <a:p>
-            <a:fld id="{D06F6822-8219-4E77-AF8A-CA9A8BDE2C8A}" type="slidenum">
+            <a:fld id="{1987B7B8-616A-43F8-924E-8DBE374A2992}" type="slidenum">
               <a:rPr lang="en-US" smtClean="0"/>
               <a:t>‹Nº›</a:t>
             </a:fld>
@@ -1205,10 +1750,48 @@
           </a:p>
         </p:txBody>
       </p:sp>
+      <p:cxnSp>
+        <p:nvCxnSpPr>
+          <p:cNvPr id="9" name="Straight Connector 8"/>
+          <p:cNvCxnSpPr/>
+          <p:nvPr/>
+        </p:nvCxnSpPr>
+        <p:spPr>
+          <a:xfrm>
+            <a:off x="1207658" y="4343400"/>
+            <a:ext cx="9875520" cy="0"/>
+          </a:xfrm>
+          <a:prstGeom prst="line">
+            <a:avLst/>
+          </a:prstGeom>
+          <a:ln w="6350">
+            <a:solidFill>
+              <a:schemeClr val="tx1">
+                <a:lumMod val="50000"/>
+                <a:lumOff val="50000"/>
+              </a:schemeClr>
+            </a:solidFill>
+          </a:ln>
+        </p:spPr>
+        <p:style>
+          <a:lnRef idx="1">
+            <a:schemeClr val="accent1"/>
+          </a:lnRef>
+          <a:fillRef idx="0">
+            <a:schemeClr val="accent1"/>
+          </a:fillRef>
+          <a:effectRef idx="0">
+            <a:schemeClr val="accent1"/>
+          </a:effectRef>
+          <a:fontRef idx="minor">
+            <a:schemeClr val="tx1"/>
+          </a:fontRef>
+        </p:style>
+      </p:cxnSp>
     </p:spTree>
     <p:extLst>
       <p:ext uri="{BB962C8B-B14F-4D97-AF65-F5344CB8AC3E}">
-        <p14:creationId xmlns:p14="http://schemas.microsoft.com/office/powerpoint/2010/main" val="3248111995"/>
+        <p14:creationId xmlns:p14="http://schemas.microsoft.com/office/powerpoint/2010/main" val="3196301994"/>
       </p:ext>
     </p:extLst>
   </p:cSld>
@@ -1237,13 +1820,7 @@
       </p:grpSpPr>
       <p:sp>
         <p:nvSpPr>
-          <p:cNvPr id="2" name="Título 1">
-            <a:extLst>
-              <a:ext uri="{FF2B5EF4-FFF2-40B4-BE49-F238E27FC236}">
-                <a16:creationId xmlns:a16="http://schemas.microsoft.com/office/drawing/2014/main" id="{EA22048D-69C3-45B3-8302-B325B7051F37}"/>
-              </a:ext>
-            </a:extLst>
-          </p:cNvPr>
+          <p:cNvPr id="8" name="Title 7"/>
           <p:cNvSpPr>
             <a:spLocks noGrp="1"/>
           </p:cNvSpPr>
@@ -1251,169 +1828,156 @@
             <p:ph type="title"/>
           </p:nvPr>
         </p:nvSpPr>
+        <p:spPr>
+          <a:xfrm>
+            <a:off x="1097280" y="286603"/>
+            <a:ext cx="10058400" cy="1450757"/>
+          </a:xfrm>
+        </p:spPr>
+        <p:txBody>
+          <a:bodyPr/>
+          <a:lstStyle/>
+          <a:p>
+            <a:r>
+              <a:rPr lang="es-ES"/>
+              <a:t>Haga clic para modificar el estilo de título del patrón</a:t>
+            </a:r>
+            <a:endParaRPr lang="en-US" dirty="0"/>
+          </a:p>
+        </p:txBody>
+      </p:sp>
+      <p:sp>
+        <p:nvSpPr>
+          <p:cNvPr id="3" name="Content Placeholder 2"/>
+          <p:cNvSpPr>
+            <a:spLocks noGrp="1"/>
+          </p:cNvSpPr>
+          <p:nvPr>
+            <p:ph sz="half" idx="1"/>
+          </p:nvPr>
+        </p:nvSpPr>
+        <p:spPr>
+          <a:xfrm>
+            <a:off x="1097279" y="1845734"/>
+            <a:ext cx="4937760" cy="4023360"/>
+          </a:xfrm>
+        </p:spPr>
+        <p:txBody>
+          <a:bodyPr/>
+          <a:lstStyle/>
+          <a:p>
+            <a:pPr lvl="0"/>
+            <a:r>
+              <a:rPr lang="es-ES"/>
+              <a:t>Haga clic para modificar los estilos de texto del patrón</a:t>
+            </a:r>
+          </a:p>
+          <a:p>
+            <a:pPr lvl="1"/>
+            <a:r>
+              <a:rPr lang="es-ES"/>
+              <a:t>Segundo nivel</a:t>
+            </a:r>
+          </a:p>
+          <a:p>
+            <a:pPr lvl="2"/>
+            <a:r>
+              <a:rPr lang="es-ES"/>
+              <a:t>Tercer nivel</a:t>
+            </a:r>
+          </a:p>
+          <a:p>
+            <a:pPr lvl="3"/>
+            <a:r>
+              <a:rPr lang="es-ES"/>
+              <a:t>Cuarto nivel</a:t>
+            </a:r>
+          </a:p>
+          <a:p>
+            <a:pPr lvl="4"/>
+            <a:r>
+              <a:rPr lang="es-ES"/>
+              <a:t>Quinto nivel</a:t>
+            </a:r>
+            <a:endParaRPr lang="en-US" dirty="0"/>
+          </a:p>
+        </p:txBody>
+      </p:sp>
+      <p:sp>
+        <p:nvSpPr>
+          <p:cNvPr id="4" name="Content Placeholder 3"/>
+          <p:cNvSpPr>
+            <a:spLocks noGrp="1"/>
+          </p:cNvSpPr>
+          <p:nvPr>
+            <p:ph sz="half" idx="2"/>
+          </p:nvPr>
+        </p:nvSpPr>
+        <p:spPr>
+          <a:xfrm>
+            <a:off x="6217920" y="1845735"/>
+            <a:ext cx="4937760" cy="4023360"/>
+          </a:xfrm>
+        </p:spPr>
+        <p:txBody>
+          <a:bodyPr/>
+          <a:lstStyle/>
+          <a:p>
+            <a:pPr lvl="0"/>
+            <a:r>
+              <a:rPr lang="es-ES"/>
+              <a:t>Haga clic para modificar los estilos de texto del patrón</a:t>
+            </a:r>
+          </a:p>
+          <a:p>
+            <a:pPr lvl="1"/>
+            <a:r>
+              <a:rPr lang="es-ES"/>
+              <a:t>Segundo nivel</a:t>
+            </a:r>
+          </a:p>
+          <a:p>
+            <a:pPr lvl="2"/>
+            <a:r>
+              <a:rPr lang="es-ES"/>
+              <a:t>Tercer nivel</a:t>
+            </a:r>
+          </a:p>
+          <a:p>
+            <a:pPr lvl="3"/>
+            <a:r>
+              <a:rPr lang="es-ES"/>
+              <a:t>Cuarto nivel</a:t>
+            </a:r>
+          </a:p>
+          <a:p>
+            <a:pPr lvl="4"/>
+            <a:r>
+              <a:rPr lang="es-ES"/>
+              <a:t>Quinto nivel</a:t>
+            </a:r>
+            <a:endParaRPr lang="en-US" dirty="0"/>
+          </a:p>
+        </p:txBody>
+      </p:sp>
+      <p:sp>
+        <p:nvSpPr>
+          <p:cNvPr id="5" name="Date Placeholder 4"/>
+          <p:cNvSpPr>
+            <a:spLocks noGrp="1"/>
+          </p:cNvSpPr>
+          <p:nvPr>
+            <p:ph type="dt" sz="half" idx="10"/>
+          </p:nvPr>
+        </p:nvSpPr>
         <p:spPr/>
         <p:txBody>
           <a:bodyPr/>
           <a:lstStyle/>
           <a:p>
-            <a:r>
-              <a:rPr lang="es-ES"/>
-              <a:t>Haga clic para modificar el estilo de título del patrón</a:t>
-            </a:r>
-            <a:endParaRPr lang="en-US"/>
-          </a:p>
-        </p:txBody>
-      </p:sp>
-      <p:sp>
-        <p:nvSpPr>
-          <p:cNvPr id="3" name="Marcador de contenido 2">
-            <a:extLst>
-              <a:ext uri="{FF2B5EF4-FFF2-40B4-BE49-F238E27FC236}">
-                <a16:creationId xmlns:a16="http://schemas.microsoft.com/office/drawing/2014/main" id="{86C51B6A-52FD-483B-98DD-E8DC6E71A7A4}"/>
-              </a:ext>
-            </a:extLst>
-          </p:cNvPr>
-          <p:cNvSpPr>
-            <a:spLocks noGrp="1"/>
-          </p:cNvSpPr>
-          <p:nvPr>
-            <p:ph sz="half" idx="1"/>
-          </p:nvPr>
-        </p:nvSpPr>
-        <p:spPr>
-          <a:xfrm>
-            <a:off x="838200" y="1825625"/>
-            <a:ext cx="5181600" cy="4351338"/>
-          </a:xfrm>
-        </p:spPr>
-        <p:txBody>
-          <a:bodyPr/>
-          <a:lstStyle/>
-          <a:p>
-            <a:pPr lvl="0"/>
-            <a:r>
-              <a:rPr lang="es-ES"/>
-              <a:t>Haga clic para modificar los estilos de texto del patrón</a:t>
-            </a:r>
-          </a:p>
-          <a:p>
-            <a:pPr lvl="1"/>
-            <a:r>
-              <a:rPr lang="es-ES"/>
-              <a:t>Segundo nivel</a:t>
-            </a:r>
-          </a:p>
-          <a:p>
-            <a:pPr lvl="2"/>
-            <a:r>
-              <a:rPr lang="es-ES"/>
-              <a:t>Tercer nivel</a:t>
-            </a:r>
-          </a:p>
-          <a:p>
-            <a:pPr lvl="3"/>
-            <a:r>
-              <a:rPr lang="es-ES"/>
-              <a:t>Cuarto nivel</a:t>
-            </a:r>
-          </a:p>
-          <a:p>
-            <a:pPr lvl="4"/>
-            <a:r>
-              <a:rPr lang="es-ES"/>
-              <a:t>Quinto nivel</a:t>
-            </a:r>
-            <a:endParaRPr lang="en-US"/>
-          </a:p>
-        </p:txBody>
-      </p:sp>
-      <p:sp>
-        <p:nvSpPr>
-          <p:cNvPr id="4" name="Marcador de contenido 3">
-            <a:extLst>
-              <a:ext uri="{FF2B5EF4-FFF2-40B4-BE49-F238E27FC236}">
-                <a16:creationId xmlns:a16="http://schemas.microsoft.com/office/drawing/2014/main" id="{359D3094-EB66-49EB-BC5E-7BEBF69F7096}"/>
-              </a:ext>
-            </a:extLst>
-          </p:cNvPr>
-          <p:cNvSpPr>
-            <a:spLocks noGrp="1"/>
-          </p:cNvSpPr>
-          <p:nvPr>
-            <p:ph sz="half" idx="2"/>
-          </p:nvPr>
-        </p:nvSpPr>
-        <p:spPr>
-          <a:xfrm>
-            <a:off x="6172200" y="1825625"/>
-            <a:ext cx="5181600" cy="4351338"/>
-          </a:xfrm>
-        </p:spPr>
-        <p:txBody>
-          <a:bodyPr/>
-          <a:lstStyle/>
-          <a:p>
-            <a:pPr lvl="0"/>
-            <a:r>
-              <a:rPr lang="es-ES"/>
-              <a:t>Haga clic para modificar los estilos de texto del patrón</a:t>
-            </a:r>
-          </a:p>
-          <a:p>
-            <a:pPr lvl="1"/>
-            <a:r>
-              <a:rPr lang="es-ES"/>
-              <a:t>Segundo nivel</a:t>
-            </a:r>
-          </a:p>
-          <a:p>
-            <a:pPr lvl="2"/>
-            <a:r>
-              <a:rPr lang="es-ES"/>
-              <a:t>Tercer nivel</a:t>
-            </a:r>
-          </a:p>
-          <a:p>
-            <a:pPr lvl="3"/>
-            <a:r>
-              <a:rPr lang="es-ES"/>
-              <a:t>Cuarto nivel</a:t>
-            </a:r>
-          </a:p>
-          <a:p>
-            <a:pPr lvl="4"/>
-            <a:r>
-              <a:rPr lang="es-ES"/>
-              <a:t>Quinto nivel</a:t>
-            </a:r>
-            <a:endParaRPr lang="en-US"/>
-          </a:p>
-        </p:txBody>
-      </p:sp>
-      <p:sp>
-        <p:nvSpPr>
-          <p:cNvPr id="5" name="Marcador de fecha 4">
-            <a:extLst>
-              <a:ext uri="{FF2B5EF4-FFF2-40B4-BE49-F238E27FC236}">
-                <a16:creationId xmlns:a16="http://schemas.microsoft.com/office/drawing/2014/main" id="{E8634D3A-B13A-4081-A05C-89B432DD72C9}"/>
-              </a:ext>
-            </a:extLst>
-          </p:cNvPr>
-          <p:cNvSpPr>
-            <a:spLocks noGrp="1"/>
-          </p:cNvSpPr>
-          <p:nvPr>
-            <p:ph type="dt" sz="half" idx="10"/>
-          </p:nvPr>
-        </p:nvSpPr>
-        <p:spPr/>
-        <p:txBody>
-          <a:bodyPr/>
-          <a:lstStyle/>
-          <a:p>
-            <a:fld id="{66FDCE43-4C6A-411B-A53F-054978AFBE8C}" type="datetimeFigureOut">
+            <a:fld id="{8F773FD5-8504-4DAB-B892-52C6D8D2478C}" type="datetime1">
               <a:rPr lang="en-US" smtClean="0"/>
-              <a:t>10/5/2020</a:t>
+              <a:t>11/3/2020</a:t>
             </a:fld>
             <a:endParaRPr lang="en-US"/>
           </a:p>
@@ -1421,13 +1985,7 @@
       </p:sp>
       <p:sp>
         <p:nvSpPr>
-          <p:cNvPr id="6" name="Marcador de pie de página 5">
-            <a:extLst>
-              <a:ext uri="{FF2B5EF4-FFF2-40B4-BE49-F238E27FC236}">
-                <a16:creationId xmlns:a16="http://schemas.microsoft.com/office/drawing/2014/main" id="{E83E4D3B-56DF-457C-AF6B-9059602FCFF8}"/>
-              </a:ext>
-            </a:extLst>
-          </p:cNvPr>
+          <p:cNvPr id="6" name="Footer Placeholder 5"/>
           <p:cNvSpPr>
             <a:spLocks noGrp="1"/>
           </p:cNvSpPr>
@@ -1440,19 +1998,17 @@
           <a:bodyPr/>
           <a:lstStyle/>
           <a:p>
+            <a:r>
+              <a:rPr lang="es-ES"/>
+              <a:t>Diplomado en Inteligencia Artificial y Aprendizaje Profundo -UN</a:t>
+            </a:r>
             <a:endParaRPr lang="en-US"/>
           </a:p>
         </p:txBody>
       </p:sp>
       <p:sp>
         <p:nvSpPr>
-          <p:cNvPr id="7" name="Marcador de número de diapositiva 6">
-            <a:extLst>
-              <a:ext uri="{FF2B5EF4-FFF2-40B4-BE49-F238E27FC236}">
-                <a16:creationId xmlns:a16="http://schemas.microsoft.com/office/drawing/2014/main" id="{F239BC10-1A10-4DCF-AD82-0D8E01DB9B97}"/>
-              </a:ext>
-            </a:extLst>
-          </p:cNvPr>
+          <p:cNvPr id="7" name="Slide Number Placeholder 6"/>
           <p:cNvSpPr>
             <a:spLocks noGrp="1"/>
           </p:cNvSpPr>
@@ -1465,7 +2021,7 @@
           <a:bodyPr/>
           <a:lstStyle/>
           <a:p>
-            <a:fld id="{D06F6822-8219-4E77-AF8A-CA9A8BDE2C8A}" type="slidenum">
+            <a:fld id="{1987B7B8-616A-43F8-924E-8DBE374A2992}" type="slidenum">
               <a:rPr lang="en-US" smtClean="0"/>
               <a:t>‹Nº›</a:t>
             </a:fld>
@@ -1476,7 +2032,7 @@
     </p:spTree>
     <p:extLst>
       <p:ext uri="{BB962C8B-B14F-4D97-AF65-F5344CB8AC3E}">
-        <p14:creationId xmlns:p14="http://schemas.microsoft.com/office/powerpoint/2010/main" val="2461009373"/>
+        <p14:creationId xmlns:p14="http://schemas.microsoft.com/office/powerpoint/2010/main" val="3037212979"/>
       </p:ext>
     </p:extLst>
   </p:cSld>
@@ -1505,13 +2061,7 @@
       </p:grpSpPr>
       <p:sp>
         <p:nvSpPr>
-          <p:cNvPr id="2" name="Título 1">
-            <a:extLst>
-              <a:ext uri="{FF2B5EF4-FFF2-40B4-BE49-F238E27FC236}">
-                <a16:creationId xmlns:a16="http://schemas.microsoft.com/office/drawing/2014/main" id="{AEB73C9F-F0E3-4C16-9471-26BA0243C4A1}"/>
-              </a:ext>
-            </a:extLst>
-          </p:cNvPr>
+          <p:cNvPr id="10" name="Title 9"/>
           <p:cNvSpPr>
             <a:spLocks noGrp="1"/>
           </p:cNvSpPr>
@@ -1521,8 +2071,8 @@
         </p:nvSpPr>
         <p:spPr>
           <a:xfrm>
-            <a:off x="839788" y="365125"/>
-            <a:ext cx="10515600" cy="1325563"/>
+            <a:off x="1097280" y="286603"/>
+            <a:ext cx="10058400" cy="1450757"/>
           </a:xfrm>
         </p:spPr>
         <p:txBody>
@@ -1533,19 +2083,13 @@
               <a:rPr lang="es-ES"/>
               <a:t>Haga clic para modificar el estilo de título del patrón</a:t>
             </a:r>
-            <a:endParaRPr lang="en-US"/>
-          </a:p>
-        </p:txBody>
-      </p:sp>
-      <p:sp>
-        <p:nvSpPr>
-          <p:cNvPr id="3" name="Marcador de texto 2">
-            <a:extLst>
-              <a:ext uri="{FF2B5EF4-FFF2-40B4-BE49-F238E27FC236}">
-                <a16:creationId xmlns:a16="http://schemas.microsoft.com/office/drawing/2014/main" id="{B7AA0FA1-3ABC-4DDF-A4EC-CD1E96C6EE39}"/>
-              </a:ext>
-            </a:extLst>
-          </p:cNvPr>
+            <a:endParaRPr lang="en-US" dirty="0"/>
+          </a:p>
+        </p:txBody>
+      </p:sp>
+      <p:sp>
+        <p:nvSpPr>
+          <p:cNvPr id="3" name="Text Placeholder 2"/>
           <p:cNvSpPr>
             <a:spLocks noGrp="1"/>
           </p:cNvSpPr>
@@ -1555,16 +2099,22 @@
         </p:nvSpPr>
         <p:spPr>
           <a:xfrm>
-            <a:off x="839788" y="1681163"/>
-            <a:ext cx="5157787" cy="823912"/>
-          </a:xfrm>
-        </p:spPr>
-        <p:txBody>
-          <a:bodyPr anchor="b"/>
+            <a:off x="1097280" y="1846052"/>
+            <a:ext cx="4937760" cy="736282"/>
+          </a:xfrm>
+        </p:spPr>
+        <p:txBody>
+          <a:bodyPr lIns="91440" rIns="91440" anchor="ctr">
+            <a:normAutofit/>
+          </a:bodyPr>
           <a:lstStyle>
             <a:lvl1pPr marL="0" indent="0">
               <a:buNone/>
-              <a:defRPr sz="2400" b="1"/>
+              <a:defRPr sz="2000" b="0" cap="all" baseline="0">
+                <a:solidFill>
+                  <a:schemeClr val="tx2"/>
+                </a:solidFill>
+              </a:defRPr>
             </a:lvl1pPr>
             <a:lvl2pPr marL="457200" indent="0">
               <a:buNone/>
@@ -1610,13 +2160,7 @@
       </p:sp>
       <p:sp>
         <p:nvSpPr>
-          <p:cNvPr id="4" name="Marcador de contenido 3">
-            <a:extLst>
-              <a:ext uri="{FF2B5EF4-FFF2-40B4-BE49-F238E27FC236}">
-                <a16:creationId xmlns:a16="http://schemas.microsoft.com/office/drawing/2014/main" id="{56AD3D06-8CC0-49EF-80BA-D96BD26055F4}"/>
-              </a:ext>
-            </a:extLst>
-          </p:cNvPr>
+          <p:cNvPr id="4" name="Content Placeholder 3"/>
           <p:cNvSpPr>
             <a:spLocks noGrp="1"/>
           </p:cNvSpPr>
@@ -1626,8 +2170,8 @@
         </p:nvSpPr>
         <p:spPr>
           <a:xfrm>
-            <a:off x="839788" y="2505075"/>
-            <a:ext cx="5157787" cy="3684588"/>
+            <a:off x="1097280" y="2582334"/>
+            <a:ext cx="4937760" cy="3378200"/>
           </a:xfrm>
         </p:spPr>
         <p:txBody>
@@ -1667,19 +2211,13 @@
               <a:rPr lang="es-ES"/>
               <a:t>Quinto nivel</a:t>
             </a:r>
-            <a:endParaRPr lang="en-US"/>
-          </a:p>
-        </p:txBody>
-      </p:sp>
-      <p:sp>
-        <p:nvSpPr>
-          <p:cNvPr id="5" name="Marcador de texto 4">
-            <a:extLst>
-              <a:ext uri="{FF2B5EF4-FFF2-40B4-BE49-F238E27FC236}">
-                <a16:creationId xmlns:a16="http://schemas.microsoft.com/office/drawing/2014/main" id="{9707B94A-F9AF-4FAE-9E36-CCFA7B6EC027}"/>
-              </a:ext>
-            </a:extLst>
-          </p:cNvPr>
+            <a:endParaRPr lang="en-US" dirty="0"/>
+          </a:p>
+        </p:txBody>
+      </p:sp>
+      <p:sp>
+        <p:nvSpPr>
+          <p:cNvPr id="5" name="Text Placeholder 4"/>
           <p:cNvSpPr>
             <a:spLocks noGrp="1"/>
           </p:cNvSpPr>
@@ -1689,16 +2227,22 @@
         </p:nvSpPr>
         <p:spPr>
           <a:xfrm>
-            <a:off x="6172200" y="1681163"/>
-            <a:ext cx="5183188" cy="823912"/>
-          </a:xfrm>
-        </p:spPr>
-        <p:txBody>
-          <a:bodyPr anchor="b"/>
+            <a:off x="6217920" y="1846052"/>
+            <a:ext cx="4937760" cy="736282"/>
+          </a:xfrm>
+        </p:spPr>
+        <p:txBody>
+          <a:bodyPr lIns="91440" rIns="91440" anchor="ctr">
+            <a:normAutofit/>
+          </a:bodyPr>
           <a:lstStyle>
             <a:lvl1pPr marL="0" indent="0">
               <a:buNone/>
-              <a:defRPr sz="2400" b="1"/>
+              <a:defRPr sz="2000" b="0" cap="all" baseline="0">
+                <a:solidFill>
+                  <a:schemeClr val="tx2"/>
+                </a:solidFill>
+              </a:defRPr>
             </a:lvl1pPr>
             <a:lvl2pPr marL="457200" indent="0">
               <a:buNone/>
@@ -1744,13 +2288,7 @@
       </p:sp>
       <p:sp>
         <p:nvSpPr>
-          <p:cNvPr id="6" name="Marcador de contenido 5">
-            <a:extLst>
-              <a:ext uri="{FF2B5EF4-FFF2-40B4-BE49-F238E27FC236}">
-                <a16:creationId xmlns:a16="http://schemas.microsoft.com/office/drawing/2014/main" id="{01EE85FA-45D0-4E6F-84FC-D8E606F4CF7D}"/>
-              </a:ext>
-            </a:extLst>
-          </p:cNvPr>
+          <p:cNvPr id="6" name="Content Placeholder 5"/>
           <p:cNvSpPr>
             <a:spLocks noGrp="1"/>
           </p:cNvSpPr>
@@ -1760,8 +2298,8 @@
         </p:nvSpPr>
         <p:spPr>
           <a:xfrm>
-            <a:off x="6172200" y="2505075"/>
-            <a:ext cx="5183188" cy="3684588"/>
+            <a:off x="6217920" y="2582334"/>
+            <a:ext cx="4937760" cy="3378200"/>
           </a:xfrm>
         </p:spPr>
         <p:txBody>
@@ -1801,19 +2339,13 @@
               <a:rPr lang="es-ES"/>
               <a:t>Quinto nivel</a:t>
             </a:r>
-            <a:endParaRPr lang="en-US"/>
-          </a:p>
-        </p:txBody>
-      </p:sp>
-      <p:sp>
-        <p:nvSpPr>
-          <p:cNvPr id="7" name="Marcador de fecha 6">
-            <a:extLst>
-              <a:ext uri="{FF2B5EF4-FFF2-40B4-BE49-F238E27FC236}">
-                <a16:creationId xmlns:a16="http://schemas.microsoft.com/office/drawing/2014/main" id="{BFD6DF97-DBAA-424C-8DC0-4EA96DDA4A6B}"/>
-              </a:ext>
-            </a:extLst>
-          </p:cNvPr>
+            <a:endParaRPr lang="en-US" dirty="0"/>
+          </a:p>
+        </p:txBody>
+      </p:sp>
+      <p:sp>
+        <p:nvSpPr>
+          <p:cNvPr id="7" name="Date Placeholder 6"/>
           <p:cNvSpPr>
             <a:spLocks noGrp="1"/>
           </p:cNvSpPr>
@@ -1826,9 +2358,9 @@
           <a:bodyPr/>
           <a:lstStyle/>
           <a:p>
-            <a:fld id="{66FDCE43-4C6A-411B-A53F-054978AFBE8C}" type="datetimeFigureOut">
+            <a:fld id="{D8AC2535-F480-4527-9B3D-C37868784A25}" type="datetime1">
               <a:rPr lang="en-US" smtClean="0"/>
-              <a:t>10/5/2020</a:t>
+              <a:t>11/3/2020</a:t>
             </a:fld>
             <a:endParaRPr lang="en-US"/>
           </a:p>
@@ -1836,13 +2368,7 @@
       </p:sp>
       <p:sp>
         <p:nvSpPr>
-          <p:cNvPr id="8" name="Marcador de pie de página 7">
-            <a:extLst>
-              <a:ext uri="{FF2B5EF4-FFF2-40B4-BE49-F238E27FC236}">
-                <a16:creationId xmlns:a16="http://schemas.microsoft.com/office/drawing/2014/main" id="{8E9C41F8-8D82-4A70-8B1D-9100ECC6DAFE}"/>
-              </a:ext>
-            </a:extLst>
-          </p:cNvPr>
+          <p:cNvPr id="8" name="Footer Placeholder 7"/>
           <p:cNvSpPr>
             <a:spLocks noGrp="1"/>
           </p:cNvSpPr>
@@ -1855,19 +2381,17 @@
           <a:bodyPr/>
           <a:lstStyle/>
           <a:p>
+            <a:r>
+              <a:rPr lang="es-ES"/>
+              <a:t>Diplomado en Inteligencia Artificial y Aprendizaje Profundo -UN</a:t>
+            </a:r>
             <a:endParaRPr lang="en-US"/>
           </a:p>
         </p:txBody>
       </p:sp>
       <p:sp>
         <p:nvSpPr>
-          <p:cNvPr id="9" name="Marcador de número de diapositiva 8">
-            <a:extLst>
-              <a:ext uri="{FF2B5EF4-FFF2-40B4-BE49-F238E27FC236}">
-                <a16:creationId xmlns:a16="http://schemas.microsoft.com/office/drawing/2014/main" id="{5FC9ED14-08B7-4BAC-B19E-666DC0C64E79}"/>
-              </a:ext>
-            </a:extLst>
-          </p:cNvPr>
+          <p:cNvPr id="9" name="Slide Number Placeholder 8"/>
           <p:cNvSpPr>
             <a:spLocks noGrp="1"/>
           </p:cNvSpPr>
@@ -1880,7 +2404,7 @@
           <a:bodyPr/>
           <a:lstStyle/>
           <a:p>
-            <a:fld id="{D06F6822-8219-4E77-AF8A-CA9A8BDE2C8A}" type="slidenum">
+            <a:fld id="{1987B7B8-616A-43F8-924E-8DBE374A2992}" type="slidenum">
               <a:rPr lang="en-US" smtClean="0"/>
               <a:t>‹Nº›</a:t>
             </a:fld>
@@ -1891,7 +2415,7 @@
     </p:spTree>
     <p:extLst>
       <p:ext uri="{BB962C8B-B14F-4D97-AF65-F5344CB8AC3E}">
-        <p14:creationId xmlns:p14="http://schemas.microsoft.com/office/powerpoint/2010/main" val="973723330"/>
+        <p14:creationId xmlns:p14="http://schemas.microsoft.com/office/powerpoint/2010/main" val="1114783110"/>
       </p:ext>
     </p:extLst>
   </p:cSld>
@@ -1920,13 +2444,7 @@
       </p:grpSpPr>
       <p:sp>
         <p:nvSpPr>
-          <p:cNvPr id="2" name="Título 1">
-            <a:extLst>
-              <a:ext uri="{FF2B5EF4-FFF2-40B4-BE49-F238E27FC236}">
-                <a16:creationId xmlns:a16="http://schemas.microsoft.com/office/drawing/2014/main" id="{BF6F68CA-62F4-457C-8B9B-EC2DD6AFD9D5}"/>
-              </a:ext>
-            </a:extLst>
-          </p:cNvPr>
+          <p:cNvPr id="2" name="Title 1"/>
           <p:cNvSpPr>
             <a:spLocks noGrp="1"/>
           </p:cNvSpPr>
@@ -1943,19 +2461,13 @@
               <a:rPr lang="es-ES"/>
               <a:t>Haga clic para modificar el estilo de título del patrón</a:t>
             </a:r>
-            <a:endParaRPr lang="en-US"/>
-          </a:p>
-        </p:txBody>
-      </p:sp>
-      <p:sp>
-        <p:nvSpPr>
-          <p:cNvPr id="3" name="Marcador de fecha 2">
-            <a:extLst>
-              <a:ext uri="{FF2B5EF4-FFF2-40B4-BE49-F238E27FC236}">
-                <a16:creationId xmlns:a16="http://schemas.microsoft.com/office/drawing/2014/main" id="{B873BF8F-218C-4C20-852D-D3DF00C01C93}"/>
-              </a:ext>
-            </a:extLst>
-          </p:cNvPr>
+            <a:endParaRPr lang="en-US" dirty="0"/>
+          </a:p>
+        </p:txBody>
+      </p:sp>
+      <p:sp>
+        <p:nvSpPr>
+          <p:cNvPr id="3" name="Date Placeholder 2"/>
           <p:cNvSpPr>
             <a:spLocks noGrp="1"/>
           </p:cNvSpPr>
@@ -1968,9 +2480,9 @@
           <a:bodyPr/>
           <a:lstStyle/>
           <a:p>
-            <a:fld id="{66FDCE43-4C6A-411B-A53F-054978AFBE8C}" type="datetimeFigureOut">
+            <a:fld id="{6F34CECC-F7DA-41E6-B74A-DDA585CDB9A0}" type="datetime1">
               <a:rPr lang="en-US" smtClean="0"/>
-              <a:t>10/5/2020</a:t>
+              <a:t>11/3/2020</a:t>
             </a:fld>
             <a:endParaRPr lang="en-US"/>
           </a:p>
@@ -1978,13 +2490,7 @@
       </p:sp>
       <p:sp>
         <p:nvSpPr>
-          <p:cNvPr id="4" name="Marcador de pie de página 3">
-            <a:extLst>
-              <a:ext uri="{FF2B5EF4-FFF2-40B4-BE49-F238E27FC236}">
-                <a16:creationId xmlns:a16="http://schemas.microsoft.com/office/drawing/2014/main" id="{C56EFC9B-7A5E-49B8-A5EB-7BC2E4A688F5}"/>
-              </a:ext>
-            </a:extLst>
-          </p:cNvPr>
+          <p:cNvPr id="4" name="Footer Placeholder 3"/>
           <p:cNvSpPr>
             <a:spLocks noGrp="1"/>
           </p:cNvSpPr>
@@ -1997,19 +2503,17 @@
           <a:bodyPr/>
           <a:lstStyle/>
           <a:p>
+            <a:r>
+              <a:rPr lang="es-ES"/>
+              <a:t>Diplomado en Inteligencia Artificial y Aprendizaje Profundo -UN</a:t>
+            </a:r>
             <a:endParaRPr lang="en-US"/>
           </a:p>
         </p:txBody>
       </p:sp>
       <p:sp>
         <p:nvSpPr>
-          <p:cNvPr id="5" name="Marcador de número de diapositiva 4">
-            <a:extLst>
-              <a:ext uri="{FF2B5EF4-FFF2-40B4-BE49-F238E27FC236}">
-                <a16:creationId xmlns:a16="http://schemas.microsoft.com/office/drawing/2014/main" id="{BF4DFCDE-FA0B-4B5E-A437-08DE5D22EC24}"/>
-              </a:ext>
-            </a:extLst>
-          </p:cNvPr>
+          <p:cNvPr id="5" name="Slide Number Placeholder 4"/>
           <p:cNvSpPr>
             <a:spLocks noGrp="1"/>
           </p:cNvSpPr>
@@ -2022,7 +2526,7 @@
           <a:bodyPr/>
           <a:lstStyle/>
           <a:p>
-            <a:fld id="{D06F6822-8219-4E77-AF8A-CA9A8BDE2C8A}" type="slidenum">
+            <a:fld id="{1987B7B8-616A-43F8-924E-8DBE374A2992}" type="slidenum">
               <a:rPr lang="en-US" smtClean="0"/>
               <a:t>‹Nº›</a:t>
             </a:fld>
@@ -2033,7 +2537,7 @@
     </p:spTree>
     <p:extLst>
       <p:ext uri="{BB962C8B-B14F-4D97-AF65-F5344CB8AC3E}">
-        <p14:creationId xmlns:p14="http://schemas.microsoft.com/office/powerpoint/2010/main" val="1152095560"/>
+        <p14:creationId xmlns:p14="http://schemas.microsoft.com/office/powerpoint/2010/main" val="2260446004"/>
       </p:ext>
     </p:extLst>
   </p:cSld>
@@ -2044,7 +2548,7 @@
 </file>
 
 <file path=ppt/slideLayouts/slideLayout7.xml><?xml version="1.0" encoding="utf-8"?>
-<p:sldLayout xmlns:a="http://schemas.openxmlformats.org/drawingml/2006/main" xmlns:r="http://schemas.openxmlformats.org/officeDocument/2006/relationships" xmlns:p="http://schemas.openxmlformats.org/presentationml/2006/main" type="blank" preserve="1">
+<p:sldLayout xmlns:a="http://schemas.openxmlformats.org/drawingml/2006/main" xmlns:r="http://schemas.openxmlformats.org/officeDocument/2006/relationships" xmlns:p="http://schemas.openxmlformats.org/presentationml/2006/main" showMasterSp="0" type="blank" preserve="1">
   <p:cSld name="En blanco">
     <p:spTree>
       <p:nvGrpSpPr>
@@ -2062,13 +2566,83 @@
       </p:grpSpPr>
       <p:sp>
         <p:nvSpPr>
-          <p:cNvPr id="2" name="Marcador de fecha 1">
-            <a:extLst>
-              <a:ext uri="{FF2B5EF4-FFF2-40B4-BE49-F238E27FC236}">
-                <a16:creationId xmlns:a16="http://schemas.microsoft.com/office/drawing/2014/main" id="{35E1A0A5-86F6-4D52-9E65-36E85D4D3884}"/>
-              </a:ext>
-            </a:extLst>
-          </p:cNvPr>
+          <p:cNvPr id="5" name="Rectangle 4"/>
+          <p:cNvSpPr/>
+          <p:nvPr/>
+        </p:nvSpPr>
+        <p:spPr>
+          <a:xfrm>
+            <a:off x="3175" y="6400800"/>
+            <a:ext cx="12188825" cy="457200"/>
+          </a:xfrm>
+          <a:prstGeom prst="rect">
+            <a:avLst/>
+          </a:prstGeom>
+          <a:solidFill>
+            <a:schemeClr val="accent2"/>
+          </a:solidFill>
+          <a:ln>
+            <a:noFill/>
+          </a:ln>
+        </p:spPr>
+        <p:style>
+          <a:lnRef idx="2">
+            <a:schemeClr val="accent1">
+              <a:shade val="50000"/>
+            </a:schemeClr>
+          </a:lnRef>
+          <a:fillRef idx="1">
+            <a:schemeClr val="accent1"/>
+          </a:fillRef>
+          <a:effectRef idx="0">
+            <a:schemeClr val="accent1"/>
+          </a:effectRef>
+          <a:fontRef idx="minor">
+            <a:schemeClr val="lt1"/>
+          </a:fontRef>
+        </p:style>
+      </p:sp>
+      <p:sp>
+        <p:nvSpPr>
+          <p:cNvPr id="6" name="Rectangle 5"/>
+          <p:cNvSpPr/>
+          <p:nvPr/>
+        </p:nvSpPr>
+        <p:spPr>
+          <a:xfrm>
+            <a:off x="15" y="6334316"/>
+            <a:ext cx="12188825" cy="64008"/>
+          </a:xfrm>
+          <a:prstGeom prst="rect">
+            <a:avLst/>
+          </a:prstGeom>
+          <a:solidFill>
+            <a:schemeClr val="accent1"/>
+          </a:solidFill>
+          <a:ln>
+            <a:noFill/>
+          </a:ln>
+        </p:spPr>
+        <p:style>
+          <a:lnRef idx="2">
+            <a:schemeClr val="accent1">
+              <a:shade val="50000"/>
+            </a:schemeClr>
+          </a:lnRef>
+          <a:fillRef idx="1">
+            <a:schemeClr val="accent1"/>
+          </a:fillRef>
+          <a:effectRef idx="0">
+            <a:schemeClr val="accent1"/>
+          </a:effectRef>
+          <a:fontRef idx="minor">
+            <a:schemeClr val="lt1"/>
+          </a:fontRef>
+        </p:style>
+      </p:sp>
+      <p:sp>
+        <p:nvSpPr>
+          <p:cNvPr id="7" name="Date Placeholder 6"/>
           <p:cNvSpPr>
             <a:spLocks noGrp="1"/>
           </p:cNvSpPr>
@@ -2081,9 +2655,9 @@
           <a:bodyPr/>
           <a:lstStyle/>
           <a:p>
-            <a:fld id="{66FDCE43-4C6A-411B-A53F-054978AFBE8C}" type="datetimeFigureOut">
+            <a:fld id="{E14537CF-A874-4305-A561-B5C98BD376EC}" type="datetime1">
               <a:rPr lang="en-US" smtClean="0"/>
-              <a:t>10/5/2020</a:t>
+              <a:t>11/3/2020</a:t>
             </a:fld>
             <a:endParaRPr lang="en-US"/>
           </a:p>
@@ -2091,13 +2665,7 @@
       </p:sp>
       <p:sp>
         <p:nvSpPr>
-          <p:cNvPr id="3" name="Marcador de pie de página 2">
-            <a:extLst>
-              <a:ext uri="{FF2B5EF4-FFF2-40B4-BE49-F238E27FC236}">
-                <a16:creationId xmlns:a16="http://schemas.microsoft.com/office/drawing/2014/main" id="{F1755E30-DBFF-4A50-8D04-6634EABB9C82}"/>
-              </a:ext>
-            </a:extLst>
-          </p:cNvPr>
+          <p:cNvPr id="8" name="Footer Placeholder 7"/>
           <p:cNvSpPr>
             <a:spLocks noGrp="1"/>
           </p:cNvSpPr>
@@ -2108,21 +2676,27 @@
         <p:spPr/>
         <p:txBody>
           <a:bodyPr/>
-          <a:lstStyle/>
-          <a:p>
+          <a:lstStyle>
+            <a:lvl1pPr>
+              <a:defRPr>
+                <a:solidFill>
+                  <a:srgbClr val="FFFFFF"/>
+                </a:solidFill>
+              </a:defRPr>
+            </a:lvl1pPr>
+          </a:lstStyle>
+          <a:p>
+            <a:r>
+              <a:rPr lang="es-ES"/>
+              <a:t>Diplomado en Inteligencia Artificial y Aprendizaje Profundo -UN</a:t>
+            </a:r>
             <a:endParaRPr lang="en-US"/>
           </a:p>
         </p:txBody>
       </p:sp>
       <p:sp>
         <p:nvSpPr>
-          <p:cNvPr id="4" name="Marcador de número de diapositiva 3">
-            <a:extLst>
-              <a:ext uri="{FF2B5EF4-FFF2-40B4-BE49-F238E27FC236}">
-                <a16:creationId xmlns:a16="http://schemas.microsoft.com/office/drawing/2014/main" id="{9AF3BF5B-17DF-41DA-A58B-505149A28CDD}"/>
-              </a:ext>
-            </a:extLst>
-          </p:cNvPr>
+          <p:cNvPr id="9" name="Slide Number Placeholder 8"/>
           <p:cNvSpPr>
             <a:spLocks noGrp="1"/>
           </p:cNvSpPr>
@@ -2135,7 +2709,7 @@
           <a:bodyPr/>
           <a:lstStyle/>
           <a:p>
-            <a:fld id="{D06F6822-8219-4E77-AF8A-CA9A8BDE2C8A}" type="slidenum">
+            <a:fld id="{1987B7B8-616A-43F8-924E-8DBE374A2992}" type="slidenum">
               <a:rPr lang="en-US" smtClean="0"/>
               <a:t>‹Nº›</a:t>
             </a:fld>
@@ -2146,7 +2720,7 @@
     </p:spTree>
     <p:extLst>
       <p:ext uri="{BB962C8B-B14F-4D97-AF65-F5344CB8AC3E}">
-        <p14:creationId xmlns:p14="http://schemas.microsoft.com/office/powerpoint/2010/main" val="3726916051"/>
+        <p14:creationId xmlns:p14="http://schemas.microsoft.com/office/powerpoint/2010/main" val="1120367653"/>
       </p:ext>
     </p:extLst>
   </p:cSld>
@@ -2157,7 +2731,7 @@
 </file>
 
 <file path=ppt/slideLayouts/slideLayout8.xml><?xml version="1.0" encoding="utf-8"?>
-<p:sldLayout xmlns:a="http://schemas.openxmlformats.org/drawingml/2006/main" xmlns:r="http://schemas.openxmlformats.org/officeDocument/2006/relationships" xmlns:p="http://schemas.openxmlformats.org/presentationml/2006/main" type="objTx" preserve="1">
+<p:sldLayout xmlns:a="http://schemas.openxmlformats.org/drawingml/2006/main" xmlns:r="http://schemas.openxmlformats.org/officeDocument/2006/relationships" xmlns:p="http://schemas.openxmlformats.org/presentationml/2006/main" showMasterSp="0" type="objTx" preserve="1">
   <p:cSld name="Contenido con título">
     <p:spTree>
       <p:nvGrpSpPr>
@@ -2175,13 +2749,83 @@
       </p:grpSpPr>
       <p:sp>
         <p:nvSpPr>
-          <p:cNvPr id="2" name="Título 1">
-            <a:extLst>
-              <a:ext uri="{FF2B5EF4-FFF2-40B4-BE49-F238E27FC236}">
-                <a16:creationId xmlns:a16="http://schemas.microsoft.com/office/drawing/2014/main" id="{66BF36B8-067E-41A5-8EE3-9B4455996C73}"/>
-              </a:ext>
-            </a:extLst>
-          </p:cNvPr>
+          <p:cNvPr id="8" name="Rectangle 7"/>
+          <p:cNvSpPr/>
+          <p:nvPr/>
+        </p:nvSpPr>
+        <p:spPr>
+          <a:xfrm>
+            <a:off x="16" y="0"/>
+            <a:ext cx="4050791" cy="6858000"/>
+          </a:xfrm>
+          <a:prstGeom prst="rect">
+            <a:avLst/>
+          </a:prstGeom>
+          <a:solidFill>
+            <a:schemeClr val="accent2"/>
+          </a:solidFill>
+          <a:ln>
+            <a:noFill/>
+          </a:ln>
+        </p:spPr>
+        <p:style>
+          <a:lnRef idx="2">
+            <a:schemeClr val="accent1">
+              <a:shade val="50000"/>
+            </a:schemeClr>
+          </a:lnRef>
+          <a:fillRef idx="1">
+            <a:schemeClr val="accent1"/>
+          </a:fillRef>
+          <a:effectRef idx="0">
+            <a:schemeClr val="accent1"/>
+          </a:effectRef>
+          <a:fontRef idx="minor">
+            <a:schemeClr val="lt1"/>
+          </a:fontRef>
+        </p:style>
+      </p:sp>
+      <p:sp>
+        <p:nvSpPr>
+          <p:cNvPr id="9" name="Rectangle 8"/>
+          <p:cNvSpPr/>
+          <p:nvPr/>
+        </p:nvSpPr>
+        <p:spPr>
+          <a:xfrm>
+            <a:off x="4040071" y="0"/>
+            <a:ext cx="64008" cy="6858000"/>
+          </a:xfrm>
+          <a:prstGeom prst="rect">
+            <a:avLst/>
+          </a:prstGeom>
+          <a:solidFill>
+            <a:schemeClr val="accent1"/>
+          </a:solidFill>
+          <a:ln>
+            <a:noFill/>
+          </a:ln>
+        </p:spPr>
+        <p:style>
+          <a:lnRef idx="2">
+            <a:schemeClr val="accent1">
+              <a:shade val="50000"/>
+            </a:schemeClr>
+          </a:lnRef>
+          <a:fillRef idx="1">
+            <a:schemeClr val="accent1"/>
+          </a:fillRef>
+          <a:effectRef idx="0">
+            <a:schemeClr val="accent1"/>
+          </a:effectRef>
+          <a:fontRef idx="minor">
+            <a:schemeClr val="lt1"/>
+          </a:fontRef>
+        </p:style>
+      </p:sp>
+      <p:sp>
+        <p:nvSpPr>
+          <p:cNvPr id="2" name="Title 1"/>
           <p:cNvSpPr>
             <a:spLocks noGrp="1"/>
           </p:cNvSpPr>
@@ -2191,15 +2835,21 @@
         </p:nvSpPr>
         <p:spPr>
           <a:xfrm>
-            <a:off x="839788" y="457200"/>
-            <a:ext cx="3932237" cy="1600200"/>
-          </a:xfrm>
-        </p:spPr>
-        <p:txBody>
-          <a:bodyPr anchor="b"/>
+            <a:off x="457200" y="594359"/>
+            <a:ext cx="3200400" cy="2286000"/>
+          </a:xfrm>
+        </p:spPr>
+        <p:txBody>
+          <a:bodyPr anchor="b">
+            <a:normAutofit/>
+          </a:bodyPr>
           <a:lstStyle>
             <a:lvl1pPr>
-              <a:defRPr sz="3200"/>
+              <a:defRPr sz="3600" b="0">
+                <a:solidFill>
+                  <a:srgbClr val="FFFFFF"/>
+                </a:solidFill>
+              </a:defRPr>
             </a:lvl1pPr>
           </a:lstStyle>
           <a:p>
@@ -2207,248 +2857,230 @@
               <a:rPr lang="es-ES"/>
               <a:t>Haga clic para modificar el estilo de título del patrón</a:t>
             </a:r>
+            <a:endParaRPr lang="en-US" dirty="0"/>
+          </a:p>
+        </p:txBody>
+      </p:sp>
+      <p:sp>
+        <p:nvSpPr>
+          <p:cNvPr id="3" name="Content Placeholder 2"/>
+          <p:cNvSpPr>
+            <a:spLocks noGrp="1"/>
+          </p:cNvSpPr>
+          <p:nvPr>
+            <p:ph idx="1"/>
+          </p:nvPr>
+        </p:nvSpPr>
+        <p:spPr>
+          <a:xfrm>
+            <a:off x="4800600" y="731520"/>
+            <a:ext cx="6492240" cy="5257800"/>
+          </a:xfrm>
+        </p:spPr>
+        <p:txBody>
+          <a:bodyPr/>
+          <a:lstStyle/>
+          <a:p>
+            <a:pPr lvl="0"/>
+            <a:r>
+              <a:rPr lang="es-ES"/>
+              <a:t>Haga clic para modificar los estilos de texto del patrón</a:t>
+            </a:r>
+          </a:p>
+          <a:p>
+            <a:pPr lvl="1"/>
+            <a:r>
+              <a:rPr lang="es-ES"/>
+              <a:t>Segundo nivel</a:t>
+            </a:r>
+          </a:p>
+          <a:p>
+            <a:pPr lvl="2"/>
+            <a:r>
+              <a:rPr lang="es-ES"/>
+              <a:t>Tercer nivel</a:t>
+            </a:r>
+          </a:p>
+          <a:p>
+            <a:pPr lvl="3"/>
+            <a:r>
+              <a:rPr lang="es-ES"/>
+              <a:t>Cuarto nivel</a:t>
+            </a:r>
+          </a:p>
+          <a:p>
+            <a:pPr lvl="4"/>
+            <a:r>
+              <a:rPr lang="es-ES"/>
+              <a:t>Quinto nivel</a:t>
+            </a:r>
+            <a:endParaRPr lang="en-US" dirty="0"/>
+          </a:p>
+        </p:txBody>
+      </p:sp>
+      <p:sp>
+        <p:nvSpPr>
+          <p:cNvPr id="4" name="Text Placeholder 3"/>
+          <p:cNvSpPr>
+            <a:spLocks noGrp="1"/>
+          </p:cNvSpPr>
+          <p:nvPr>
+            <p:ph type="body" sz="half" idx="2"/>
+          </p:nvPr>
+        </p:nvSpPr>
+        <p:spPr>
+          <a:xfrm>
+            <a:off x="457200" y="2926080"/>
+            <a:ext cx="3200400" cy="3379124"/>
+          </a:xfrm>
+        </p:spPr>
+        <p:txBody>
+          <a:bodyPr lIns="91440" rIns="91440">
+            <a:normAutofit/>
+          </a:bodyPr>
+          <a:lstStyle>
+            <a:lvl1pPr marL="0" indent="0">
+              <a:buNone/>
+              <a:defRPr sz="1500">
+                <a:solidFill>
+                  <a:srgbClr val="FFFFFF"/>
+                </a:solidFill>
+              </a:defRPr>
+            </a:lvl1pPr>
+            <a:lvl2pPr marL="457200" indent="0">
+              <a:buNone/>
+              <a:defRPr sz="1200"/>
+            </a:lvl2pPr>
+            <a:lvl3pPr marL="914400" indent="0">
+              <a:buNone/>
+              <a:defRPr sz="1000"/>
+            </a:lvl3pPr>
+            <a:lvl4pPr marL="1371600" indent="0">
+              <a:buNone/>
+              <a:defRPr sz="900"/>
+            </a:lvl4pPr>
+            <a:lvl5pPr marL="1828800" indent="0">
+              <a:buNone/>
+              <a:defRPr sz="900"/>
+            </a:lvl5pPr>
+            <a:lvl6pPr marL="2286000" indent="0">
+              <a:buNone/>
+              <a:defRPr sz="900"/>
+            </a:lvl6pPr>
+            <a:lvl7pPr marL="2743200" indent="0">
+              <a:buNone/>
+              <a:defRPr sz="900"/>
+            </a:lvl7pPr>
+            <a:lvl8pPr marL="3200400" indent="0">
+              <a:buNone/>
+              <a:defRPr sz="900"/>
+            </a:lvl8pPr>
+            <a:lvl9pPr marL="3657600" indent="0">
+              <a:buNone/>
+              <a:defRPr sz="900"/>
+            </a:lvl9pPr>
+          </a:lstStyle>
+          <a:p>
+            <a:pPr lvl="0"/>
+            <a:r>
+              <a:rPr lang="es-ES"/>
+              <a:t>Haga clic para modificar los estilos de texto del patrón</a:t>
+            </a:r>
+          </a:p>
+        </p:txBody>
+      </p:sp>
+      <p:sp>
+        <p:nvSpPr>
+          <p:cNvPr id="5" name="Date Placeholder 4"/>
+          <p:cNvSpPr>
+            <a:spLocks noGrp="1"/>
+          </p:cNvSpPr>
+          <p:nvPr>
+            <p:ph type="dt" sz="half" idx="10"/>
+          </p:nvPr>
+        </p:nvSpPr>
+        <p:spPr>
+          <a:xfrm>
+            <a:off x="465512" y="6459785"/>
+            <a:ext cx="2618510" cy="365125"/>
+          </a:xfrm>
+        </p:spPr>
+        <p:txBody>
+          <a:bodyPr/>
+          <a:lstStyle>
+            <a:lvl1pPr algn="l">
+              <a:defRPr/>
+            </a:lvl1pPr>
+          </a:lstStyle>
+          <a:p>
+            <a:fld id="{18BCBBFC-B176-42EE-AF23-EF4C7C79D8EA}" type="datetime1">
+              <a:rPr lang="en-US" smtClean="0"/>
+              <a:t>11/3/2020</a:t>
+            </a:fld>
             <a:endParaRPr lang="en-US"/>
           </a:p>
         </p:txBody>
       </p:sp>
       <p:sp>
         <p:nvSpPr>
-          <p:cNvPr id="3" name="Marcador de contenido 2">
-            <a:extLst>
-              <a:ext uri="{FF2B5EF4-FFF2-40B4-BE49-F238E27FC236}">
-                <a16:creationId xmlns:a16="http://schemas.microsoft.com/office/drawing/2014/main" id="{942A59F7-9393-44E0-AC3A-DDA85AB22E45}"/>
-              </a:ext>
-            </a:extLst>
-          </p:cNvPr>
-          <p:cNvSpPr>
-            <a:spLocks noGrp="1"/>
-          </p:cNvSpPr>
-          <p:nvPr>
-            <p:ph idx="1"/>
-          </p:nvPr>
-        </p:nvSpPr>
-        <p:spPr>
-          <a:xfrm>
-            <a:off x="5183188" y="987425"/>
-            <a:ext cx="6172200" cy="4873625"/>
-          </a:xfrm>
-        </p:spPr>
+          <p:cNvPr id="6" name="Footer Placeholder 5"/>
+          <p:cNvSpPr>
+            <a:spLocks noGrp="1"/>
+          </p:cNvSpPr>
+          <p:nvPr>
+            <p:ph type="ftr" sz="quarter" idx="11"/>
+          </p:nvPr>
+        </p:nvSpPr>
+        <p:spPr>
+          <a:xfrm>
+            <a:off x="4800600" y="6459785"/>
+            <a:ext cx="4648200" cy="365125"/>
+          </a:xfrm>
+        </p:spPr>
+        <p:txBody>
+          <a:bodyPr/>
+          <a:lstStyle>
+            <a:lvl1pPr algn="l">
+              <a:defRPr>
+                <a:solidFill>
+                  <a:schemeClr val="tx2"/>
+                </a:solidFill>
+              </a:defRPr>
+            </a:lvl1pPr>
+          </a:lstStyle>
+          <a:p>
+            <a:r>
+              <a:rPr lang="es-ES"/>
+              <a:t>Diplomado en Inteligencia Artificial y Aprendizaje Profundo -UN</a:t>
+            </a:r>
+            <a:endParaRPr lang="en-US"/>
+          </a:p>
+        </p:txBody>
+      </p:sp>
+      <p:sp>
+        <p:nvSpPr>
+          <p:cNvPr id="7" name="Slide Number Placeholder 6"/>
+          <p:cNvSpPr>
+            <a:spLocks noGrp="1"/>
+          </p:cNvSpPr>
+          <p:nvPr>
+            <p:ph type="sldNum" sz="quarter" idx="12"/>
+          </p:nvPr>
+        </p:nvSpPr>
+        <p:spPr/>
         <p:txBody>
           <a:bodyPr/>
           <a:lstStyle>
             <a:lvl1pPr>
-              <a:defRPr sz="3200"/>
+              <a:defRPr>
+                <a:solidFill>
+                  <a:schemeClr val="tx2"/>
+                </a:solidFill>
+              </a:defRPr>
             </a:lvl1pPr>
-            <a:lvl2pPr>
-              <a:defRPr sz="2800"/>
-            </a:lvl2pPr>
-            <a:lvl3pPr>
-              <a:defRPr sz="2400"/>
-            </a:lvl3pPr>
-            <a:lvl4pPr>
-              <a:defRPr sz="2000"/>
-            </a:lvl4pPr>
-            <a:lvl5pPr>
-              <a:defRPr sz="2000"/>
-            </a:lvl5pPr>
-            <a:lvl6pPr>
-              <a:defRPr sz="2000"/>
-            </a:lvl6pPr>
-            <a:lvl7pPr>
-              <a:defRPr sz="2000"/>
-            </a:lvl7pPr>
-            <a:lvl8pPr>
-              <a:defRPr sz="2000"/>
-            </a:lvl8pPr>
-            <a:lvl9pPr>
-              <a:defRPr sz="2000"/>
-            </a:lvl9pPr>
           </a:lstStyle>
           <a:p>
-            <a:pPr lvl="0"/>
-            <a:r>
-              <a:rPr lang="es-ES"/>
-              <a:t>Haga clic para modificar los estilos de texto del patrón</a:t>
-            </a:r>
-          </a:p>
-          <a:p>
-            <a:pPr lvl="1"/>
-            <a:r>
-              <a:rPr lang="es-ES"/>
-              <a:t>Segundo nivel</a:t>
-            </a:r>
-          </a:p>
-          <a:p>
-            <a:pPr lvl="2"/>
-            <a:r>
-              <a:rPr lang="es-ES"/>
-              <a:t>Tercer nivel</a:t>
-            </a:r>
-          </a:p>
-          <a:p>
-            <a:pPr lvl="3"/>
-            <a:r>
-              <a:rPr lang="es-ES"/>
-              <a:t>Cuarto nivel</a:t>
-            </a:r>
-          </a:p>
-          <a:p>
-            <a:pPr lvl="4"/>
-            <a:r>
-              <a:rPr lang="es-ES"/>
-              <a:t>Quinto nivel</a:t>
-            </a:r>
-            <a:endParaRPr lang="en-US"/>
-          </a:p>
-        </p:txBody>
-      </p:sp>
-      <p:sp>
-        <p:nvSpPr>
-          <p:cNvPr id="4" name="Marcador de texto 3">
-            <a:extLst>
-              <a:ext uri="{FF2B5EF4-FFF2-40B4-BE49-F238E27FC236}">
-                <a16:creationId xmlns:a16="http://schemas.microsoft.com/office/drawing/2014/main" id="{17A28EEA-6278-4B47-B2DC-00B313BED1CB}"/>
-              </a:ext>
-            </a:extLst>
-          </p:cNvPr>
-          <p:cNvSpPr>
-            <a:spLocks noGrp="1"/>
-          </p:cNvSpPr>
-          <p:nvPr>
-            <p:ph type="body" sz="half" idx="2"/>
-          </p:nvPr>
-        </p:nvSpPr>
-        <p:spPr>
-          <a:xfrm>
-            <a:off x="839788" y="2057400"/>
-            <a:ext cx="3932237" cy="3811588"/>
-          </a:xfrm>
-        </p:spPr>
-        <p:txBody>
-          <a:bodyPr/>
-          <a:lstStyle>
-            <a:lvl1pPr marL="0" indent="0">
-              <a:buNone/>
-              <a:defRPr sz="1600"/>
-            </a:lvl1pPr>
-            <a:lvl2pPr marL="457200" indent="0">
-              <a:buNone/>
-              <a:defRPr sz="1400"/>
-            </a:lvl2pPr>
-            <a:lvl3pPr marL="914400" indent="0">
-              <a:buNone/>
-              <a:defRPr sz="1200"/>
-            </a:lvl3pPr>
-            <a:lvl4pPr marL="1371600" indent="0">
-              <a:buNone/>
-              <a:defRPr sz="1000"/>
-            </a:lvl4pPr>
-            <a:lvl5pPr marL="1828800" indent="0">
-              <a:buNone/>
-              <a:defRPr sz="1000"/>
-            </a:lvl5pPr>
-            <a:lvl6pPr marL="2286000" indent="0">
-              <a:buNone/>
-              <a:defRPr sz="1000"/>
-            </a:lvl6pPr>
-            <a:lvl7pPr marL="2743200" indent="0">
-              <a:buNone/>
-              <a:defRPr sz="1000"/>
-            </a:lvl7pPr>
-            <a:lvl8pPr marL="3200400" indent="0">
-              <a:buNone/>
-              <a:defRPr sz="1000"/>
-            </a:lvl8pPr>
-            <a:lvl9pPr marL="3657600" indent="0">
-              <a:buNone/>
-              <a:defRPr sz="1000"/>
-            </a:lvl9pPr>
-          </a:lstStyle>
-          <a:p>
-            <a:pPr lvl="0"/>
-            <a:r>
-              <a:rPr lang="es-ES"/>
-              <a:t>Haga clic para modificar los estilos de texto del patrón</a:t>
-            </a:r>
-          </a:p>
-        </p:txBody>
-      </p:sp>
-      <p:sp>
-        <p:nvSpPr>
-          <p:cNvPr id="5" name="Marcador de fecha 4">
-            <a:extLst>
-              <a:ext uri="{FF2B5EF4-FFF2-40B4-BE49-F238E27FC236}">
-                <a16:creationId xmlns:a16="http://schemas.microsoft.com/office/drawing/2014/main" id="{4257BAF2-88BD-479B-90D4-AD04FABAAF7D}"/>
-              </a:ext>
-            </a:extLst>
-          </p:cNvPr>
-          <p:cNvSpPr>
-            <a:spLocks noGrp="1"/>
-          </p:cNvSpPr>
-          <p:nvPr>
-            <p:ph type="dt" sz="half" idx="10"/>
-          </p:nvPr>
-        </p:nvSpPr>
-        <p:spPr/>
-        <p:txBody>
-          <a:bodyPr/>
-          <a:lstStyle/>
-          <a:p>
-            <a:fld id="{66FDCE43-4C6A-411B-A53F-054978AFBE8C}" type="datetimeFigureOut">
-              <a:rPr lang="en-US" smtClean="0"/>
-              <a:t>10/5/2020</a:t>
-            </a:fld>
-            <a:endParaRPr lang="en-US"/>
-          </a:p>
-        </p:txBody>
-      </p:sp>
-      <p:sp>
-        <p:nvSpPr>
-          <p:cNvPr id="6" name="Marcador de pie de página 5">
-            <a:extLst>
-              <a:ext uri="{FF2B5EF4-FFF2-40B4-BE49-F238E27FC236}">
-                <a16:creationId xmlns:a16="http://schemas.microsoft.com/office/drawing/2014/main" id="{6EE870E8-FD9C-4BF5-9A67-60FEC71A3684}"/>
-              </a:ext>
-            </a:extLst>
-          </p:cNvPr>
-          <p:cNvSpPr>
-            <a:spLocks noGrp="1"/>
-          </p:cNvSpPr>
-          <p:nvPr>
-            <p:ph type="ftr" sz="quarter" idx="11"/>
-          </p:nvPr>
-        </p:nvSpPr>
-        <p:spPr/>
-        <p:txBody>
-          <a:bodyPr/>
-          <a:lstStyle/>
-          <a:p>
-            <a:endParaRPr lang="en-US"/>
-          </a:p>
-        </p:txBody>
-      </p:sp>
-      <p:sp>
-        <p:nvSpPr>
-          <p:cNvPr id="7" name="Marcador de número de diapositiva 6">
-            <a:extLst>
-              <a:ext uri="{FF2B5EF4-FFF2-40B4-BE49-F238E27FC236}">
-                <a16:creationId xmlns:a16="http://schemas.microsoft.com/office/drawing/2014/main" id="{0E105498-2D5B-4A9D-8585-FB135E2A8A45}"/>
-              </a:ext>
-            </a:extLst>
-          </p:cNvPr>
-          <p:cNvSpPr>
-            <a:spLocks noGrp="1"/>
-          </p:cNvSpPr>
-          <p:nvPr>
-            <p:ph type="sldNum" sz="quarter" idx="12"/>
-          </p:nvPr>
-        </p:nvSpPr>
-        <p:spPr/>
-        <p:txBody>
-          <a:bodyPr/>
-          <a:lstStyle/>
-          <a:p>
-            <a:fld id="{D06F6822-8219-4E77-AF8A-CA9A8BDE2C8A}" type="slidenum">
+            <a:fld id="{1987B7B8-616A-43F8-924E-8DBE374A2992}" type="slidenum">
               <a:rPr lang="en-US" smtClean="0"/>
               <a:t>‹Nº›</a:t>
             </a:fld>
@@ -2459,7 +3091,7 @@
     </p:spTree>
     <p:extLst>
       <p:ext uri="{BB962C8B-B14F-4D97-AF65-F5344CB8AC3E}">
-        <p14:creationId xmlns:p14="http://schemas.microsoft.com/office/powerpoint/2010/main" val="2062516964"/>
+        <p14:creationId xmlns:p14="http://schemas.microsoft.com/office/powerpoint/2010/main" val="846100999"/>
       </p:ext>
     </p:extLst>
   </p:cSld>
@@ -2470,7 +3102,7 @@
 </file>
 
 <file path=ppt/slideLayouts/slideLayout9.xml><?xml version="1.0" encoding="utf-8"?>
-<p:sldLayout xmlns:a="http://schemas.openxmlformats.org/drawingml/2006/main" xmlns:r="http://schemas.openxmlformats.org/officeDocument/2006/relationships" xmlns:p="http://schemas.openxmlformats.org/presentationml/2006/main" type="picTx" preserve="1">
+<p:sldLayout xmlns:a="http://schemas.openxmlformats.org/drawingml/2006/main" xmlns:r="http://schemas.openxmlformats.org/officeDocument/2006/relationships" xmlns:p="http://schemas.openxmlformats.org/presentationml/2006/main" showMasterSp="0" type="picTx" preserve="1">
   <p:cSld name="Imagen con título">
     <p:spTree>
       <p:nvGrpSpPr>
@@ -2488,13 +3120,83 @@
       </p:grpSpPr>
       <p:sp>
         <p:nvSpPr>
-          <p:cNvPr id="2" name="Título 1">
-            <a:extLst>
-              <a:ext uri="{FF2B5EF4-FFF2-40B4-BE49-F238E27FC236}">
-                <a16:creationId xmlns:a16="http://schemas.microsoft.com/office/drawing/2014/main" id="{116D2468-194C-4A6F-BBA5-D186BA34D269}"/>
-              </a:ext>
-            </a:extLst>
-          </p:cNvPr>
+          <p:cNvPr id="8" name="Rectangle 7"/>
+          <p:cNvSpPr/>
+          <p:nvPr/>
+        </p:nvSpPr>
+        <p:spPr>
+          <a:xfrm>
+            <a:off x="0" y="4953000"/>
+            <a:ext cx="12188825" cy="1905000"/>
+          </a:xfrm>
+          <a:prstGeom prst="rect">
+            <a:avLst/>
+          </a:prstGeom>
+          <a:solidFill>
+            <a:schemeClr val="accent2"/>
+          </a:solidFill>
+          <a:ln>
+            <a:noFill/>
+          </a:ln>
+        </p:spPr>
+        <p:style>
+          <a:lnRef idx="2">
+            <a:schemeClr val="accent1">
+              <a:shade val="50000"/>
+            </a:schemeClr>
+          </a:lnRef>
+          <a:fillRef idx="1">
+            <a:schemeClr val="accent1"/>
+          </a:fillRef>
+          <a:effectRef idx="0">
+            <a:schemeClr val="accent1"/>
+          </a:effectRef>
+          <a:fontRef idx="minor">
+            <a:schemeClr val="lt1"/>
+          </a:fontRef>
+        </p:style>
+      </p:sp>
+      <p:sp>
+        <p:nvSpPr>
+          <p:cNvPr id="9" name="Rectangle 8"/>
+          <p:cNvSpPr/>
+          <p:nvPr/>
+        </p:nvSpPr>
+        <p:spPr>
+          <a:xfrm>
+            <a:off x="15" y="4915076"/>
+            <a:ext cx="12188825" cy="64008"/>
+          </a:xfrm>
+          <a:prstGeom prst="rect">
+            <a:avLst/>
+          </a:prstGeom>
+          <a:solidFill>
+            <a:schemeClr val="accent1"/>
+          </a:solidFill>
+          <a:ln>
+            <a:noFill/>
+          </a:ln>
+        </p:spPr>
+        <p:style>
+          <a:lnRef idx="2">
+            <a:schemeClr val="accent1">
+              <a:shade val="50000"/>
+            </a:schemeClr>
+          </a:lnRef>
+          <a:fillRef idx="1">
+            <a:schemeClr val="accent1"/>
+          </a:fillRef>
+          <a:effectRef idx="0">
+            <a:schemeClr val="accent1"/>
+          </a:effectRef>
+          <a:fontRef idx="minor">
+            <a:schemeClr val="lt1"/>
+          </a:fontRef>
+        </p:style>
+      </p:sp>
+      <p:sp>
+        <p:nvSpPr>
+          <p:cNvPr id="2" name="Title 1"/>
           <p:cNvSpPr>
             <a:spLocks noGrp="1"/>
           </p:cNvSpPr>
@@ -2504,15 +3206,21 @@
         </p:nvSpPr>
         <p:spPr>
           <a:xfrm>
-            <a:off x="839788" y="457200"/>
-            <a:ext cx="3932237" cy="1600200"/>
-          </a:xfrm>
-        </p:spPr>
-        <p:txBody>
-          <a:bodyPr anchor="b"/>
+            <a:off x="1097280" y="5074920"/>
+            <a:ext cx="10113264" cy="822960"/>
+          </a:xfrm>
+        </p:spPr>
+        <p:txBody>
+          <a:bodyPr lIns="91440" tIns="0" rIns="91440" bIns="0" anchor="b">
+            <a:noAutofit/>
+          </a:bodyPr>
           <a:lstStyle>
             <a:lvl1pPr>
-              <a:defRPr sz="3200"/>
+              <a:defRPr sz="3600" b="0">
+                <a:solidFill>
+                  <a:srgbClr val="FFFFFF"/>
+                </a:solidFill>
+              </a:defRPr>
             </a:lvl1pPr>
           </a:lstStyle>
           <a:p>
@@ -2520,21 +3228,15 @@
               <a:rPr lang="es-ES"/>
               <a:t>Haga clic para modificar el estilo de título del patrón</a:t>
             </a:r>
-            <a:endParaRPr lang="en-US"/>
-          </a:p>
-        </p:txBody>
-      </p:sp>
-      <p:sp>
-        <p:nvSpPr>
-          <p:cNvPr id="3" name="Marcador de posición de imagen 2">
-            <a:extLst>
-              <a:ext uri="{FF2B5EF4-FFF2-40B4-BE49-F238E27FC236}">
-                <a16:creationId xmlns:a16="http://schemas.microsoft.com/office/drawing/2014/main" id="{0C3FD32A-637E-41B2-900A-512F595DA7C6}"/>
-              </a:ext>
-            </a:extLst>
-          </p:cNvPr>
-          <p:cNvSpPr>
-            <a:spLocks noGrp="1"/>
+            <a:endParaRPr lang="en-US" dirty="0"/>
+          </a:p>
+        </p:txBody>
+      </p:sp>
+      <p:sp>
+        <p:nvSpPr>
+          <p:cNvPr id="3" name="Picture Placeholder 2"/>
+          <p:cNvSpPr>
+            <a:spLocks noGrp="1" noChangeAspect="1"/>
           </p:cNvSpPr>
           <p:nvPr>
             <p:ph type="pic" idx="1"/>
@@ -2542,16 +3244,26 @@
         </p:nvSpPr>
         <p:spPr>
           <a:xfrm>
-            <a:off x="5183188" y="987425"/>
-            <a:ext cx="6172200" cy="4873625"/>
-          </a:xfrm>
-        </p:spPr>
-        <p:txBody>
-          <a:bodyPr/>
+            <a:off x="15" y="0"/>
+            <a:ext cx="12191985" cy="4915076"/>
+          </a:xfrm>
+          <a:blipFill>
+            <a:blip r:embed="rId2"/>
+            <a:stretch>
+              <a:fillRect/>
+            </a:stretch>
+          </a:blipFill>
+        </p:spPr>
+        <p:txBody>
+          <a:bodyPr lIns="457200" tIns="457200" anchor="t"/>
           <a:lstStyle>
             <a:lvl1pPr marL="0" indent="0">
               <a:buNone/>
-              <a:defRPr sz="3200"/>
+              <a:defRPr sz="3200">
+                <a:solidFill>
+                  <a:schemeClr val="bg1"/>
+                </a:solidFill>
+              </a:defRPr>
             </a:lvl1pPr>
             <a:lvl2pPr marL="457200" indent="0">
               <a:buNone/>
@@ -2587,19 +3299,17 @@
             </a:lvl9pPr>
           </a:lstStyle>
           <a:p>
-            <a:endParaRPr lang="en-US"/>
-          </a:p>
-        </p:txBody>
-      </p:sp>
-      <p:sp>
-        <p:nvSpPr>
-          <p:cNvPr id="4" name="Marcador de texto 3">
-            <a:extLst>
-              <a:ext uri="{FF2B5EF4-FFF2-40B4-BE49-F238E27FC236}">
-                <a16:creationId xmlns:a16="http://schemas.microsoft.com/office/drawing/2014/main" id="{A7E9F135-398D-48CF-BB77-006716263093}"/>
-              </a:ext>
-            </a:extLst>
-          </p:cNvPr>
+            <a:r>
+              <a:rPr lang="es-ES"/>
+              <a:t>Haga clic en el icono para agregar una imagen</a:t>
+            </a:r>
+            <a:endParaRPr lang="en-US" dirty="0"/>
+          </a:p>
+        </p:txBody>
+      </p:sp>
+      <p:sp>
+        <p:nvSpPr>
+          <p:cNvPr id="4" name="Text Placeholder 3"/>
           <p:cNvSpPr>
             <a:spLocks noGrp="1"/>
           </p:cNvSpPr>
@@ -2609,48 +3319,60 @@
         </p:nvSpPr>
         <p:spPr>
           <a:xfrm>
-            <a:off x="839788" y="2057400"/>
-            <a:ext cx="3932237" cy="3811588"/>
-          </a:xfrm>
-        </p:spPr>
-        <p:txBody>
-          <a:bodyPr/>
+            <a:off x="1097280" y="5907023"/>
+            <a:ext cx="10113264" cy="594360"/>
+          </a:xfrm>
+        </p:spPr>
+        <p:txBody>
+          <a:bodyPr lIns="91440" tIns="0" rIns="91440" bIns="0">
+            <a:normAutofit/>
+          </a:bodyPr>
           <a:lstStyle>
             <a:lvl1pPr marL="0" indent="0">
+              <a:spcBef>
+                <a:spcPts val="0"/>
+              </a:spcBef>
+              <a:spcAft>
+                <a:spcPts val="600"/>
+              </a:spcAft>
               <a:buNone/>
-              <a:defRPr sz="1600"/>
+              <a:defRPr sz="1500">
+                <a:solidFill>
+                  <a:srgbClr val="FFFFFF"/>
+                </a:solidFill>
+              </a:defRPr>
             </a:lvl1pPr>
             <a:lvl2pPr marL="457200" indent="0">
               <a:buNone/>
-              <a:defRPr sz="1400"/>
+              <a:defRPr sz="1200"/>
             </a:lvl2pPr>
             <a:lvl3pPr marL="914400" indent="0">
               <a:buNone/>
-              <a:defRPr sz="1200"/>
+              <a:defRPr sz="1000"/>
             </a:lvl3pPr>
             <a:lvl4pPr marL="1371600" indent="0">
               <a:buNone/>
-              <a:defRPr sz="1000"/>
+              <a:defRPr sz="900"/>
             </a:lvl4pPr>
             <a:lvl5pPr marL="1828800" indent="0">
               <a:buNone/>
-              <a:defRPr sz="1000"/>
+              <a:defRPr sz="900"/>
             </a:lvl5pPr>
             <a:lvl6pPr marL="2286000" indent="0">
               <a:buNone/>
-              <a:defRPr sz="1000"/>
+              <a:defRPr sz="900"/>
             </a:lvl6pPr>
             <a:lvl7pPr marL="2743200" indent="0">
               <a:buNone/>
-              <a:defRPr sz="1000"/>
+              <a:defRPr sz="900"/>
             </a:lvl7pPr>
             <a:lvl8pPr marL="3200400" indent="0">
               <a:buNone/>
-              <a:defRPr sz="1000"/>
+              <a:defRPr sz="900"/>
             </a:lvl8pPr>
             <a:lvl9pPr marL="3657600" indent="0">
               <a:buNone/>
-              <a:defRPr sz="1000"/>
+              <a:defRPr sz="900"/>
             </a:lvl9pPr>
           </a:lstStyle>
           <a:p>
@@ -2664,13 +3386,7 @@
       </p:sp>
       <p:sp>
         <p:nvSpPr>
-          <p:cNvPr id="5" name="Marcador de fecha 4">
-            <a:extLst>
-              <a:ext uri="{FF2B5EF4-FFF2-40B4-BE49-F238E27FC236}">
-                <a16:creationId xmlns:a16="http://schemas.microsoft.com/office/drawing/2014/main" id="{8172A299-DB43-4A91-8DC6-2FD39198DA9A}"/>
-              </a:ext>
-            </a:extLst>
-          </p:cNvPr>
+          <p:cNvPr id="5" name="Date Placeholder 4"/>
           <p:cNvSpPr>
             <a:spLocks noGrp="1"/>
           </p:cNvSpPr>
@@ -2683,9 +3399,9 @@
           <a:bodyPr/>
           <a:lstStyle/>
           <a:p>
-            <a:fld id="{66FDCE43-4C6A-411B-A53F-054978AFBE8C}" type="datetimeFigureOut">
+            <a:fld id="{14AA4061-1851-4CBD-AA59-DEA2AB710D8A}" type="datetime1">
               <a:rPr lang="en-US" smtClean="0"/>
-              <a:t>10/5/2020</a:t>
+              <a:t>11/3/2020</a:t>
             </a:fld>
             <a:endParaRPr lang="en-US"/>
           </a:p>
@@ -2693,13 +3409,7 @@
       </p:sp>
       <p:sp>
         <p:nvSpPr>
-          <p:cNvPr id="6" name="Marcador de pie de página 5">
-            <a:extLst>
-              <a:ext uri="{FF2B5EF4-FFF2-40B4-BE49-F238E27FC236}">
-                <a16:creationId xmlns:a16="http://schemas.microsoft.com/office/drawing/2014/main" id="{2400884E-77E8-4EBE-A6B9-FBD1990BB712}"/>
-              </a:ext>
-            </a:extLst>
-          </p:cNvPr>
+          <p:cNvPr id="6" name="Footer Placeholder 5"/>
           <p:cNvSpPr>
             <a:spLocks noGrp="1"/>
           </p:cNvSpPr>
@@ -2712,19 +3422,17 @@
           <a:bodyPr/>
           <a:lstStyle/>
           <a:p>
+            <a:r>
+              <a:rPr lang="es-ES"/>
+              <a:t>Diplomado en Inteligencia Artificial y Aprendizaje Profundo -UN</a:t>
+            </a:r>
             <a:endParaRPr lang="en-US"/>
           </a:p>
         </p:txBody>
       </p:sp>
       <p:sp>
         <p:nvSpPr>
-          <p:cNvPr id="7" name="Marcador de número de diapositiva 6">
-            <a:extLst>
-              <a:ext uri="{FF2B5EF4-FFF2-40B4-BE49-F238E27FC236}">
-                <a16:creationId xmlns:a16="http://schemas.microsoft.com/office/drawing/2014/main" id="{D5E2A311-1A98-4DBE-B81F-CAFB7CC45AEC}"/>
-              </a:ext>
-            </a:extLst>
-          </p:cNvPr>
+          <p:cNvPr id="7" name="Slide Number Placeholder 6"/>
           <p:cNvSpPr>
             <a:spLocks noGrp="1"/>
           </p:cNvSpPr>
@@ -2737,7 +3445,7 @@
           <a:bodyPr/>
           <a:lstStyle/>
           <a:p>
-            <a:fld id="{D06F6822-8219-4E77-AF8A-CA9A8BDE2C8A}" type="slidenum">
+            <a:fld id="{1987B7B8-616A-43F8-924E-8DBE374A2992}" type="slidenum">
               <a:rPr lang="en-US" smtClean="0"/>
               <a:t>‹Nº›</a:t>
             </a:fld>
@@ -2748,7 +3456,7 @@
     </p:spTree>
     <p:extLst>
       <p:ext uri="{BB962C8B-B14F-4D97-AF65-F5344CB8AC3E}">
-        <p14:creationId xmlns:p14="http://schemas.microsoft.com/office/powerpoint/2010/main" val="4259343081"/>
+        <p14:creationId xmlns:p14="http://schemas.microsoft.com/office/powerpoint/2010/main" val="445269509"/>
       </p:ext>
     </p:extLst>
   </p:cSld>
@@ -2782,153 +3490,209 @@
       </p:grpSpPr>
       <p:sp>
         <p:nvSpPr>
-          <p:cNvPr id="2" name="Marcador de título 1">
-            <a:extLst>
-              <a:ext uri="{FF2B5EF4-FFF2-40B4-BE49-F238E27FC236}">
-                <a16:creationId xmlns:a16="http://schemas.microsoft.com/office/drawing/2014/main" id="{69445399-D4EE-4EFD-A11F-43F5894A2A71}"/>
-              </a:ext>
-            </a:extLst>
-          </p:cNvPr>
-          <p:cNvSpPr>
-            <a:spLocks noGrp="1"/>
-          </p:cNvSpPr>
-          <p:nvPr>
-            <p:ph type="title"/>
-          </p:nvPr>
-        </p:nvSpPr>
-        <p:spPr>
-          <a:xfrm>
-            <a:off x="838200" y="365125"/>
-            <a:ext cx="10515600" cy="1325563"/>
+          <p:cNvPr id="7" name="Rectangle 6"/>
+          <p:cNvSpPr/>
+          <p:nvPr/>
+        </p:nvSpPr>
+        <p:spPr>
+          <a:xfrm>
+            <a:off x="1" y="6400800"/>
+            <a:ext cx="12192000" cy="457200"/>
           </a:xfrm>
           <a:prstGeom prst="rect">
             <a:avLst/>
           </a:prstGeom>
-        </p:spPr>
-        <p:txBody>
-          <a:bodyPr vert="horz" lIns="91440" tIns="45720" rIns="91440" bIns="45720" rtlCol="0" anchor="ctr">
-            <a:normAutofit/>
-          </a:bodyPr>
-          <a:lstStyle/>
-          <a:p>
-            <a:r>
-              <a:rPr lang="es-ES"/>
-              <a:t>Haga clic para modificar el estilo de título del patrón</a:t>
-            </a:r>
-            <a:endParaRPr lang="en-US"/>
-          </a:p>
-        </p:txBody>
-      </p:sp>
-      <p:sp>
-        <p:nvSpPr>
-          <p:cNvPr id="3" name="Marcador de texto 2">
-            <a:extLst>
-              <a:ext uri="{FF2B5EF4-FFF2-40B4-BE49-F238E27FC236}">
-                <a16:creationId xmlns:a16="http://schemas.microsoft.com/office/drawing/2014/main" id="{2865729E-1C9A-4D09-96EE-2A25DE7A73A2}"/>
-              </a:ext>
-            </a:extLst>
-          </p:cNvPr>
-          <p:cNvSpPr>
-            <a:spLocks noGrp="1"/>
-          </p:cNvSpPr>
-          <p:nvPr>
-            <p:ph type="body" idx="1"/>
-          </p:nvPr>
-        </p:nvSpPr>
-        <p:spPr>
-          <a:xfrm>
-            <a:off x="838200" y="1825625"/>
-            <a:ext cx="10515600" cy="4351338"/>
+          <a:solidFill>
+            <a:schemeClr val="accent2"/>
+          </a:solidFill>
+          <a:ln>
+            <a:noFill/>
+          </a:ln>
+        </p:spPr>
+        <p:style>
+          <a:lnRef idx="2">
+            <a:schemeClr val="accent1">
+              <a:shade val="50000"/>
+            </a:schemeClr>
+          </a:lnRef>
+          <a:fillRef idx="1">
+            <a:schemeClr val="accent1"/>
+          </a:fillRef>
+          <a:effectRef idx="0">
+            <a:schemeClr val="accent1"/>
+          </a:effectRef>
+          <a:fontRef idx="minor">
+            <a:schemeClr val="lt1"/>
+          </a:fontRef>
+        </p:style>
+      </p:sp>
+      <p:sp>
+        <p:nvSpPr>
+          <p:cNvPr id="9" name="Rectangle 8"/>
+          <p:cNvSpPr/>
+          <p:nvPr/>
+        </p:nvSpPr>
+        <p:spPr>
+          <a:xfrm>
+            <a:off x="0" y="6334316"/>
+            <a:ext cx="12192001" cy="65998"/>
           </a:xfrm>
           <a:prstGeom prst="rect">
             <a:avLst/>
           </a:prstGeom>
-        </p:spPr>
-        <p:txBody>
-          <a:bodyPr vert="horz" lIns="91440" tIns="45720" rIns="91440" bIns="45720" rtlCol="0">
-            <a:normAutofit/>
-          </a:bodyPr>
-          <a:lstStyle/>
-          <a:p>
-            <a:pPr lvl="0"/>
-            <a:r>
-              <a:rPr lang="es-ES"/>
-              <a:t>Haga clic para modificar los estilos de texto del patrón</a:t>
-            </a:r>
-          </a:p>
-          <a:p>
-            <a:pPr lvl="1"/>
-            <a:r>
-              <a:rPr lang="es-ES"/>
-              <a:t>Segundo nivel</a:t>
-            </a:r>
-          </a:p>
-          <a:p>
-            <a:pPr lvl="2"/>
-            <a:r>
-              <a:rPr lang="es-ES"/>
-              <a:t>Tercer nivel</a:t>
-            </a:r>
-          </a:p>
-          <a:p>
-            <a:pPr lvl="3"/>
-            <a:r>
-              <a:rPr lang="es-ES"/>
-              <a:t>Cuarto nivel</a:t>
-            </a:r>
-          </a:p>
-          <a:p>
-            <a:pPr lvl="4"/>
-            <a:r>
-              <a:rPr lang="es-ES"/>
-              <a:t>Quinto nivel</a:t>
-            </a:r>
-            <a:endParaRPr lang="en-US"/>
-          </a:p>
-        </p:txBody>
-      </p:sp>
-      <p:sp>
-        <p:nvSpPr>
-          <p:cNvPr id="4" name="Marcador de fecha 3">
-            <a:extLst>
-              <a:ext uri="{FF2B5EF4-FFF2-40B4-BE49-F238E27FC236}">
-                <a16:creationId xmlns:a16="http://schemas.microsoft.com/office/drawing/2014/main" id="{3F273588-BAB1-4DBD-8660-4755099FCC15}"/>
-              </a:ext>
-            </a:extLst>
-          </p:cNvPr>
-          <p:cNvSpPr>
-            <a:spLocks noGrp="1"/>
-          </p:cNvSpPr>
-          <p:nvPr>
-            <p:ph type="dt" sz="half" idx="2"/>
-          </p:nvPr>
-        </p:nvSpPr>
-        <p:spPr>
-          <a:xfrm>
-            <a:off x="838200" y="6356350"/>
-            <a:ext cx="2743200" cy="365125"/>
+          <a:solidFill>
+            <a:schemeClr val="accent1"/>
+          </a:solidFill>
+          <a:ln>
+            <a:noFill/>
+          </a:ln>
+        </p:spPr>
+        <p:style>
+          <a:lnRef idx="2">
+            <a:schemeClr val="accent1">
+              <a:shade val="50000"/>
+            </a:schemeClr>
+          </a:lnRef>
+          <a:fillRef idx="1">
+            <a:schemeClr val="accent1"/>
+          </a:fillRef>
+          <a:effectRef idx="0">
+            <a:schemeClr val="accent1"/>
+          </a:effectRef>
+          <a:fontRef idx="minor">
+            <a:schemeClr val="lt1"/>
+          </a:fontRef>
+        </p:style>
+      </p:sp>
+      <p:sp>
+        <p:nvSpPr>
+          <p:cNvPr id="2" name="Title Placeholder 1"/>
+          <p:cNvSpPr>
+            <a:spLocks noGrp="1"/>
+          </p:cNvSpPr>
+          <p:nvPr>
+            <p:ph type="title"/>
+          </p:nvPr>
+        </p:nvSpPr>
+        <p:spPr>
+          <a:xfrm>
+            <a:off x="1097280" y="286603"/>
+            <a:ext cx="10058400" cy="1450757"/>
           </a:xfrm>
           <a:prstGeom prst="rect">
             <a:avLst/>
           </a:prstGeom>
         </p:spPr>
         <p:txBody>
+          <a:bodyPr vert="horz" lIns="91440" tIns="45720" rIns="91440" bIns="45720" rtlCol="0" anchor="b">
+            <a:normAutofit/>
+          </a:bodyPr>
+          <a:lstStyle/>
+          <a:p>
+            <a:r>
+              <a:rPr lang="es-ES"/>
+              <a:t>Haga clic para modificar el estilo de título del patrón</a:t>
+            </a:r>
+            <a:endParaRPr lang="en-US" dirty="0"/>
+          </a:p>
+        </p:txBody>
+      </p:sp>
+      <p:sp>
+        <p:nvSpPr>
+          <p:cNvPr id="3" name="Text Placeholder 2"/>
+          <p:cNvSpPr>
+            <a:spLocks noGrp="1"/>
+          </p:cNvSpPr>
+          <p:nvPr>
+            <p:ph type="body" idx="1"/>
+          </p:nvPr>
+        </p:nvSpPr>
+        <p:spPr>
+          <a:xfrm>
+            <a:off x="1097280" y="1845734"/>
+            <a:ext cx="10058400" cy="4023360"/>
+          </a:xfrm>
+          <a:prstGeom prst="rect">
+            <a:avLst/>
+          </a:prstGeom>
+        </p:spPr>
+        <p:txBody>
+          <a:bodyPr vert="horz" lIns="0" tIns="45720" rIns="0" bIns="45720" rtlCol="0">
+            <a:normAutofit/>
+          </a:bodyPr>
+          <a:lstStyle/>
+          <a:p>
+            <a:pPr lvl="0"/>
+            <a:r>
+              <a:rPr lang="es-ES"/>
+              <a:t>Haga clic para modificar los estilos de texto del patrón</a:t>
+            </a:r>
+          </a:p>
+          <a:p>
+            <a:pPr lvl="1"/>
+            <a:r>
+              <a:rPr lang="es-ES"/>
+              <a:t>Segundo nivel</a:t>
+            </a:r>
+          </a:p>
+          <a:p>
+            <a:pPr lvl="2"/>
+            <a:r>
+              <a:rPr lang="es-ES"/>
+              <a:t>Tercer nivel</a:t>
+            </a:r>
+          </a:p>
+          <a:p>
+            <a:pPr lvl="3"/>
+            <a:r>
+              <a:rPr lang="es-ES"/>
+              <a:t>Cuarto nivel</a:t>
+            </a:r>
+          </a:p>
+          <a:p>
+            <a:pPr lvl="4"/>
+            <a:r>
+              <a:rPr lang="es-ES"/>
+              <a:t>Quinto nivel</a:t>
+            </a:r>
+            <a:endParaRPr lang="en-US" dirty="0"/>
+          </a:p>
+        </p:txBody>
+      </p:sp>
+      <p:sp>
+        <p:nvSpPr>
+          <p:cNvPr id="4" name="Date Placeholder 3"/>
+          <p:cNvSpPr>
+            <a:spLocks noGrp="1"/>
+          </p:cNvSpPr>
+          <p:nvPr>
+            <p:ph type="dt" sz="half" idx="2"/>
+          </p:nvPr>
+        </p:nvSpPr>
+        <p:spPr>
+          <a:xfrm>
+            <a:off x="1097280" y="6459785"/>
+            <a:ext cx="2472271" cy="365125"/>
+          </a:xfrm>
+          <a:prstGeom prst="rect">
+            <a:avLst/>
+          </a:prstGeom>
+        </p:spPr>
+        <p:txBody>
           <a:bodyPr vert="horz" lIns="91440" tIns="45720" rIns="91440" bIns="45720" rtlCol="0" anchor="ctr"/>
           <a:lstStyle>
             <a:lvl1pPr algn="l">
-              <a:defRPr sz="1200">
+              <a:defRPr sz="900">
                 <a:solidFill>
-                  <a:schemeClr val="tx1">
-                    <a:tint val="75000"/>
-                  </a:schemeClr>
+                  <a:srgbClr val="FFFFFF"/>
                 </a:solidFill>
               </a:defRPr>
             </a:lvl1pPr>
           </a:lstStyle>
           <a:p>
-            <a:fld id="{66FDCE43-4C6A-411B-A53F-054978AFBE8C}" type="datetimeFigureOut">
+            <a:fld id="{F2063304-F164-4CA6-A5F7-E46DA9D20D97}" type="datetime1">
               <a:rPr lang="en-US" smtClean="0"/>
-              <a:t>10/5/2020</a:t>
+              <a:t>11/3/2020</a:t>
             </a:fld>
             <a:endParaRPr lang="en-US"/>
           </a:p>
@@ -2936,13 +3700,7 @@
       </p:sp>
       <p:sp>
         <p:nvSpPr>
-          <p:cNvPr id="5" name="Marcador de pie de página 4">
-            <a:extLst>
-              <a:ext uri="{FF2B5EF4-FFF2-40B4-BE49-F238E27FC236}">
-                <a16:creationId xmlns:a16="http://schemas.microsoft.com/office/drawing/2014/main" id="{9EB6EC94-E892-439F-95A6-0BCB769AF262}"/>
-              </a:ext>
-            </a:extLst>
-          </p:cNvPr>
+          <p:cNvPr id="5" name="Footer Placeholder 4"/>
           <p:cNvSpPr>
             <a:spLocks noGrp="1"/>
           </p:cNvSpPr>
@@ -2952,8 +3710,8 @@
         </p:nvSpPr>
         <p:spPr>
           <a:xfrm>
-            <a:off x="4038600" y="6356350"/>
-            <a:ext cx="4114800" cy="365125"/>
+            <a:off x="3686185" y="6459785"/>
+            <a:ext cx="4822804" cy="365125"/>
           </a:xfrm>
           <a:prstGeom prst="rect">
             <a:avLst/>
@@ -2963,29 +3721,25 @@
           <a:bodyPr vert="horz" lIns="91440" tIns="45720" rIns="91440" bIns="45720" rtlCol="0" anchor="ctr"/>
           <a:lstStyle>
             <a:lvl1pPr algn="ctr">
-              <a:defRPr sz="1200">
+              <a:defRPr sz="900" cap="all" baseline="0">
                 <a:solidFill>
-                  <a:schemeClr val="tx1">
-                    <a:tint val="75000"/>
-                  </a:schemeClr>
+                  <a:srgbClr val="FFFFFF"/>
                 </a:solidFill>
               </a:defRPr>
             </a:lvl1pPr>
           </a:lstStyle>
           <a:p>
+            <a:r>
+              <a:rPr lang="es-ES"/>
+              <a:t>Diplomado en Inteligencia Artificial y Aprendizaje Profundo -UN</a:t>
+            </a:r>
             <a:endParaRPr lang="en-US"/>
           </a:p>
         </p:txBody>
       </p:sp>
       <p:sp>
         <p:nvSpPr>
-          <p:cNvPr id="6" name="Marcador de número de diapositiva 5">
-            <a:extLst>
-              <a:ext uri="{FF2B5EF4-FFF2-40B4-BE49-F238E27FC236}">
-                <a16:creationId xmlns:a16="http://schemas.microsoft.com/office/drawing/2014/main" id="{6E1CC558-C33C-4A16-B797-BA228CD914E5}"/>
-              </a:ext>
-            </a:extLst>
-          </p:cNvPr>
+          <p:cNvPr id="6" name="Slide Number Placeholder 5"/>
           <p:cNvSpPr>
             <a:spLocks noGrp="1"/>
           </p:cNvSpPr>
@@ -2995,8 +3749,8 @@
         </p:nvSpPr>
         <p:spPr>
           <a:xfrm>
-            <a:off x="8610600" y="6356350"/>
-            <a:ext cx="2743200" cy="365125"/>
+            <a:off x="9900458" y="6459785"/>
+            <a:ext cx="1312025" cy="365125"/>
           </a:xfrm>
           <a:prstGeom prst="rect">
             <a:avLst/>
@@ -3006,17 +3760,15 @@
           <a:bodyPr vert="horz" lIns="91440" tIns="45720" rIns="91440" bIns="45720" rtlCol="0" anchor="ctr"/>
           <a:lstStyle>
             <a:lvl1pPr algn="r">
-              <a:defRPr sz="1200">
+              <a:defRPr sz="1050">
                 <a:solidFill>
-                  <a:schemeClr val="tx1">
-                    <a:tint val="75000"/>
-                  </a:schemeClr>
+                  <a:srgbClr val="FFFFFF"/>
                 </a:solidFill>
               </a:defRPr>
             </a:lvl1pPr>
           </a:lstStyle>
           <a:p>
-            <a:fld id="{D06F6822-8219-4E77-AF8A-CA9A8BDE2C8A}" type="slidenum">
+            <a:fld id="{1987B7B8-616A-43F8-924E-8DBE374A2992}" type="slidenum">
               <a:rPr lang="en-US" smtClean="0"/>
               <a:t>‹Nº›</a:t>
             </a:fld>
@@ -3024,40 +3776,82 @@
           </a:p>
         </p:txBody>
       </p:sp>
+      <p:cxnSp>
+        <p:nvCxnSpPr>
+          <p:cNvPr id="10" name="Straight Connector 9"/>
+          <p:cNvCxnSpPr/>
+          <p:nvPr/>
+        </p:nvCxnSpPr>
+        <p:spPr>
+          <a:xfrm>
+            <a:off x="1193532" y="1737845"/>
+            <a:ext cx="9966960" cy="0"/>
+          </a:xfrm>
+          <a:prstGeom prst="line">
+            <a:avLst/>
+          </a:prstGeom>
+          <a:ln w="6350">
+            <a:solidFill>
+              <a:schemeClr val="tx1">
+                <a:lumMod val="50000"/>
+                <a:lumOff val="50000"/>
+              </a:schemeClr>
+            </a:solidFill>
+          </a:ln>
+        </p:spPr>
+        <p:style>
+          <a:lnRef idx="1">
+            <a:schemeClr val="accent1"/>
+          </a:lnRef>
+          <a:fillRef idx="0">
+            <a:schemeClr val="accent1"/>
+          </a:fillRef>
+          <a:effectRef idx="0">
+            <a:schemeClr val="accent1"/>
+          </a:effectRef>
+          <a:fontRef idx="minor">
+            <a:schemeClr val="tx1"/>
+          </a:fontRef>
+        </p:style>
+      </p:cxnSp>
     </p:spTree>
     <p:extLst>
       <p:ext uri="{BB962C8B-B14F-4D97-AF65-F5344CB8AC3E}">
-        <p14:creationId xmlns:p14="http://schemas.microsoft.com/office/powerpoint/2010/main" val="3558574933"/>
+        <p14:creationId xmlns:p14="http://schemas.microsoft.com/office/powerpoint/2010/main" val="1313517578"/>
       </p:ext>
     </p:extLst>
   </p:cSld>
   <p:clrMap bg1="lt1" tx1="dk1" bg2="lt2" tx2="dk2" accent1="accent1" accent2="accent2" accent3="accent3" accent4="accent4" accent5="accent5" accent6="accent6" hlink="hlink" folHlink="folHlink"/>
   <p:sldLayoutIdLst>
-    <p:sldLayoutId id="2147483649" r:id="rId1"/>
-    <p:sldLayoutId id="2147483650" r:id="rId2"/>
-    <p:sldLayoutId id="2147483651" r:id="rId3"/>
-    <p:sldLayoutId id="2147483652" r:id="rId4"/>
-    <p:sldLayoutId id="2147483653" r:id="rId5"/>
-    <p:sldLayoutId id="2147483654" r:id="rId6"/>
-    <p:sldLayoutId id="2147483655" r:id="rId7"/>
-    <p:sldLayoutId id="2147483656" r:id="rId8"/>
-    <p:sldLayoutId id="2147483657" r:id="rId9"/>
-    <p:sldLayoutId id="2147483658" r:id="rId10"/>
-    <p:sldLayoutId id="2147483659" r:id="rId11"/>
+    <p:sldLayoutId id="2147483673" r:id="rId1"/>
+    <p:sldLayoutId id="2147483674" r:id="rId2"/>
+    <p:sldLayoutId id="2147483675" r:id="rId3"/>
+    <p:sldLayoutId id="2147483676" r:id="rId4"/>
+    <p:sldLayoutId id="2147483677" r:id="rId5"/>
+    <p:sldLayoutId id="2147483678" r:id="rId6"/>
+    <p:sldLayoutId id="2147483679" r:id="rId7"/>
+    <p:sldLayoutId id="2147483680" r:id="rId8"/>
+    <p:sldLayoutId id="2147483681" r:id="rId9"/>
+    <p:sldLayoutId id="2147483682" r:id="rId10"/>
+    <p:sldLayoutId id="2147483683" r:id="rId11"/>
   </p:sldLayoutIdLst>
+  <p:hf hdr="0" dt="0"/>
   <p:txStyles>
     <p:titleStyle>
       <a:lvl1pPr algn="l" defTabSz="914400" rtl="0" eaLnBrk="1" latinLnBrk="0" hangingPunct="1">
         <a:lnSpc>
-          <a:spcPct val="90000"/>
+          <a:spcPct val="85000"/>
         </a:lnSpc>
         <a:spcBef>
           <a:spcPct val="0"/>
         </a:spcBef>
         <a:buNone/>
-        <a:defRPr sz="4400" kern="1200">
+        <a:defRPr sz="4800" kern="1200" spc="-50" baseline="0">
           <a:solidFill>
-            <a:schemeClr val="tx1"/>
+            <a:schemeClr val="tx1">
+              <a:lumMod val="75000"/>
+              <a:lumOff val="25000"/>
+            </a:schemeClr>
           </a:solidFill>
           <a:latin typeface="+mj-lt"/>
           <a:ea typeface="+mj-ea"/>
@@ -3066,162 +3860,244 @@
       </a:lvl1pPr>
     </p:titleStyle>
     <p:bodyStyle>
-      <a:lvl1pPr marL="228600" indent="-228600" algn="l" defTabSz="914400" rtl="0" eaLnBrk="1" latinLnBrk="0" hangingPunct="1">
+      <a:lvl1pPr marL="91440" indent="-91440" algn="l" defTabSz="914400" rtl="0" eaLnBrk="1" latinLnBrk="0" hangingPunct="1">
         <a:lnSpc>
           <a:spcPct val="90000"/>
         </a:lnSpc>
         <a:spcBef>
-          <a:spcPts val="1000"/>
+          <a:spcPts val="1200"/>
         </a:spcBef>
-        <a:buFont typeface="Arial" panose="020B0604020202020204" pitchFamily="34" charset="0"/>
-        <a:buChar char="•"/>
-        <a:defRPr sz="2800" kern="1200">
+        <a:spcAft>
+          <a:spcPts val="200"/>
+        </a:spcAft>
+        <a:buClr>
+          <a:schemeClr val="accent1"/>
+        </a:buClr>
+        <a:buSzPct val="100000"/>
+        <a:buFont typeface="Calibri" panose="020F0502020204030204" pitchFamily="34" charset="0"/>
+        <a:buChar char=" "/>
+        <a:defRPr sz="2000" kern="1200">
           <a:solidFill>
-            <a:schemeClr val="tx1"/>
+            <a:schemeClr val="tx1">
+              <a:lumMod val="75000"/>
+              <a:lumOff val="25000"/>
+            </a:schemeClr>
           </a:solidFill>
           <a:latin typeface="+mn-lt"/>
           <a:ea typeface="+mn-ea"/>
           <a:cs typeface="+mn-cs"/>
         </a:defRPr>
       </a:lvl1pPr>
-      <a:lvl2pPr marL="685800" indent="-228600" algn="l" defTabSz="914400" rtl="0" eaLnBrk="1" latinLnBrk="0" hangingPunct="1">
+      <a:lvl2pPr marL="384048" indent="-182880" algn="l" defTabSz="914400" rtl="0" eaLnBrk="1" latinLnBrk="0" hangingPunct="1">
         <a:lnSpc>
           <a:spcPct val="90000"/>
         </a:lnSpc>
         <a:spcBef>
-          <a:spcPts val="500"/>
+          <a:spcPts val="200"/>
         </a:spcBef>
-        <a:buFont typeface="Arial" panose="020B0604020202020204" pitchFamily="34" charset="0"/>
-        <a:buChar char="•"/>
-        <a:defRPr sz="2400" kern="1200">
+        <a:spcAft>
+          <a:spcPts val="400"/>
+        </a:spcAft>
+        <a:buClr>
+          <a:schemeClr val="accent1"/>
+        </a:buClr>
+        <a:buFont typeface="Calibri" pitchFamily="34" charset="0"/>
+        <a:buChar char="◦"/>
+        <a:defRPr sz="1800" kern="1200">
           <a:solidFill>
-            <a:schemeClr val="tx1"/>
+            <a:schemeClr val="tx1">
+              <a:lumMod val="75000"/>
+              <a:lumOff val="25000"/>
+            </a:schemeClr>
           </a:solidFill>
           <a:latin typeface="+mn-lt"/>
           <a:ea typeface="+mn-ea"/>
           <a:cs typeface="+mn-cs"/>
         </a:defRPr>
       </a:lvl2pPr>
-      <a:lvl3pPr marL="1143000" indent="-228600" algn="l" defTabSz="914400" rtl="0" eaLnBrk="1" latinLnBrk="0" hangingPunct="1">
+      <a:lvl3pPr marL="566928" indent="-182880" algn="l" defTabSz="914400" rtl="0" eaLnBrk="1" latinLnBrk="0" hangingPunct="1">
         <a:lnSpc>
           <a:spcPct val="90000"/>
         </a:lnSpc>
         <a:spcBef>
-          <a:spcPts val="500"/>
+          <a:spcPts val="200"/>
         </a:spcBef>
-        <a:buFont typeface="Arial" panose="020B0604020202020204" pitchFamily="34" charset="0"/>
-        <a:buChar char="•"/>
-        <a:defRPr sz="2000" kern="1200">
+        <a:spcAft>
+          <a:spcPts val="400"/>
+        </a:spcAft>
+        <a:buClr>
+          <a:schemeClr val="accent1"/>
+        </a:buClr>
+        <a:buFont typeface="Calibri" pitchFamily="34" charset="0"/>
+        <a:buChar char="◦"/>
+        <a:defRPr sz="1400" kern="1200">
           <a:solidFill>
-            <a:schemeClr val="tx1"/>
+            <a:schemeClr val="tx1">
+              <a:lumMod val="75000"/>
+              <a:lumOff val="25000"/>
+            </a:schemeClr>
           </a:solidFill>
           <a:latin typeface="+mn-lt"/>
           <a:ea typeface="+mn-ea"/>
           <a:cs typeface="+mn-cs"/>
         </a:defRPr>
       </a:lvl3pPr>
-      <a:lvl4pPr marL="1600200" indent="-228600" algn="l" defTabSz="914400" rtl="0" eaLnBrk="1" latinLnBrk="0" hangingPunct="1">
+      <a:lvl4pPr marL="749808" indent="-182880" algn="l" defTabSz="914400" rtl="0" eaLnBrk="1" latinLnBrk="0" hangingPunct="1">
         <a:lnSpc>
           <a:spcPct val="90000"/>
         </a:lnSpc>
         <a:spcBef>
-          <a:spcPts val="500"/>
+          <a:spcPts val="200"/>
         </a:spcBef>
-        <a:buFont typeface="Arial" panose="020B0604020202020204" pitchFamily="34" charset="0"/>
-        <a:buChar char="•"/>
-        <a:defRPr sz="1800" kern="1200">
+        <a:spcAft>
+          <a:spcPts val="400"/>
+        </a:spcAft>
+        <a:buClr>
+          <a:schemeClr val="accent1"/>
+        </a:buClr>
+        <a:buFont typeface="Calibri" pitchFamily="34" charset="0"/>
+        <a:buChar char="◦"/>
+        <a:defRPr sz="1400" kern="1200">
           <a:solidFill>
-            <a:schemeClr val="tx1"/>
+            <a:schemeClr val="tx1">
+              <a:lumMod val="75000"/>
+              <a:lumOff val="25000"/>
+            </a:schemeClr>
           </a:solidFill>
           <a:latin typeface="+mn-lt"/>
           <a:ea typeface="+mn-ea"/>
           <a:cs typeface="+mn-cs"/>
         </a:defRPr>
       </a:lvl4pPr>
-      <a:lvl5pPr marL="2057400" indent="-228600" algn="l" defTabSz="914400" rtl="0" eaLnBrk="1" latinLnBrk="0" hangingPunct="1">
+      <a:lvl5pPr marL="932688" indent="-182880" algn="l" defTabSz="914400" rtl="0" eaLnBrk="1" latinLnBrk="0" hangingPunct="1">
         <a:lnSpc>
           <a:spcPct val="90000"/>
         </a:lnSpc>
         <a:spcBef>
-          <a:spcPts val="500"/>
+          <a:spcPts val="200"/>
         </a:spcBef>
-        <a:buFont typeface="Arial" panose="020B0604020202020204" pitchFamily="34" charset="0"/>
-        <a:buChar char="•"/>
-        <a:defRPr sz="1800" kern="1200">
+        <a:spcAft>
+          <a:spcPts val="400"/>
+        </a:spcAft>
+        <a:buClr>
+          <a:schemeClr val="accent1"/>
+        </a:buClr>
+        <a:buFont typeface="Calibri" pitchFamily="34" charset="0"/>
+        <a:buChar char="◦"/>
+        <a:defRPr sz="1400" kern="1200">
           <a:solidFill>
-            <a:schemeClr val="tx1"/>
+            <a:schemeClr val="tx1">
+              <a:lumMod val="75000"/>
+              <a:lumOff val="25000"/>
+            </a:schemeClr>
           </a:solidFill>
           <a:latin typeface="+mn-lt"/>
           <a:ea typeface="+mn-ea"/>
           <a:cs typeface="+mn-cs"/>
         </a:defRPr>
       </a:lvl5pPr>
-      <a:lvl6pPr marL="2514600" indent="-228600" algn="l" defTabSz="914400" rtl="0" eaLnBrk="1" latinLnBrk="0" hangingPunct="1">
+      <a:lvl6pPr marL="1100000" indent="-228600" algn="l" defTabSz="914400" rtl="0" eaLnBrk="1" latinLnBrk="0" hangingPunct="1">
         <a:lnSpc>
           <a:spcPct val="90000"/>
         </a:lnSpc>
         <a:spcBef>
-          <a:spcPts val="500"/>
+          <a:spcPts val="200"/>
         </a:spcBef>
-        <a:buFont typeface="Arial" panose="020B0604020202020204" pitchFamily="34" charset="0"/>
-        <a:buChar char="•"/>
-        <a:defRPr sz="1800" kern="1200">
+        <a:spcAft>
+          <a:spcPts val="400"/>
+        </a:spcAft>
+        <a:buClr>
+          <a:schemeClr val="accent1"/>
+        </a:buClr>
+        <a:buFont typeface="Calibri" pitchFamily="34" charset="0"/>
+        <a:buChar char="◦"/>
+        <a:defRPr sz="1400" kern="1200">
           <a:solidFill>
-            <a:schemeClr val="tx1"/>
+            <a:schemeClr val="tx1">
+              <a:lumMod val="75000"/>
+              <a:lumOff val="25000"/>
+            </a:schemeClr>
           </a:solidFill>
           <a:latin typeface="+mn-lt"/>
           <a:ea typeface="+mn-ea"/>
           <a:cs typeface="+mn-cs"/>
         </a:defRPr>
       </a:lvl6pPr>
-      <a:lvl7pPr marL="2971800" indent="-228600" algn="l" defTabSz="914400" rtl="0" eaLnBrk="1" latinLnBrk="0" hangingPunct="1">
+      <a:lvl7pPr marL="1300000" indent="-228600" algn="l" defTabSz="914400" rtl="0" eaLnBrk="1" latinLnBrk="0" hangingPunct="1">
         <a:lnSpc>
           <a:spcPct val="90000"/>
         </a:lnSpc>
         <a:spcBef>
-          <a:spcPts val="500"/>
+          <a:spcPts val="200"/>
         </a:spcBef>
-        <a:buFont typeface="Arial" panose="020B0604020202020204" pitchFamily="34" charset="0"/>
-        <a:buChar char="•"/>
-        <a:defRPr sz="1800" kern="1200">
+        <a:spcAft>
+          <a:spcPts val="400"/>
+        </a:spcAft>
+        <a:buClr>
+          <a:schemeClr val="accent1"/>
+        </a:buClr>
+        <a:buFont typeface="Calibri" pitchFamily="34" charset="0"/>
+        <a:buChar char="◦"/>
+        <a:defRPr sz="1400" kern="1200">
           <a:solidFill>
-            <a:schemeClr val="tx1"/>
+            <a:schemeClr val="tx1">
+              <a:lumMod val="75000"/>
+              <a:lumOff val="25000"/>
+            </a:schemeClr>
           </a:solidFill>
           <a:latin typeface="+mn-lt"/>
           <a:ea typeface="+mn-ea"/>
           <a:cs typeface="+mn-cs"/>
         </a:defRPr>
       </a:lvl7pPr>
-      <a:lvl8pPr marL="3429000" indent="-228600" algn="l" defTabSz="914400" rtl="0" eaLnBrk="1" latinLnBrk="0" hangingPunct="1">
+      <a:lvl8pPr marL="1500000" indent="-228600" algn="l" defTabSz="914400" rtl="0" eaLnBrk="1" latinLnBrk="0" hangingPunct="1">
         <a:lnSpc>
           <a:spcPct val="90000"/>
         </a:lnSpc>
         <a:spcBef>
-          <a:spcPts val="500"/>
+          <a:spcPts val="200"/>
         </a:spcBef>
-        <a:buFont typeface="Arial" panose="020B0604020202020204" pitchFamily="34" charset="0"/>
-        <a:buChar char="•"/>
-        <a:defRPr sz="1800" kern="1200">
+        <a:spcAft>
+          <a:spcPts val="400"/>
+        </a:spcAft>
+        <a:buClr>
+          <a:schemeClr val="accent1"/>
+        </a:buClr>
+        <a:buFont typeface="Calibri" pitchFamily="34" charset="0"/>
+        <a:buChar char="◦"/>
+        <a:defRPr sz="1400" kern="1200">
           <a:solidFill>
-            <a:schemeClr val="tx1"/>
+            <a:schemeClr val="tx1">
+              <a:lumMod val="75000"/>
+              <a:lumOff val="25000"/>
+            </a:schemeClr>
           </a:solidFill>
           <a:latin typeface="+mn-lt"/>
           <a:ea typeface="+mn-ea"/>
           <a:cs typeface="+mn-cs"/>
         </a:defRPr>
       </a:lvl8pPr>
-      <a:lvl9pPr marL="3886200" indent="-228600" algn="l" defTabSz="914400" rtl="0" eaLnBrk="1" latinLnBrk="0" hangingPunct="1">
+      <a:lvl9pPr marL="1700000" indent="-228600" algn="l" defTabSz="914400" rtl="0" eaLnBrk="1" latinLnBrk="0" hangingPunct="1">
         <a:lnSpc>
           <a:spcPct val="90000"/>
         </a:lnSpc>
         <a:spcBef>
-          <a:spcPts val="500"/>
+          <a:spcPts val="200"/>
         </a:spcBef>
-        <a:buFont typeface="Arial" panose="020B0604020202020204" pitchFamily="34" charset="0"/>
-        <a:buChar char="•"/>
-        <a:defRPr sz="1800" kern="1200">
+        <a:spcAft>
+          <a:spcPts val="400"/>
+        </a:spcAft>
+        <a:buClr>
+          <a:schemeClr val="accent1"/>
+        </a:buClr>
+        <a:buFont typeface="Calibri" pitchFamily="34" charset="0"/>
+        <a:buChar char="◦"/>
+        <a:defRPr sz="1400" kern="1200">
           <a:solidFill>
-            <a:schemeClr val="tx1"/>
+            <a:schemeClr val="tx1">
+              <a:lumMod val="75000"/>
+              <a:lumOff val="25000"/>
+            </a:schemeClr>
           </a:solidFill>
           <a:latin typeface="+mn-lt"/>
           <a:ea typeface="+mn-ea"/>
@@ -3331,6 +4207,14 @@
 <file path=ppt/slides/slide1.xml><?xml version="1.0" encoding="utf-8"?>
 <p:sld xmlns:a="http://schemas.openxmlformats.org/drawingml/2006/main" xmlns:r="http://schemas.openxmlformats.org/officeDocument/2006/relationships" xmlns:p="http://schemas.openxmlformats.org/presentationml/2006/main">
   <p:cSld>
+    <p:bg>
+      <p:bgPr>
+        <a:solidFill>
+          <a:schemeClr val="bg1"/>
+        </a:solidFill>
+        <a:effectLst/>
+      </p:bgPr>
+    </p:bg>
     <p:spTree>
       <p:nvGrpSpPr>
         <p:cNvPr id="1" name=""/>
@@ -3345,12 +4229,72 @@
           <a:chExt cx="0" cy="0"/>
         </a:xfrm>
       </p:grpSpPr>
+      <p:sp useBgFill="1">
+        <p:nvSpPr>
+          <p:cNvPr id="77" name="Rectangle 76">
+            <a:extLst>
+              <a:ext uri="{FF2B5EF4-FFF2-40B4-BE49-F238E27FC236}">
+                <a16:creationId xmlns:a16="http://schemas.microsoft.com/office/drawing/2014/main" id="{4F02E464-DCFF-4BA1-ACAB-A66AD549C4C5}"/>
+              </a:ext>
+              <a:ext uri="{C183D7F6-B498-43B3-948B-1728B52AA6E4}">
+                <adec:decorative xmlns:adec="http://schemas.microsoft.com/office/drawing/2017/decorative" val="1"/>
+              </a:ext>
+            </a:extLst>
+          </p:cNvPr>
+          <p:cNvSpPr>
+            <a:spLocks noGrp="1" noRot="1" noChangeAspect="1" noMove="1" noResize="1" noEditPoints="1" noAdjustHandles="1" noChangeArrowheads="1" noChangeShapeType="1" noTextEdit="1"/>
+          </p:cNvSpPr>
+          <p:nvPr>
+            <p:extLst>
+              <p:ext uri="{386F3935-93C4-4BCD-93E2-E3B085C9AB24}">
+                <p16:designElem xmlns:p16="http://schemas.microsoft.com/office/powerpoint/2015/main" val="1"/>
+              </p:ext>
+            </p:extLst>
+          </p:nvPr>
+        </p:nvSpPr>
+        <p:spPr>
+          <a:xfrm>
+            <a:off x="0" y="0"/>
+            <a:ext cx="12192001" cy="6334316"/>
+          </a:xfrm>
+          <a:prstGeom prst="rect">
+            <a:avLst/>
+          </a:prstGeom>
+          <a:ln>
+            <a:noFill/>
+          </a:ln>
+        </p:spPr>
+        <p:style>
+          <a:lnRef idx="2">
+            <a:schemeClr val="accent1">
+              <a:shade val="50000"/>
+            </a:schemeClr>
+          </a:lnRef>
+          <a:fillRef idx="1">
+            <a:schemeClr val="accent1"/>
+          </a:fillRef>
+          <a:effectRef idx="0">
+            <a:schemeClr val="accent1"/>
+          </a:effectRef>
+          <a:fontRef idx="minor">
+            <a:schemeClr val="lt1"/>
+          </a:fontRef>
+        </p:style>
+        <p:txBody>
+          <a:bodyPr rtlCol="0" anchor="ctr"/>
+          <a:lstStyle/>
+          <a:p>
+            <a:pPr algn="ctr"/>
+            <a:endParaRPr lang="en-US"/>
+          </a:p>
+        </p:txBody>
+      </p:sp>
       <p:sp>
         <p:nvSpPr>
           <p:cNvPr id="2" name="Título 1">
             <a:extLst>
               <a:ext uri="{FF2B5EF4-FFF2-40B4-BE49-F238E27FC236}">
-                <a16:creationId xmlns:a16="http://schemas.microsoft.com/office/drawing/2014/main" id="{7E362328-B8A2-493D-B2E6-9979F648F4B2}"/>
+                <a16:creationId xmlns:a16="http://schemas.microsoft.com/office/drawing/2014/main" id="{CA63EBC4-216E-476D-86C4-F83F21C0997C}"/>
               </a:ext>
             </a:extLst>
           </p:cNvPr>
@@ -3361,44 +4305,904 @@
             <p:ph type="ctrTitle"/>
           </p:nvPr>
         </p:nvSpPr>
-        <p:spPr/>
-        <p:txBody>
-          <a:bodyPr/>
-          <a:lstStyle/>
-          <a:p>
-            <a:endParaRPr lang="en-US"/>
-          </a:p>
-        </p:txBody>
-      </p:sp>
-      <p:sp>
-        <p:nvSpPr>
-          <p:cNvPr id="3" name="Subtítulo 2">
+        <p:spPr>
+          <a:xfrm>
+            <a:off x="7656077" y="639097"/>
+            <a:ext cx="3886994" cy="3686015"/>
+          </a:xfrm>
+        </p:spPr>
+        <p:txBody>
+          <a:bodyPr>
+            <a:normAutofit/>
+          </a:bodyPr>
+          <a:lstStyle/>
+          <a:p>
+            <a:r>
+              <a:rPr lang="en-US" sz="3200" dirty="0" err="1"/>
+              <a:t>Modelo</a:t>
+            </a:r>
+            <a:r>
+              <a:rPr lang="en-US" sz="3200" dirty="0"/>
+              <a:t> de </a:t>
+            </a:r>
+            <a:r>
+              <a:rPr lang="en-US" sz="3200" dirty="0" err="1"/>
+              <a:t>Tarifaci</a:t>
+            </a:r>
+            <a:r>
+              <a:rPr lang="es-CO" sz="3200" dirty="0" err="1"/>
+              <a:t>ón</a:t>
+            </a:r>
+            <a:r>
+              <a:rPr lang="es-CO" sz="3200" dirty="0"/>
+              <a:t> Airbnb- </a:t>
+            </a:r>
+            <a:r>
+              <a:rPr lang="es-CO" sz="3200" b="1" dirty="0"/>
+              <a:t>New York</a:t>
+            </a:r>
+            <a:endParaRPr lang="en-US" sz="3200" b="1" dirty="0"/>
+          </a:p>
+        </p:txBody>
+      </p:sp>
+      <p:pic>
+        <p:nvPicPr>
+          <p:cNvPr id="1032" name="Picture 8" descr="Sitting area in Mezzanine level">
             <a:extLst>
               <a:ext uri="{FF2B5EF4-FFF2-40B4-BE49-F238E27FC236}">
-                <a16:creationId xmlns:a16="http://schemas.microsoft.com/office/drawing/2014/main" id="{F0ACCA8E-39A3-4F83-B803-5D44041864A9}"/>
+                <a16:creationId xmlns:a16="http://schemas.microsoft.com/office/drawing/2014/main" id="{6445246D-6EAF-4D5B-A388-607BCE3FA532}"/>
               </a:ext>
             </a:extLst>
           </p:cNvPr>
-          <p:cNvSpPr>
-            <a:spLocks noGrp="1"/>
-          </p:cNvSpPr>
-          <p:nvPr>
-            <p:ph type="subTitle" idx="1"/>
-          </p:nvPr>
-        </p:nvSpPr>
-        <p:spPr/>
-        <p:txBody>
-          <a:bodyPr/>
-          <a:lstStyle/>
-          <a:p>
+          <p:cNvPicPr>
+            <a:picLocks noChangeAspect="1" noChangeArrowheads="1"/>
+          </p:cNvPicPr>
+          <p:nvPr/>
+        </p:nvPicPr>
+        <p:blipFill rotWithShape="1">
+          <a:blip r:embed="rId2">
+            <a:extLst>
+              <a:ext uri="{28A0092B-C50C-407E-A947-70E740481C1C}">
+                <a14:useLocalDpi xmlns:a14="http://schemas.microsoft.com/office/drawing/2010/main" val="0"/>
+              </a:ext>
+            </a:extLst>
+          </a:blip>
+          <a:srcRect l="13706" r="861" b="-3"/>
+          <a:stretch/>
+        </p:blipFill>
+        <p:spPr bwMode="auto">
+          <a:xfrm>
+            <a:off x="3144442" y="3187890"/>
+            <a:ext cx="4027002" cy="3146426"/>
+          </a:xfrm>
+          <a:prstGeom prst="rect">
+            <a:avLst/>
+          </a:prstGeom>
+          <a:extLst>
+            <a:ext uri="{909E8E84-426E-40DD-AFC4-6F175D3DCCD1}">
+              <a14:hiddenFill xmlns:a14="http://schemas.microsoft.com/office/drawing/2010/main">
+                <a:solidFill>
+                  <a:srgbClr val="FFFFFF"/>
+                </a:solidFill>
+              </a14:hiddenFill>
+            </a:ext>
+          </a:extLst>
+        </p:spPr>
+      </p:pic>
+      <p:pic>
+        <p:nvPicPr>
+          <p:cNvPr id="1030" name="Picture 6">
+            <a:extLst>
+              <a:ext uri="{FF2B5EF4-FFF2-40B4-BE49-F238E27FC236}">
+                <a16:creationId xmlns:a16="http://schemas.microsoft.com/office/drawing/2014/main" id="{FA50B1D6-6BBE-4304-9DD7-53CF9A16F56A}"/>
+              </a:ext>
+            </a:extLst>
+          </p:cNvPr>
+          <p:cNvPicPr>
+            <a:picLocks noChangeAspect="1" noChangeArrowheads="1"/>
+          </p:cNvPicPr>
+          <p:nvPr/>
+        </p:nvPicPr>
+        <p:blipFill rotWithShape="1">
+          <a:blip r:embed="rId3">
+            <a:extLst>
+              <a:ext uri="{28A0092B-C50C-407E-A947-70E740481C1C}">
+                <a14:useLocalDpi xmlns:a14="http://schemas.microsoft.com/office/drawing/2010/main" val="0"/>
+              </a:ext>
+            </a:extLst>
+          </a:blip>
+          <a:srcRect l="190" r="25971"/>
+          <a:stretch/>
+        </p:blipFill>
+        <p:spPr bwMode="auto">
+          <a:xfrm>
+            <a:off x="820995" y="10"/>
+            <a:ext cx="4113440" cy="3843834"/>
+          </a:xfrm>
+          <a:custGeom>
+            <a:avLst/>
+            <a:gdLst/>
+            <a:ahLst/>
+            <a:cxnLst/>
+            <a:rect l="l" t="t" r="r" b="b"/>
+            <a:pathLst>
+              <a:path w="4113440" h="3843844">
+                <a:moveTo>
+                  <a:pt x="0" y="0"/>
+                </a:moveTo>
+                <a:lnTo>
+                  <a:pt x="4113440" y="0"/>
+                </a:lnTo>
+                <a:lnTo>
+                  <a:pt x="4113440" y="3027024"/>
+                </a:lnTo>
+                <a:lnTo>
+                  <a:pt x="2157388" y="3027024"/>
+                </a:lnTo>
+                <a:lnTo>
+                  <a:pt x="2157388" y="3843844"/>
+                </a:lnTo>
+                <a:lnTo>
+                  <a:pt x="0" y="3843844"/>
+                </a:lnTo>
+                <a:close/>
+              </a:path>
+            </a:pathLst>
+          </a:custGeom>
+          <a:extLst>
+            <a:ext uri="{909E8E84-426E-40DD-AFC4-6F175D3DCCD1}">
+              <a14:hiddenFill xmlns:a14="http://schemas.microsoft.com/office/drawing/2010/main">
+                <a:solidFill>
+                  <a:srgbClr val="FFFFFF"/>
+                </a:solidFill>
+              </a14:hiddenFill>
+            </a:ext>
+          </a:extLst>
+        </p:spPr>
+      </p:pic>
+      <p:sp>
+        <p:nvSpPr>
+          <p:cNvPr id="79" name="Rectangle 78">
+            <a:extLst>
+              <a:ext uri="{FF2B5EF4-FFF2-40B4-BE49-F238E27FC236}">
+                <a16:creationId xmlns:a16="http://schemas.microsoft.com/office/drawing/2014/main" id="{08B405A4-3D6D-4236-9D1A-E89594D40E45}"/>
+              </a:ext>
+              <a:ext uri="{C183D7F6-B498-43B3-948B-1728B52AA6E4}">
+                <adec:decorative xmlns:adec="http://schemas.microsoft.com/office/drawing/2017/decorative" val="1"/>
+              </a:ext>
+            </a:extLst>
+          </p:cNvPr>
+          <p:cNvSpPr>
+            <a:spLocks noGrp="1" noRot="1" noChangeAspect="1" noMove="1" noResize="1" noEditPoints="1" noAdjustHandles="1" noChangeArrowheads="1" noChangeShapeType="1" noTextEdit="1"/>
+          </p:cNvSpPr>
+          <p:nvPr>
+            <p:extLst>
+              <p:ext uri="{386F3935-93C4-4BCD-93E2-E3B085C9AB24}">
+                <p16:designElem xmlns:p16="http://schemas.microsoft.com/office/powerpoint/2015/main" val="1"/>
+              </p:ext>
+            </p:extLst>
+          </p:nvPr>
+        </p:nvSpPr>
+        <p:spPr>
+          <a:xfrm>
+            <a:off x="5093532" y="639098"/>
+            <a:ext cx="2077912" cy="2386952"/>
+          </a:xfrm>
+          <a:prstGeom prst="rect">
+            <a:avLst/>
+          </a:prstGeom>
+          <a:solidFill>
+            <a:schemeClr val="accent1"/>
+          </a:solidFill>
+          <a:ln>
+            <a:noFill/>
+          </a:ln>
+        </p:spPr>
+        <p:style>
+          <a:lnRef idx="2">
+            <a:schemeClr val="accent1">
+              <a:shade val="50000"/>
+            </a:schemeClr>
+          </a:lnRef>
+          <a:fillRef idx="1">
+            <a:schemeClr val="accent1"/>
+          </a:fillRef>
+          <a:effectRef idx="0">
+            <a:schemeClr val="accent1"/>
+          </a:effectRef>
+          <a:fontRef idx="minor">
+            <a:schemeClr val="lt1"/>
+          </a:fontRef>
+        </p:style>
+        <p:txBody>
+          <a:bodyPr rtlCol="0" anchor="ctr"/>
+          <a:lstStyle/>
+          <a:p>
+            <a:pPr algn="ctr"/>
             <a:endParaRPr lang="en-US"/>
+          </a:p>
+        </p:txBody>
+      </p:sp>
+      <p:pic>
+        <p:nvPicPr>
+          <p:cNvPr id="1026" name="Picture 2">
+            <a:extLst>
+              <a:ext uri="{FF2B5EF4-FFF2-40B4-BE49-F238E27FC236}">
+                <a16:creationId xmlns:a16="http://schemas.microsoft.com/office/drawing/2014/main" id="{6636D454-4492-42D8-B7CA-E2D8E836A131}"/>
+              </a:ext>
+            </a:extLst>
+          </p:cNvPr>
+          <p:cNvPicPr>
+            <a:picLocks noChangeAspect="1" noChangeArrowheads="1"/>
+          </p:cNvPicPr>
+          <p:nvPr/>
+        </p:nvPicPr>
+        <p:blipFill rotWithShape="1">
+          <a:blip r:embed="rId4">
+            <a:extLst>
+              <a:ext uri="{28A0092B-C50C-407E-A947-70E740481C1C}">
+                <a14:useLocalDpi xmlns:a14="http://schemas.microsoft.com/office/drawing/2010/main" val="0"/>
+              </a:ext>
+            </a:extLst>
+          </a:blip>
+          <a:srcRect l="2054" r="-5" b="-5"/>
+          <a:stretch/>
+        </p:blipFill>
+        <p:spPr bwMode="auto">
+          <a:xfrm>
+            <a:off x="20" y="3993777"/>
+            <a:ext cx="2986337" cy="2019928"/>
+          </a:xfrm>
+          <a:prstGeom prst="rect">
+            <a:avLst/>
+          </a:prstGeom>
+          <a:extLst>
+            <a:ext uri="{909E8E84-426E-40DD-AFC4-6F175D3DCCD1}">
+              <a14:hiddenFill xmlns:a14="http://schemas.microsoft.com/office/drawing/2010/main">
+                <a:solidFill>
+                  <a:srgbClr val="FFFFFF"/>
+                </a:solidFill>
+              </a14:hiddenFill>
+            </a:ext>
+          </a:extLst>
+        </p:spPr>
+      </p:pic>
+      <p:cxnSp>
+        <p:nvCxnSpPr>
+          <p:cNvPr id="81" name="Straight Connector 80">
+            <a:extLst>
+              <a:ext uri="{FF2B5EF4-FFF2-40B4-BE49-F238E27FC236}">
+                <a16:creationId xmlns:a16="http://schemas.microsoft.com/office/drawing/2014/main" id="{5F4178A3-A5B4-4B82-A8D9-60573948CEEC}"/>
+              </a:ext>
+              <a:ext uri="{C183D7F6-B498-43B3-948B-1728B52AA6E4}">
+                <adec:decorative xmlns:adec="http://schemas.microsoft.com/office/drawing/2017/decorative" val="1"/>
+              </a:ext>
+            </a:extLst>
+          </p:cNvPr>
+          <p:cNvCxnSpPr>
+            <a:cxnSpLocks noGrp="1" noRot="1" noChangeAspect="1" noMove="1" noResize="1" noEditPoints="1" noAdjustHandles="1" noChangeArrowheads="1" noChangeShapeType="1"/>
+          </p:cNvCxnSpPr>
+          <p:nvPr>
+            <p:extLst>
+              <p:ext uri="{386F3935-93C4-4BCD-93E2-E3B085C9AB24}">
+                <p16:designElem xmlns:p16="http://schemas.microsoft.com/office/powerpoint/2015/main" val="1"/>
+              </p:ext>
+            </p:extLst>
+          </p:nvPr>
+        </p:nvCxnSpPr>
+        <p:spPr>
+          <a:xfrm>
+            <a:off x="7772504" y="4343400"/>
+            <a:ext cx="3291840" cy="0"/>
+          </a:xfrm>
+          <a:prstGeom prst="line">
+            <a:avLst/>
+          </a:prstGeom>
+          <a:ln w="6350">
+            <a:solidFill>
+              <a:schemeClr val="tx2">
+                <a:alpha val="90000"/>
+              </a:schemeClr>
+            </a:solidFill>
+          </a:ln>
+        </p:spPr>
+        <p:style>
+          <a:lnRef idx="1">
+            <a:schemeClr val="accent1"/>
+          </a:lnRef>
+          <a:fillRef idx="0">
+            <a:schemeClr val="accent1"/>
+          </a:fillRef>
+          <a:effectRef idx="0">
+            <a:schemeClr val="accent1"/>
+          </a:effectRef>
+          <a:fontRef idx="minor">
+            <a:schemeClr val="tx1"/>
+          </a:fontRef>
+        </p:style>
+      </p:cxnSp>
+      <p:sp>
+        <p:nvSpPr>
+          <p:cNvPr id="83" name="Rectangle 82">
+            <a:extLst>
+              <a:ext uri="{FF2B5EF4-FFF2-40B4-BE49-F238E27FC236}">
+                <a16:creationId xmlns:a16="http://schemas.microsoft.com/office/drawing/2014/main" id="{68239128-1EF8-4B29-BFC6-1A4470CE1C20}"/>
+              </a:ext>
+              <a:ext uri="{C183D7F6-B498-43B3-948B-1728B52AA6E4}">
+                <adec:decorative xmlns:adec="http://schemas.microsoft.com/office/drawing/2017/decorative" val="1"/>
+              </a:ext>
+            </a:extLst>
+          </p:cNvPr>
+          <p:cNvSpPr>
+            <a:spLocks noGrp="1" noRot="1" noChangeAspect="1" noMove="1" noResize="1" noEditPoints="1" noAdjustHandles="1" noChangeArrowheads="1" noChangeShapeType="1" noTextEdit="1"/>
+          </p:cNvSpPr>
+          <p:nvPr>
+            <p:extLst>
+              <p:ext uri="{386F3935-93C4-4BCD-93E2-E3B085C9AB24}">
+                <p16:designElem xmlns:p16="http://schemas.microsoft.com/office/powerpoint/2015/main" val="1"/>
+              </p:ext>
+            </p:extLst>
+          </p:nvPr>
+        </p:nvSpPr>
+        <p:spPr>
+          <a:xfrm>
+            <a:off x="15" y="6334316"/>
+            <a:ext cx="12191985" cy="66484"/>
+          </a:xfrm>
+          <a:prstGeom prst="rect">
+            <a:avLst/>
+          </a:prstGeom>
+          <a:solidFill>
+            <a:schemeClr val="accent1"/>
+          </a:solidFill>
+          <a:ln>
+            <a:noFill/>
+          </a:ln>
+        </p:spPr>
+        <p:style>
+          <a:lnRef idx="2">
+            <a:schemeClr val="accent1">
+              <a:shade val="50000"/>
+            </a:schemeClr>
+          </a:lnRef>
+          <a:fillRef idx="1">
+            <a:schemeClr val="accent1"/>
+          </a:fillRef>
+          <a:effectRef idx="0">
+            <a:schemeClr val="accent1"/>
+          </a:effectRef>
+          <a:fontRef idx="minor">
+            <a:schemeClr val="lt1"/>
+          </a:fontRef>
+        </p:style>
+      </p:sp>
+      <p:sp>
+        <p:nvSpPr>
+          <p:cNvPr id="85" name="Rectangle 84">
+            <a:extLst>
+              <a:ext uri="{FF2B5EF4-FFF2-40B4-BE49-F238E27FC236}">
+                <a16:creationId xmlns:a16="http://schemas.microsoft.com/office/drawing/2014/main" id="{7D5217C2-8281-431A-B6B8-82B57C4D492D}"/>
+              </a:ext>
+              <a:ext uri="{C183D7F6-B498-43B3-948B-1728B52AA6E4}">
+                <adec:decorative xmlns:adec="http://schemas.microsoft.com/office/drawing/2017/decorative" val="1"/>
+              </a:ext>
+            </a:extLst>
+          </p:cNvPr>
+          <p:cNvSpPr>
+            <a:spLocks noGrp="1" noRot="1" noChangeAspect="1" noMove="1" noResize="1" noEditPoints="1" noAdjustHandles="1" noChangeArrowheads="1" noChangeShapeType="1" noTextEdit="1"/>
+          </p:cNvSpPr>
+          <p:nvPr>
+            <p:extLst>
+              <p:ext uri="{386F3935-93C4-4BCD-93E2-E3B085C9AB24}">
+                <p16:designElem xmlns:p16="http://schemas.microsoft.com/office/powerpoint/2015/main" val="1"/>
+              </p:ext>
+            </p:extLst>
+          </p:nvPr>
+        </p:nvSpPr>
+        <p:spPr>
+          <a:xfrm>
+            <a:off x="1" y="6400800"/>
+            <a:ext cx="12192000" cy="457200"/>
+          </a:xfrm>
+          <a:prstGeom prst="rect">
+            <a:avLst/>
+          </a:prstGeom>
+          <a:solidFill>
+            <a:schemeClr val="accent2"/>
+          </a:solidFill>
+          <a:ln>
+            <a:noFill/>
+          </a:ln>
+        </p:spPr>
+        <p:style>
+          <a:lnRef idx="2">
+            <a:schemeClr val="accent1">
+              <a:shade val="50000"/>
+            </a:schemeClr>
+          </a:lnRef>
+          <a:fillRef idx="1">
+            <a:schemeClr val="accent1"/>
+          </a:fillRef>
+          <a:effectRef idx="0">
+            <a:schemeClr val="accent1"/>
+          </a:effectRef>
+          <a:fontRef idx="minor">
+            <a:schemeClr val="lt1"/>
+          </a:fontRef>
+        </p:style>
+      </p:sp>
+      <p:sp>
+        <p:nvSpPr>
+          <p:cNvPr id="28" name="Título 1">
+            <a:extLst>
+              <a:ext uri="{FF2B5EF4-FFF2-40B4-BE49-F238E27FC236}">
+                <a16:creationId xmlns:a16="http://schemas.microsoft.com/office/drawing/2014/main" id="{6DF5E406-F8FC-4F88-B936-CF38A78698FF}"/>
+              </a:ext>
+            </a:extLst>
+          </p:cNvPr>
+          <p:cNvSpPr txBox="1">
+            <a:spLocks/>
+          </p:cNvSpPr>
+          <p:nvPr/>
+        </p:nvSpPr>
+        <p:spPr>
+          <a:xfrm>
+            <a:off x="7674549" y="4433290"/>
+            <a:ext cx="5286249" cy="568501"/>
+          </a:xfrm>
+          <a:prstGeom prst="rect">
+            <a:avLst/>
+          </a:prstGeom>
+        </p:spPr>
+        <p:txBody>
+          <a:bodyPr vert="horz" lIns="91440" tIns="45720" rIns="91440" bIns="45720" rtlCol="0" anchor="b">
+            <a:normAutofit fontScale="97500"/>
+          </a:bodyPr>
+          <a:lstStyle>
+            <a:lvl1pPr algn="l" defTabSz="914400" rtl="0" eaLnBrk="1" latinLnBrk="0" hangingPunct="1">
+              <a:lnSpc>
+                <a:spcPct val="85000"/>
+              </a:lnSpc>
+              <a:spcBef>
+                <a:spcPct val="0"/>
+              </a:spcBef>
+              <a:buNone/>
+              <a:defRPr sz="8000" kern="1200" spc="-50" baseline="0">
+                <a:solidFill>
+                  <a:schemeClr val="tx1">
+                    <a:lumMod val="85000"/>
+                    <a:lumOff val="15000"/>
+                  </a:schemeClr>
+                </a:solidFill>
+                <a:latin typeface="+mj-lt"/>
+                <a:ea typeface="+mj-ea"/>
+                <a:cs typeface="+mj-cs"/>
+              </a:defRPr>
+            </a:lvl1pPr>
+          </a:lstStyle>
+          <a:p>
+            <a:pPr>
+              <a:spcAft>
+                <a:spcPts val="600"/>
+              </a:spcAft>
+            </a:pPr>
+            <a:r>
+              <a:rPr lang="es-CO" sz="1400" dirty="0"/>
+              <a:t>Andrea Marcela </a:t>
+            </a:r>
+            <a:r>
+              <a:rPr lang="es-CO" sz="1400" dirty="0" err="1"/>
+              <a:t>Huerfano</a:t>
+            </a:r>
+            <a:r>
+              <a:rPr lang="es-CO" sz="1400" dirty="0"/>
+              <a:t> Barbosa</a:t>
+            </a:r>
+          </a:p>
+          <a:p>
+            <a:pPr>
+              <a:spcAft>
+                <a:spcPts val="600"/>
+              </a:spcAft>
+            </a:pPr>
+            <a:r>
+              <a:rPr lang="es-CO" sz="1400" dirty="0"/>
+              <a:t>Noviembre, 2020</a:t>
+            </a:r>
+            <a:endParaRPr lang="en-US" sz="1400" dirty="0"/>
           </a:p>
         </p:txBody>
       </p:sp>
     </p:spTree>
     <p:extLst>
       <p:ext uri="{BB962C8B-B14F-4D97-AF65-F5344CB8AC3E}">
-        <p14:creationId xmlns:p14="http://schemas.microsoft.com/office/powerpoint/2010/main" val="1241096656"/>
+        <p14:creationId xmlns:p14="http://schemas.microsoft.com/office/powerpoint/2010/main" val="556766029"/>
+      </p:ext>
+    </p:extLst>
+  </p:cSld>
+  <p:clrMapOvr>
+    <a:masterClrMapping/>
+  </p:clrMapOvr>
+</p:sld>
+</file>
+
+<file path=ppt/slides/slide10.xml><?xml version="1.0" encoding="utf-8"?>
+<p:sld xmlns:a="http://schemas.openxmlformats.org/drawingml/2006/main" xmlns:r="http://schemas.openxmlformats.org/officeDocument/2006/relationships" xmlns:p="http://schemas.openxmlformats.org/presentationml/2006/main">
+  <p:cSld>
+    <p:spTree>
+      <p:nvGrpSpPr>
+        <p:cNvPr id="1" name=""/>
+        <p:cNvGrpSpPr/>
+        <p:nvPr/>
+      </p:nvGrpSpPr>
+      <p:grpSpPr>
+        <a:xfrm>
+          <a:off x="0" y="0"/>
+          <a:ext cx="0" cy="0"/>
+          <a:chOff x="0" y="0"/>
+          <a:chExt cx="0" cy="0"/>
+        </a:xfrm>
+      </p:grpSpPr>
+      <p:sp>
+        <p:nvSpPr>
+          <p:cNvPr id="2" name="Título 1">
+            <a:extLst>
+              <a:ext uri="{FF2B5EF4-FFF2-40B4-BE49-F238E27FC236}">
+                <a16:creationId xmlns:a16="http://schemas.microsoft.com/office/drawing/2014/main" id="{D33BD806-BE7C-4C0F-A680-134AA775C762}"/>
+              </a:ext>
+            </a:extLst>
+          </p:cNvPr>
+          <p:cNvSpPr>
+            <a:spLocks noGrp="1"/>
+          </p:cNvSpPr>
+          <p:nvPr>
+            <p:ph type="title"/>
+          </p:nvPr>
+        </p:nvSpPr>
+        <p:spPr/>
+        <p:txBody>
+          <a:bodyPr/>
+          <a:lstStyle/>
+          <a:p>
+            <a:r>
+              <a:rPr lang="es-CO" dirty="0"/>
+              <a:t>Referencias</a:t>
+            </a:r>
+            <a:endParaRPr lang="en-US" dirty="0"/>
+          </a:p>
+        </p:txBody>
+      </p:sp>
+      <p:sp>
+        <p:nvSpPr>
+          <p:cNvPr id="3" name="Marcador de contenido 2">
+            <a:extLst>
+              <a:ext uri="{FF2B5EF4-FFF2-40B4-BE49-F238E27FC236}">
+                <a16:creationId xmlns:a16="http://schemas.microsoft.com/office/drawing/2014/main" id="{22515F9D-3AD0-4754-B701-F276A2C1B176}"/>
+              </a:ext>
+            </a:extLst>
+          </p:cNvPr>
+          <p:cNvSpPr>
+            <a:spLocks noGrp="1"/>
+          </p:cNvSpPr>
+          <p:nvPr>
+            <p:ph idx="1"/>
+          </p:nvPr>
+        </p:nvSpPr>
+        <p:spPr/>
+        <p:txBody>
+          <a:bodyPr/>
+          <a:lstStyle/>
+          <a:p>
+            <a:endParaRPr lang="en-US"/>
+          </a:p>
+        </p:txBody>
+      </p:sp>
+      <p:sp>
+        <p:nvSpPr>
+          <p:cNvPr id="4" name="Marcador de pie de página 3">
+            <a:extLst>
+              <a:ext uri="{FF2B5EF4-FFF2-40B4-BE49-F238E27FC236}">
+                <a16:creationId xmlns:a16="http://schemas.microsoft.com/office/drawing/2014/main" id="{19E6D12E-94C0-41D6-AB72-5A1904961D00}"/>
+              </a:ext>
+            </a:extLst>
+          </p:cNvPr>
+          <p:cNvSpPr>
+            <a:spLocks noGrp="1"/>
+          </p:cNvSpPr>
+          <p:nvPr>
+            <p:ph type="ftr" sz="quarter" idx="11"/>
+          </p:nvPr>
+        </p:nvSpPr>
+        <p:spPr/>
+        <p:txBody>
+          <a:bodyPr/>
+          <a:lstStyle/>
+          <a:p>
+            <a:r>
+              <a:rPr lang="es-ES"/>
+              <a:t>Diplomado en Inteligencia Artificial y Aprendizaje Profundo -UN</a:t>
+            </a:r>
+            <a:endParaRPr lang="en-US"/>
+          </a:p>
+        </p:txBody>
+      </p:sp>
+      <p:sp>
+        <p:nvSpPr>
+          <p:cNvPr id="5" name="Marcador de número de diapositiva 4">
+            <a:extLst>
+              <a:ext uri="{FF2B5EF4-FFF2-40B4-BE49-F238E27FC236}">
+                <a16:creationId xmlns:a16="http://schemas.microsoft.com/office/drawing/2014/main" id="{174404A0-EE6F-40F3-868D-F4E0CD5BFA63}"/>
+              </a:ext>
+            </a:extLst>
+          </p:cNvPr>
+          <p:cNvSpPr>
+            <a:spLocks noGrp="1"/>
+          </p:cNvSpPr>
+          <p:nvPr>
+            <p:ph type="sldNum" sz="quarter" idx="12"/>
+          </p:nvPr>
+        </p:nvSpPr>
+        <p:spPr/>
+        <p:txBody>
+          <a:bodyPr/>
+          <a:lstStyle/>
+          <a:p>
+            <a:fld id="{1987B7B8-616A-43F8-924E-8DBE374A2992}" type="slidenum">
+              <a:rPr lang="en-US" smtClean="0"/>
+              <a:t>10</a:t>
+            </a:fld>
+            <a:endParaRPr lang="en-US"/>
+          </a:p>
+        </p:txBody>
+      </p:sp>
+    </p:spTree>
+    <p:extLst>
+      <p:ext uri="{BB962C8B-B14F-4D97-AF65-F5344CB8AC3E}">
+        <p14:creationId xmlns:p14="http://schemas.microsoft.com/office/powerpoint/2010/main" val="169776319"/>
+      </p:ext>
+    </p:extLst>
+  </p:cSld>
+  <p:clrMapOvr>
+    <a:masterClrMapping/>
+  </p:clrMapOvr>
+</p:sld>
+</file>
+
+<file path=ppt/slides/slide11.xml><?xml version="1.0" encoding="utf-8"?>
+<p:sld xmlns:a="http://schemas.openxmlformats.org/drawingml/2006/main" xmlns:r="http://schemas.openxmlformats.org/officeDocument/2006/relationships" xmlns:p="http://schemas.openxmlformats.org/presentationml/2006/main">
+  <p:cSld>
+    <p:bg>
+      <p:bgPr>
+        <a:solidFill>
+          <a:schemeClr val="bg1"/>
+        </a:solidFill>
+        <a:effectLst/>
+      </p:bgPr>
+    </p:bg>
+    <p:spTree>
+      <p:nvGrpSpPr>
+        <p:cNvPr id="1" name=""/>
+        <p:cNvGrpSpPr/>
+        <p:nvPr/>
+      </p:nvGrpSpPr>
+      <p:grpSpPr>
+        <a:xfrm>
+          <a:off x="0" y="0"/>
+          <a:ext cx="0" cy="0"/>
+          <a:chOff x="0" y="0"/>
+          <a:chExt cx="0" cy="0"/>
+        </a:xfrm>
+      </p:grpSpPr>
+      <p:sp>
+        <p:nvSpPr>
+          <p:cNvPr id="3" name="Marcador de contenido 2">
+            <a:extLst>
+              <a:ext uri="{FF2B5EF4-FFF2-40B4-BE49-F238E27FC236}">
+                <a16:creationId xmlns:a16="http://schemas.microsoft.com/office/drawing/2014/main" id="{48D61464-91A8-4E1B-90DE-EF7C058CB9FC}"/>
+              </a:ext>
+            </a:extLst>
+          </p:cNvPr>
+          <p:cNvSpPr>
+            <a:spLocks noGrp="1"/>
+          </p:cNvSpPr>
+          <p:nvPr>
+            <p:ph idx="1"/>
+          </p:nvPr>
+        </p:nvSpPr>
+        <p:spPr>
+          <a:xfrm>
+            <a:off x="4320770" y="5423255"/>
+            <a:ext cx="6454987" cy="500302"/>
+          </a:xfrm>
+        </p:spPr>
+        <p:txBody>
+          <a:bodyPr>
+            <a:noAutofit/>
+          </a:bodyPr>
+          <a:lstStyle/>
+          <a:p>
+            <a:r>
+              <a:rPr lang="es-CO" sz="4800" dirty="0"/>
+              <a:t>@</a:t>
+            </a:r>
+            <a:r>
+              <a:rPr lang="es-CO" sz="4800" dirty="0" err="1"/>
+              <a:t>anmarphy</a:t>
+            </a:r>
+            <a:endParaRPr lang="en-US" sz="4800" dirty="0"/>
+          </a:p>
+        </p:txBody>
+      </p:sp>
+      <p:pic>
+        <p:nvPicPr>
+          <p:cNvPr id="6" name="Picture 2" descr="Qué es GitHub?">
+            <a:extLst>
+              <a:ext uri="{FF2B5EF4-FFF2-40B4-BE49-F238E27FC236}">
+                <a16:creationId xmlns:a16="http://schemas.microsoft.com/office/drawing/2014/main" id="{C5C6A012-B854-4688-BD44-5A65F3C5A644}"/>
+              </a:ext>
+            </a:extLst>
+          </p:cNvPr>
+          <p:cNvPicPr>
+            <a:picLocks noChangeAspect="1" noChangeArrowheads="1"/>
+          </p:cNvPicPr>
+          <p:nvPr/>
+        </p:nvPicPr>
+        <p:blipFill rotWithShape="1">
+          <a:blip r:embed="rId2">
+            <a:extLst>
+              <a:ext uri="{28A0092B-C50C-407E-A947-70E740481C1C}">
+                <a14:useLocalDpi xmlns:a14="http://schemas.microsoft.com/office/drawing/2010/main" val="0"/>
+              </a:ext>
+            </a:extLst>
+          </a:blip>
+          <a:srcRect l="25179" r="24466"/>
+          <a:stretch/>
+        </p:blipFill>
+        <p:spPr bwMode="auto">
+          <a:xfrm>
+            <a:off x="4612353" y="2292632"/>
+            <a:ext cx="2795212" cy="3094698"/>
+          </a:xfrm>
+          <a:prstGeom prst="rect">
+            <a:avLst/>
+          </a:prstGeom>
+          <a:noFill/>
+          <a:extLst>
+            <a:ext uri="{909E8E84-426E-40DD-AFC4-6F175D3DCCD1}">
+              <a14:hiddenFill xmlns:a14="http://schemas.microsoft.com/office/drawing/2010/main">
+                <a:solidFill>
+                  <a:srgbClr val="FFFFFF"/>
+                </a:solidFill>
+              </a14:hiddenFill>
+            </a:ext>
+          </a:extLst>
+        </p:spPr>
+      </p:pic>
+      <p:sp>
+        <p:nvSpPr>
+          <p:cNvPr id="4" name="Marcador de pie de página 3">
+            <a:extLst>
+              <a:ext uri="{FF2B5EF4-FFF2-40B4-BE49-F238E27FC236}">
+                <a16:creationId xmlns:a16="http://schemas.microsoft.com/office/drawing/2014/main" id="{C90F60B1-464B-47FE-943C-F087347E8C8D}"/>
+              </a:ext>
+            </a:extLst>
+          </p:cNvPr>
+          <p:cNvSpPr>
+            <a:spLocks noGrp="1"/>
+          </p:cNvSpPr>
+          <p:nvPr>
+            <p:ph type="ftr" sz="quarter" idx="11"/>
+          </p:nvPr>
+        </p:nvSpPr>
+        <p:spPr>
+          <a:xfrm>
+            <a:off x="3686185" y="6459785"/>
+            <a:ext cx="4822804" cy="365125"/>
+          </a:xfrm>
+        </p:spPr>
+        <p:txBody>
+          <a:bodyPr>
+            <a:normAutofit/>
+          </a:bodyPr>
+          <a:lstStyle/>
+          <a:p>
+            <a:pPr>
+              <a:spcAft>
+                <a:spcPts val="600"/>
+              </a:spcAft>
+            </a:pPr>
+            <a:r>
+              <a:rPr lang="es-ES"/>
+              <a:t>Diplomado en Inteligencia Artificial y Aprendizaje Profundo -UN</a:t>
+            </a:r>
+            <a:endParaRPr lang="en-US"/>
+          </a:p>
+        </p:txBody>
+      </p:sp>
+      <p:sp>
+        <p:nvSpPr>
+          <p:cNvPr id="5" name="Marcador de número de diapositiva 4">
+            <a:extLst>
+              <a:ext uri="{FF2B5EF4-FFF2-40B4-BE49-F238E27FC236}">
+                <a16:creationId xmlns:a16="http://schemas.microsoft.com/office/drawing/2014/main" id="{38A6B737-6221-4F45-9B2B-3EB041CE98B3}"/>
+              </a:ext>
+            </a:extLst>
+          </p:cNvPr>
+          <p:cNvSpPr>
+            <a:spLocks noGrp="1"/>
+          </p:cNvSpPr>
+          <p:nvPr>
+            <p:ph type="sldNum" sz="quarter" idx="12"/>
+          </p:nvPr>
+        </p:nvSpPr>
+        <p:spPr>
+          <a:xfrm>
+            <a:off x="9900458" y="6459785"/>
+            <a:ext cx="1312025" cy="365125"/>
+          </a:xfrm>
+        </p:spPr>
+        <p:txBody>
+          <a:bodyPr>
+            <a:normAutofit/>
+          </a:bodyPr>
+          <a:lstStyle/>
+          <a:p>
+            <a:pPr>
+              <a:spcAft>
+                <a:spcPts val="600"/>
+              </a:spcAft>
+            </a:pPr>
+            <a:fld id="{1987B7B8-616A-43F8-924E-8DBE374A2992}" type="slidenum">
+              <a:rPr lang="en-US" smtClean="0"/>
+              <a:pPr>
+                <a:spcAft>
+                  <a:spcPts val="600"/>
+                </a:spcAft>
+              </a:pPr>
+              <a:t>11</a:t>
+            </a:fld>
+            <a:endParaRPr lang="en-US"/>
+          </a:p>
+        </p:txBody>
+      </p:sp>
+      <p:sp>
+        <p:nvSpPr>
+          <p:cNvPr id="7" name="Título 1">
+            <a:extLst>
+              <a:ext uri="{FF2B5EF4-FFF2-40B4-BE49-F238E27FC236}">
+                <a16:creationId xmlns:a16="http://schemas.microsoft.com/office/drawing/2014/main" id="{11F76853-F96A-47A5-A9D2-35810E187909}"/>
+              </a:ext>
+            </a:extLst>
+          </p:cNvPr>
+          <p:cNvSpPr>
+            <a:spLocks noGrp="1"/>
+          </p:cNvSpPr>
+          <p:nvPr>
+            <p:ph type="title"/>
+          </p:nvPr>
+        </p:nvSpPr>
+        <p:spPr>
+          <a:xfrm>
+            <a:off x="1097280" y="286603"/>
+            <a:ext cx="10058400" cy="1450757"/>
+          </a:xfrm>
+        </p:spPr>
+        <p:txBody>
+          <a:bodyPr/>
+          <a:lstStyle/>
+          <a:p>
+            <a:r>
+              <a:rPr lang="es-CO" dirty="0"/>
+              <a:t>Gracias!</a:t>
+            </a:r>
+            <a:endParaRPr lang="en-US" dirty="0"/>
+          </a:p>
+        </p:txBody>
+      </p:sp>
+    </p:spTree>
+    <p:extLst>
+      <p:ext uri="{BB962C8B-B14F-4D97-AF65-F5344CB8AC3E}">
+        <p14:creationId xmlns:p14="http://schemas.microsoft.com/office/powerpoint/2010/main" val="947331470"/>
       </p:ext>
     </p:extLst>
   </p:cSld>
@@ -3430,7 +5234,7 @@
           <p:cNvPr id="2" name="Título 1">
             <a:extLst>
               <a:ext uri="{FF2B5EF4-FFF2-40B4-BE49-F238E27FC236}">
-                <a16:creationId xmlns:a16="http://schemas.microsoft.com/office/drawing/2014/main" id="{BC8C647C-4C58-4EF2-B8DC-2632B0814045}"/>
+                <a16:creationId xmlns:a16="http://schemas.microsoft.com/office/drawing/2014/main" id="{9293D6D7-89AB-4FAB-AEFB-1CB96CDD2179}"/>
               </a:ext>
             </a:extLst>
           </p:cNvPr>
@@ -3447,8 +5251,8 @@
           <a:lstStyle/>
           <a:p>
             <a:r>
-              <a:rPr lang="es-CO" dirty="0" err="1"/>
-              <a:t>Listings</a:t>
+              <a:rPr lang="es-CO" dirty="0"/>
+              <a:t>Agenda</a:t>
             </a:r>
             <a:endParaRPr lang="en-US" dirty="0"/>
           </a:p>
@@ -3459,7 +5263,7 @@
           <p:cNvPr id="3" name="Marcador de contenido 2">
             <a:extLst>
               <a:ext uri="{FF2B5EF4-FFF2-40B4-BE49-F238E27FC236}">
-                <a16:creationId xmlns:a16="http://schemas.microsoft.com/office/drawing/2014/main" id="{13A4C50F-E6A2-4A34-9D63-4F38631FB925}"/>
+                <a16:creationId xmlns:a16="http://schemas.microsoft.com/office/drawing/2014/main" id="{312BA6B3-D762-46E7-942A-BE32A21D9848}"/>
               </a:ext>
             </a:extLst>
           </p:cNvPr>
@@ -3472,79 +5276,143 @@
         </p:nvSpPr>
         <p:spPr/>
         <p:txBody>
-          <a:bodyPr>
-            <a:normAutofit fontScale="92500" lnSpcReduction="20000"/>
-          </a:bodyPr>
-          <a:lstStyle/>
-          <a:p>
-            <a:r>
-              <a:rPr lang="es-ES" dirty="0"/>
-              <a:t>Esta base contiene 3.818 registros de espacios publicitados a los cuales se les asocian 92 columnas relacionadas con nueve tipos de variables:</a:t>
-            </a:r>
-          </a:p>
-          <a:p>
-            <a:r>
-              <a:rPr lang="es-ES" dirty="0"/>
-              <a:t>1. Descripción</a:t>
-            </a:r>
-          </a:p>
-          <a:p>
-            <a:r>
-              <a:rPr lang="es-ES" dirty="0"/>
-              <a:t>2. Arrendatario</a:t>
-            </a:r>
-          </a:p>
-          <a:p>
-            <a:r>
-              <a:rPr lang="es-ES" dirty="0"/>
-              <a:t>3. Geolocalización</a:t>
-            </a:r>
-          </a:p>
-          <a:p>
-            <a:r>
-              <a:rPr lang="es-ES" dirty="0"/>
-              <a:t>4. Características</a:t>
-            </a:r>
-          </a:p>
-          <a:p>
-            <a:r>
-              <a:rPr lang="es-ES" dirty="0"/>
-              <a:t>5. Precios </a:t>
-            </a:r>
-          </a:p>
-          <a:p>
-            <a:r>
-              <a:rPr lang="es-ES" dirty="0"/>
-              <a:t>6. Valores Adicionales</a:t>
-            </a:r>
-          </a:p>
-          <a:p>
-            <a:r>
-              <a:rPr lang="es-ES" dirty="0"/>
-              <a:t>7. Calificación</a:t>
-            </a:r>
-          </a:p>
-          <a:p>
-            <a:r>
-              <a:rPr lang="es-ES" dirty="0"/>
-              <a:t>8. Licencia</a:t>
-            </a:r>
-          </a:p>
-          <a:p>
-            <a:r>
-              <a:rPr lang="es-ES" dirty="0"/>
-              <a:t>9. Políticas</a:t>
-            </a:r>
-          </a:p>
-          <a:p>
+          <a:bodyPr/>
+          <a:lstStyle/>
+          <a:p>
+            <a:pPr>
+              <a:buFont typeface="Wingdings" panose="05000000000000000000" pitchFamily="2" charset="2"/>
+              <a:buChar char="Ø"/>
+            </a:pPr>
+            <a:r>
+              <a:rPr lang="es-CO" dirty="0"/>
+              <a:t>Introducción</a:t>
+            </a:r>
+          </a:p>
+          <a:p>
+            <a:pPr>
+              <a:buFont typeface="Wingdings" panose="05000000000000000000" pitchFamily="2" charset="2"/>
+              <a:buChar char="Ø"/>
+            </a:pPr>
+            <a:r>
+              <a:rPr lang="es-CO" dirty="0"/>
+              <a:t>Conjunto de datos</a:t>
+            </a:r>
+          </a:p>
+          <a:p>
+            <a:pPr>
+              <a:buFont typeface="Wingdings" panose="05000000000000000000" pitchFamily="2" charset="2"/>
+              <a:buChar char="Ø"/>
+            </a:pPr>
+            <a:r>
+              <a:rPr lang="es-CO" dirty="0"/>
+              <a:t>Presentación del problema</a:t>
+            </a:r>
+          </a:p>
+          <a:p>
+            <a:pPr>
+              <a:buFont typeface="Wingdings" panose="05000000000000000000" pitchFamily="2" charset="2"/>
+              <a:buChar char="Ø"/>
+            </a:pPr>
+            <a:r>
+              <a:rPr lang="es-CO" dirty="0"/>
+              <a:t>Esquema de solución</a:t>
+            </a:r>
+          </a:p>
+          <a:p>
+            <a:pPr>
+              <a:buFont typeface="Wingdings" panose="05000000000000000000" pitchFamily="2" charset="2"/>
+              <a:buChar char="Ø"/>
+            </a:pPr>
+            <a:r>
+              <a:rPr lang="es-CO" dirty="0"/>
+              <a:t>Resultados</a:t>
+            </a:r>
+          </a:p>
+          <a:p>
+            <a:pPr>
+              <a:buFont typeface="Wingdings" panose="05000000000000000000" pitchFamily="2" charset="2"/>
+              <a:buChar char="Ø"/>
+            </a:pPr>
+            <a:r>
+              <a:rPr lang="es-CO" dirty="0"/>
+              <a:t>Conclusiones</a:t>
+            </a:r>
+          </a:p>
+          <a:p>
+            <a:pPr>
+              <a:buFont typeface="Wingdings" panose="05000000000000000000" pitchFamily="2" charset="2"/>
+              <a:buChar char="Ø"/>
+            </a:pPr>
+            <a:r>
+              <a:rPr lang="es-CO" dirty="0"/>
+              <a:t>Referencias</a:t>
+            </a:r>
             <a:endParaRPr lang="en-US" dirty="0"/>
+          </a:p>
+        </p:txBody>
+      </p:sp>
+      <p:sp>
+        <p:nvSpPr>
+          <p:cNvPr id="4" name="Marcador de pie de página 3">
+            <a:extLst>
+              <a:ext uri="{FF2B5EF4-FFF2-40B4-BE49-F238E27FC236}">
+                <a16:creationId xmlns:a16="http://schemas.microsoft.com/office/drawing/2014/main" id="{4EF24BDF-419D-4CDA-AA20-9413393A35DD}"/>
+              </a:ext>
+            </a:extLst>
+          </p:cNvPr>
+          <p:cNvSpPr>
+            <a:spLocks noGrp="1"/>
+          </p:cNvSpPr>
+          <p:nvPr>
+            <p:ph type="ftr" sz="quarter" idx="11"/>
+          </p:nvPr>
+        </p:nvSpPr>
+        <p:spPr/>
+        <p:txBody>
+          <a:bodyPr/>
+          <a:lstStyle/>
+          <a:p>
+            <a:r>
+              <a:rPr lang="es-ES"/>
+              <a:t>Diplomado en Inteligencia Artificial y Aprendizaje Profundo -UN</a:t>
+            </a:r>
+            <a:endParaRPr lang="en-US"/>
+          </a:p>
+        </p:txBody>
+      </p:sp>
+      <p:sp>
+        <p:nvSpPr>
+          <p:cNvPr id="5" name="Marcador de número de diapositiva 4">
+            <a:extLst>
+              <a:ext uri="{FF2B5EF4-FFF2-40B4-BE49-F238E27FC236}">
+                <a16:creationId xmlns:a16="http://schemas.microsoft.com/office/drawing/2014/main" id="{EA0FB00B-4C2D-4407-A4D6-632C8A5DE8EF}"/>
+              </a:ext>
+            </a:extLst>
+          </p:cNvPr>
+          <p:cNvSpPr>
+            <a:spLocks noGrp="1"/>
+          </p:cNvSpPr>
+          <p:nvPr>
+            <p:ph type="sldNum" sz="quarter" idx="12"/>
+          </p:nvPr>
+        </p:nvSpPr>
+        <p:spPr/>
+        <p:txBody>
+          <a:bodyPr/>
+          <a:lstStyle/>
+          <a:p>
+            <a:fld id="{1987B7B8-616A-43F8-924E-8DBE374A2992}" type="slidenum">
+              <a:rPr lang="en-US" smtClean="0"/>
+              <a:t>2</a:t>
+            </a:fld>
+            <a:endParaRPr lang="en-US"/>
           </a:p>
         </p:txBody>
       </p:sp>
     </p:spTree>
     <p:extLst>
       <p:ext uri="{BB962C8B-B14F-4D97-AF65-F5344CB8AC3E}">
-        <p14:creationId xmlns:p14="http://schemas.microsoft.com/office/powerpoint/2010/main" val="2238942626"/>
+        <p14:creationId xmlns:p14="http://schemas.microsoft.com/office/powerpoint/2010/main" val="940797523"/>
       </p:ext>
     </p:extLst>
   </p:cSld>
@@ -3576,7 +5444,7 @@
           <p:cNvPr id="2" name="Título 1">
             <a:extLst>
               <a:ext uri="{FF2B5EF4-FFF2-40B4-BE49-F238E27FC236}">
-                <a16:creationId xmlns:a16="http://schemas.microsoft.com/office/drawing/2014/main" id="{80FD5792-0A04-4349-8F89-C97DE6E79C2B}"/>
+                <a16:creationId xmlns:a16="http://schemas.microsoft.com/office/drawing/2014/main" id="{1E797A53-D90D-40DE-BD9B-4F78A3B94017}"/>
               </a:ext>
             </a:extLst>
           </p:cNvPr>
@@ -3594,7 +5462,7 @@
           <a:p>
             <a:r>
               <a:rPr lang="es-CO" dirty="0"/>
-              <a:t>Preprocesamiento</a:t>
+              <a:t>Introducción</a:t>
             </a:r>
             <a:endParaRPr lang="en-US" dirty="0"/>
           </a:p>
@@ -3605,7 +5473,7 @@
           <p:cNvPr id="3" name="Marcador de contenido 2">
             <a:extLst>
               <a:ext uri="{FF2B5EF4-FFF2-40B4-BE49-F238E27FC236}">
-                <a16:creationId xmlns:a16="http://schemas.microsoft.com/office/drawing/2014/main" id="{01B88BD9-B174-43D7-AEF4-B7ACDB9A6EE9}"/>
+                <a16:creationId xmlns:a16="http://schemas.microsoft.com/office/drawing/2014/main" id="{F97C7D9E-32D5-481D-8D46-2145E1E34178}"/>
               </a:ext>
             </a:extLst>
           </p:cNvPr>
@@ -3616,270 +5484,77 @@
             <p:ph idx="1"/>
           </p:nvPr>
         </p:nvSpPr>
-        <p:spPr>
-          <a:xfrm>
-            <a:off x="838200" y="1658593"/>
-            <a:ext cx="10515600" cy="4351338"/>
-          </a:xfrm>
-        </p:spPr>
-        <p:txBody>
-          <a:bodyPr>
-            <a:normAutofit fontScale="77500" lnSpcReduction="20000"/>
-          </a:bodyPr>
-          <a:lstStyle/>
-          <a:p>
-            <a:r>
-              <a:rPr lang="es-CO" dirty="0"/>
-              <a:t>El </a:t>
-            </a:r>
-            <a:r>
-              <a:rPr lang="es-CO" dirty="0" err="1"/>
-              <a:t>dataset</a:t>
-            </a:r>
-            <a:r>
-              <a:rPr lang="es-CO" dirty="0"/>
-              <a:t> </a:t>
-            </a:r>
-            <a:r>
-              <a:rPr lang="es-ES" dirty="0"/>
-              <a:t>de entrada contiene 92 columnas y 3.818 filas </a:t>
-            </a:r>
-          </a:p>
-          <a:p>
-            <a:r>
-              <a:rPr lang="es-ES" dirty="0"/>
-              <a:t>Son removidos los campos con un valor único permaneciendo 81 columnas</a:t>
-            </a:r>
-          </a:p>
-          <a:p>
-            <a:r>
-              <a:rPr lang="es-ES" dirty="0"/>
-              <a:t>Se convierten en datos cuantitativos las variables: Price, </a:t>
-            </a:r>
-            <a:r>
-              <a:rPr lang="es-ES" dirty="0" err="1"/>
-              <a:t>cleaning_fee</a:t>
-            </a:r>
-            <a:r>
-              <a:rPr lang="es-ES" dirty="0"/>
-              <a:t>, </a:t>
-            </a:r>
-            <a:r>
-              <a:rPr lang="es-ES" dirty="0" err="1"/>
-              <a:t>extra_people</a:t>
-            </a:r>
-            <a:r>
-              <a:rPr lang="es-ES" dirty="0"/>
-              <a:t>, </a:t>
-            </a:r>
-            <a:r>
-              <a:rPr lang="es-ES" dirty="0" err="1"/>
-              <a:t>security_deposit</a:t>
-            </a:r>
-            <a:r>
-              <a:rPr lang="es-ES" dirty="0"/>
-              <a:t>, </a:t>
-            </a:r>
-            <a:r>
-              <a:rPr lang="es-ES" dirty="0" err="1"/>
-              <a:t>host_acceptance_rate</a:t>
-            </a:r>
-            <a:r>
-              <a:rPr lang="es-ES" dirty="0"/>
-              <a:t> y </a:t>
-            </a:r>
-            <a:r>
-              <a:rPr lang="es-ES" dirty="0" err="1"/>
-              <a:t>host_response_rate</a:t>
-            </a:r>
-            <a:endParaRPr lang="es-ES" dirty="0"/>
-          </a:p>
-          <a:p>
-            <a:r>
-              <a:rPr lang="es-ES" dirty="0"/>
-              <a:t>Se agrupan los tipos de propiedad: </a:t>
-            </a:r>
-            <a:r>
-              <a:rPr lang="es-ES" dirty="0" err="1"/>
-              <a:t>Bed</a:t>
-            </a:r>
-            <a:r>
-              <a:rPr lang="es-ES" dirty="0"/>
-              <a:t> &amp; </a:t>
-            </a:r>
-            <a:r>
-              <a:rPr lang="es-ES" dirty="0" err="1"/>
-              <a:t>Breakfast</a:t>
-            </a:r>
-            <a:r>
-              <a:rPr lang="es-ES" dirty="0"/>
-              <a:t>, </a:t>
-            </a:r>
-            <a:r>
-              <a:rPr lang="es-ES" dirty="0" err="1"/>
-              <a:t>Boat</a:t>
-            </a:r>
-            <a:r>
-              <a:rPr lang="es-ES" dirty="0"/>
-              <a:t>, Bungalow, </a:t>
-            </a:r>
-            <a:r>
-              <a:rPr lang="es-ES" dirty="0" err="1"/>
-              <a:t>Cabin</a:t>
-            </a:r>
-            <a:r>
-              <a:rPr lang="es-ES" dirty="0"/>
-              <a:t>, Camper/RV, Chalet, </a:t>
-            </a:r>
-            <a:r>
-              <a:rPr lang="es-ES" dirty="0" err="1"/>
-              <a:t>Dorm</a:t>
-            </a:r>
-            <a:r>
-              <a:rPr lang="es-ES" dirty="0"/>
-              <a:t>, </a:t>
-            </a:r>
-            <a:r>
-              <a:rPr lang="es-ES" dirty="0" err="1"/>
-              <a:t>Loft</a:t>
-            </a:r>
-            <a:r>
-              <a:rPr lang="es-ES" dirty="0"/>
-              <a:t>, </a:t>
-            </a:r>
-            <a:r>
-              <a:rPr lang="es-ES" dirty="0" err="1"/>
-              <a:t>Other</a:t>
-            </a:r>
-            <a:r>
-              <a:rPr lang="es-ES" dirty="0"/>
-              <a:t>, </a:t>
-            </a:r>
-            <a:r>
-              <a:rPr lang="es-ES" dirty="0" err="1"/>
-              <a:t>Tent</a:t>
-            </a:r>
-            <a:r>
-              <a:rPr lang="es-ES" dirty="0"/>
-              <a:t>, </a:t>
-            </a:r>
-            <a:r>
-              <a:rPr lang="es-ES" dirty="0" err="1"/>
-              <a:t>Treehouse</a:t>
-            </a:r>
-            <a:r>
-              <a:rPr lang="es-ES" dirty="0"/>
-              <a:t>, </a:t>
-            </a:r>
-            <a:r>
-              <a:rPr lang="es-ES" dirty="0" err="1"/>
-              <a:t>Yurt</a:t>
-            </a:r>
-            <a:r>
-              <a:rPr lang="es-ES" dirty="0"/>
-              <a:t> en Otros.</a:t>
-            </a:r>
-          </a:p>
-          <a:p>
-            <a:r>
-              <a:rPr lang="es-ES" dirty="0"/>
-              <a:t>Son eliminadas las columnas con un porcentaje superior al 30% de datos faltantes</a:t>
-            </a:r>
-          </a:p>
-          <a:p>
-            <a:r>
-              <a:rPr lang="es-ES" dirty="0"/>
-              <a:t>Se remueven los campos asociados con </a:t>
-            </a:r>
-            <a:r>
-              <a:rPr lang="es-ES" dirty="0" err="1"/>
-              <a:t>urls</a:t>
-            </a:r>
-            <a:r>
-              <a:rPr lang="es-ES" dirty="0"/>
-              <a:t>, </a:t>
-            </a:r>
-            <a:r>
-              <a:rPr lang="es-ES" dirty="0" err="1"/>
-              <a:t>pricing</a:t>
-            </a:r>
-            <a:r>
-              <a:rPr lang="es-ES" dirty="0"/>
-              <a:t> (diferentes al target), texto, geográficas diferentes al vecindario y a </a:t>
-            </a:r>
-            <a:r>
-              <a:rPr lang="es-ES" dirty="0" err="1"/>
-              <a:t>lat-lng</a:t>
-            </a:r>
-            <a:r>
-              <a:rPr lang="es-ES" dirty="0"/>
-              <a:t>, </a:t>
-            </a:r>
-            <a:r>
-              <a:rPr lang="es-ES" dirty="0" err="1"/>
-              <a:t>diponibilidad</a:t>
-            </a:r>
-            <a:r>
-              <a:rPr lang="es-ES" dirty="0"/>
-              <a:t> superior a 30 </a:t>
-            </a:r>
-            <a:r>
-              <a:rPr lang="es-ES" dirty="0" err="1"/>
-              <a:t>dias</a:t>
-            </a:r>
-            <a:r>
-              <a:rPr lang="es-ES" dirty="0"/>
-              <a:t> y relacionadas con el host.</a:t>
-            </a:r>
-          </a:p>
-          <a:p>
-            <a:r>
-              <a:rPr lang="es-ES" dirty="0"/>
-              <a:t>Se adiciona el índice promedio de polaridad de los </a:t>
-            </a:r>
-            <a:r>
-              <a:rPr lang="es-ES" dirty="0" err="1"/>
-              <a:t>reviews</a:t>
-            </a:r>
-            <a:r>
-              <a:rPr lang="es-ES" dirty="0"/>
-              <a:t> calculado con </a:t>
-            </a:r>
-            <a:r>
-              <a:rPr lang="es-ES" dirty="0" err="1"/>
-              <a:t>TextBlob</a:t>
-            </a:r>
-            <a:endParaRPr lang="es-ES" dirty="0"/>
-          </a:p>
-          <a:p>
-            <a:r>
-              <a:rPr lang="es-ES" dirty="0"/>
-              <a:t>Las variables categóricas son convertidas a codificación </a:t>
-            </a:r>
-            <a:r>
-              <a:rPr lang="es-ES" dirty="0" err="1"/>
-              <a:t>One</a:t>
-            </a:r>
-            <a:r>
-              <a:rPr lang="es-ES" dirty="0"/>
-              <a:t> Hot</a:t>
-            </a:r>
-          </a:p>
-          <a:p>
-            <a:r>
-              <a:rPr lang="es-ES" dirty="0"/>
-              <a:t>Se filtran las tarifas menores 400 dólares, corresponden 98% de los datos.</a:t>
-            </a:r>
-          </a:p>
-          <a:p>
-            <a:endParaRPr lang="en-US" dirty="0"/>
+        <p:spPr/>
+        <p:txBody>
+          <a:bodyPr/>
+          <a:lstStyle/>
+          <a:p>
+            <a:endParaRPr lang="en-US"/>
+          </a:p>
+        </p:txBody>
+      </p:sp>
+      <p:sp>
+        <p:nvSpPr>
+          <p:cNvPr id="4" name="Marcador de pie de página 3">
+            <a:extLst>
+              <a:ext uri="{FF2B5EF4-FFF2-40B4-BE49-F238E27FC236}">
+                <a16:creationId xmlns:a16="http://schemas.microsoft.com/office/drawing/2014/main" id="{FAB604B1-DDCB-43EE-B464-81A5D81B65B8}"/>
+              </a:ext>
+            </a:extLst>
+          </p:cNvPr>
+          <p:cNvSpPr>
+            <a:spLocks noGrp="1"/>
+          </p:cNvSpPr>
+          <p:nvPr>
+            <p:ph type="ftr" sz="quarter" idx="11"/>
+          </p:nvPr>
+        </p:nvSpPr>
+        <p:spPr/>
+        <p:txBody>
+          <a:bodyPr/>
+          <a:lstStyle/>
+          <a:p>
+            <a:r>
+              <a:rPr lang="es-ES"/>
+              <a:t>Diplomado en Inteligencia Artificial y Aprendizaje Profundo -UN</a:t>
+            </a:r>
+            <a:endParaRPr lang="en-US"/>
+          </a:p>
+        </p:txBody>
+      </p:sp>
+      <p:sp>
+        <p:nvSpPr>
+          <p:cNvPr id="5" name="Marcador de número de diapositiva 4">
+            <a:extLst>
+              <a:ext uri="{FF2B5EF4-FFF2-40B4-BE49-F238E27FC236}">
+                <a16:creationId xmlns:a16="http://schemas.microsoft.com/office/drawing/2014/main" id="{A1B96E80-AE7A-4984-BD95-2E8E5059A3E0}"/>
+              </a:ext>
+            </a:extLst>
+          </p:cNvPr>
+          <p:cNvSpPr>
+            <a:spLocks noGrp="1"/>
+          </p:cNvSpPr>
+          <p:nvPr>
+            <p:ph type="sldNum" sz="quarter" idx="12"/>
+          </p:nvPr>
+        </p:nvSpPr>
+        <p:spPr/>
+        <p:txBody>
+          <a:bodyPr/>
+          <a:lstStyle/>
+          <a:p>
+            <a:fld id="{1987B7B8-616A-43F8-924E-8DBE374A2992}" type="slidenum">
+              <a:rPr lang="en-US" smtClean="0"/>
+              <a:t>3</a:t>
+            </a:fld>
+            <a:endParaRPr lang="en-US"/>
           </a:p>
         </p:txBody>
       </p:sp>
     </p:spTree>
     <p:extLst>
       <p:ext uri="{BB962C8B-B14F-4D97-AF65-F5344CB8AC3E}">
-        <p14:creationId xmlns:p14="http://schemas.microsoft.com/office/powerpoint/2010/main" val="4180095333"/>
+        <p14:creationId xmlns:p14="http://schemas.microsoft.com/office/powerpoint/2010/main" val="3913236413"/>
       </p:ext>
     </p:extLst>
   </p:cSld>
@@ -3908,10 +5583,657 @@
       </p:grpSpPr>
       <p:sp>
         <p:nvSpPr>
+          <p:cNvPr id="4" name="Marcador de pie de página 3">
+            <a:extLst>
+              <a:ext uri="{FF2B5EF4-FFF2-40B4-BE49-F238E27FC236}">
+                <a16:creationId xmlns:a16="http://schemas.microsoft.com/office/drawing/2014/main" id="{52E86713-BEC1-420B-93DB-22EAD4658F7B}"/>
+              </a:ext>
+            </a:extLst>
+          </p:cNvPr>
+          <p:cNvSpPr>
+            <a:spLocks noGrp="1"/>
+          </p:cNvSpPr>
+          <p:nvPr>
+            <p:ph type="ftr" sz="quarter" idx="11"/>
+          </p:nvPr>
+        </p:nvSpPr>
+        <p:spPr/>
+        <p:txBody>
+          <a:bodyPr/>
+          <a:lstStyle/>
+          <a:p>
+            <a:r>
+              <a:rPr lang="es-ES"/>
+              <a:t>Diplomado en Inteligencia Artificial y Aprendizaje Profundo -UN</a:t>
+            </a:r>
+            <a:endParaRPr lang="en-US"/>
+          </a:p>
+        </p:txBody>
+      </p:sp>
+      <p:sp>
+        <p:nvSpPr>
+          <p:cNvPr id="5" name="Marcador de número de diapositiva 4">
+            <a:extLst>
+              <a:ext uri="{FF2B5EF4-FFF2-40B4-BE49-F238E27FC236}">
+                <a16:creationId xmlns:a16="http://schemas.microsoft.com/office/drawing/2014/main" id="{E4676ACB-A4D5-48D0-8E06-FDFADC7C70FA}"/>
+              </a:ext>
+            </a:extLst>
+          </p:cNvPr>
+          <p:cNvSpPr>
+            <a:spLocks noGrp="1"/>
+          </p:cNvSpPr>
+          <p:nvPr>
+            <p:ph type="sldNum" sz="quarter" idx="12"/>
+          </p:nvPr>
+        </p:nvSpPr>
+        <p:spPr/>
+        <p:txBody>
+          <a:bodyPr/>
+          <a:lstStyle/>
+          <a:p>
+            <a:fld id="{1987B7B8-616A-43F8-924E-8DBE374A2992}" type="slidenum">
+              <a:rPr lang="en-US" smtClean="0"/>
+              <a:t>4</a:t>
+            </a:fld>
+            <a:endParaRPr lang="en-US"/>
+          </a:p>
+        </p:txBody>
+      </p:sp>
+      <p:sp>
+        <p:nvSpPr>
+          <p:cNvPr id="7" name="Marcador de contenido 2">
+            <a:extLst>
+              <a:ext uri="{FF2B5EF4-FFF2-40B4-BE49-F238E27FC236}">
+                <a16:creationId xmlns:a16="http://schemas.microsoft.com/office/drawing/2014/main" id="{C893B734-908E-4F1D-BAEA-61D6FF94F6D2}"/>
+              </a:ext>
+            </a:extLst>
+          </p:cNvPr>
+          <p:cNvSpPr>
+            <a:spLocks noGrp="1"/>
+          </p:cNvSpPr>
+          <p:nvPr>
+            <p:ph idx="1"/>
+          </p:nvPr>
+        </p:nvSpPr>
+        <p:spPr>
+          <a:xfrm>
+            <a:off x="1166321" y="2086892"/>
+            <a:ext cx="10333307" cy="4023360"/>
+          </a:xfrm>
+        </p:spPr>
+        <p:txBody>
+          <a:bodyPr>
+            <a:normAutofit/>
+          </a:bodyPr>
+          <a:lstStyle/>
+          <a:p>
+            <a:pPr marL="285750" indent="-285750">
+              <a:buFont typeface="Wingdings" panose="05000000000000000000" pitchFamily="2" charset="2"/>
+              <a:buChar char="Ø"/>
+            </a:pPr>
+            <a:r>
+              <a:rPr lang="es-ES" dirty="0">
+                <a:latin typeface="-apple-system"/>
+              </a:rPr>
+              <a:t>Extraído del repositorio público de </a:t>
+            </a:r>
+            <a:r>
+              <a:rPr lang="es-ES" dirty="0">
+                <a:latin typeface="-apple-system"/>
+                <a:hlinkClick r:id="rId2"/>
+              </a:rPr>
+              <a:t>Airbnb</a:t>
+            </a:r>
+            <a:r>
+              <a:rPr lang="es-ES" dirty="0">
+                <a:latin typeface="-apple-system"/>
+              </a:rPr>
+              <a:t>. </a:t>
+            </a:r>
+          </a:p>
+          <a:p>
+            <a:pPr marL="578358" lvl="1" indent="-285750">
+              <a:buFont typeface="Arial" panose="020B0604020202020204" pitchFamily="34" charset="0"/>
+              <a:buChar char="•"/>
+            </a:pPr>
+            <a:r>
+              <a:rPr lang="es-CO" dirty="0">
+                <a:latin typeface="-apple-system"/>
+              </a:rPr>
+              <a:t>Versión: Sept 7 del </a:t>
+            </a:r>
+            <a:r>
+              <a:rPr lang="es-ES" dirty="0">
+                <a:latin typeface="-apple-system"/>
+              </a:rPr>
+              <a:t>2020 para la ciudad New York.</a:t>
+            </a:r>
+          </a:p>
+          <a:p>
+            <a:pPr marL="285750" indent="-285750">
+              <a:buFont typeface="Wingdings" panose="05000000000000000000" pitchFamily="2" charset="2"/>
+              <a:buChar char="Ø"/>
+            </a:pPr>
+            <a:r>
+              <a:rPr lang="es-ES" dirty="0">
+                <a:latin typeface="-apple-system"/>
+              </a:rPr>
+              <a:t>Contiene información 45.756 espacios publicitados y 74 atributos asociados con 8 tipos de variables:</a:t>
+            </a:r>
+          </a:p>
+          <a:p>
+            <a:pPr marL="285750" indent="-285750">
+              <a:buFont typeface="Wingdings" panose="05000000000000000000" pitchFamily="2" charset="2"/>
+              <a:buChar char="Ø"/>
+            </a:pPr>
+            <a:endParaRPr lang="es-ES" dirty="0">
+              <a:latin typeface="-apple-system"/>
+            </a:endParaRPr>
+          </a:p>
+          <a:p>
+            <a:pPr marL="285750" indent="-285750">
+              <a:buFont typeface="Wingdings" panose="05000000000000000000" pitchFamily="2" charset="2"/>
+              <a:buChar char="Ø"/>
+            </a:pPr>
+            <a:endParaRPr lang="es-ES" dirty="0">
+              <a:latin typeface="-apple-system"/>
+            </a:endParaRPr>
+          </a:p>
+          <a:p>
+            <a:pPr marL="285750" indent="-285750">
+              <a:buFont typeface="Wingdings" panose="05000000000000000000" pitchFamily="2" charset="2"/>
+              <a:buChar char="Ø"/>
+            </a:pPr>
+            <a:endParaRPr lang="es-CO" dirty="0"/>
+          </a:p>
+          <a:p>
+            <a:pPr marL="285750" indent="-285750">
+              <a:buFont typeface="Wingdings" panose="05000000000000000000" pitchFamily="2" charset="2"/>
+              <a:buChar char="Ø"/>
+            </a:pPr>
+            <a:r>
+              <a:rPr lang="es-CO" dirty="0"/>
+              <a:t>Preprocesamiento: Revisión de duplicados, datos faltantes, recategorización de variables, etc.  </a:t>
+            </a:r>
+          </a:p>
+          <a:p>
+            <a:pPr marL="285750" indent="-285750">
+              <a:buFont typeface="Wingdings" panose="05000000000000000000" pitchFamily="2" charset="2"/>
+              <a:buChar char="Ø"/>
+            </a:pPr>
+            <a:r>
+              <a:rPr lang="es-CO" dirty="0"/>
+              <a:t>Terminado el procesamiento se obtienen 35.113 observaciones (77% conjunto original) y 31 columna</a:t>
+            </a:r>
+            <a:r>
+              <a:rPr lang="en-US" dirty="0"/>
+              <a:t>s.</a:t>
+            </a:r>
+          </a:p>
+        </p:txBody>
+      </p:sp>
+      <p:sp>
+        <p:nvSpPr>
+          <p:cNvPr id="8" name="Título 1">
+            <a:extLst>
+              <a:ext uri="{FF2B5EF4-FFF2-40B4-BE49-F238E27FC236}">
+                <a16:creationId xmlns:a16="http://schemas.microsoft.com/office/drawing/2014/main" id="{EEE9D7B8-67C6-4D86-B2AF-DB478B88C573}"/>
+              </a:ext>
+            </a:extLst>
+          </p:cNvPr>
+          <p:cNvSpPr>
+            <a:spLocks noGrp="1"/>
+          </p:cNvSpPr>
+          <p:nvPr>
+            <p:ph type="title"/>
+          </p:nvPr>
+        </p:nvSpPr>
+        <p:spPr>
+          <a:xfrm>
+            <a:off x="1097280" y="286603"/>
+            <a:ext cx="10058400" cy="1450757"/>
+          </a:xfrm>
+        </p:spPr>
+        <p:txBody>
+          <a:bodyPr/>
+          <a:lstStyle/>
+          <a:p>
+            <a:r>
+              <a:rPr lang="es-CO" dirty="0"/>
+              <a:t>Conjunto de datos</a:t>
+            </a:r>
+            <a:endParaRPr lang="en-US" dirty="0"/>
+          </a:p>
+        </p:txBody>
+      </p:sp>
+      <p:sp>
+        <p:nvSpPr>
+          <p:cNvPr id="3" name="Rectángulo 2">
+            <a:extLst>
+              <a:ext uri="{FF2B5EF4-FFF2-40B4-BE49-F238E27FC236}">
+                <a16:creationId xmlns:a16="http://schemas.microsoft.com/office/drawing/2014/main" id="{E0AF5AC1-046E-4534-8C3C-905E2EDCB9F1}"/>
+              </a:ext>
+            </a:extLst>
+          </p:cNvPr>
+          <p:cNvSpPr/>
+          <p:nvPr/>
+        </p:nvSpPr>
+        <p:spPr>
+          <a:xfrm>
+            <a:off x="1890318" y="3628877"/>
+            <a:ext cx="6834233" cy="2308324"/>
+          </a:xfrm>
+          <a:prstGeom prst="rect">
+            <a:avLst/>
+          </a:prstGeom>
+        </p:spPr>
+        <p:txBody>
+          <a:bodyPr wrap="square" numCol="3">
+            <a:spAutoFit/>
+          </a:bodyPr>
+          <a:lstStyle/>
+          <a:p>
+            <a:pPr marL="285750" indent="-285750">
+              <a:buClr>
+                <a:schemeClr val="accent1"/>
+              </a:buClr>
+              <a:buFont typeface="Arial" panose="020B0604020202020204" pitchFamily="34" charset="0"/>
+              <a:buChar char="•"/>
+            </a:pPr>
+            <a:r>
+              <a:rPr lang="es-ES" sz="1600" dirty="0">
+                <a:solidFill>
+                  <a:schemeClr val="tx1">
+                    <a:lumMod val="65000"/>
+                    <a:lumOff val="35000"/>
+                  </a:schemeClr>
+                </a:solidFill>
+              </a:rPr>
+              <a:t>Descripción</a:t>
+            </a:r>
+          </a:p>
+          <a:p>
+            <a:pPr marL="285750" indent="-285750">
+              <a:buClr>
+                <a:schemeClr val="accent1"/>
+              </a:buClr>
+              <a:buFont typeface="Arial" panose="020B0604020202020204" pitchFamily="34" charset="0"/>
+              <a:buChar char="•"/>
+            </a:pPr>
+            <a:r>
+              <a:rPr lang="es-ES" sz="1600" dirty="0">
+                <a:solidFill>
+                  <a:schemeClr val="tx1">
+                    <a:lumMod val="65000"/>
+                    <a:lumOff val="35000"/>
+                  </a:schemeClr>
+                </a:solidFill>
+              </a:rPr>
+              <a:t>Arrendatario</a:t>
+            </a:r>
+          </a:p>
+          <a:p>
+            <a:pPr marL="285750" indent="-285750">
+              <a:buClr>
+                <a:schemeClr val="accent1"/>
+              </a:buClr>
+              <a:buFont typeface="Arial" panose="020B0604020202020204" pitchFamily="34" charset="0"/>
+              <a:buChar char="•"/>
+            </a:pPr>
+            <a:r>
+              <a:rPr lang="es-ES" sz="1600" dirty="0">
+                <a:solidFill>
+                  <a:schemeClr val="tx1">
+                    <a:lumMod val="65000"/>
+                    <a:lumOff val="35000"/>
+                  </a:schemeClr>
+                </a:solidFill>
+              </a:rPr>
+              <a:t>Geolocalización</a:t>
+            </a:r>
+          </a:p>
+          <a:p>
+            <a:pPr marL="285750" indent="-285750">
+              <a:buClr>
+                <a:schemeClr val="accent1"/>
+              </a:buClr>
+              <a:buFont typeface="Arial" panose="020B0604020202020204" pitchFamily="34" charset="0"/>
+              <a:buChar char="•"/>
+            </a:pPr>
+            <a:endParaRPr lang="es-ES" sz="1600" dirty="0">
+              <a:solidFill>
+                <a:schemeClr val="tx1">
+                  <a:lumMod val="65000"/>
+                  <a:lumOff val="35000"/>
+                </a:schemeClr>
+              </a:solidFill>
+            </a:endParaRPr>
+          </a:p>
+          <a:p>
+            <a:pPr marL="285750" indent="-285750">
+              <a:buClr>
+                <a:schemeClr val="accent1"/>
+              </a:buClr>
+              <a:buFont typeface="Arial" panose="020B0604020202020204" pitchFamily="34" charset="0"/>
+              <a:buChar char="•"/>
+            </a:pPr>
+            <a:endParaRPr lang="es-ES" sz="1600" dirty="0">
+              <a:solidFill>
+                <a:schemeClr val="tx1">
+                  <a:lumMod val="65000"/>
+                  <a:lumOff val="35000"/>
+                </a:schemeClr>
+              </a:solidFill>
+            </a:endParaRPr>
+          </a:p>
+          <a:p>
+            <a:pPr marL="285750" indent="-285750">
+              <a:buClr>
+                <a:schemeClr val="accent1"/>
+              </a:buClr>
+              <a:buFont typeface="Arial" panose="020B0604020202020204" pitchFamily="34" charset="0"/>
+              <a:buChar char="•"/>
+            </a:pPr>
+            <a:endParaRPr lang="es-ES" sz="1600" dirty="0">
+              <a:solidFill>
+                <a:schemeClr val="tx1">
+                  <a:lumMod val="65000"/>
+                  <a:lumOff val="35000"/>
+                </a:schemeClr>
+              </a:solidFill>
+            </a:endParaRPr>
+          </a:p>
+          <a:p>
+            <a:pPr marL="285750" indent="-285750">
+              <a:buClr>
+                <a:schemeClr val="accent1"/>
+              </a:buClr>
+              <a:buFont typeface="Arial" panose="020B0604020202020204" pitchFamily="34" charset="0"/>
+              <a:buChar char="•"/>
+            </a:pPr>
+            <a:endParaRPr lang="es-ES" sz="1600" dirty="0">
+              <a:solidFill>
+                <a:schemeClr val="tx1">
+                  <a:lumMod val="65000"/>
+                  <a:lumOff val="35000"/>
+                </a:schemeClr>
+              </a:solidFill>
+            </a:endParaRPr>
+          </a:p>
+          <a:p>
+            <a:pPr marL="285750" indent="-285750">
+              <a:buClr>
+                <a:schemeClr val="accent1"/>
+              </a:buClr>
+              <a:buFont typeface="Arial" panose="020B0604020202020204" pitchFamily="34" charset="0"/>
+              <a:buChar char="•"/>
+            </a:pPr>
+            <a:endParaRPr lang="es-ES" sz="1600" dirty="0">
+              <a:solidFill>
+                <a:schemeClr val="tx1">
+                  <a:lumMod val="65000"/>
+                  <a:lumOff val="35000"/>
+                </a:schemeClr>
+              </a:solidFill>
+            </a:endParaRPr>
+          </a:p>
+          <a:p>
+            <a:pPr marL="285750" indent="-285750">
+              <a:buClr>
+                <a:schemeClr val="accent1"/>
+              </a:buClr>
+              <a:buFont typeface="Arial" panose="020B0604020202020204" pitchFamily="34" charset="0"/>
+              <a:buChar char="•"/>
+            </a:pPr>
+            <a:endParaRPr lang="es-ES" sz="1600" dirty="0">
+              <a:solidFill>
+                <a:schemeClr val="tx1">
+                  <a:lumMod val="65000"/>
+                  <a:lumOff val="35000"/>
+                </a:schemeClr>
+              </a:solidFill>
+            </a:endParaRPr>
+          </a:p>
+          <a:p>
+            <a:pPr marL="285750" indent="-285750">
+              <a:buClr>
+                <a:schemeClr val="accent1"/>
+              </a:buClr>
+              <a:buFont typeface="Arial" panose="020B0604020202020204" pitchFamily="34" charset="0"/>
+              <a:buChar char="•"/>
+            </a:pPr>
+            <a:r>
+              <a:rPr lang="es-ES" sz="1600" dirty="0">
+                <a:solidFill>
+                  <a:schemeClr val="tx1">
+                    <a:lumMod val="65000"/>
+                    <a:lumOff val="35000"/>
+                  </a:schemeClr>
+                </a:solidFill>
+              </a:rPr>
+              <a:t>Características</a:t>
+            </a:r>
+          </a:p>
+          <a:p>
+            <a:pPr marL="285750" indent="-285750">
+              <a:buClr>
+                <a:schemeClr val="accent1"/>
+              </a:buClr>
+              <a:buFont typeface="Arial" panose="020B0604020202020204" pitchFamily="34" charset="0"/>
+              <a:buChar char="•"/>
+            </a:pPr>
+            <a:r>
+              <a:rPr lang="es-ES" sz="1600" dirty="0">
+                <a:solidFill>
+                  <a:schemeClr val="tx1">
+                    <a:lumMod val="65000"/>
+                    <a:lumOff val="35000"/>
+                  </a:schemeClr>
+                </a:solidFill>
+              </a:rPr>
+              <a:t>Precios </a:t>
+            </a:r>
+          </a:p>
+          <a:p>
+            <a:pPr marL="285750" indent="-285750">
+              <a:buClr>
+                <a:schemeClr val="accent1"/>
+              </a:buClr>
+              <a:buFont typeface="Arial" panose="020B0604020202020204" pitchFamily="34" charset="0"/>
+              <a:buChar char="•"/>
+            </a:pPr>
+            <a:r>
+              <a:rPr lang="es-ES" sz="1600" dirty="0">
+                <a:solidFill>
+                  <a:schemeClr val="tx1">
+                    <a:lumMod val="65000"/>
+                    <a:lumOff val="35000"/>
+                  </a:schemeClr>
+                </a:solidFill>
+              </a:rPr>
+              <a:t>Valores Adicionales</a:t>
+            </a:r>
+          </a:p>
+          <a:p>
+            <a:pPr marL="285750" indent="-285750">
+              <a:buClr>
+                <a:schemeClr val="accent1"/>
+              </a:buClr>
+              <a:buFont typeface="Arial" panose="020B0604020202020204" pitchFamily="34" charset="0"/>
+              <a:buChar char="•"/>
+            </a:pPr>
+            <a:endParaRPr lang="es-ES" sz="1600" dirty="0">
+              <a:solidFill>
+                <a:schemeClr val="tx1">
+                  <a:lumMod val="65000"/>
+                  <a:lumOff val="35000"/>
+                </a:schemeClr>
+              </a:solidFill>
+            </a:endParaRPr>
+          </a:p>
+          <a:p>
+            <a:pPr marL="285750" indent="-285750">
+              <a:buClr>
+                <a:schemeClr val="accent1"/>
+              </a:buClr>
+              <a:buFont typeface="Arial" panose="020B0604020202020204" pitchFamily="34" charset="0"/>
+              <a:buChar char="•"/>
+            </a:pPr>
+            <a:endParaRPr lang="es-ES" sz="1600" dirty="0">
+              <a:solidFill>
+                <a:schemeClr val="tx1">
+                  <a:lumMod val="65000"/>
+                  <a:lumOff val="35000"/>
+                </a:schemeClr>
+              </a:solidFill>
+            </a:endParaRPr>
+          </a:p>
+          <a:p>
+            <a:pPr marL="285750" indent="-285750">
+              <a:buClr>
+                <a:schemeClr val="accent1"/>
+              </a:buClr>
+              <a:buFont typeface="Arial" panose="020B0604020202020204" pitchFamily="34" charset="0"/>
+              <a:buChar char="•"/>
+            </a:pPr>
+            <a:endParaRPr lang="es-ES" sz="1600" dirty="0">
+              <a:solidFill>
+                <a:schemeClr val="tx1">
+                  <a:lumMod val="65000"/>
+                  <a:lumOff val="35000"/>
+                </a:schemeClr>
+              </a:solidFill>
+            </a:endParaRPr>
+          </a:p>
+          <a:p>
+            <a:pPr marL="285750" indent="-285750">
+              <a:buClr>
+                <a:schemeClr val="accent1"/>
+              </a:buClr>
+              <a:buFont typeface="Arial" panose="020B0604020202020204" pitchFamily="34" charset="0"/>
+              <a:buChar char="•"/>
+            </a:pPr>
+            <a:endParaRPr lang="es-ES" sz="1600" dirty="0">
+              <a:solidFill>
+                <a:schemeClr val="tx1">
+                  <a:lumMod val="65000"/>
+                  <a:lumOff val="35000"/>
+                </a:schemeClr>
+              </a:solidFill>
+            </a:endParaRPr>
+          </a:p>
+          <a:p>
+            <a:pPr marL="285750" indent="-285750">
+              <a:buClr>
+                <a:schemeClr val="accent1"/>
+              </a:buClr>
+              <a:buFont typeface="Arial" panose="020B0604020202020204" pitchFamily="34" charset="0"/>
+              <a:buChar char="•"/>
+            </a:pPr>
+            <a:endParaRPr lang="es-ES" sz="1600" dirty="0">
+              <a:solidFill>
+                <a:schemeClr val="tx1">
+                  <a:lumMod val="65000"/>
+                  <a:lumOff val="35000"/>
+                </a:schemeClr>
+              </a:solidFill>
+            </a:endParaRPr>
+          </a:p>
+          <a:p>
+            <a:pPr marL="285750" indent="-285750">
+              <a:buClr>
+                <a:schemeClr val="accent1"/>
+              </a:buClr>
+              <a:buFont typeface="Arial" panose="020B0604020202020204" pitchFamily="34" charset="0"/>
+              <a:buChar char="•"/>
+            </a:pPr>
+            <a:endParaRPr lang="es-ES" sz="1600" dirty="0">
+              <a:solidFill>
+                <a:schemeClr val="tx1">
+                  <a:lumMod val="65000"/>
+                  <a:lumOff val="35000"/>
+                </a:schemeClr>
+              </a:solidFill>
+            </a:endParaRPr>
+          </a:p>
+          <a:p>
+            <a:pPr marL="285750" indent="-285750">
+              <a:buClr>
+                <a:schemeClr val="accent1"/>
+              </a:buClr>
+              <a:buFont typeface="Arial" panose="020B0604020202020204" pitchFamily="34" charset="0"/>
+              <a:buChar char="•"/>
+            </a:pPr>
+            <a:r>
+              <a:rPr lang="es-ES" sz="1600" dirty="0">
+                <a:solidFill>
+                  <a:schemeClr val="tx1">
+                    <a:lumMod val="65000"/>
+                    <a:lumOff val="35000"/>
+                  </a:schemeClr>
+                </a:solidFill>
+              </a:rPr>
+              <a:t>Calificación</a:t>
+            </a:r>
+          </a:p>
+          <a:p>
+            <a:pPr marL="285750" indent="-285750">
+              <a:buClr>
+                <a:schemeClr val="accent1"/>
+              </a:buClr>
+              <a:buFont typeface="Arial" panose="020B0604020202020204" pitchFamily="34" charset="0"/>
+              <a:buChar char="•"/>
+            </a:pPr>
+            <a:r>
+              <a:rPr lang="es-ES" sz="1600" dirty="0">
+                <a:solidFill>
+                  <a:schemeClr val="tx1">
+                    <a:lumMod val="65000"/>
+                    <a:lumOff val="35000"/>
+                  </a:schemeClr>
+                </a:solidFill>
+              </a:rPr>
+              <a:t>Licencia</a:t>
+            </a:r>
+          </a:p>
+        </p:txBody>
+      </p:sp>
+    </p:spTree>
+    <p:extLst>
+      <p:ext uri="{BB962C8B-B14F-4D97-AF65-F5344CB8AC3E}">
+        <p14:creationId xmlns:p14="http://schemas.microsoft.com/office/powerpoint/2010/main" val="4272562934"/>
+      </p:ext>
+    </p:extLst>
+  </p:cSld>
+  <p:clrMapOvr>
+    <a:masterClrMapping/>
+  </p:clrMapOvr>
+</p:sld>
+</file>
+
+<file path=ppt/slides/slide5.xml><?xml version="1.0" encoding="utf-8"?>
+<p:sld xmlns:a="http://schemas.openxmlformats.org/drawingml/2006/main" xmlns:r="http://schemas.openxmlformats.org/officeDocument/2006/relationships" xmlns:p="http://schemas.openxmlformats.org/presentationml/2006/main">
+  <p:cSld>
+    <p:spTree>
+      <p:nvGrpSpPr>
+        <p:cNvPr id="1" name=""/>
+        <p:cNvGrpSpPr/>
+        <p:nvPr/>
+      </p:nvGrpSpPr>
+      <p:grpSpPr>
+        <a:xfrm>
+          <a:off x="0" y="0"/>
+          <a:ext cx="0" cy="0"/>
+          <a:chOff x="0" y="0"/>
+          <a:chExt cx="0" cy="0"/>
+        </a:xfrm>
+      </p:grpSpPr>
+      <p:sp>
+        <p:nvSpPr>
           <p:cNvPr id="2" name="Título 1">
             <a:extLst>
               <a:ext uri="{FF2B5EF4-FFF2-40B4-BE49-F238E27FC236}">
-                <a16:creationId xmlns:a16="http://schemas.microsoft.com/office/drawing/2014/main" id="{7B9271BE-6E41-48C3-9B3B-38532FCFBB13}"/>
+                <a16:creationId xmlns:a16="http://schemas.microsoft.com/office/drawing/2014/main" id="{EF3C45EF-BAD1-4D0B-B203-EC1C956CB62A}"/>
               </a:ext>
             </a:extLst>
           </p:cNvPr>
@@ -3927,22 +6249,6 @@
           <a:bodyPr/>
           <a:lstStyle/>
           <a:p>
-            <a:r>
-              <a:rPr lang="es-CO" dirty="0"/>
-              <a:t>Usar la API de </a:t>
-            </a:r>
-            <a:r>
-              <a:rPr lang="es-CO" dirty="0" err="1"/>
-              <a:t>Keras</a:t>
-            </a:r>
-            <a:r>
-              <a:rPr lang="es-CO" dirty="0"/>
-              <a:t> para </a:t>
-            </a:r>
-            <a:r>
-              <a:rPr lang="es-CO"/>
-              <a:t>otro modelo</a:t>
-            </a:r>
             <a:endParaRPr lang="en-US"/>
           </a:p>
         </p:txBody>
@@ -3952,7 +6258,7 @@
           <p:cNvPr id="3" name="Marcador de contenido 2">
             <a:extLst>
               <a:ext uri="{FF2B5EF4-FFF2-40B4-BE49-F238E27FC236}">
-                <a16:creationId xmlns:a16="http://schemas.microsoft.com/office/drawing/2014/main" id="{8EE498AD-76AC-40C9-87B4-65A5B46269D5}"/>
+                <a16:creationId xmlns:a16="http://schemas.microsoft.com/office/drawing/2014/main" id="{C3D4C1D4-4833-43C0-9C7A-94A836A3B40D}"/>
               </a:ext>
             </a:extLst>
           </p:cNvPr>
@@ -3968,6 +6274,64 @@
           <a:bodyPr/>
           <a:lstStyle/>
           <a:p>
+            <a:endParaRPr lang="en-US"/>
+          </a:p>
+        </p:txBody>
+      </p:sp>
+      <p:sp>
+        <p:nvSpPr>
+          <p:cNvPr id="4" name="Marcador de pie de página 3">
+            <a:extLst>
+              <a:ext uri="{FF2B5EF4-FFF2-40B4-BE49-F238E27FC236}">
+                <a16:creationId xmlns:a16="http://schemas.microsoft.com/office/drawing/2014/main" id="{32BC0628-410F-49DA-A0B8-F6DFC72A7912}"/>
+              </a:ext>
+            </a:extLst>
+          </p:cNvPr>
+          <p:cNvSpPr>
+            <a:spLocks noGrp="1"/>
+          </p:cNvSpPr>
+          <p:nvPr>
+            <p:ph type="ftr" sz="quarter" idx="11"/>
+          </p:nvPr>
+        </p:nvSpPr>
+        <p:spPr/>
+        <p:txBody>
+          <a:bodyPr/>
+          <a:lstStyle/>
+          <a:p>
+            <a:r>
+              <a:rPr lang="es-ES"/>
+              <a:t>Diplomado en Inteligencia Artificial y Aprendizaje Profundo -UN</a:t>
+            </a:r>
+            <a:endParaRPr lang="en-US"/>
+          </a:p>
+        </p:txBody>
+      </p:sp>
+      <p:sp>
+        <p:nvSpPr>
+          <p:cNvPr id="5" name="Marcador de número de diapositiva 4">
+            <a:extLst>
+              <a:ext uri="{FF2B5EF4-FFF2-40B4-BE49-F238E27FC236}">
+                <a16:creationId xmlns:a16="http://schemas.microsoft.com/office/drawing/2014/main" id="{73AC6EB6-1727-4B63-A917-F19C76CE98E1}"/>
+              </a:ext>
+            </a:extLst>
+          </p:cNvPr>
+          <p:cNvSpPr>
+            <a:spLocks noGrp="1"/>
+          </p:cNvSpPr>
+          <p:nvPr>
+            <p:ph type="sldNum" sz="quarter" idx="12"/>
+          </p:nvPr>
+        </p:nvSpPr>
+        <p:spPr/>
+        <p:txBody>
+          <a:bodyPr/>
+          <a:lstStyle/>
+          <a:p>
+            <a:fld id="{1987B7B8-616A-43F8-924E-8DBE374A2992}" type="slidenum">
+              <a:rPr lang="en-US" smtClean="0"/>
+              <a:t>5</a:t>
+            </a:fld>
             <a:endParaRPr lang="en-US"/>
           </a:p>
         </p:txBody>
@@ -3975,7 +6339,1800 @@
     </p:spTree>
     <p:extLst>
       <p:ext uri="{BB962C8B-B14F-4D97-AF65-F5344CB8AC3E}">
-        <p14:creationId xmlns:p14="http://schemas.microsoft.com/office/powerpoint/2010/main" val="2715590463"/>
+        <p14:creationId xmlns:p14="http://schemas.microsoft.com/office/powerpoint/2010/main" val="3519953303"/>
+      </p:ext>
+    </p:extLst>
+  </p:cSld>
+  <p:clrMapOvr>
+    <a:masterClrMapping/>
+  </p:clrMapOvr>
+</p:sld>
+</file>
+
+<file path=ppt/slides/slide6.xml><?xml version="1.0" encoding="utf-8"?>
+<p:sld xmlns:a="http://schemas.openxmlformats.org/drawingml/2006/main" xmlns:r="http://schemas.openxmlformats.org/officeDocument/2006/relationships" xmlns:p="http://schemas.openxmlformats.org/presentationml/2006/main">
+  <p:cSld>
+    <p:spTree>
+      <p:nvGrpSpPr>
+        <p:cNvPr id="1" name=""/>
+        <p:cNvGrpSpPr/>
+        <p:nvPr/>
+      </p:nvGrpSpPr>
+      <p:grpSpPr>
+        <a:xfrm>
+          <a:off x="0" y="0"/>
+          <a:ext cx="0" cy="0"/>
+          <a:chOff x="0" y="0"/>
+          <a:chExt cx="0" cy="0"/>
+        </a:xfrm>
+      </p:grpSpPr>
+      <p:sp>
+        <p:nvSpPr>
+          <p:cNvPr id="2" name="Título 1">
+            <a:extLst>
+              <a:ext uri="{FF2B5EF4-FFF2-40B4-BE49-F238E27FC236}">
+                <a16:creationId xmlns:a16="http://schemas.microsoft.com/office/drawing/2014/main" id="{633FF7CD-E6E7-452A-A196-5DA3C5CB2E77}"/>
+              </a:ext>
+            </a:extLst>
+          </p:cNvPr>
+          <p:cNvSpPr>
+            <a:spLocks noGrp="1"/>
+          </p:cNvSpPr>
+          <p:nvPr>
+            <p:ph type="title"/>
+          </p:nvPr>
+        </p:nvSpPr>
+        <p:spPr/>
+        <p:txBody>
+          <a:bodyPr/>
+          <a:lstStyle/>
+          <a:p>
+            <a:r>
+              <a:rPr lang="es-CO" dirty="0"/>
+              <a:t>Presentación del problema</a:t>
+            </a:r>
+            <a:endParaRPr lang="en-US" dirty="0"/>
+          </a:p>
+        </p:txBody>
+      </p:sp>
+      <p:sp>
+        <p:nvSpPr>
+          <p:cNvPr id="3" name="Marcador de contenido 2">
+            <a:extLst>
+              <a:ext uri="{FF2B5EF4-FFF2-40B4-BE49-F238E27FC236}">
+                <a16:creationId xmlns:a16="http://schemas.microsoft.com/office/drawing/2014/main" id="{C2B20E0D-4D0F-48F9-90D4-9A46D64D67A1}"/>
+              </a:ext>
+            </a:extLst>
+          </p:cNvPr>
+          <p:cNvSpPr>
+            <a:spLocks noGrp="1"/>
+          </p:cNvSpPr>
+          <p:nvPr>
+            <p:ph idx="1"/>
+          </p:nvPr>
+        </p:nvSpPr>
+        <p:spPr>
+          <a:xfrm>
+            <a:off x="915799" y="4555378"/>
+            <a:ext cx="10058400" cy="1450757"/>
+          </a:xfrm>
+        </p:spPr>
+        <p:txBody>
+          <a:bodyPr/>
+          <a:lstStyle/>
+          <a:p>
+            <a:pPr marL="0" indent="0">
+              <a:buNone/>
+            </a:pPr>
+            <a:r>
+              <a:rPr lang="es-CO" b="1" dirty="0"/>
+              <a:t>Objetivo:</a:t>
+            </a:r>
+          </a:p>
+          <a:p>
+            <a:pPr marL="0" indent="0">
+              <a:buNone/>
+            </a:pPr>
+            <a:r>
+              <a:rPr lang="es-CO" dirty="0"/>
+              <a:t>Diseñar un modelo de aprendizaje profundo que dadas las características de un espacio a publicitar en Airbnb para la ciudad de New York retorne una estimación de la tarifación por noche. Delimitando las tarifas a un precio inferior o igual a </a:t>
+            </a:r>
+            <a:r>
+              <a:rPr lang="en-US" dirty="0"/>
+              <a:t>1.000USD.</a:t>
+            </a:r>
+            <a:endParaRPr lang="es-CO" dirty="0"/>
+          </a:p>
+        </p:txBody>
+      </p:sp>
+      <p:sp>
+        <p:nvSpPr>
+          <p:cNvPr id="4" name="Marcador de pie de página 3">
+            <a:extLst>
+              <a:ext uri="{FF2B5EF4-FFF2-40B4-BE49-F238E27FC236}">
+                <a16:creationId xmlns:a16="http://schemas.microsoft.com/office/drawing/2014/main" id="{1301204C-C1D9-4659-868E-25B7B8A4C11A}"/>
+              </a:ext>
+            </a:extLst>
+          </p:cNvPr>
+          <p:cNvSpPr>
+            <a:spLocks noGrp="1"/>
+          </p:cNvSpPr>
+          <p:nvPr>
+            <p:ph type="ftr" sz="quarter" idx="11"/>
+          </p:nvPr>
+        </p:nvSpPr>
+        <p:spPr/>
+        <p:txBody>
+          <a:bodyPr/>
+          <a:lstStyle/>
+          <a:p>
+            <a:r>
+              <a:rPr lang="es-ES"/>
+              <a:t>Diplomado en Inteligencia Artificial y Aprendizaje Profundo -UN</a:t>
+            </a:r>
+            <a:endParaRPr lang="en-US"/>
+          </a:p>
+        </p:txBody>
+      </p:sp>
+      <p:sp>
+        <p:nvSpPr>
+          <p:cNvPr id="5" name="Marcador de número de diapositiva 4">
+            <a:extLst>
+              <a:ext uri="{FF2B5EF4-FFF2-40B4-BE49-F238E27FC236}">
+                <a16:creationId xmlns:a16="http://schemas.microsoft.com/office/drawing/2014/main" id="{7956E5C5-FA64-4F17-B1CF-60F974E4A187}"/>
+              </a:ext>
+            </a:extLst>
+          </p:cNvPr>
+          <p:cNvSpPr>
+            <a:spLocks noGrp="1"/>
+          </p:cNvSpPr>
+          <p:nvPr>
+            <p:ph type="sldNum" sz="quarter" idx="12"/>
+          </p:nvPr>
+        </p:nvSpPr>
+        <p:spPr/>
+        <p:txBody>
+          <a:bodyPr/>
+          <a:lstStyle/>
+          <a:p>
+            <a:fld id="{1987B7B8-616A-43F8-924E-8DBE374A2992}" type="slidenum">
+              <a:rPr lang="en-US" smtClean="0"/>
+              <a:t>6</a:t>
+            </a:fld>
+            <a:endParaRPr lang="en-US"/>
+          </a:p>
+        </p:txBody>
+      </p:sp>
+    </p:spTree>
+    <p:extLst>
+      <p:ext uri="{BB962C8B-B14F-4D97-AF65-F5344CB8AC3E}">
+        <p14:creationId xmlns:p14="http://schemas.microsoft.com/office/powerpoint/2010/main" val="4204402852"/>
+      </p:ext>
+    </p:extLst>
+  </p:cSld>
+  <p:clrMapOvr>
+    <a:masterClrMapping/>
+  </p:clrMapOvr>
+</p:sld>
+</file>
+
+<file path=ppt/slides/slide7.xml><?xml version="1.0" encoding="utf-8"?>
+<p:sld xmlns:a="http://schemas.openxmlformats.org/drawingml/2006/main" xmlns:r="http://schemas.openxmlformats.org/officeDocument/2006/relationships" xmlns:p="http://schemas.openxmlformats.org/presentationml/2006/main">
+  <p:cSld>
+    <p:bg>
+      <p:bgPr>
+        <a:solidFill>
+          <a:schemeClr val="bg1"/>
+        </a:solidFill>
+        <a:effectLst/>
+      </p:bgPr>
+    </p:bg>
+    <p:spTree>
+      <p:nvGrpSpPr>
+        <p:cNvPr id="1" name=""/>
+        <p:cNvGrpSpPr/>
+        <p:nvPr/>
+      </p:nvGrpSpPr>
+      <p:grpSpPr>
+        <a:xfrm>
+          <a:off x="0" y="0"/>
+          <a:ext cx="0" cy="0"/>
+          <a:chOff x="0" y="0"/>
+          <a:chExt cx="0" cy="0"/>
+        </a:xfrm>
+      </p:grpSpPr>
+      <p:sp useBgFill="1">
+        <p:nvSpPr>
+          <p:cNvPr id="20" name="Rectangle 12">
+            <a:extLst>
+              <a:ext uri="{FF2B5EF4-FFF2-40B4-BE49-F238E27FC236}">
+                <a16:creationId xmlns:a16="http://schemas.microsoft.com/office/drawing/2014/main" id="{C33BF9DD-8A45-4EEE-B231-0A14D322E5F9}"/>
+              </a:ext>
+              <a:ext uri="{C183D7F6-B498-43B3-948B-1728B52AA6E4}">
+                <adec:decorative xmlns:adec="http://schemas.microsoft.com/office/drawing/2017/decorative" val="1"/>
+              </a:ext>
+            </a:extLst>
+          </p:cNvPr>
+          <p:cNvSpPr>
+            <a:spLocks noGrp="1" noRot="1" noChangeAspect="1" noMove="1" noResize="1" noEditPoints="1" noAdjustHandles="1" noChangeArrowheads="1" noChangeShapeType="1" noTextEdit="1"/>
+          </p:cNvSpPr>
+          <p:nvPr>
+            <p:extLst>
+              <p:ext uri="{386F3935-93C4-4BCD-93E2-E3B085C9AB24}">
+                <p16:designElem xmlns:p16="http://schemas.microsoft.com/office/powerpoint/2015/main" val="1"/>
+              </p:ext>
+            </p:extLst>
+          </p:nvPr>
+        </p:nvSpPr>
+        <p:spPr>
+          <a:xfrm>
+            <a:off x="0" y="0"/>
+            <a:ext cx="12192001" cy="6334316"/>
+          </a:xfrm>
+          <a:prstGeom prst="rect">
+            <a:avLst/>
+          </a:prstGeom>
+          <a:ln>
+            <a:noFill/>
+          </a:ln>
+        </p:spPr>
+        <p:style>
+          <a:lnRef idx="2">
+            <a:schemeClr val="accent1">
+              <a:shade val="50000"/>
+            </a:schemeClr>
+          </a:lnRef>
+          <a:fillRef idx="1">
+            <a:schemeClr val="accent1"/>
+          </a:fillRef>
+          <a:effectRef idx="0">
+            <a:schemeClr val="accent1"/>
+          </a:effectRef>
+          <a:fontRef idx="minor">
+            <a:schemeClr val="lt1"/>
+          </a:fontRef>
+        </p:style>
+        <p:txBody>
+          <a:bodyPr rtlCol="0" anchor="ctr"/>
+          <a:lstStyle/>
+          <a:p>
+            <a:pPr algn="ctr"/>
+            <a:endParaRPr lang="en-US"/>
+          </a:p>
+        </p:txBody>
+      </p:sp>
+      <p:sp>
+        <p:nvSpPr>
+          <p:cNvPr id="2" name="Título 1">
+            <a:extLst>
+              <a:ext uri="{FF2B5EF4-FFF2-40B4-BE49-F238E27FC236}">
+                <a16:creationId xmlns:a16="http://schemas.microsoft.com/office/drawing/2014/main" id="{C9252606-8E2C-4ED0-B347-E143B42FF1F9}"/>
+              </a:ext>
+            </a:extLst>
+          </p:cNvPr>
+          <p:cNvSpPr>
+            <a:spLocks noGrp="1"/>
+          </p:cNvSpPr>
+          <p:nvPr>
+            <p:ph type="title"/>
+          </p:nvPr>
+        </p:nvSpPr>
+        <p:spPr>
+          <a:xfrm>
+            <a:off x="4974771" y="634946"/>
+            <a:ext cx="6574972" cy="1450757"/>
+          </a:xfrm>
+        </p:spPr>
+        <p:txBody>
+          <a:bodyPr>
+            <a:normAutofit/>
+          </a:bodyPr>
+          <a:lstStyle/>
+          <a:p>
+            <a:r>
+              <a:rPr lang="es-CO" dirty="0"/>
+              <a:t>Esquema de solución</a:t>
+            </a:r>
+            <a:endParaRPr lang="en-US" dirty="0"/>
+          </a:p>
+        </p:txBody>
+      </p:sp>
+      <p:pic>
+        <p:nvPicPr>
+          <p:cNvPr id="7" name="Imagen 6">
+            <a:extLst>
+              <a:ext uri="{FF2B5EF4-FFF2-40B4-BE49-F238E27FC236}">
+                <a16:creationId xmlns:a16="http://schemas.microsoft.com/office/drawing/2014/main" id="{42240E8C-7BCB-446A-ADA6-E1D58BDD6714}"/>
+              </a:ext>
+            </a:extLst>
+          </p:cNvPr>
+          <p:cNvPicPr>
+            <a:picLocks noChangeAspect="1"/>
+          </p:cNvPicPr>
+          <p:nvPr/>
+        </p:nvPicPr>
+        <p:blipFill>
+          <a:blip r:embed="rId2"/>
+          <a:stretch>
+            <a:fillRect/>
+          </a:stretch>
+        </p:blipFill>
+        <p:spPr>
+          <a:xfrm>
+            <a:off x="1239736" y="634946"/>
+            <a:ext cx="2670488" cy="5314406"/>
+          </a:xfrm>
+          <a:prstGeom prst="rect">
+            <a:avLst/>
+          </a:prstGeom>
+        </p:spPr>
+      </p:pic>
+      <p:cxnSp>
+        <p:nvCxnSpPr>
+          <p:cNvPr id="21" name="Straight Connector 14">
+            <a:extLst>
+              <a:ext uri="{FF2B5EF4-FFF2-40B4-BE49-F238E27FC236}">
+                <a16:creationId xmlns:a16="http://schemas.microsoft.com/office/drawing/2014/main" id="{9020DCC9-F851-4562-BB20-1AB3C51BFD08}"/>
+              </a:ext>
+              <a:ext uri="{C183D7F6-B498-43B3-948B-1728B52AA6E4}">
+                <adec:decorative xmlns:adec="http://schemas.microsoft.com/office/drawing/2017/decorative" val="1"/>
+              </a:ext>
+            </a:extLst>
+          </p:cNvPr>
+          <p:cNvCxnSpPr>
+            <a:cxnSpLocks noGrp="1" noRot="1" noChangeAspect="1" noMove="1" noResize="1" noEditPoints="1" noAdjustHandles="1" noChangeArrowheads="1" noChangeShapeType="1"/>
+          </p:cNvCxnSpPr>
+          <p:nvPr>
+            <p:extLst>
+              <p:ext uri="{386F3935-93C4-4BCD-93E2-E3B085C9AB24}">
+                <p16:designElem xmlns:p16="http://schemas.microsoft.com/office/powerpoint/2015/main" val="1"/>
+              </p:ext>
+            </p:extLst>
+          </p:nvPr>
+        </p:nvCxnSpPr>
+        <p:spPr>
+          <a:xfrm>
+            <a:off x="4974770" y="2086188"/>
+            <a:ext cx="6089768" cy="0"/>
+          </a:xfrm>
+          <a:prstGeom prst="line">
+            <a:avLst/>
+          </a:prstGeom>
+          <a:ln w="6350">
+            <a:solidFill>
+              <a:schemeClr val="tx1">
+                <a:lumMod val="50000"/>
+                <a:lumOff val="50000"/>
+                <a:alpha val="90000"/>
+              </a:schemeClr>
+            </a:solidFill>
+          </a:ln>
+        </p:spPr>
+        <p:style>
+          <a:lnRef idx="1">
+            <a:schemeClr val="accent1"/>
+          </a:lnRef>
+          <a:fillRef idx="0">
+            <a:schemeClr val="accent1"/>
+          </a:fillRef>
+          <a:effectRef idx="0">
+            <a:schemeClr val="accent1"/>
+          </a:effectRef>
+          <a:fontRef idx="minor">
+            <a:schemeClr val="tx1"/>
+          </a:fontRef>
+        </p:style>
+      </p:cxnSp>
+      <p:sp>
+        <p:nvSpPr>
+          <p:cNvPr id="8" name="Marcador de contenido 2">
+            <a:extLst>
+              <a:ext uri="{FF2B5EF4-FFF2-40B4-BE49-F238E27FC236}">
+                <a16:creationId xmlns:a16="http://schemas.microsoft.com/office/drawing/2014/main" id="{DC0CDA4B-C01C-4481-94A2-7351C7BF7633}"/>
+              </a:ext>
+            </a:extLst>
+          </p:cNvPr>
+          <p:cNvSpPr>
+            <a:spLocks noGrp="1"/>
+          </p:cNvSpPr>
+          <p:nvPr>
+            <p:ph idx="1"/>
+          </p:nvPr>
+        </p:nvSpPr>
+        <p:spPr>
+          <a:xfrm>
+            <a:off x="4463825" y="2166961"/>
+            <a:ext cx="7085918" cy="3670180"/>
+          </a:xfrm>
+        </p:spPr>
+        <p:txBody>
+          <a:bodyPr>
+            <a:normAutofit/>
+          </a:bodyPr>
+          <a:lstStyle/>
+          <a:p>
+            <a:pPr marL="285750" indent="-285750">
+              <a:buFont typeface="Wingdings" panose="05000000000000000000" pitchFamily="2" charset="2"/>
+              <a:buChar char="Ø"/>
+            </a:pPr>
+            <a:r>
+              <a:rPr lang="es-CO" dirty="0">
+                <a:latin typeface="-apple-system"/>
+              </a:rPr>
+              <a:t>El precio es transformado con Logaritmo Natural.</a:t>
+            </a:r>
+          </a:p>
+          <a:p>
+            <a:pPr marL="285750" indent="-285750">
+              <a:buFont typeface="Wingdings" panose="05000000000000000000" pitchFamily="2" charset="2"/>
+              <a:buChar char="Ø"/>
+            </a:pPr>
+            <a:r>
+              <a:rPr lang="es-CO" dirty="0">
+                <a:latin typeface="-apple-system"/>
+              </a:rPr>
+              <a:t>Se selecciono subconjunto 19 variables, las cuales fueron normalizadas. </a:t>
+            </a:r>
+          </a:p>
+          <a:p>
+            <a:pPr marL="285750" indent="-285750">
+              <a:buFont typeface="Wingdings" panose="05000000000000000000" pitchFamily="2" charset="2"/>
+              <a:buChar char="Ø"/>
+            </a:pPr>
+            <a:r>
+              <a:rPr lang="es-CO" dirty="0">
+                <a:latin typeface="-apple-system"/>
+              </a:rPr>
+              <a:t>Modelo de tres capas densas con 256, 128 y 32 neuronas  respectivamente y una capa de una única neurona como salida. </a:t>
+            </a:r>
+          </a:p>
+          <a:p>
+            <a:pPr marL="285750" indent="-285750">
+              <a:buFont typeface="Wingdings" panose="05000000000000000000" pitchFamily="2" charset="2"/>
+              <a:buChar char="Ø"/>
+            </a:pPr>
+            <a:r>
+              <a:rPr lang="es-CO" dirty="0">
+                <a:latin typeface="-apple-system"/>
+              </a:rPr>
+              <a:t>Función de activación: </a:t>
+            </a:r>
+            <a:r>
+              <a:rPr lang="es-CO" dirty="0" err="1">
+                <a:latin typeface="-apple-system"/>
+              </a:rPr>
+              <a:t>Relu</a:t>
+            </a:r>
+            <a:endParaRPr lang="es-CO" dirty="0">
+              <a:latin typeface="-apple-system"/>
+            </a:endParaRPr>
+          </a:p>
+          <a:p>
+            <a:pPr marL="285750" indent="-285750">
+              <a:buFont typeface="Wingdings" panose="05000000000000000000" pitchFamily="2" charset="2"/>
+              <a:buChar char="Ø"/>
+            </a:pPr>
+            <a:r>
+              <a:rPr lang="es-CO" dirty="0" err="1">
+                <a:latin typeface="-apple-system"/>
+              </a:rPr>
+              <a:t>Dropouts</a:t>
+            </a:r>
+            <a:r>
+              <a:rPr lang="es-CO" dirty="0">
+                <a:latin typeface="-apple-system"/>
+              </a:rPr>
+              <a:t>: 0.3 y 0.1</a:t>
+            </a:r>
+          </a:p>
+          <a:p>
+            <a:pPr marL="285750" indent="-285750">
+              <a:buFont typeface="Wingdings" panose="05000000000000000000" pitchFamily="2" charset="2"/>
+              <a:buChar char="Ø"/>
+            </a:pPr>
+            <a:r>
+              <a:rPr lang="es-CO" dirty="0">
+                <a:latin typeface="-apple-system"/>
+              </a:rPr>
+              <a:t>Optimizador: Adam 0.001</a:t>
+            </a:r>
+          </a:p>
+          <a:p>
+            <a:pPr marL="285750" indent="-285750">
+              <a:buFont typeface="Wingdings" panose="05000000000000000000" pitchFamily="2" charset="2"/>
+              <a:buChar char="Ø"/>
+            </a:pPr>
+            <a:r>
+              <a:rPr lang="es-CO" dirty="0">
+                <a:latin typeface="-apple-system"/>
+              </a:rPr>
+              <a:t>Función de pérdida: Error Cuadrático Medio</a:t>
+            </a:r>
+          </a:p>
+          <a:p>
+            <a:pPr marL="285750" indent="-285750">
+              <a:buFont typeface="Wingdings" panose="05000000000000000000" pitchFamily="2" charset="2"/>
+              <a:buChar char="Ø"/>
+            </a:pPr>
+            <a:endParaRPr lang="es-CO" dirty="0">
+              <a:latin typeface="-apple-system"/>
+            </a:endParaRPr>
+          </a:p>
+          <a:p>
+            <a:pPr marL="285750" indent="-285750">
+              <a:buFont typeface="Wingdings" panose="05000000000000000000" pitchFamily="2" charset="2"/>
+              <a:buChar char="Ø"/>
+            </a:pPr>
+            <a:endParaRPr lang="es-CO" dirty="0">
+              <a:latin typeface="-apple-system"/>
+            </a:endParaRPr>
+          </a:p>
+          <a:p>
+            <a:pPr marL="285750" indent="-285750">
+              <a:buFont typeface="Wingdings" panose="05000000000000000000" pitchFamily="2" charset="2"/>
+              <a:buChar char="Ø"/>
+            </a:pPr>
+            <a:endParaRPr lang="en-US" dirty="0"/>
+          </a:p>
+        </p:txBody>
+      </p:sp>
+      <p:sp>
+        <p:nvSpPr>
+          <p:cNvPr id="22" name="Rectangle 16">
+            <a:extLst>
+              <a:ext uri="{FF2B5EF4-FFF2-40B4-BE49-F238E27FC236}">
+                <a16:creationId xmlns:a16="http://schemas.microsoft.com/office/drawing/2014/main" id="{D5FBCAC9-BD8B-4F3B-AD74-EF37D4211349}"/>
+              </a:ext>
+              <a:ext uri="{C183D7F6-B498-43B3-948B-1728B52AA6E4}">
+                <adec:decorative xmlns:adec="http://schemas.microsoft.com/office/drawing/2017/decorative" val="1"/>
+              </a:ext>
+            </a:extLst>
+          </p:cNvPr>
+          <p:cNvSpPr>
+            <a:spLocks noGrp="1" noRot="1" noChangeAspect="1" noMove="1" noResize="1" noEditPoints="1" noAdjustHandles="1" noChangeArrowheads="1" noChangeShapeType="1" noTextEdit="1"/>
+          </p:cNvSpPr>
+          <p:nvPr>
+            <p:extLst>
+              <p:ext uri="{386F3935-93C4-4BCD-93E2-E3B085C9AB24}">
+                <p16:designElem xmlns:p16="http://schemas.microsoft.com/office/powerpoint/2015/main" val="1"/>
+              </p:ext>
+            </p:extLst>
+          </p:nvPr>
+        </p:nvSpPr>
+        <p:spPr>
+          <a:xfrm>
+            <a:off x="15" y="6334316"/>
+            <a:ext cx="12191985" cy="66484"/>
+          </a:xfrm>
+          <a:prstGeom prst="rect">
+            <a:avLst/>
+          </a:prstGeom>
+          <a:solidFill>
+            <a:schemeClr val="accent1"/>
+          </a:solidFill>
+          <a:ln>
+            <a:noFill/>
+          </a:ln>
+        </p:spPr>
+        <p:style>
+          <a:lnRef idx="2">
+            <a:schemeClr val="accent1">
+              <a:shade val="50000"/>
+            </a:schemeClr>
+          </a:lnRef>
+          <a:fillRef idx="1">
+            <a:schemeClr val="accent1"/>
+          </a:fillRef>
+          <a:effectRef idx="0">
+            <a:schemeClr val="accent1"/>
+          </a:effectRef>
+          <a:fontRef idx="minor">
+            <a:schemeClr val="lt1"/>
+          </a:fontRef>
+        </p:style>
+      </p:sp>
+      <p:sp>
+        <p:nvSpPr>
+          <p:cNvPr id="19" name="Rectangle 18">
+            <a:extLst>
+              <a:ext uri="{FF2B5EF4-FFF2-40B4-BE49-F238E27FC236}">
+                <a16:creationId xmlns:a16="http://schemas.microsoft.com/office/drawing/2014/main" id="{9556C5A8-AD7E-4CE7-87BE-9EA3B5E1786F}"/>
+              </a:ext>
+              <a:ext uri="{C183D7F6-B498-43B3-948B-1728B52AA6E4}">
+                <adec:decorative xmlns:adec="http://schemas.microsoft.com/office/drawing/2017/decorative" val="1"/>
+              </a:ext>
+            </a:extLst>
+          </p:cNvPr>
+          <p:cNvSpPr>
+            <a:spLocks noGrp="1" noRot="1" noChangeAspect="1" noMove="1" noResize="1" noEditPoints="1" noAdjustHandles="1" noChangeArrowheads="1" noChangeShapeType="1" noTextEdit="1"/>
+          </p:cNvSpPr>
+          <p:nvPr>
+            <p:extLst>
+              <p:ext uri="{386F3935-93C4-4BCD-93E2-E3B085C9AB24}">
+                <p16:designElem xmlns:p16="http://schemas.microsoft.com/office/powerpoint/2015/main" val="1"/>
+              </p:ext>
+            </p:extLst>
+          </p:nvPr>
+        </p:nvSpPr>
+        <p:spPr>
+          <a:xfrm>
+            <a:off x="1" y="6400800"/>
+            <a:ext cx="12192000" cy="457200"/>
+          </a:xfrm>
+          <a:prstGeom prst="rect">
+            <a:avLst/>
+          </a:prstGeom>
+          <a:solidFill>
+            <a:schemeClr val="accent2"/>
+          </a:solidFill>
+          <a:ln>
+            <a:noFill/>
+          </a:ln>
+        </p:spPr>
+        <p:style>
+          <a:lnRef idx="2">
+            <a:schemeClr val="accent1">
+              <a:shade val="50000"/>
+            </a:schemeClr>
+          </a:lnRef>
+          <a:fillRef idx="1">
+            <a:schemeClr val="accent1"/>
+          </a:fillRef>
+          <a:effectRef idx="0">
+            <a:schemeClr val="accent1"/>
+          </a:effectRef>
+          <a:fontRef idx="minor">
+            <a:schemeClr val="lt1"/>
+          </a:fontRef>
+        </p:style>
+      </p:sp>
+      <p:sp>
+        <p:nvSpPr>
+          <p:cNvPr id="4" name="Marcador de pie de página 3">
+            <a:extLst>
+              <a:ext uri="{FF2B5EF4-FFF2-40B4-BE49-F238E27FC236}">
+                <a16:creationId xmlns:a16="http://schemas.microsoft.com/office/drawing/2014/main" id="{B5681256-0E98-46E6-9B48-8A5CD7D3CED8}"/>
+              </a:ext>
+            </a:extLst>
+          </p:cNvPr>
+          <p:cNvSpPr>
+            <a:spLocks noGrp="1"/>
+          </p:cNvSpPr>
+          <p:nvPr>
+            <p:ph type="ftr" sz="quarter" idx="11"/>
+          </p:nvPr>
+        </p:nvSpPr>
+        <p:spPr>
+          <a:xfrm>
+            <a:off x="3686185" y="6459785"/>
+            <a:ext cx="4822804" cy="365125"/>
+          </a:xfrm>
+        </p:spPr>
+        <p:txBody>
+          <a:bodyPr>
+            <a:normAutofit/>
+          </a:bodyPr>
+          <a:lstStyle/>
+          <a:p>
+            <a:pPr>
+              <a:spcAft>
+                <a:spcPts val="600"/>
+              </a:spcAft>
+            </a:pPr>
+            <a:r>
+              <a:rPr lang="es-ES"/>
+              <a:t>Diplomado en Inteligencia Artificial y Aprendizaje Profundo -UN</a:t>
+            </a:r>
+            <a:endParaRPr lang="en-US"/>
+          </a:p>
+        </p:txBody>
+      </p:sp>
+      <p:sp>
+        <p:nvSpPr>
+          <p:cNvPr id="5" name="Marcador de número de diapositiva 4">
+            <a:extLst>
+              <a:ext uri="{FF2B5EF4-FFF2-40B4-BE49-F238E27FC236}">
+                <a16:creationId xmlns:a16="http://schemas.microsoft.com/office/drawing/2014/main" id="{D5C68B80-D935-483E-A40D-FE57E93D9349}"/>
+              </a:ext>
+            </a:extLst>
+          </p:cNvPr>
+          <p:cNvSpPr>
+            <a:spLocks noGrp="1"/>
+          </p:cNvSpPr>
+          <p:nvPr>
+            <p:ph type="sldNum" sz="quarter" idx="12"/>
+          </p:nvPr>
+        </p:nvSpPr>
+        <p:spPr>
+          <a:xfrm>
+            <a:off x="9900458" y="6459785"/>
+            <a:ext cx="1312025" cy="365125"/>
+          </a:xfrm>
+        </p:spPr>
+        <p:txBody>
+          <a:bodyPr>
+            <a:normAutofit/>
+          </a:bodyPr>
+          <a:lstStyle/>
+          <a:p>
+            <a:pPr>
+              <a:spcAft>
+                <a:spcPts val="600"/>
+              </a:spcAft>
+            </a:pPr>
+            <a:fld id="{1987B7B8-616A-43F8-924E-8DBE374A2992}" type="slidenum">
+              <a:rPr lang="en-US" smtClean="0"/>
+              <a:pPr>
+                <a:spcAft>
+                  <a:spcPts val="600"/>
+                </a:spcAft>
+              </a:pPr>
+              <a:t>7</a:t>
+            </a:fld>
+            <a:endParaRPr lang="en-US"/>
+          </a:p>
+        </p:txBody>
+      </p:sp>
+    </p:spTree>
+    <p:extLst>
+      <p:ext uri="{BB962C8B-B14F-4D97-AF65-F5344CB8AC3E}">
+        <p14:creationId xmlns:p14="http://schemas.microsoft.com/office/powerpoint/2010/main" val="4008050866"/>
+      </p:ext>
+    </p:extLst>
+  </p:cSld>
+  <p:clrMapOvr>
+    <a:masterClrMapping/>
+  </p:clrMapOvr>
+</p:sld>
+</file>
+
+<file path=ppt/slides/slide8.xml><?xml version="1.0" encoding="utf-8"?>
+<p:sld xmlns:a="http://schemas.openxmlformats.org/drawingml/2006/main" xmlns:r="http://schemas.openxmlformats.org/officeDocument/2006/relationships" xmlns:p="http://schemas.openxmlformats.org/presentationml/2006/main">
+  <p:cSld>
+    <p:bg>
+      <p:bgPr>
+        <a:solidFill>
+          <a:schemeClr val="bg1"/>
+        </a:solidFill>
+        <a:effectLst/>
+      </p:bgPr>
+    </p:bg>
+    <p:spTree>
+      <p:nvGrpSpPr>
+        <p:cNvPr id="1" name=""/>
+        <p:cNvGrpSpPr/>
+        <p:nvPr/>
+      </p:nvGrpSpPr>
+      <p:grpSpPr>
+        <a:xfrm>
+          <a:off x="0" y="0"/>
+          <a:ext cx="0" cy="0"/>
+          <a:chOff x="0" y="0"/>
+          <a:chExt cx="0" cy="0"/>
+        </a:xfrm>
+      </p:grpSpPr>
+      <p:sp useBgFill="1">
+        <p:nvSpPr>
+          <p:cNvPr id="21" name="Rectangle 11">
+            <a:extLst>
+              <a:ext uri="{FF2B5EF4-FFF2-40B4-BE49-F238E27FC236}">
+                <a16:creationId xmlns:a16="http://schemas.microsoft.com/office/drawing/2014/main" id="{C3F32490-CF6A-459E-BBFE-90557857A1B4}"/>
+              </a:ext>
+              <a:ext uri="{C183D7F6-B498-43B3-948B-1728B52AA6E4}">
+                <adec:decorative xmlns:adec="http://schemas.microsoft.com/office/drawing/2017/decorative" val="1"/>
+              </a:ext>
+            </a:extLst>
+          </p:cNvPr>
+          <p:cNvSpPr>
+            <a:spLocks noGrp="1" noRot="1" noChangeAspect="1" noMove="1" noResize="1" noEditPoints="1" noAdjustHandles="1" noChangeArrowheads="1" noChangeShapeType="1" noTextEdit="1"/>
+          </p:cNvSpPr>
+          <p:nvPr>
+            <p:extLst>
+              <p:ext uri="{386F3935-93C4-4BCD-93E2-E3B085C9AB24}">
+                <p16:designElem xmlns:p16="http://schemas.microsoft.com/office/powerpoint/2015/main" val="1"/>
+              </p:ext>
+            </p:extLst>
+          </p:nvPr>
+        </p:nvSpPr>
+        <p:spPr>
+          <a:xfrm>
+            <a:off x="0" y="0"/>
+            <a:ext cx="12192001" cy="6334316"/>
+          </a:xfrm>
+          <a:prstGeom prst="rect">
+            <a:avLst/>
+          </a:prstGeom>
+          <a:ln>
+            <a:noFill/>
+          </a:ln>
+        </p:spPr>
+        <p:style>
+          <a:lnRef idx="2">
+            <a:schemeClr val="accent1">
+              <a:shade val="50000"/>
+            </a:schemeClr>
+          </a:lnRef>
+          <a:fillRef idx="1">
+            <a:schemeClr val="accent1"/>
+          </a:fillRef>
+          <a:effectRef idx="0">
+            <a:schemeClr val="accent1"/>
+          </a:effectRef>
+          <a:fontRef idx="minor">
+            <a:schemeClr val="lt1"/>
+          </a:fontRef>
+        </p:style>
+        <p:txBody>
+          <a:bodyPr rtlCol="0" anchor="ctr"/>
+          <a:lstStyle/>
+          <a:p>
+            <a:pPr algn="ctr"/>
+            <a:endParaRPr lang="en-US"/>
+          </a:p>
+        </p:txBody>
+      </p:sp>
+      <p:sp>
+        <p:nvSpPr>
+          <p:cNvPr id="2" name="Título 1">
+            <a:extLst>
+              <a:ext uri="{FF2B5EF4-FFF2-40B4-BE49-F238E27FC236}">
+                <a16:creationId xmlns:a16="http://schemas.microsoft.com/office/drawing/2014/main" id="{4B29E625-CD83-489A-B9EF-428D3537DCC6}"/>
+              </a:ext>
+            </a:extLst>
+          </p:cNvPr>
+          <p:cNvSpPr>
+            <a:spLocks noGrp="1"/>
+          </p:cNvSpPr>
+          <p:nvPr>
+            <p:ph type="title"/>
+          </p:nvPr>
+        </p:nvSpPr>
+        <p:spPr>
+          <a:xfrm>
+            <a:off x="6956868" y="634946"/>
+            <a:ext cx="4592874" cy="1450757"/>
+          </a:xfrm>
+        </p:spPr>
+        <p:txBody>
+          <a:bodyPr>
+            <a:normAutofit/>
+          </a:bodyPr>
+          <a:lstStyle/>
+          <a:p>
+            <a:r>
+              <a:rPr lang="es-CO" dirty="0"/>
+              <a:t>Resultados</a:t>
+            </a:r>
+            <a:endParaRPr lang="en-US" dirty="0"/>
+          </a:p>
+        </p:txBody>
+      </p:sp>
+      <p:sp>
+        <p:nvSpPr>
+          <p:cNvPr id="23" name="Rectangle 13">
+            <a:extLst>
+              <a:ext uri="{FF2B5EF4-FFF2-40B4-BE49-F238E27FC236}">
+                <a16:creationId xmlns:a16="http://schemas.microsoft.com/office/drawing/2014/main" id="{3489CAE3-3AE0-4268-81CA-A98516EAD013}"/>
+              </a:ext>
+              <a:ext uri="{C183D7F6-B498-43B3-948B-1728B52AA6E4}">
+                <adec:decorative xmlns:adec="http://schemas.microsoft.com/office/drawing/2017/decorative" val="1"/>
+              </a:ext>
+            </a:extLst>
+          </p:cNvPr>
+          <p:cNvSpPr>
+            <a:spLocks noGrp="1" noRot="1" noChangeAspect="1" noMove="1" noResize="1" noEditPoints="1" noAdjustHandles="1" noChangeArrowheads="1" noChangeShapeType="1" noTextEdit="1"/>
+          </p:cNvSpPr>
+          <p:nvPr>
+            <p:extLst>
+              <p:ext uri="{386F3935-93C4-4BCD-93E2-E3B085C9AB24}">
+                <p16:designElem xmlns:p16="http://schemas.microsoft.com/office/powerpoint/2015/main" val="1"/>
+              </p:ext>
+            </p:extLst>
+          </p:nvPr>
+        </p:nvSpPr>
+        <p:spPr>
+          <a:xfrm>
+            <a:off x="0" y="0"/>
+            <a:ext cx="6479458" cy="6334316"/>
+          </a:xfrm>
+          <a:prstGeom prst="rect">
+            <a:avLst/>
+          </a:prstGeom>
+          <a:solidFill>
+            <a:schemeClr val="bg2"/>
+          </a:solidFill>
+          <a:ln>
+            <a:noFill/>
+          </a:ln>
+        </p:spPr>
+        <p:style>
+          <a:lnRef idx="2">
+            <a:schemeClr val="accent1">
+              <a:shade val="50000"/>
+            </a:schemeClr>
+          </a:lnRef>
+          <a:fillRef idx="1">
+            <a:schemeClr val="accent1"/>
+          </a:fillRef>
+          <a:effectRef idx="0">
+            <a:schemeClr val="accent1"/>
+          </a:effectRef>
+          <a:fontRef idx="minor">
+            <a:schemeClr val="lt1"/>
+          </a:fontRef>
+        </p:style>
+        <p:txBody>
+          <a:bodyPr rtlCol="0" anchor="ctr"/>
+          <a:lstStyle/>
+          <a:p>
+            <a:pPr algn="ctr"/>
+            <a:endParaRPr lang="en-US"/>
+          </a:p>
+        </p:txBody>
+      </p:sp>
+      <p:sp>
+        <p:nvSpPr>
+          <p:cNvPr id="25" name="Rectangle 15">
+            <a:extLst>
+              <a:ext uri="{FF2B5EF4-FFF2-40B4-BE49-F238E27FC236}">
+                <a16:creationId xmlns:a16="http://schemas.microsoft.com/office/drawing/2014/main" id="{852BC338-7802-42D3-85C9-B665508F4282}"/>
+              </a:ext>
+              <a:ext uri="{C183D7F6-B498-43B3-948B-1728B52AA6E4}">
+                <adec:decorative xmlns:adec="http://schemas.microsoft.com/office/drawing/2017/decorative" val="1"/>
+              </a:ext>
+            </a:extLst>
+          </p:cNvPr>
+          <p:cNvSpPr>
+            <a:spLocks noGrp="1" noRot="1" noChangeAspect="1" noMove="1" noResize="1" noEditPoints="1" noAdjustHandles="1" noChangeArrowheads="1" noChangeShapeType="1" noTextEdit="1"/>
+          </p:cNvSpPr>
+          <p:nvPr>
+            <p:extLst>
+              <p:ext uri="{386F3935-93C4-4BCD-93E2-E3B085C9AB24}">
+                <p16:designElem xmlns:p16="http://schemas.microsoft.com/office/powerpoint/2015/main" val="1"/>
+              </p:ext>
+            </p:extLst>
+          </p:nvPr>
+        </p:nvSpPr>
+        <p:spPr>
+          <a:xfrm>
+            <a:off x="321733" y="321733"/>
+            <a:ext cx="3057906" cy="3408237"/>
+          </a:xfrm>
+          <a:prstGeom prst="rect">
+            <a:avLst/>
+          </a:prstGeom>
+          <a:solidFill>
+            <a:srgbClr val="FFFFFF"/>
+          </a:solidFill>
+          <a:ln w="63500">
+            <a:noFill/>
+            <a:miter lim="800000"/>
+          </a:ln>
+        </p:spPr>
+        <p:style>
+          <a:lnRef idx="2">
+            <a:schemeClr val="accent1">
+              <a:shade val="50000"/>
+            </a:schemeClr>
+          </a:lnRef>
+          <a:fillRef idx="1">
+            <a:schemeClr val="accent1"/>
+          </a:fillRef>
+          <a:effectRef idx="0">
+            <a:schemeClr val="accent1"/>
+          </a:effectRef>
+          <a:fontRef idx="minor">
+            <a:schemeClr val="lt1"/>
+          </a:fontRef>
+        </p:style>
+        <p:txBody>
+          <a:bodyPr rtlCol="0" anchor="ctr"/>
+          <a:lstStyle/>
+          <a:p>
+            <a:pPr algn="ctr"/>
+            <a:endParaRPr lang="en-US"/>
+          </a:p>
+        </p:txBody>
+      </p:sp>
+      <p:pic>
+        <p:nvPicPr>
+          <p:cNvPr id="6" name="Imagen 5">
+            <a:extLst>
+              <a:ext uri="{FF2B5EF4-FFF2-40B4-BE49-F238E27FC236}">
+                <a16:creationId xmlns:a16="http://schemas.microsoft.com/office/drawing/2014/main" id="{516887FF-75DF-4B19-A219-CCFCE3972962}"/>
+              </a:ext>
+            </a:extLst>
+          </p:cNvPr>
+          <p:cNvPicPr>
+            <a:picLocks noChangeAspect="1"/>
+          </p:cNvPicPr>
+          <p:nvPr/>
+        </p:nvPicPr>
+        <p:blipFill>
+          <a:blip r:embed="rId2"/>
+          <a:stretch>
+            <a:fillRect/>
+          </a:stretch>
+        </p:blipFill>
+        <p:spPr>
+          <a:xfrm>
+            <a:off x="443806" y="1032403"/>
+            <a:ext cx="2784700" cy="1803092"/>
+          </a:xfrm>
+          <a:prstGeom prst="rect">
+            <a:avLst/>
+          </a:prstGeom>
+        </p:spPr>
+      </p:pic>
+      <p:sp>
+        <p:nvSpPr>
+          <p:cNvPr id="27" name="Rectangle 17">
+            <a:extLst>
+              <a:ext uri="{FF2B5EF4-FFF2-40B4-BE49-F238E27FC236}">
+                <a16:creationId xmlns:a16="http://schemas.microsoft.com/office/drawing/2014/main" id="{FC2AD4A0-4FAA-4F52-A315-4224B27BE052}"/>
+              </a:ext>
+              <a:ext uri="{C183D7F6-B498-43B3-948B-1728B52AA6E4}">
+                <adec:decorative xmlns:adec="http://schemas.microsoft.com/office/drawing/2017/decorative" val="1"/>
+              </a:ext>
+            </a:extLst>
+          </p:cNvPr>
+          <p:cNvSpPr>
+            <a:spLocks noGrp="1" noRot="1" noChangeAspect="1" noMove="1" noResize="1" noEditPoints="1" noAdjustHandles="1" noChangeArrowheads="1" noChangeShapeType="1" noTextEdit="1"/>
+          </p:cNvSpPr>
+          <p:nvPr>
+            <p:extLst>
+              <p:ext uri="{386F3935-93C4-4BCD-93E2-E3B085C9AB24}">
+                <p16:designElem xmlns:p16="http://schemas.microsoft.com/office/powerpoint/2015/main" val="1"/>
+              </p:ext>
+            </p:extLst>
+          </p:nvPr>
+        </p:nvSpPr>
+        <p:spPr>
+          <a:xfrm>
+            <a:off x="3512061" y="321733"/>
+            <a:ext cx="2583939" cy="1955250"/>
+          </a:xfrm>
+          <a:prstGeom prst="rect">
+            <a:avLst/>
+          </a:prstGeom>
+          <a:solidFill>
+            <a:schemeClr val="accent1"/>
+          </a:solidFill>
+          <a:ln>
+            <a:noFill/>
+          </a:ln>
+        </p:spPr>
+        <p:style>
+          <a:lnRef idx="2">
+            <a:schemeClr val="accent1">
+              <a:shade val="50000"/>
+            </a:schemeClr>
+          </a:lnRef>
+          <a:fillRef idx="1">
+            <a:schemeClr val="accent1"/>
+          </a:fillRef>
+          <a:effectRef idx="0">
+            <a:schemeClr val="accent1"/>
+          </a:effectRef>
+          <a:fontRef idx="minor">
+            <a:schemeClr val="lt1"/>
+          </a:fontRef>
+        </p:style>
+        <p:txBody>
+          <a:bodyPr rtlCol="0" anchor="ctr"/>
+          <a:lstStyle/>
+          <a:p>
+            <a:pPr algn="ctr"/>
+            <a:endParaRPr lang="en-US"/>
+          </a:p>
+        </p:txBody>
+      </p:sp>
+      <p:cxnSp>
+        <p:nvCxnSpPr>
+          <p:cNvPr id="20" name="Straight Connector 19">
+            <a:extLst>
+              <a:ext uri="{FF2B5EF4-FFF2-40B4-BE49-F238E27FC236}">
+                <a16:creationId xmlns:a16="http://schemas.microsoft.com/office/drawing/2014/main" id="{373C1DFC-81C5-498E-9907-7AAE6F0416B1}"/>
+              </a:ext>
+              <a:ext uri="{C183D7F6-B498-43B3-948B-1728B52AA6E4}">
+                <adec:decorative xmlns:adec="http://schemas.microsoft.com/office/drawing/2017/decorative" val="1"/>
+              </a:ext>
+            </a:extLst>
+          </p:cNvPr>
+          <p:cNvCxnSpPr>
+            <a:cxnSpLocks noGrp="1" noRot="1" noChangeAspect="1" noMove="1" noResize="1" noEditPoints="1" noAdjustHandles="1" noChangeArrowheads="1" noChangeShapeType="1"/>
+          </p:cNvCxnSpPr>
+          <p:nvPr>
+            <p:extLst>
+              <p:ext uri="{386F3935-93C4-4BCD-93E2-E3B085C9AB24}">
+                <p16:designElem xmlns:p16="http://schemas.microsoft.com/office/powerpoint/2015/main" val="1"/>
+              </p:ext>
+            </p:extLst>
+          </p:nvPr>
+        </p:nvCxnSpPr>
+        <p:spPr>
+          <a:xfrm>
+            <a:off x="7046569" y="2085703"/>
+            <a:ext cx="4114800" cy="0"/>
+          </a:xfrm>
+          <a:prstGeom prst="line">
+            <a:avLst/>
+          </a:prstGeom>
+          <a:ln w="6350">
+            <a:solidFill>
+              <a:schemeClr val="tx1">
+                <a:lumMod val="50000"/>
+                <a:lumOff val="50000"/>
+                <a:alpha val="90000"/>
+              </a:schemeClr>
+            </a:solidFill>
+          </a:ln>
+        </p:spPr>
+        <p:style>
+          <a:lnRef idx="1">
+            <a:schemeClr val="accent1"/>
+          </a:lnRef>
+          <a:fillRef idx="0">
+            <a:schemeClr val="accent1"/>
+          </a:fillRef>
+          <a:effectRef idx="0">
+            <a:schemeClr val="accent1"/>
+          </a:effectRef>
+          <a:fontRef idx="minor">
+            <a:schemeClr val="tx1"/>
+          </a:fontRef>
+        </p:style>
+      </p:cxnSp>
+      <p:sp>
+        <p:nvSpPr>
+          <p:cNvPr id="22" name="Rectangle 21">
+            <a:extLst>
+              <a:ext uri="{FF2B5EF4-FFF2-40B4-BE49-F238E27FC236}">
+                <a16:creationId xmlns:a16="http://schemas.microsoft.com/office/drawing/2014/main" id="{8A4EEE51-0307-4CE8-813E-AE3BCEBA2442}"/>
+              </a:ext>
+              <a:ext uri="{C183D7F6-B498-43B3-948B-1728B52AA6E4}">
+                <adec:decorative xmlns:adec="http://schemas.microsoft.com/office/drawing/2017/decorative" val="1"/>
+              </a:ext>
+            </a:extLst>
+          </p:cNvPr>
+          <p:cNvSpPr>
+            <a:spLocks noGrp="1" noRot="1" noChangeAspect="1" noMove="1" noResize="1" noEditPoints="1" noAdjustHandles="1" noChangeArrowheads="1" noChangeShapeType="1" noTextEdit="1"/>
+          </p:cNvSpPr>
+          <p:nvPr>
+            <p:extLst>
+              <p:ext uri="{386F3935-93C4-4BCD-93E2-E3B085C9AB24}">
+                <p16:designElem xmlns:p16="http://schemas.microsoft.com/office/powerpoint/2015/main" val="1"/>
+              </p:ext>
+            </p:extLst>
+          </p:nvPr>
+        </p:nvSpPr>
+        <p:spPr>
+          <a:xfrm>
+            <a:off x="321733" y="3879167"/>
+            <a:ext cx="3057906" cy="2135564"/>
+          </a:xfrm>
+          <a:prstGeom prst="rect">
+            <a:avLst/>
+          </a:prstGeom>
+          <a:solidFill>
+            <a:schemeClr val="bg2">
+              <a:lumMod val="75000"/>
+            </a:schemeClr>
+          </a:solidFill>
+          <a:ln>
+            <a:noFill/>
+          </a:ln>
+        </p:spPr>
+        <p:style>
+          <a:lnRef idx="2">
+            <a:schemeClr val="accent1">
+              <a:shade val="50000"/>
+            </a:schemeClr>
+          </a:lnRef>
+          <a:fillRef idx="1">
+            <a:schemeClr val="accent1"/>
+          </a:fillRef>
+          <a:effectRef idx="0">
+            <a:schemeClr val="accent1"/>
+          </a:effectRef>
+          <a:fontRef idx="minor">
+            <a:schemeClr val="lt1"/>
+          </a:fontRef>
+        </p:style>
+        <p:txBody>
+          <a:bodyPr rtlCol="0" anchor="ctr"/>
+          <a:lstStyle/>
+          <a:p>
+            <a:pPr algn="ctr"/>
+            <a:endParaRPr lang="en-US"/>
+          </a:p>
+        </p:txBody>
+      </p:sp>
+      <p:sp>
+        <p:nvSpPr>
+          <p:cNvPr id="24" name="Rectangle 23">
+            <a:extLst>
+              <a:ext uri="{FF2B5EF4-FFF2-40B4-BE49-F238E27FC236}">
+                <a16:creationId xmlns:a16="http://schemas.microsoft.com/office/drawing/2014/main" id="{E9D9FBD3-6E57-4B12-A90A-386ED8F084F0}"/>
+              </a:ext>
+              <a:ext uri="{C183D7F6-B498-43B3-948B-1728B52AA6E4}">
+                <adec:decorative xmlns:adec="http://schemas.microsoft.com/office/drawing/2017/decorative" val="1"/>
+              </a:ext>
+            </a:extLst>
+          </p:cNvPr>
+          <p:cNvSpPr>
+            <a:spLocks noGrp="1" noRot="1" noChangeAspect="1" noMove="1" noResize="1" noEditPoints="1" noAdjustHandles="1" noChangeArrowheads="1" noChangeShapeType="1" noTextEdit="1"/>
+          </p:cNvSpPr>
+          <p:nvPr>
+            <p:extLst>
+              <p:ext uri="{386F3935-93C4-4BCD-93E2-E3B085C9AB24}">
+                <p16:designElem xmlns:p16="http://schemas.microsoft.com/office/powerpoint/2015/main" val="1"/>
+              </p:ext>
+            </p:extLst>
+          </p:nvPr>
+        </p:nvSpPr>
+        <p:spPr>
+          <a:xfrm>
+            <a:off x="3528588" y="2451014"/>
+            <a:ext cx="2567411" cy="3532765"/>
+          </a:xfrm>
+          <a:prstGeom prst="rect">
+            <a:avLst/>
+          </a:prstGeom>
+          <a:solidFill>
+            <a:srgbClr val="FFFFFF"/>
+          </a:solidFill>
+          <a:ln w="63500">
+            <a:noFill/>
+            <a:miter lim="800000"/>
+          </a:ln>
+        </p:spPr>
+        <p:style>
+          <a:lnRef idx="2">
+            <a:schemeClr val="accent1">
+              <a:shade val="50000"/>
+            </a:schemeClr>
+          </a:lnRef>
+          <a:fillRef idx="1">
+            <a:schemeClr val="accent1"/>
+          </a:fillRef>
+          <a:effectRef idx="0">
+            <a:schemeClr val="accent1"/>
+          </a:effectRef>
+          <a:fontRef idx="minor">
+            <a:schemeClr val="lt1"/>
+          </a:fontRef>
+        </p:style>
+        <p:txBody>
+          <a:bodyPr rtlCol="0" anchor="ctr"/>
+          <a:lstStyle/>
+          <a:p>
+            <a:pPr algn="ctr"/>
+            <a:endParaRPr lang="en-US"/>
+          </a:p>
+        </p:txBody>
+      </p:sp>
+      <p:pic>
+        <p:nvPicPr>
+          <p:cNvPr id="7" name="Imagen 6">
+            <a:extLst>
+              <a:ext uri="{FF2B5EF4-FFF2-40B4-BE49-F238E27FC236}">
+                <a16:creationId xmlns:a16="http://schemas.microsoft.com/office/drawing/2014/main" id="{61864E1D-9CA0-4196-B1C4-A02AECE3C4D0}"/>
+              </a:ext>
+            </a:extLst>
+          </p:cNvPr>
+          <p:cNvPicPr>
+            <a:picLocks noChangeAspect="1"/>
+          </p:cNvPicPr>
+          <p:nvPr/>
+        </p:nvPicPr>
+        <p:blipFill>
+          <a:blip r:embed="rId3"/>
+          <a:stretch>
+            <a:fillRect/>
+          </a:stretch>
+        </p:blipFill>
+        <p:spPr>
+          <a:xfrm>
+            <a:off x="3645362" y="3155635"/>
+            <a:ext cx="2295082" cy="2243442"/>
+          </a:xfrm>
+          <a:prstGeom prst="rect">
+            <a:avLst/>
+          </a:prstGeom>
+        </p:spPr>
+      </p:pic>
+      <p:sp>
+        <p:nvSpPr>
+          <p:cNvPr id="3" name="Marcador de contenido 2">
+            <a:extLst>
+              <a:ext uri="{FF2B5EF4-FFF2-40B4-BE49-F238E27FC236}">
+                <a16:creationId xmlns:a16="http://schemas.microsoft.com/office/drawing/2014/main" id="{ECF8ABC4-1BF1-420A-A707-76BDDDDA2CA9}"/>
+              </a:ext>
+            </a:extLst>
+          </p:cNvPr>
+          <p:cNvSpPr>
+            <a:spLocks noGrp="1"/>
+          </p:cNvSpPr>
+          <p:nvPr>
+            <p:ph idx="1"/>
+          </p:nvPr>
+        </p:nvSpPr>
+        <p:spPr>
+          <a:xfrm>
+            <a:off x="6956868" y="2276983"/>
+            <a:ext cx="4592874" cy="3670180"/>
+          </a:xfrm>
+        </p:spPr>
+        <p:txBody>
+          <a:bodyPr>
+            <a:normAutofit/>
+          </a:bodyPr>
+          <a:lstStyle/>
+          <a:p>
+            <a:pPr>
+              <a:buFont typeface="Wingdings" panose="05000000000000000000" pitchFamily="2" charset="2"/>
+              <a:buChar char="Ø"/>
+            </a:pPr>
+            <a:r>
+              <a:rPr lang="es-CO" dirty="0"/>
+              <a:t>El error de training y validación es cercano y la función de pérdida en ambos conjuntos es decreciente. </a:t>
+            </a:r>
+          </a:p>
+          <a:p>
+            <a:pPr>
+              <a:buFont typeface="Wingdings" panose="05000000000000000000" pitchFamily="2" charset="2"/>
+              <a:buChar char="Ø"/>
+            </a:pPr>
+            <a:r>
+              <a:rPr lang="es-CO" dirty="0"/>
+              <a:t>La distribución de los </a:t>
+            </a:r>
+            <a:r>
+              <a:rPr lang="es-CO" dirty="0" err="1"/>
+              <a:t>residuals</a:t>
+            </a:r>
+            <a:r>
+              <a:rPr lang="es-CO" dirty="0"/>
+              <a:t> parece seguir una distribución normal.</a:t>
+            </a:r>
+          </a:p>
+          <a:p>
+            <a:pPr>
+              <a:buFont typeface="Wingdings" panose="05000000000000000000" pitchFamily="2" charset="2"/>
+              <a:buChar char="Ø"/>
+            </a:pPr>
+            <a:r>
+              <a:rPr lang="es-CO" dirty="0"/>
+              <a:t>El modelo presenta </a:t>
+            </a:r>
+            <a:r>
+              <a:rPr lang="es-CO" dirty="0" err="1"/>
+              <a:t>sub-ajuste</a:t>
+            </a:r>
+            <a:r>
+              <a:rPr lang="es-CO" dirty="0"/>
+              <a:t> para los datos  asociados a tarifas más altas.</a:t>
+            </a:r>
+          </a:p>
+          <a:p>
+            <a:pPr>
+              <a:buFont typeface="Wingdings" panose="05000000000000000000" pitchFamily="2" charset="2"/>
+              <a:buChar char="Ø"/>
+            </a:pPr>
+            <a:endParaRPr lang="en-US" dirty="0"/>
+          </a:p>
+        </p:txBody>
+      </p:sp>
+      <p:sp>
+        <p:nvSpPr>
+          <p:cNvPr id="26" name="Rectangle 25">
+            <a:extLst>
+              <a:ext uri="{FF2B5EF4-FFF2-40B4-BE49-F238E27FC236}">
+                <a16:creationId xmlns:a16="http://schemas.microsoft.com/office/drawing/2014/main" id="{25621158-452E-4C14-8946-B331F0D1C38F}"/>
+              </a:ext>
+              <a:ext uri="{C183D7F6-B498-43B3-948B-1728B52AA6E4}">
+                <adec:decorative xmlns:adec="http://schemas.microsoft.com/office/drawing/2017/decorative" val="1"/>
+              </a:ext>
+            </a:extLst>
+          </p:cNvPr>
+          <p:cNvSpPr>
+            <a:spLocks noGrp="1" noRot="1" noChangeAspect="1" noMove="1" noResize="1" noEditPoints="1" noAdjustHandles="1" noChangeArrowheads="1" noChangeShapeType="1" noTextEdit="1"/>
+          </p:cNvSpPr>
+          <p:nvPr>
+            <p:extLst>
+              <p:ext uri="{386F3935-93C4-4BCD-93E2-E3B085C9AB24}">
+                <p16:designElem xmlns:p16="http://schemas.microsoft.com/office/powerpoint/2015/main" val="1"/>
+              </p:ext>
+            </p:extLst>
+          </p:nvPr>
+        </p:nvSpPr>
+        <p:spPr>
+          <a:xfrm>
+            <a:off x="15" y="6334316"/>
+            <a:ext cx="12191985" cy="66484"/>
+          </a:xfrm>
+          <a:prstGeom prst="rect">
+            <a:avLst/>
+          </a:prstGeom>
+          <a:solidFill>
+            <a:schemeClr val="accent1"/>
+          </a:solidFill>
+          <a:ln>
+            <a:noFill/>
+          </a:ln>
+        </p:spPr>
+        <p:style>
+          <a:lnRef idx="2">
+            <a:schemeClr val="accent1">
+              <a:shade val="50000"/>
+            </a:schemeClr>
+          </a:lnRef>
+          <a:fillRef idx="1">
+            <a:schemeClr val="accent1"/>
+          </a:fillRef>
+          <a:effectRef idx="0">
+            <a:schemeClr val="accent1"/>
+          </a:effectRef>
+          <a:fontRef idx="minor">
+            <a:schemeClr val="lt1"/>
+          </a:fontRef>
+        </p:style>
+      </p:sp>
+      <p:sp>
+        <p:nvSpPr>
+          <p:cNvPr id="28" name="Rectangle 27">
+            <a:extLst>
+              <a:ext uri="{FF2B5EF4-FFF2-40B4-BE49-F238E27FC236}">
+                <a16:creationId xmlns:a16="http://schemas.microsoft.com/office/drawing/2014/main" id="{055BE0DD-04F0-42E3-9EDE-2129B4A55CF4}"/>
+              </a:ext>
+              <a:ext uri="{C183D7F6-B498-43B3-948B-1728B52AA6E4}">
+                <adec:decorative xmlns:adec="http://schemas.microsoft.com/office/drawing/2017/decorative" val="1"/>
+              </a:ext>
+            </a:extLst>
+          </p:cNvPr>
+          <p:cNvSpPr>
+            <a:spLocks noGrp="1" noRot="1" noChangeAspect="1" noMove="1" noResize="1" noEditPoints="1" noAdjustHandles="1" noChangeArrowheads="1" noChangeShapeType="1" noTextEdit="1"/>
+          </p:cNvSpPr>
+          <p:nvPr>
+            <p:extLst>
+              <p:ext uri="{386F3935-93C4-4BCD-93E2-E3B085C9AB24}">
+                <p16:designElem xmlns:p16="http://schemas.microsoft.com/office/powerpoint/2015/main" val="1"/>
+              </p:ext>
+            </p:extLst>
+          </p:nvPr>
+        </p:nvSpPr>
+        <p:spPr>
+          <a:xfrm>
+            <a:off x="1" y="6400800"/>
+            <a:ext cx="12192000" cy="457200"/>
+          </a:xfrm>
+          <a:prstGeom prst="rect">
+            <a:avLst/>
+          </a:prstGeom>
+          <a:solidFill>
+            <a:schemeClr val="accent2"/>
+          </a:solidFill>
+          <a:ln>
+            <a:noFill/>
+          </a:ln>
+        </p:spPr>
+        <p:style>
+          <a:lnRef idx="2">
+            <a:schemeClr val="accent1">
+              <a:shade val="50000"/>
+            </a:schemeClr>
+          </a:lnRef>
+          <a:fillRef idx="1">
+            <a:schemeClr val="accent1"/>
+          </a:fillRef>
+          <a:effectRef idx="0">
+            <a:schemeClr val="accent1"/>
+          </a:effectRef>
+          <a:fontRef idx="minor">
+            <a:schemeClr val="lt1"/>
+          </a:fontRef>
+        </p:style>
+      </p:sp>
+      <p:sp>
+        <p:nvSpPr>
+          <p:cNvPr id="4" name="Marcador de pie de página 3">
+            <a:extLst>
+              <a:ext uri="{FF2B5EF4-FFF2-40B4-BE49-F238E27FC236}">
+                <a16:creationId xmlns:a16="http://schemas.microsoft.com/office/drawing/2014/main" id="{F3DCFA75-F4FC-4FCF-81C2-B96CD43EADFF}"/>
+              </a:ext>
+            </a:extLst>
+          </p:cNvPr>
+          <p:cNvSpPr>
+            <a:spLocks noGrp="1"/>
+          </p:cNvSpPr>
+          <p:nvPr>
+            <p:ph type="ftr" sz="quarter" idx="11"/>
+          </p:nvPr>
+        </p:nvSpPr>
+        <p:spPr>
+          <a:xfrm>
+            <a:off x="3686185" y="6459785"/>
+            <a:ext cx="4822804" cy="365125"/>
+          </a:xfrm>
+        </p:spPr>
+        <p:txBody>
+          <a:bodyPr>
+            <a:normAutofit/>
+          </a:bodyPr>
+          <a:lstStyle/>
+          <a:p>
+            <a:pPr>
+              <a:spcAft>
+                <a:spcPts val="600"/>
+              </a:spcAft>
+            </a:pPr>
+            <a:r>
+              <a:rPr lang="es-ES"/>
+              <a:t>Diplomado en Inteligencia Artificial y Aprendizaje Profundo -UN</a:t>
+            </a:r>
+            <a:endParaRPr lang="en-US"/>
+          </a:p>
+        </p:txBody>
+      </p:sp>
+      <p:sp>
+        <p:nvSpPr>
+          <p:cNvPr id="5" name="Marcador de número de diapositiva 4">
+            <a:extLst>
+              <a:ext uri="{FF2B5EF4-FFF2-40B4-BE49-F238E27FC236}">
+                <a16:creationId xmlns:a16="http://schemas.microsoft.com/office/drawing/2014/main" id="{D1F4AFE6-428C-4DF0-8E39-F3F43606BF04}"/>
+              </a:ext>
+            </a:extLst>
+          </p:cNvPr>
+          <p:cNvSpPr>
+            <a:spLocks noGrp="1"/>
+          </p:cNvSpPr>
+          <p:nvPr>
+            <p:ph type="sldNum" sz="quarter" idx="12"/>
+          </p:nvPr>
+        </p:nvSpPr>
+        <p:spPr>
+          <a:xfrm>
+            <a:off x="9900458" y="6459785"/>
+            <a:ext cx="1312025" cy="365125"/>
+          </a:xfrm>
+        </p:spPr>
+        <p:txBody>
+          <a:bodyPr>
+            <a:normAutofit/>
+          </a:bodyPr>
+          <a:lstStyle/>
+          <a:p>
+            <a:pPr>
+              <a:spcAft>
+                <a:spcPts val="600"/>
+              </a:spcAft>
+            </a:pPr>
+            <a:fld id="{1987B7B8-616A-43F8-924E-8DBE374A2992}" type="slidenum">
+              <a:rPr lang="en-US" smtClean="0"/>
+              <a:pPr>
+                <a:spcAft>
+                  <a:spcPts val="600"/>
+                </a:spcAft>
+              </a:pPr>
+              <a:t>8</a:t>
+            </a:fld>
+            <a:endParaRPr lang="en-US"/>
+          </a:p>
+        </p:txBody>
+      </p:sp>
+      <p:pic>
+        <p:nvPicPr>
+          <p:cNvPr id="8" name="Imagen 7">
+            <a:extLst>
+              <a:ext uri="{FF2B5EF4-FFF2-40B4-BE49-F238E27FC236}">
+                <a16:creationId xmlns:a16="http://schemas.microsoft.com/office/drawing/2014/main" id="{656E9832-F613-4C99-9689-4B0361C6EFD9}"/>
+              </a:ext>
+            </a:extLst>
+          </p:cNvPr>
+          <p:cNvPicPr>
+            <a:picLocks noChangeAspect="1"/>
+          </p:cNvPicPr>
+          <p:nvPr/>
+        </p:nvPicPr>
+        <p:blipFill>
+          <a:blip r:embed="rId4"/>
+          <a:stretch>
+            <a:fillRect/>
+          </a:stretch>
+        </p:blipFill>
+        <p:spPr>
+          <a:xfrm>
+            <a:off x="1006802" y="3010763"/>
+            <a:ext cx="1687766" cy="312791"/>
+          </a:xfrm>
+          <a:prstGeom prst="rect">
+            <a:avLst/>
+          </a:prstGeom>
+        </p:spPr>
+      </p:pic>
+      <p:pic>
+        <p:nvPicPr>
+          <p:cNvPr id="9" name="Imagen 8">
+            <a:extLst>
+              <a:ext uri="{FF2B5EF4-FFF2-40B4-BE49-F238E27FC236}">
+                <a16:creationId xmlns:a16="http://schemas.microsoft.com/office/drawing/2014/main" id="{2DE155C3-27DA-4864-BB15-7B21DA195AAB}"/>
+              </a:ext>
+            </a:extLst>
+          </p:cNvPr>
+          <p:cNvPicPr>
+            <a:picLocks noChangeAspect="1"/>
+          </p:cNvPicPr>
+          <p:nvPr/>
+        </p:nvPicPr>
+        <p:blipFill>
+          <a:blip r:embed="rId5"/>
+          <a:stretch>
+            <a:fillRect/>
+          </a:stretch>
+        </p:blipFill>
+        <p:spPr>
+          <a:xfrm>
+            <a:off x="788287" y="4195192"/>
+            <a:ext cx="2124797" cy="1397984"/>
+          </a:xfrm>
+          <a:prstGeom prst="rect">
+            <a:avLst/>
+          </a:prstGeom>
+        </p:spPr>
+      </p:pic>
+    </p:spTree>
+    <p:extLst>
+      <p:ext uri="{BB962C8B-B14F-4D97-AF65-F5344CB8AC3E}">
+        <p14:creationId xmlns:p14="http://schemas.microsoft.com/office/powerpoint/2010/main" val="4013685803"/>
+      </p:ext>
+    </p:extLst>
+  </p:cSld>
+  <p:clrMapOvr>
+    <a:masterClrMapping/>
+  </p:clrMapOvr>
+</p:sld>
+</file>
+
+<file path=ppt/slides/slide9.xml><?xml version="1.0" encoding="utf-8"?>
+<p:sld xmlns:a="http://schemas.openxmlformats.org/drawingml/2006/main" xmlns:r="http://schemas.openxmlformats.org/officeDocument/2006/relationships" xmlns:p="http://schemas.openxmlformats.org/presentationml/2006/main">
+  <p:cSld>
+    <p:spTree>
+      <p:nvGrpSpPr>
+        <p:cNvPr id="1" name=""/>
+        <p:cNvGrpSpPr/>
+        <p:nvPr/>
+      </p:nvGrpSpPr>
+      <p:grpSpPr>
+        <a:xfrm>
+          <a:off x="0" y="0"/>
+          <a:ext cx="0" cy="0"/>
+          <a:chOff x="0" y="0"/>
+          <a:chExt cx="0" cy="0"/>
+        </a:xfrm>
+      </p:grpSpPr>
+      <p:sp>
+        <p:nvSpPr>
+          <p:cNvPr id="2" name="Título 1">
+            <a:extLst>
+              <a:ext uri="{FF2B5EF4-FFF2-40B4-BE49-F238E27FC236}">
+                <a16:creationId xmlns:a16="http://schemas.microsoft.com/office/drawing/2014/main" id="{1DDE087C-8BB4-4FA2-BB19-30F72E73D007}"/>
+              </a:ext>
+            </a:extLst>
+          </p:cNvPr>
+          <p:cNvSpPr>
+            <a:spLocks noGrp="1"/>
+          </p:cNvSpPr>
+          <p:nvPr>
+            <p:ph type="title"/>
+          </p:nvPr>
+        </p:nvSpPr>
+        <p:spPr/>
+        <p:txBody>
+          <a:bodyPr/>
+          <a:lstStyle/>
+          <a:p>
+            <a:r>
+              <a:rPr lang="es-CO" dirty="0"/>
+              <a:t>Conclusiones</a:t>
+            </a:r>
+            <a:endParaRPr lang="en-US" dirty="0"/>
+          </a:p>
+        </p:txBody>
+      </p:sp>
+      <p:sp>
+        <p:nvSpPr>
+          <p:cNvPr id="3" name="Marcador de contenido 2">
+            <a:extLst>
+              <a:ext uri="{FF2B5EF4-FFF2-40B4-BE49-F238E27FC236}">
+                <a16:creationId xmlns:a16="http://schemas.microsoft.com/office/drawing/2014/main" id="{826D9B93-53DA-4FF8-8A36-625A0B7EB6BA}"/>
+              </a:ext>
+            </a:extLst>
+          </p:cNvPr>
+          <p:cNvSpPr>
+            <a:spLocks noGrp="1"/>
+          </p:cNvSpPr>
+          <p:nvPr>
+            <p:ph idx="1"/>
+          </p:nvPr>
+        </p:nvSpPr>
+        <p:spPr/>
+        <p:txBody>
+          <a:bodyPr/>
+          <a:lstStyle/>
+          <a:p>
+            <a:r>
+              <a:rPr lang="es-CO" dirty="0"/>
+              <a:t>Crear rangos de tarifación e implementar un modelo de clasificación en donde se pondere distintivamente por clase.</a:t>
+            </a:r>
+          </a:p>
+          <a:p>
+            <a:endParaRPr lang="en-US" dirty="0"/>
+          </a:p>
+        </p:txBody>
+      </p:sp>
+      <p:sp>
+        <p:nvSpPr>
+          <p:cNvPr id="4" name="Marcador de pie de página 3">
+            <a:extLst>
+              <a:ext uri="{FF2B5EF4-FFF2-40B4-BE49-F238E27FC236}">
+                <a16:creationId xmlns:a16="http://schemas.microsoft.com/office/drawing/2014/main" id="{E1198E6B-DB77-4883-9026-4D81E344CD84}"/>
+              </a:ext>
+            </a:extLst>
+          </p:cNvPr>
+          <p:cNvSpPr>
+            <a:spLocks noGrp="1"/>
+          </p:cNvSpPr>
+          <p:nvPr>
+            <p:ph type="ftr" sz="quarter" idx="11"/>
+          </p:nvPr>
+        </p:nvSpPr>
+        <p:spPr/>
+        <p:txBody>
+          <a:bodyPr/>
+          <a:lstStyle/>
+          <a:p>
+            <a:r>
+              <a:rPr lang="es-ES"/>
+              <a:t>Diplomado en Inteligencia Artificial y Aprendizaje Profundo -UN</a:t>
+            </a:r>
+            <a:endParaRPr lang="en-US"/>
+          </a:p>
+        </p:txBody>
+      </p:sp>
+      <p:sp>
+        <p:nvSpPr>
+          <p:cNvPr id="5" name="Marcador de número de diapositiva 4">
+            <a:extLst>
+              <a:ext uri="{FF2B5EF4-FFF2-40B4-BE49-F238E27FC236}">
+                <a16:creationId xmlns:a16="http://schemas.microsoft.com/office/drawing/2014/main" id="{A11F0667-9DA9-4C85-8A52-02A9ADCCC02D}"/>
+              </a:ext>
+            </a:extLst>
+          </p:cNvPr>
+          <p:cNvSpPr>
+            <a:spLocks noGrp="1"/>
+          </p:cNvSpPr>
+          <p:nvPr>
+            <p:ph type="sldNum" sz="quarter" idx="12"/>
+          </p:nvPr>
+        </p:nvSpPr>
+        <p:spPr/>
+        <p:txBody>
+          <a:bodyPr/>
+          <a:lstStyle/>
+          <a:p>
+            <a:fld id="{1987B7B8-616A-43F8-924E-8DBE374A2992}" type="slidenum">
+              <a:rPr lang="en-US" smtClean="0"/>
+              <a:t>9</a:t>
+            </a:fld>
+            <a:endParaRPr lang="en-US"/>
+          </a:p>
+        </p:txBody>
+      </p:sp>
+    </p:spTree>
+    <p:extLst>
+      <p:ext uri="{BB962C8B-B14F-4D97-AF65-F5344CB8AC3E}">
+        <p14:creationId xmlns:p14="http://schemas.microsoft.com/office/powerpoint/2010/main" val="101909247"/>
       </p:ext>
     </p:extLst>
   </p:cSld>
@@ -3986,6 +8143,289 @@
 </file>
 
 <file path=ppt/theme/theme1.xml><?xml version="1.0" encoding="utf-8"?>
+<a:theme xmlns:a="http://schemas.openxmlformats.org/drawingml/2006/main" name="Retrospección">
+  <a:themeElements>
+    <a:clrScheme name="Aspecto">
+      <a:dk1>
+        <a:sysClr val="windowText" lastClr="000000"/>
+      </a:dk1>
+      <a:lt1>
+        <a:sysClr val="window" lastClr="FFFFFF"/>
+      </a:lt1>
+      <a:dk2>
+        <a:srgbClr val="323232"/>
+      </a:dk2>
+      <a:lt2>
+        <a:srgbClr val="E3DED1"/>
+      </a:lt2>
+      <a:accent1>
+        <a:srgbClr val="F07F09"/>
+      </a:accent1>
+      <a:accent2>
+        <a:srgbClr val="9F2936"/>
+      </a:accent2>
+      <a:accent3>
+        <a:srgbClr val="1B587C"/>
+      </a:accent3>
+      <a:accent4>
+        <a:srgbClr val="4E8542"/>
+      </a:accent4>
+      <a:accent5>
+        <a:srgbClr val="604878"/>
+      </a:accent5>
+      <a:accent6>
+        <a:srgbClr val="C19859"/>
+      </a:accent6>
+      <a:hlink>
+        <a:srgbClr val="6B9F25"/>
+      </a:hlink>
+      <a:folHlink>
+        <a:srgbClr val="B26B02"/>
+      </a:folHlink>
+    </a:clrScheme>
+    <a:fontScheme name="Retrospección">
+      <a:majorFont>
+        <a:latin typeface="Calibri Light" panose="020F0302020204030204"/>
+        <a:ea typeface=""/>
+        <a:cs typeface=""/>
+        <a:font script="Jpan" typeface="ＭＳ Ｐゴシック"/>
+        <a:font script="Hang" typeface="맑은 고딕"/>
+        <a:font script="Hans" typeface="宋体"/>
+        <a:font script="Hant" typeface="新細明體"/>
+        <a:font script="Arab" typeface="Times New Roman"/>
+        <a:font script="Hebr" typeface="Times New Roman"/>
+        <a:font script="Thai" typeface="Angsana New"/>
+        <a:font script="Ethi" typeface="Nyala"/>
+        <a:font script="Beng" typeface="Vrinda"/>
+        <a:font script="Gujr" typeface="Shruti"/>
+        <a:font script="Khmr" typeface="MoolBoran"/>
+        <a:font script="Knda" typeface="Tunga"/>
+        <a:font script="Guru" typeface="Raavi"/>
+        <a:font script="Cans" typeface="Euphemia"/>
+        <a:font script="Cher" typeface="Plantagenet Cherokee"/>
+        <a:font script="Yiii" typeface="Microsoft Yi Baiti"/>
+        <a:font script="Tibt" typeface="Microsoft Himalaya"/>
+        <a:font script="Thaa" typeface="MV Boli"/>
+        <a:font script="Deva" typeface="Mangal"/>
+        <a:font script="Telu" typeface="Gautami"/>
+        <a:font script="Taml" typeface="Latha"/>
+        <a:font script="Syrc" typeface="Estrangelo Edessa"/>
+        <a:font script="Orya" typeface="Kalinga"/>
+        <a:font script="Mlym" typeface="Kartika"/>
+        <a:font script="Laoo" typeface="DokChampa"/>
+        <a:font script="Sinh" typeface="Iskoola Pota"/>
+        <a:font script="Mong" typeface="Mongolian Baiti"/>
+        <a:font script="Viet" typeface="Times New Roman"/>
+        <a:font script="Uigh" typeface="Microsoft Uighur"/>
+        <a:font script="Geor" typeface="Sylfaen"/>
+      </a:majorFont>
+      <a:minorFont>
+        <a:latin typeface="Calibri" panose="020F0502020204030204"/>
+        <a:ea typeface=""/>
+        <a:cs typeface=""/>
+        <a:font script="Jpan" typeface="ＭＳ Ｐゴシック"/>
+        <a:font script="Hang" typeface="맑은 고딕"/>
+        <a:font script="Hans" typeface="宋体"/>
+        <a:font script="Hant" typeface="新細明體"/>
+        <a:font script="Arab" typeface="Arial"/>
+        <a:font script="Hebr" typeface="Arial"/>
+        <a:font script="Thai" typeface="Cordia New"/>
+        <a:font script="Ethi" typeface="Nyala"/>
+        <a:font script="Beng" typeface="Vrinda"/>
+        <a:font script="Gujr" typeface="Shruti"/>
+        <a:font script="Khmr" typeface="DaunPenh"/>
+        <a:font script="Knda" typeface="Tunga"/>
+        <a:font script="Guru" typeface="Raavi"/>
+        <a:font script="Cans" typeface="Euphemia"/>
+        <a:font script="Cher" typeface="Plantagenet Cherokee"/>
+        <a:font script="Yiii" typeface="Microsoft Yi Baiti"/>
+        <a:font script="Tibt" typeface="Microsoft Himalaya"/>
+        <a:font script="Thaa" typeface="MV Boli"/>
+        <a:font script="Deva" typeface="Mangal"/>
+        <a:font script="Telu" typeface="Gautami"/>
+        <a:font script="Taml" typeface="Latha"/>
+        <a:font script="Syrc" typeface="Estrangelo Edessa"/>
+        <a:font script="Orya" typeface="Kalinga"/>
+        <a:font script="Mlym" typeface="Kartika"/>
+        <a:font script="Laoo" typeface="DokChampa"/>
+        <a:font script="Sinh" typeface="Iskoola Pota"/>
+        <a:font script="Mong" typeface="Mongolian Baiti"/>
+        <a:font script="Viet" typeface="Arial"/>
+        <a:font script="Uigh" typeface="Microsoft Uighur"/>
+        <a:font script="Geor" typeface="Sylfaen"/>
+      </a:minorFont>
+    </a:fontScheme>
+    <a:fmtScheme name="Retrospección">
+      <a:fillStyleLst>
+        <a:solidFill>
+          <a:schemeClr val="phClr"/>
+        </a:solidFill>
+        <a:gradFill rotWithShape="1">
+          <a:gsLst>
+            <a:gs pos="0">
+              <a:schemeClr val="phClr">
+                <a:tint val="65000"/>
+                <a:shade val="92000"/>
+                <a:satMod val="130000"/>
+              </a:schemeClr>
+            </a:gs>
+            <a:gs pos="45000">
+              <a:schemeClr val="phClr">
+                <a:tint val="60000"/>
+                <a:shade val="99000"/>
+                <a:satMod val="120000"/>
+              </a:schemeClr>
+            </a:gs>
+            <a:gs pos="100000">
+              <a:schemeClr val="phClr">
+                <a:tint val="55000"/>
+                <a:satMod val="140000"/>
+              </a:schemeClr>
+            </a:gs>
+          </a:gsLst>
+          <a:path path="circle">
+            <a:fillToRect l="100000" t="100000" r="100000" b="100000"/>
+          </a:path>
+        </a:gradFill>
+        <a:gradFill rotWithShape="1">
+          <a:gsLst>
+            <a:gs pos="0">
+              <a:schemeClr val="phClr">
+                <a:shade val="85000"/>
+                <a:satMod val="130000"/>
+              </a:schemeClr>
+            </a:gs>
+            <a:gs pos="34000">
+              <a:schemeClr val="phClr">
+                <a:shade val="87000"/>
+                <a:satMod val="125000"/>
+              </a:schemeClr>
+            </a:gs>
+            <a:gs pos="70000">
+              <a:schemeClr val="phClr">
+                <a:tint val="100000"/>
+                <a:shade val="90000"/>
+                <a:satMod val="130000"/>
+              </a:schemeClr>
+            </a:gs>
+            <a:gs pos="100000">
+              <a:schemeClr val="phClr">
+                <a:tint val="100000"/>
+                <a:shade val="100000"/>
+                <a:satMod val="110000"/>
+              </a:schemeClr>
+            </a:gs>
+          </a:gsLst>
+          <a:path path="circle">
+            <a:fillToRect l="100000" t="100000" r="100000" b="100000"/>
+          </a:path>
+        </a:gradFill>
+      </a:fillStyleLst>
+      <a:lnStyleLst>
+        <a:ln w="12700" cap="flat" cmpd="sng" algn="ctr">
+          <a:solidFill>
+            <a:schemeClr val="phClr"/>
+          </a:solidFill>
+          <a:prstDash val="solid"/>
+        </a:ln>
+        <a:ln w="15875" cap="flat" cmpd="sng" algn="ctr">
+          <a:solidFill>
+            <a:schemeClr val="phClr"/>
+          </a:solidFill>
+          <a:prstDash val="solid"/>
+        </a:ln>
+        <a:ln w="25400" cap="flat" cmpd="sng" algn="ctr">
+          <a:solidFill>
+            <a:schemeClr val="phClr"/>
+          </a:solidFill>
+          <a:prstDash val="solid"/>
+        </a:ln>
+      </a:lnStyleLst>
+      <a:effectStyleLst>
+        <a:effectStyle>
+          <a:effectLst/>
+        </a:effectStyle>
+        <a:effectStyle>
+          <a:effectLst>
+            <a:outerShdw blurRad="38100" dist="25400" dir="2700000" algn="br" rotWithShape="0">
+              <a:srgbClr val="000000">
+                <a:alpha val="60000"/>
+              </a:srgbClr>
+            </a:outerShdw>
+          </a:effectLst>
+        </a:effectStyle>
+        <a:effectStyle>
+          <a:effectLst>
+            <a:outerShdw blurRad="44450" dist="25400" dir="2700000" algn="br" rotWithShape="0">
+              <a:srgbClr val="000000">
+                <a:alpha val="60000"/>
+              </a:srgbClr>
+            </a:outerShdw>
+          </a:effectLst>
+          <a:scene3d>
+            <a:camera prst="orthographicFront">
+              <a:rot lat="0" lon="0" rev="0"/>
+            </a:camera>
+            <a:lightRig rig="threePt" dir="t">
+              <a:rot lat="0" lon="0" rev="19800000"/>
+            </a:lightRig>
+          </a:scene3d>
+          <a:sp3d prstMaterial="flat">
+            <a:bevelT w="25400" h="31750"/>
+          </a:sp3d>
+        </a:effectStyle>
+      </a:effectStyleLst>
+      <a:bgFillStyleLst>
+        <a:solidFill>
+          <a:schemeClr val="phClr"/>
+        </a:solidFill>
+        <a:solidFill>
+          <a:schemeClr val="phClr">
+            <a:tint val="90000"/>
+            <a:shade val="97000"/>
+            <a:satMod val="130000"/>
+          </a:schemeClr>
+        </a:solidFill>
+        <a:gradFill rotWithShape="1">
+          <a:gsLst>
+            <a:gs pos="0">
+              <a:schemeClr val="phClr">
+                <a:tint val="96000"/>
+                <a:shade val="99000"/>
+                <a:satMod val="140000"/>
+              </a:schemeClr>
+            </a:gs>
+            <a:gs pos="65000">
+              <a:schemeClr val="phClr">
+                <a:tint val="100000"/>
+                <a:shade val="80000"/>
+                <a:satMod val="130000"/>
+              </a:schemeClr>
+            </a:gs>
+            <a:gs pos="100000">
+              <a:schemeClr val="phClr">
+                <a:tint val="100000"/>
+                <a:shade val="48000"/>
+                <a:satMod val="120000"/>
+              </a:schemeClr>
+            </a:gs>
+          </a:gsLst>
+          <a:lin ang="16200000" scaled="0"/>
+        </a:gradFill>
+      </a:bgFillStyleLst>
+    </a:fmtScheme>
+  </a:themeElements>
+  <a:objectDefaults/>
+  <a:extraClrSchemeLst/>
+  <a:extLst>
+    <a:ext uri="{05A4C25C-085E-4340-85A3-A5531E510DB2}">
+      <thm15:themeFamily xmlns:thm15="http://schemas.microsoft.com/office/thememl/2012/main" name="Retrospect" id="{5F128B03-DCCA-4EEB-AB3B-CF2899314A46}" vid="{3F1AAB62-24C6-49D2-8E01-B56FAC9A3DCD}"/>
+    </a:ext>
+  </a:extLst>
+</a:theme>
+</file>
+
+<file path=ppt/theme/theme2.xml><?xml version="1.0" encoding="utf-8"?>
 <a:theme xmlns:a="http://schemas.openxmlformats.org/drawingml/2006/main" name="Tema de Office">
   <a:themeElements>
     <a:clrScheme name="Office">

--- a/Presentacion_v1.pptx
+++ b/Presentacion_v1.pptx
@@ -5,20 +5,18 @@
     <p:sldMasterId id="2147483672" r:id="rId1"/>
   </p:sldMasterIdLst>
   <p:notesMasterIdLst>
-    <p:notesMasterId r:id="rId13"/>
+    <p:notesMasterId r:id="rId11"/>
   </p:notesMasterIdLst>
   <p:sldIdLst>
     <p:sldId id="256" r:id="rId2"/>
     <p:sldId id="262" r:id="rId3"/>
-    <p:sldId id="257" r:id="rId4"/>
+    <p:sldId id="258" r:id="rId4"/>
     <p:sldId id="264" r:id="rId5"/>
-    <p:sldId id="266" r:id="rId6"/>
-    <p:sldId id="258" r:id="rId7"/>
-    <p:sldId id="259" r:id="rId8"/>
-    <p:sldId id="260" r:id="rId9"/>
-    <p:sldId id="261" r:id="rId10"/>
-    <p:sldId id="263" r:id="rId11"/>
-    <p:sldId id="265" r:id="rId12"/>
+    <p:sldId id="259" r:id="rId6"/>
+    <p:sldId id="260" r:id="rId7"/>
+    <p:sldId id="261" r:id="rId8"/>
+    <p:sldId id="263" r:id="rId9"/>
+    <p:sldId id="265" r:id="rId10"/>
   </p:sldIdLst>
   <p:sldSz cx="12192000" cy="6858000"/>
   <p:notesSz cx="6858000" cy="9144000"/>
@@ -207,7 +205,7 @@
           <a:p>
             <a:fld id="{19ACBE14-CFA7-4795-81EF-F522099A4FBC}" type="datetimeFigureOut">
               <a:rPr lang="en-US" smtClean="0"/>
-              <a:t>11/3/2020</a:t>
+              <a:t>11/5/2020</a:t>
             </a:fld>
             <a:endParaRPr lang="en-US"/>
           </a:p>
@@ -475,6 +473,103 @@
 </p:notesMaster>
 </file>
 
+<file path=ppt/notesSlides/notesSlide1.xml><?xml version="1.0" encoding="utf-8"?>
+<p:notes xmlns:a="http://schemas.openxmlformats.org/drawingml/2006/main" xmlns:r="http://schemas.openxmlformats.org/officeDocument/2006/relationships" xmlns:p="http://schemas.openxmlformats.org/presentationml/2006/main">
+  <p:cSld>
+    <p:spTree>
+      <p:nvGrpSpPr>
+        <p:cNvPr id="1" name=""/>
+        <p:cNvGrpSpPr/>
+        <p:nvPr/>
+      </p:nvGrpSpPr>
+      <p:grpSpPr>
+        <a:xfrm>
+          <a:off x="0" y="0"/>
+          <a:ext cx="0" cy="0"/>
+          <a:chOff x="0" y="0"/>
+          <a:chExt cx="0" cy="0"/>
+        </a:xfrm>
+      </p:grpSpPr>
+      <p:sp>
+        <p:nvSpPr>
+          <p:cNvPr id="2" name="Marcador de imagen de diapositiva 1"/>
+          <p:cNvSpPr>
+            <a:spLocks noGrp="1" noRot="1" noChangeAspect="1"/>
+          </p:cNvSpPr>
+          <p:nvPr>
+            <p:ph type="sldImg"/>
+          </p:nvPr>
+        </p:nvSpPr>
+        <p:spPr/>
+      </p:sp>
+      <p:sp>
+        <p:nvSpPr>
+          <p:cNvPr id="3" name="Marcador de notas 2"/>
+          <p:cNvSpPr>
+            <a:spLocks noGrp="1"/>
+          </p:cNvSpPr>
+          <p:nvPr>
+            <p:ph type="body" idx="1"/>
+          </p:nvPr>
+        </p:nvSpPr>
+        <p:spPr/>
+        <p:txBody>
+          <a:bodyPr/>
+          <a:lstStyle/>
+          <a:p>
+            <a:r>
+              <a:rPr kumimoji="0" lang="es-ES" altLang="en-US" sz="1200" b="0" i="0" u="none" strike="noStrike" cap="none" normalizeH="0" baseline="0" dirty="0">
+                <a:ln>
+                  <a:noFill/>
+                </a:ln>
+                <a:solidFill>
+                  <a:srgbClr val="222222"/>
+                </a:solidFill>
+                <a:effectLst/>
+                <a:latin typeface="inherit"/>
+              </a:rPr>
+              <a:t>Tal modelo podría ser útil para detectar aumentos excesivos de precios, dando poder de vuelta a manos de los consumidores</a:t>
+            </a:r>
+            <a:endParaRPr lang="en-US" dirty="0"/>
+          </a:p>
+        </p:txBody>
+      </p:sp>
+      <p:sp>
+        <p:nvSpPr>
+          <p:cNvPr id="4" name="Marcador de número de diapositiva 3"/>
+          <p:cNvSpPr>
+            <a:spLocks noGrp="1"/>
+          </p:cNvSpPr>
+          <p:nvPr>
+            <p:ph type="sldNum" sz="quarter" idx="5"/>
+          </p:nvPr>
+        </p:nvSpPr>
+        <p:spPr/>
+        <p:txBody>
+          <a:bodyPr/>
+          <a:lstStyle/>
+          <a:p>
+            <a:fld id="{BBF9A713-39A1-4455-9A50-A722BB5B6022}" type="slidenum">
+              <a:rPr lang="en-US" smtClean="0"/>
+              <a:t>3</a:t>
+            </a:fld>
+            <a:endParaRPr lang="en-US"/>
+          </a:p>
+        </p:txBody>
+      </p:sp>
+    </p:spTree>
+    <p:extLst>
+      <p:ext uri="{BB962C8B-B14F-4D97-AF65-F5344CB8AC3E}">
+        <p14:creationId xmlns:p14="http://schemas.microsoft.com/office/powerpoint/2010/main" val="762290348"/>
+      </p:ext>
+    </p:extLst>
+  </p:cSld>
+  <p:clrMapOvr>
+    <a:masterClrMapping/>
+  </p:clrMapOvr>
+</p:notes>
+</file>
+
 <file path=ppt/slideLayouts/slideLayout1.xml><?xml version="1.0" encoding="utf-8"?>
 <p:sldLayout xmlns:a="http://schemas.openxmlformats.org/drawingml/2006/main" xmlns:r="http://schemas.openxmlformats.org/officeDocument/2006/relationships" xmlns:p="http://schemas.openxmlformats.org/presentationml/2006/main" showMasterSp="0" type="title" preserve="1">
   <p:cSld name="Diapositiva de título">
@@ -701,7 +796,7 @@
           <a:p>
             <a:fld id="{AC56C321-71D9-4220-8F30-FFDBCFA7B955}" type="datetime1">
               <a:rPr lang="en-US" smtClean="0"/>
-              <a:t>11/3/2020</a:t>
+              <a:t>11/5/2020</a:t>
             </a:fld>
             <a:endParaRPr lang="en-US"/>
           </a:p>
@@ -913,7 +1008,7 @@
           <a:p>
             <a:fld id="{66943E3B-9E0A-4037-9560-F2883C000E88}" type="datetime1">
               <a:rPr lang="en-US" smtClean="0"/>
-              <a:t>11/3/2020</a:t>
+              <a:t>11/5/2020</a:t>
             </a:fld>
             <a:endParaRPr lang="en-US"/>
           </a:p>
@@ -1173,7 +1268,7 @@
           <a:p>
             <a:fld id="{BF29F4FA-08B0-4772-82E3-D433C5D642F2}" type="datetime1">
               <a:rPr lang="en-US" smtClean="0"/>
-              <a:t>11/3/2020</a:t>
+              <a:t>11/5/2020</a:t>
             </a:fld>
             <a:endParaRPr lang="en-US"/>
           </a:p>
@@ -1351,7 +1446,7 @@
           <a:p>
             <a:fld id="{093FBC96-4E2D-4172-97AD-2FC9AE61AC0F}" type="datetime1">
               <a:rPr lang="en-US" smtClean="0"/>
-              <a:t>11/3/2020</a:t>
+              <a:t>11/5/2020</a:t>
             </a:fld>
             <a:endParaRPr lang="en-US"/>
           </a:p>
@@ -1698,7 +1793,7 @@
           <a:p>
             <a:fld id="{4EA70D51-2151-4867-BACC-1F7949947D11}" type="datetime1">
               <a:rPr lang="en-US" smtClean="0"/>
-              <a:t>11/3/2020</a:t>
+              <a:t>11/5/2020</a:t>
             </a:fld>
             <a:endParaRPr lang="en-US"/>
           </a:p>
@@ -1977,7 +2072,7 @@
           <a:p>
             <a:fld id="{8F773FD5-8504-4DAB-B892-52C6D8D2478C}" type="datetime1">
               <a:rPr lang="en-US" smtClean="0"/>
-              <a:t>11/3/2020</a:t>
+              <a:t>11/5/2020</a:t>
             </a:fld>
             <a:endParaRPr lang="en-US"/>
           </a:p>
@@ -2360,7 +2455,7 @@
           <a:p>
             <a:fld id="{D8AC2535-F480-4527-9B3D-C37868784A25}" type="datetime1">
               <a:rPr lang="en-US" smtClean="0"/>
-              <a:t>11/3/2020</a:t>
+              <a:t>11/5/2020</a:t>
             </a:fld>
             <a:endParaRPr lang="en-US"/>
           </a:p>
@@ -2482,7 +2577,7 @@
           <a:p>
             <a:fld id="{6F34CECC-F7DA-41E6-B74A-DDA585CDB9A0}" type="datetime1">
               <a:rPr lang="en-US" smtClean="0"/>
-              <a:t>11/3/2020</a:t>
+              <a:t>11/5/2020</a:t>
             </a:fld>
             <a:endParaRPr lang="en-US"/>
           </a:p>
@@ -2657,7 +2752,7 @@
           <a:p>
             <a:fld id="{E14537CF-A874-4305-A561-B5C98BD376EC}" type="datetime1">
               <a:rPr lang="en-US" smtClean="0"/>
-              <a:t>11/3/2020</a:t>
+              <a:t>11/5/2020</a:t>
             </a:fld>
             <a:endParaRPr lang="en-US"/>
           </a:p>
@@ -3015,7 +3110,7 @@
           <a:p>
             <a:fld id="{18BCBBFC-B176-42EE-AF23-EF4C7C79D8EA}" type="datetime1">
               <a:rPr lang="en-US" smtClean="0"/>
-              <a:t>11/3/2020</a:t>
+              <a:t>11/5/2020</a:t>
             </a:fld>
             <a:endParaRPr lang="en-US"/>
           </a:p>
@@ -3401,7 +3496,7 @@
           <a:p>
             <a:fld id="{14AA4061-1851-4CBD-AA59-DEA2AB710D8A}" type="datetime1">
               <a:rPr lang="en-US" smtClean="0"/>
-              <a:t>11/3/2020</a:t>
+              <a:t>11/5/2020</a:t>
             </a:fld>
             <a:endParaRPr lang="en-US"/>
           </a:p>
@@ -3692,7 +3787,7 @@
           <a:p>
             <a:fld id="{F2063304-F164-4CA6-A5F7-E46DA9D20D97}" type="datetime1">
               <a:rPr lang="en-US" smtClean="0"/>
-              <a:t>11/3/2020</a:t>
+              <a:t>11/5/2020</a:t>
             </a:fld>
             <a:endParaRPr lang="en-US"/>
           </a:p>
@@ -4807,7 +4902,7 @@
             </a:pPr>
             <a:r>
               <a:rPr lang="es-CO" sz="1400" dirty="0"/>
-              <a:t>Noviembre, 2020</a:t>
+              <a:t>Noviembre 7, 2020</a:t>
             </a:r>
             <a:endParaRPr lang="en-US" sz="1400" dirty="0"/>
           </a:p>
@@ -4817,392 +4912,6 @@
     <p:extLst>
       <p:ext uri="{BB962C8B-B14F-4D97-AF65-F5344CB8AC3E}">
         <p14:creationId xmlns:p14="http://schemas.microsoft.com/office/powerpoint/2010/main" val="556766029"/>
-      </p:ext>
-    </p:extLst>
-  </p:cSld>
-  <p:clrMapOvr>
-    <a:masterClrMapping/>
-  </p:clrMapOvr>
-</p:sld>
-</file>
-
-<file path=ppt/slides/slide10.xml><?xml version="1.0" encoding="utf-8"?>
-<p:sld xmlns:a="http://schemas.openxmlformats.org/drawingml/2006/main" xmlns:r="http://schemas.openxmlformats.org/officeDocument/2006/relationships" xmlns:p="http://schemas.openxmlformats.org/presentationml/2006/main">
-  <p:cSld>
-    <p:spTree>
-      <p:nvGrpSpPr>
-        <p:cNvPr id="1" name=""/>
-        <p:cNvGrpSpPr/>
-        <p:nvPr/>
-      </p:nvGrpSpPr>
-      <p:grpSpPr>
-        <a:xfrm>
-          <a:off x="0" y="0"/>
-          <a:ext cx="0" cy="0"/>
-          <a:chOff x="0" y="0"/>
-          <a:chExt cx="0" cy="0"/>
-        </a:xfrm>
-      </p:grpSpPr>
-      <p:sp>
-        <p:nvSpPr>
-          <p:cNvPr id="2" name="Título 1">
-            <a:extLst>
-              <a:ext uri="{FF2B5EF4-FFF2-40B4-BE49-F238E27FC236}">
-                <a16:creationId xmlns:a16="http://schemas.microsoft.com/office/drawing/2014/main" id="{D33BD806-BE7C-4C0F-A680-134AA775C762}"/>
-              </a:ext>
-            </a:extLst>
-          </p:cNvPr>
-          <p:cNvSpPr>
-            <a:spLocks noGrp="1"/>
-          </p:cNvSpPr>
-          <p:nvPr>
-            <p:ph type="title"/>
-          </p:nvPr>
-        </p:nvSpPr>
-        <p:spPr/>
-        <p:txBody>
-          <a:bodyPr/>
-          <a:lstStyle/>
-          <a:p>
-            <a:r>
-              <a:rPr lang="es-CO" dirty="0"/>
-              <a:t>Referencias</a:t>
-            </a:r>
-            <a:endParaRPr lang="en-US" dirty="0"/>
-          </a:p>
-        </p:txBody>
-      </p:sp>
-      <p:sp>
-        <p:nvSpPr>
-          <p:cNvPr id="3" name="Marcador de contenido 2">
-            <a:extLst>
-              <a:ext uri="{FF2B5EF4-FFF2-40B4-BE49-F238E27FC236}">
-                <a16:creationId xmlns:a16="http://schemas.microsoft.com/office/drawing/2014/main" id="{22515F9D-3AD0-4754-B701-F276A2C1B176}"/>
-              </a:ext>
-            </a:extLst>
-          </p:cNvPr>
-          <p:cNvSpPr>
-            <a:spLocks noGrp="1"/>
-          </p:cNvSpPr>
-          <p:nvPr>
-            <p:ph idx="1"/>
-          </p:nvPr>
-        </p:nvSpPr>
-        <p:spPr/>
-        <p:txBody>
-          <a:bodyPr/>
-          <a:lstStyle/>
-          <a:p>
-            <a:endParaRPr lang="en-US"/>
-          </a:p>
-        </p:txBody>
-      </p:sp>
-      <p:sp>
-        <p:nvSpPr>
-          <p:cNvPr id="4" name="Marcador de pie de página 3">
-            <a:extLst>
-              <a:ext uri="{FF2B5EF4-FFF2-40B4-BE49-F238E27FC236}">
-                <a16:creationId xmlns:a16="http://schemas.microsoft.com/office/drawing/2014/main" id="{19E6D12E-94C0-41D6-AB72-5A1904961D00}"/>
-              </a:ext>
-            </a:extLst>
-          </p:cNvPr>
-          <p:cNvSpPr>
-            <a:spLocks noGrp="1"/>
-          </p:cNvSpPr>
-          <p:nvPr>
-            <p:ph type="ftr" sz="quarter" idx="11"/>
-          </p:nvPr>
-        </p:nvSpPr>
-        <p:spPr/>
-        <p:txBody>
-          <a:bodyPr/>
-          <a:lstStyle/>
-          <a:p>
-            <a:r>
-              <a:rPr lang="es-ES"/>
-              <a:t>Diplomado en Inteligencia Artificial y Aprendizaje Profundo -UN</a:t>
-            </a:r>
-            <a:endParaRPr lang="en-US"/>
-          </a:p>
-        </p:txBody>
-      </p:sp>
-      <p:sp>
-        <p:nvSpPr>
-          <p:cNvPr id="5" name="Marcador de número de diapositiva 4">
-            <a:extLst>
-              <a:ext uri="{FF2B5EF4-FFF2-40B4-BE49-F238E27FC236}">
-                <a16:creationId xmlns:a16="http://schemas.microsoft.com/office/drawing/2014/main" id="{174404A0-EE6F-40F3-868D-F4E0CD5BFA63}"/>
-              </a:ext>
-            </a:extLst>
-          </p:cNvPr>
-          <p:cNvSpPr>
-            <a:spLocks noGrp="1"/>
-          </p:cNvSpPr>
-          <p:nvPr>
-            <p:ph type="sldNum" sz="quarter" idx="12"/>
-          </p:nvPr>
-        </p:nvSpPr>
-        <p:spPr/>
-        <p:txBody>
-          <a:bodyPr/>
-          <a:lstStyle/>
-          <a:p>
-            <a:fld id="{1987B7B8-616A-43F8-924E-8DBE374A2992}" type="slidenum">
-              <a:rPr lang="en-US" smtClean="0"/>
-              <a:t>10</a:t>
-            </a:fld>
-            <a:endParaRPr lang="en-US"/>
-          </a:p>
-        </p:txBody>
-      </p:sp>
-    </p:spTree>
-    <p:extLst>
-      <p:ext uri="{BB962C8B-B14F-4D97-AF65-F5344CB8AC3E}">
-        <p14:creationId xmlns:p14="http://schemas.microsoft.com/office/powerpoint/2010/main" val="169776319"/>
-      </p:ext>
-    </p:extLst>
-  </p:cSld>
-  <p:clrMapOvr>
-    <a:masterClrMapping/>
-  </p:clrMapOvr>
-</p:sld>
-</file>
-
-<file path=ppt/slides/slide11.xml><?xml version="1.0" encoding="utf-8"?>
-<p:sld xmlns:a="http://schemas.openxmlformats.org/drawingml/2006/main" xmlns:r="http://schemas.openxmlformats.org/officeDocument/2006/relationships" xmlns:p="http://schemas.openxmlformats.org/presentationml/2006/main">
-  <p:cSld>
-    <p:bg>
-      <p:bgPr>
-        <a:solidFill>
-          <a:schemeClr val="bg1"/>
-        </a:solidFill>
-        <a:effectLst/>
-      </p:bgPr>
-    </p:bg>
-    <p:spTree>
-      <p:nvGrpSpPr>
-        <p:cNvPr id="1" name=""/>
-        <p:cNvGrpSpPr/>
-        <p:nvPr/>
-      </p:nvGrpSpPr>
-      <p:grpSpPr>
-        <a:xfrm>
-          <a:off x="0" y="0"/>
-          <a:ext cx="0" cy="0"/>
-          <a:chOff x="0" y="0"/>
-          <a:chExt cx="0" cy="0"/>
-        </a:xfrm>
-      </p:grpSpPr>
-      <p:sp>
-        <p:nvSpPr>
-          <p:cNvPr id="3" name="Marcador de contenido 2">
-            <a:extLst>
-              <a:ext uri="{FF2B5EF4-FFF2-40B4-BE49-F238E27FC236}">
-                <a16:creationId xmlns:a16="http://schemas.microsoft.com/office/drawing/2014/main" id="{48D61464-91A8-4E1B-90DE-EF7C058CB9FC}"/>
-              </a:ext>
-            </a:extLst>
-          </p:cNvPr>
-          <p:cNvSpPr>
-            <a:spLocks noGrp="1"/>
-          </p:cNvSpPr>
-          <p:nvPr>
-            <p:ph idx="1"/>
-          </p:nvPr>
-        </p:nvSpPr>
-        <p:spPr>
-          <a:xfrm>
-            <a:off x="4320770" y="5423255"/>
-            <a:ext cx="6454987" cy="500302"/>
-          </a:xfrm>
-        </p:spPr>
-        <p:txBody>
-          <a:bodyPr>
-            <a:noAutofit/>
-          </a:bodyPr>
-          <a:lstStyle/>
-          <a:p>
-            <a:r>
-              <a:rPr lang="es-CO" sz="4800" dirty="0"/>
-              <a:t>@</a:t>
-            </a:r>
-            <a:r>
-              <a:rPr lang="es-CO" sz="4800" dirty="0" err="1"/>
-              <a:t>anmarphy</a:t>
-            </a:r>
-            <a:endParaRPr lang="en-US" sz="4800" dirty="0"/>
-          </a:p>
-        </p:txBody>
-      </p:sp>
-      <p:pic>
-        <p:nvPicPr>
-          <p:cNvPr id="6" name="Picture 2" descr="Qué es GitHub?">
-            <a:extLst>
-              <a:ext uri="{FF2B5EF4-FFF2-40B4-BE49-F238E27FC236}">
-                <a16:creationId xmlns:a16="http://schemas.microsoft.com/office/drawing/2014/main" id="{C5C6A012-B854-4688-BD44-5A65F3C5A644}"/>
-              </a:ext>
-            </a:extLst>
-          </p:cNvPr>
-          <p:cNvPicPr>
-            <a:picLocks noChangeAspect="1" noChangeArrowheads="1"/>
-          </p:cNvPicPr>
-          <p:nvPr/>
-        </p:nvPicPr>
-        <p:blipFill rotWithShape="1">
-          <a:blip r:embed="rId2">
-            <a:extLst>
-              <a:ext uri="{28A0092B-C50C-407E-A947-70E740481C1C}">
-                <a14:useLocalDpi xmlns:a14="http://schemas.microsoft.com/office/drawing/2010/main" val="0"/>
-              </a:ext>
-            </a:extLst>
-          </a:blip>
-          <a:srcRect l="25179" r="24466"/>
-          <a:stretch/>
-        </p:blipFill>
-        <p:spPr bwMode="auto">
-          <a:xfrm>
-            <a:off x="4612353" y="2292632"/>
-            <a:ext cx="2795212" cy="3094698"/>
-          </a:xfrm>
-          <a:prstGeom prst="rect">
-            <a:avLst/>
-          </a:prstGeom>
-          <a:noFill/>
-          <a:extLst>
-            <a:ext uri="{909E8E84-426E-40DD-AFC4-6F175D3DCCD1}">
-              <a14:hiddenFill xmlns:a14="http://schemas.microsoft.com/office/drawing/2010/main">
-                <a:solidFill>
-                  <a:srgbClr val="FFFFFF"/>
-                </a:solidFill>
-              </a14:hiddenFill>
-            </a:ext>
-          </a:extLst>
-        </p:spPr>
-      </p:pic>
-      <p:sp>
-        <p:nvSpPr>
-          <p:cNvPr id="4" name="Marcador de pie de página 3">
-            <a:extLst>
-              <a:ext uri="{FF2B5EF4-FFF2-40B4-BE49-F238E27FC236}">
-                <a16:creationId xmlns:a16="http://schemas.microsoft.com/office/drawing/2014/main" id="{C90F60B1-464B-47FE-943C-F087347E8C8D}"/>
-              </a:ext>
-            </a:extLst>
-          </p:cNvPr>
-          <p:cNvSpPr>
-            <a:spLocks noGrp="1"/>
-          </p:cNvSpPr>
-          <p:nvPr>
-            <p:ph type="ftr" sz="quarter" idx="11"/>
-          </p:nvPr>
-        </p:nvSpPr>
-        <p:spPr>
-          <a:xfrm>
-            <a:off x="3686185" y="6459785"/>
-            <a:ext cx="4822804" cy="365125"/>
-          </a:xfrm>
-        </p:spPr>
-        <p:txBody>
-          <a:bodyPr>
-            <a:normAutofit/>
-          </a:bodyPr>
-          <a:lstStyle/>
-          <a:p>
-            <a:pPr>
-              <a:spcAft>
-                <a:spcPts val="600"/>
-              </a:spcAft>
-            </a:pPr>
-            <a:r>
-              <a:rPr lang="es-ES"/>
-              <a:t>Diplomado en Inteligencia Artificial y Aprendizaje Profundo -UN</a:t>
-            </a:r>
-            <a:endParaRPr lang="en-US"/>
-          </a:p>
-        </p:txBody>
-      </p:sp>
-      <p:sp>
-        <p:nvSpPr>
-          <p:cNvPr id="5" name="Marcador de número de diapositiva 4">
-            <a:extLst>
-              <a:ext uri="{FF2B5EF4-FFF2-40B4-BE49-F238E27FC236}">
-                <a16:creationId xmlns:a16="http://schemas.microsoft.com/office/drawing/2014/main" id="{38A6B737-6221-4F45-9B2B-3EB041CE98B3}"/>
-              </a:ext>
-            </a:extLst>
-          </p:cNvPr>
-          <p:cNvSpPr>
-            <a:spLocks noGrp="1"/>
-          </p:cNvSpPr>
-          <p:nvPr>
-            <p:ph type="sldNum" sz="quarter" idx="12"/>
-          </p:nvPr>
-        </p:nvSpPr>
-        <p:spPr>
-          <a:xfrm>
-            <a:off x="9900458" y="6459785"/>
-            <a:ext cx="1312025" cy="365125"/>
-          </a:xfrm>
-        </p:spPr>
-        <p:txBody>
-          <a:bodyPr>
-            <a:normAutofit/>
-          </a:bodyPr>
-          <a:lstStyle/>
-          <a:p>
-            <a:pPr>
-              <a:spcAft>
-                <a:spcPts val="600"/>
-              </a:spcAft>
-            </a:pPr>
-            <a:fld id="{1987B7B8-616A-43F8-924E-8DBE374A2992}" type="slidenum">
-              <a:rPr lang="en-US" smtClean="0"/>
-              <a:pPr>
-                <a:spcAft>
-                  <a:spcPts val="600"/>
-                </a:spcAft>
-              </a:pPr>
-              <a:t>11</a:t>
-            </a:fld>
-            <a:endParaRPr lang="en-US"/>
-          </a:p>
-        </p:txBody>
-      </p:sp>
-      <p:sp>
-        <p:nvSpPr>
-          <p:cNvPr id="7" name="Título 1">
-            <a:extLst>
-              <a:ext uri="{FF2B5EF4-FFF2-40B4-BE49-F238E27FC236}">
-                <a16:creationId xmlns:a16="http://schemas.microsoft.com/office/drawing/2014/main" id="{11F76853-F96A-47A5-A9D2-35810E187909}"/>
-              </a:ext>
-            </a:extLst>
-          </p:cNvPr>
-          <p:cNvSpPr>
-            <a:spLocks noGrp="1"/>
-          </p:cNvSpPr>
-          <p:nvPr>
-            <p:ph type="title"/>
-          </p:nvPr>
-        </p:nvSpPr>
-        <p:spPr>
-          <a:xfrm>
-            <a:off x="1097280" y="286603"/>
-            <a:ext cx="10058400" cy="1450757"/>
-          </a:xfrm>
-        </p:spPr>
-        <p:txBody>
-          <a:bodyPr/>
-          <a:lstStyle/>
-          <a:p>
-            <a:r>
-              <a:rPr lang="es-CO" dirty="0"/>
-              <a:t>Gracias!</a:t>
-            </a:r>
-            <a:endParaRPr lang="en-US" dirty="0"/>
-          </a:p>
-        </p:txBody>
-      </p:sp>
-    </p:spTree>
-    <p:extLst>
-      <p:ext uri="{BB962C8B-B14F-4D97-AF65-F5344CB8AC3E}">
-        <p14:creationId xmlns:p14="http://schemas.microsoft.com/office/powerpoint/2010/main" val="947331470"/>
       </p:ext>
     </p:extLst>
   </p:cSld>
@@ -5280,18 +4989,24 @@
           <a:lstStyle/>
           <a:p>
             <a:pPr>
+              <a:lnSpc>
+                <a:spcPct val="100000"/>
+              </a:lnSpc>
               <a:buFont typeface="Wingdings" panose="05000000000000000000" pitchFamily="2" charset="2"/>
-              <a:buChar char="Ø"/>
+              <a:buChar char="§"/>
             </a:pPr>
             <a:r>
               <a:rPr lang="es-CO" dirty="0"/>
-              <a:t>Introducción</a:t>
+              <a:t>Presentación del problema</a:t>
             </a:r>
           </a:p>
           <a:p>
             <a:pPr>
+              <a:lnSpc>
+                <a:spcPct val="100000"/>
+              </a:lnSpc>
               <a:buFont typeface="Wingdings" panose="05000000000000000000" pitchFamily="2" charset="2"/>
-              <a:buChar char="Ø"/>
+              <a:buChar char="§"/>
             </a:pPr>
             <a:r>
               <a:rPr lang="es-CO" dirty="0"/>
@@ -5300,18 +5015,11 @@
           </a:p>
           <a:p>
             <a:pPr>
+              <a:lnSpc>
+                <a:spcPct val="100000"/>
+              </a:lnSpc>
               <a:buFont typeface="Wingdings" panose="05000000000000000000" pitchFamily="2" charset="2"/>
-              <a:buChar char="Ø"/>
-            </a:pPr>
-            <a:r>
-              <a:rPr lang="es-CO" dirty="0"/>
-              <a:t>Presentación del problema</a:t>
-            </a:r>
-          </a:p>
-          <a:p>
-            <a:pPr>
-              <a:buFont typeface="Wingdings" panose="05000000000000000000" pitchFamily="2" charset="2"/>
-              <a:buChar char="Ø"/>
+              <a:buChar char="§"/>
             </a:pPr>
             <a:r>
               <a:rPr lang="es-CO" dirty="0"/>
@@ -5320,8 +5028,11 @@
           </a:p>
           <a:p>
             <a:pPr>
+              <a:lnSpc>
+                <a:spcPct val="100000"/>
+              </a:lnSpc>
               <a:buFont typeface="Wingdings" panose="05000000000000000000" pitchFamily="2" charset="2"/>
-              <a:buChar char="Ø"/>
+              <a:buChar char="§"/>
             </a:pPr>
             <a:r>
               <a:rPr lang="es-CO" dirty="0"/>
@@ -5330,18 +5041,24 @@
           </a:p>
           <a:p>
             <a:pPr>
+              <a:lnSpc>
+                <a:spcPct val="100000"/>
+              </a:lnSpc>
               <a:buFont typeface="Wingdings" panose="05000000000000000000" pitchFamily="2" charset="2"/>
-              <a:buChar char="Ø"/>
+              <a:buChar char="§"/>
             </a:pPr>
             <a:r>
               <a:rPr lang="es-CO" dirty="0"/>
-              <a:t>Conclusiones</a:t>
+              <a:t>Futuro análisis</a:t>
             </a:r>
           </a:p>
           <a:p>
             <a:pPr>
+              <a:lnSpc>
+                <a:spcPct val="100000"/>
+              </a:lnSpc>
               <a:buFont typeface="Wingdings" panose="05000000000000000000" pitchFamily="2" charset="2"/>
-              <a:buChar char="Ø"/>
+              <a:buChar char="§"/>
             </a:pPr>
             <a:r>
               <a:rPr lang="es-CO" dirty="0"/>
@@ -5444,7 +5161,7 @@
           <p:cNvPr id="2" name="Título 1">
             <a:extLst>
               <a:ext uri="{FF2B5EF4-FFF2-40B4-BE49-F238E27FC236}">
-                <a16:creationId xmlns:a16="http://schemas.microsoft.com/office/drawing/2014/main" id="{1E797A53-D90D-40DE-BD9B-4F78A3B94017}"/>
+                <a16:creationId xmlns:a16="http://schemas.microsoft.com/office/drawing/2014/main" id="{633FF7CD-E6E7-452A-A196-5DA3C5CB2E77}"/>
               </a:ext>
             </a:extLst>
           </p:cNvPr>
@@ -5462,7 +5179,7 @@
           <a:p>
             <a:r>
               <a:rPr lang="es-CO" dirty="0"/>
-              <a:t>Introducción</a:t>
+              <a:t>Presentación del problema</a:t>
             </a:r>
             <a:endParaRPr lang="en-US" dirty="0"/>
           </a:p>
@@ -5473,7 +5190,7 @@
           <p:cNvPr id="3" name="Marcador de contenido 2">
             <a:extLst>
               <a:ext uri="{FF2B5EF4-FFF2-40B4-BE49-F238E27FC236}">
-                <a16:creationId xmlns:a16="http://schemas.microsoft.com/office/drawing/2014/main" id="{F97C7D9E-32D5-481D-8D46-2145E1E34178}"/>
+                <a16:creationId xmlns:a16="http://schemas.microsoft.com/office/drawing/2014/main" id="{C2B20E0D-4D0F-48F9-90D4-9A46D64D67A1}"/>
               </a:ext>
             </a:extLst>
           </p:cNvPr>
@@ -5484,12 +5201,37 @@
             <p:ph idx="1"/>
           </p:nvPr>
         </p:nvSpPr>
-        <p:spPr/>
+        <p:spPr>
+          <a:xfrm>
+            <a:off x="1097280" y="4395262"/>
+            <a:ext cx="10058400" cy="1450757"/>
+          </a:xfrm>
+        </p:spPr>
         <p:txBody>
           <a:bodyPr/>
           <a:lstStyle/>
           <a:p>
-            <a:endParaRPr lang="en-US"/>
+            <a:pPr marL="0" indent="0">
+              <a:buNone/>
+            </a:pPr>
+            <a:r>
+              <a:rPr lang="es-CO" b="1" dirty="0"/>
+              <a:t>Objetivo:</a:t>
+            </a:r>
+          </a:p>
+          <a:p>
+            <a:pPr marL="0" indent="0">
+              <a:buNone/>
+            </a:pPr>
+            <a:r>
+              <a:rPr lang="es-CO" dirty="0"/>
+              <a:t>Diseñar un modelo de redes neuronales que dadas las características de un espacio a publicitar en Airbnb para la ciudad de New York retorne una estimación de la tarifación por noche. Delimitando las tarifas a un precio inferior o igual a </a:t>
+            </a:r>
+            <a:r>
+              <a:rPr lang="en-US" dirty="0"/>
+              <a:t>1.000USD. </a:t>
+            </a:r>
+            <a:endParaRPr lang="es-CO" dirty="0"/>
           </a:p>
         </p:txBody>
       </p:sp>
@@ -5498,7 +5240,7 @@
           <p:cNvPr id="4" name="Marcador de pie de página 3">
             <a:extLst>
               <a:ext uri="{FF2B5EF4-FFF2-40B4-BE49-F238E27FC236}">
-                <a16:creationId xmlns:a16="http://schemas.microsoft.com/office/drawing/2014/main" id="{FAB604B1-DDCB-43EE-B464-81A5D81B65B8}"/>
+                <a16:creationId xmlns:a16="http://schemas.microsoft.com/office/drawing/2014/main" id="{1301204C-C1D9-4659-868E-25B7B8A4C11A}"/>
               </a:ext>
             </a:extLst>
           </p:cNvPr>
@@ -5527,7 +5269,7 @@
           <p:cNvPr id="5" name="Marcador de número de diapositiva 4">
             <a:extLst>
               <a:ext uri="{FF2B5EF4-FFF2-40B4-BE49-F238E27FC236}">
-                <a16:creationId xmlns:a16="http://schemas.microsoft.com/office/drawing/2014/main" id="{A1B96E80-AE7A-4984-BD95-2E8E5059A3E0}"/>
+                <a16:creationId xmlns:a16="http://schemas.microsoft.com/office/drawing/2014/main" id="{7956E5C5-FA64-4F17-B1CF-60F974E4A187}"/>
               </a:ext>
             </a:extLst>
           </p:cNvPr>
@@ -5551,10 +5293,463 @@
           </a:p>
         </p:txBody>
       </p:sp>
+      <p:sp>
+        <p:nvSpPr>
+          <p:cNvPr id="7" name="Marcador de contenido 2">
+            <a:extLst>
+              <a:ext uri="{FF2B5EF4-FFF2-40B4-BE49-F238E27FC236}">
+                <a16:creationId xmlns:a16="http://schemas.microsoft.com/office/drawing/2014/main" id="{ECE955A0-4648-42DF-B7ED-1E9733CD57FB}"/>
+              </a:ext>
+            </a:extLst>
+          </p:cNvPr>
+          <p:cNvSpPr txBox="1">
+            <a:spLocks/>
+          </p:cNvSpPr>
+          <p:nvPr/>
+        </p:nvSpPr>
+        <p:spPr>
+          <a:xfrm>
+            <a:off x="1097280" y="1881735"/>
+            <a:ext cx="9235397" cy="3670180"/>
+          </a:xfrm>
+          <a:prstGeom prst="rect">
+            <a:avLst/>
+          </a:prstGeom>
+        </p:spPr>
+        <p:txBody>
+          <a:bodyPr vert="horz" lIns="0" tIns="45720" rIns="0" bIns="45720" rtlCol="0">
+            <a:normAutofit/>
+          </a:bodyPr>
+          <a:lstStyle>
+            <a:lvl1pPr marL="91440" indent="-91440" algn="l" defTabSz="914400" rtl="0" eaLnBrk="1" latinLnBrk="0" hangingPunct="1">
+              <a:lnSpc>
+                <a:spcPct val="90000"/>
+              </a:lnSpc>
+              <a:spcBef>
+                <a:spcPts val="1200"/>
+              </a:spcBef>
+              <a:spcAft>
+                <a:spcPts val="200"/>
+              </a:spcAft>
+              <a:buClr>
+                <a:schemeClr val="accent1"/>
+              </a:buClr>
+              <a:buSzPct val="100000"/>
+              <a:buFont typeface="Calibri" panose="020F0502020204030204" pitchFamily="34" charset="0"/>
+              <a:buChar char=" "/>
+              <a:defRPr sz="2000" kern="1200">
+                <a:solidFill>
+                  <a:schemeClr val="tx1">
+                    <a:lumMod val="75000"/>
+                    <a:lumOff val="25000"/>
+                  </a:schemeClr>
+                </a:solidFill>
+                <a:latin typeface="+mn-lt"/>
+                <a:ea typeface="+mn-ea"/>
+                <a:cs typeface="+mn-cs"/>
+              </a:defRPr>
+            </a:lvl1pPr>
+            <a:lvl2pPr marL="384048" indent="-182880" algn="l" defTabSz="914400" rtl="0" eaLnBrk="1" latinLnBrk="0" hangingPunct="1">
+              <a:lnSpc>
+                <a:spcPct val="90000"/>
+              </a:lnSpc>
+              <a:spcBef>
+                <a:spcPts val="200"/>
+              </a:spcBef>
+              <a:spcAft>
+                <a:spcPts val="400"/>
+              </a:spcAft>
+              <a:buClr>
+                <a:schemeClr val="accent1"/>
+              </a:buClr>
+              <a:buFont typeface="Calibri" pitchFamily="34" charset="0"/>
+              <a:buChar char="◦"/>
+              <a:defRPr sz="1800" kern="1200">
+                <a:solidFill>
+                  <a:schemeClr val="tx1">
+                    <a:lumMod val="75000"/>
+                    <a:lumOff val="25000"/>
+                  </a:schemeClr>
+                </a:solidFill>
+                <a:latin typeface="+mn-lt"/>
+                <a:ea typeface="+mn-ea"/>
+                <a:cs typeface="+mn-cs"/>
+              </a:defRPr>
+            </a:lvl2pPr>
+            <a:lvl3pPr marL="566928" indent="-182880" algn="l" defTabSz="914400" rtl="0" eaLnBrk="1" latinLnBrk="0" hangingPunct="1">
+              <a:lnSpc>
+                <a:spcPct val="90000"/>
+              </a:lnSpc>
+              <a:spcBef>
+                <a:spcPts val="200"/>
+              </a:spcBef>
+              <a:spcAft>
+                <a:spcPts val="400"/>
+              </a:spcAft>
+              <a:buClr>
+                <a:schemeClr val="accent1"/>
+              </a:buClr>
+              <a:buFont typeface="Calibri" pitchFamily="34" charset="0"/>
+              <a:buChar char="◦"/>
+              <a:defRPr sz="1400" kern="1200">
+                <a:solidFill>
+                  <a:schemeClr val="tx1">
+                    <a:lumMod val="75000"/>
+                    <a:lumOff val="25000"/>
+                  </a:schemeClr>
+                </a:solidFill>
+                <a:latin typeface="+mn-lt"/>
+                <a:ea typeface="+mn-ea"/>
+                <a:cs typeface="+mn-cs"/>
+              </a:defRPr>
+            </a:lvl3pPr>
+            <a:lvl4pPr marL="749808" indent="-182880" algn="l" defTabSz="914400" rtl="0" eaLnBrk="1" latinLnBrk="0" hangingPunct="1">
+              <a:lnSpc>
+                <a:spcPct val="90000"/>
+              </a:lnSpc>
+              <a:spcBef>
+                <a:spcPts val="200"/>
+              </a:spcBef>
+              <a:spcAft>
+                <a:spcPts val="400"/>
+              </a:spcAft>
+              <a:buClr>
+                <a:schemeClr val="accent1"/>
+              </a:buClr>
+              <a:buFont typeface="Calibri" pitchFamily="34" charset="0"/>
+              <a:buChar char="◦"/>
+              <a:defRPr sz="1400" kern="1200">
+                <a:solidFill>
+                  <a:schemeClr val="tx1">
+                    <a:lumMod val="75000"/>
+                    <a:lumOff val="25000"/>
+                  </a:schemeClr>
+                </a:solidFill>
+                <a:latin typeface="+mn-lt"/>
+                <a:ea typeface="+mn-ea"/>
+                <a:cs typeface="+mn-cs"/>
+              </a:defRPr>
+            </a:lvl4pPr>
+            <a:lvl5pPr marL="932688" indent="-182880" algn="l" defTabSz="914400" rtl="0" eaLnBrk="1" latinLnBrk="0" hangingPunct="1">
+              <a:lnSpc>
+                <a:spcPct val="90000"/>
+              </a:lnSpc>
+              <a:spcBef>
+                <a:spcPts val="200"/>
+              </a:spcBef>
+              <a:spcAft>
+                <a:spcPts val="400"/>
+              </a:spcAft>
+              <a:buClr>
+                <a:schemeClr val="accent1"/>
+              </a:buClr>
+              <a:buFont typeface="Calibri" pitchFamily="34" charset="0"/>
+              <a:buChar char="◦"/>
+              <a:defRPr sz="1400" kern="1200">
+                <a:solidFill>
+                  <a:schemeClr val="tx1">
+                    <a:lumMod val="75000"/>
+                    <a:lumOff val="25000"/>
+                  </a:schemeClr>
+                </a:solidFill>
+                <a:latin typeface="+mn-lt"/>
+                <a:ea typeface="+mn-ea"/>
+                <a:cs typeface="+mn-cs"/>
+              </a:defRPr>
+            </a:lvl5pPr>
+            <a:lvl6pPr marL="1100000" indent="-228600" algn="l" defTabSz="914400" rtl="0" eaLnBrk="1" latinLnBrk="0" hangingPunct="1">
+              <a:lnSpc>
+                <a:spcPct val="90000"/>
+              </a:lnSpc>
+              <a:spcBef>
+                <a:spcPts val="200"/>
+              </a:spcBef>
+              <a:spcAft>
+                <a:spcPts val="400"/>
+              </a:spcAft>
+              <a:buClr>
+                <a:schemeClr val="accent1"/>
+              </a:buClr>
+              <a:buFont typeface="Calibri" pitchFamily="34" charset="0"/>
+              <a:buChar char="◦"/>
+              <a:defRPr sz="1400" kern="1200">
+                <a:solidFill>
+                  <a:schemeClr val="tx1">
+                    <a:lumMod val="75000"/>
+                    <a:lumOff val="25000"/>
+                  </a:schemeClr>
+                </a:solidFill>
+                <a:latin typeface="+mn-lt"/>
+                <a:ea typeface="+mn-ea"/>
+                <a:cs typeface="+mn-cs"/>
+              </a:defRPr>
+            </a:lvl6pPr>
+            <a:lvl7pPr marL="1300000" indent="-228600" algn="l" defTabSz="914400" rtl="0" eaLnBrk="1" latinLnBrk="0" hangingPunct="1">
+              <a:lnSpc>
+                <a:spcPct val="90000"/>
+              </a:lnSpc>
+              <a:spcBef>
+                <a:spcPts val="200"/>
+              </a:spcBef>
+              <a:spcAft>
+                <a:spcPts val="400"/>
+              </a:spcAft>
+              <a:buClr>
+                <a:schemeClr val="accent1"/>
+              </a:buClr>
+              <a:buFont typeface="Calibri" pitchFamily="34" charset="0"/>
+              <a:buChar char="◦"/>
+              <a:defRPr sz="1400" kern="1200">
+                <a:solidFill>
+                  <a:schemeClr val="tx1">
+                    <a:lumMod val="75000"/>
+                    <a:lumOff val="25000"/>
+                  </a:schemeClr>
+                </a:solidFill>
+                <a:latin typeface="+mn-lt"/>
+                <a:ea typeface="+mn-ea"/>
+                <a:cs typeface="+mn-cs"/>
+              </a:defRPr>
+            </a:lvl7pPr>
+            <a:lvl8pPr marL="1500000" indent="-228600" algn="l" defTabSz="914400" rtl="0" eaLnBrk="1" latinLnBrk="0" hangingPunct="1">
+              <a:lnSpc>
+                <a:spcPct val="90000"/>
+              </a:lnSpc>
+              <a:spcBef>
+                <a:spcPts val="200"/>
+              </a:spcBef>
+              <a:spcAft>
+                <a:spcPts val="400"/>
+              </a:spcAft>
+              <a:buClr>
+                <a:schemeClr val="accent1"/>
+              </a:buClr>
+              <a:buFont typeface="Calibri" pitchFamily="34" charset="0"/>
+              <a:buChar char="◦"/>
+              <a:defRPr sz="1400" kern="1200">
+                <a:solidFill>
+                  <a:schemeClr val="tx1">
+                    <a:lumMod val="75000"/>
+                    <a:lumOff val="25000"/>
+                  </a:schemeClr>
+                </a:solidFill>
+                <a:latin typeface="+mn-lt"/>
+                <a:ea typeface="+mn-ea"/>
+                <a:cs typeface="+mn-cs"/>
+              </a:defRPr>
+            </a:lvl8pPr>
+            <a:lvl9pPr marL="1700000" indent="-228600" algn="l" defTabSz="914400" rtl="0" eaLnBrk="1" latinLnBrk="0" hangingPunct="1">
+              <a:lnSpc>
+                <a:spcPct val="90000"/>
+              </a:lnSpc>
+              <a:spcBef>
+                <a:spcPts val="200"/>
+              </a:spcBef>
+              <a:spcAft>
+                <a:spcPts val="400"/>
+              </a:spcAft>
+              <a:buClr>
+                <a:schemeClr val="accent1"/>
+              </a:buClr>
+              <a:buFont typeface="Calibri" pitchFamily="34" charset="0"/>
+              <a:buChar char="◦"/>
+              <a:defRPr sz="1400" kern="1200">
+                <a:solidFill>
+                  <a:schemeClr val="tx1">
+                    <a:lumMod val="75000"/>
+                    <a:lumOff val="25000"/>
+                  </a:schemeClr>
+                </a:solidFill>
+                <a:latin typeface="+mn-lt"/>
+                <a:ea typeface="+mn-ea"/>
+                <a:cs typeface="+mn-cs"/>
+              </a:defRPr>
+            </a:lvl9pPr>
+          </a:lstStyle>
+          <a:p>
+            <a:pPr>
+              <a:buFont typeface="Wingdings" panose="05000000000000000000" pitchFamily="2" charset="2"/>
+              <a:buChar char="Ø"/>
+            </a:pPr>
+            <a:r>
+              <a:rPr lang="es-CO" sz="1800" dirty="0"/>
+              <a:t>Airbnb es una plataforma que permite publicitar espacios para ser alquiladas por diferentes periodos de tiempo en base a una tarifa por noche.</a:t>
+            </a:r>
+          </a:p>
+          <a:p>
+            <a:pPr>
+              <a:buFont typeface="Wingdings" panose="05000000000000000000" pitchFamily="2" charset="2"/>
+              <a:buChar char="Ø"/>
+            </a:pPr>
+            <a:r>
+              <a:rPr lang="es-CO" sz="1800" dirty="0"/>
+              <a:t>Los anfitriones se encargan de establecer sus propios precios aunque Airbnb ofrece un acompañamiento de tarifación.</a:t>
+            </a:r>
+          </a:p>
+          <a:p>
+            <a:pPr>
+              <a:buFont typeface="Wingdings" panose="05000000000000000000" pitchFamily="2" charset="2"/>
+              <a:buChar char="Ø"/>
+            </a:pPr>
+            <a:r>
+              <a:rPr lang="es-CO" sz="1800" dirty="0"/>
+              <a:t>La importancia de una tarifación justa radica en que una pequeña diferencia en el precio puede marcar el éxito de la ocupación o la salida del mercado.</a:t>
+            </a:r>
+          </a:p>
+          <a:p>
+            <a:pPr marL="285750" indent="-285750">
+              <a:buFont typeface="Wingdings" panose="05000000000000000000" pitchFamily="2" charset="2"/>
+              <a:buChar char="Ø"/>
+            </a:pPr>
+            <a:endParaRPr lang="es-CO" dirty="0">
+              <a:latin typeface="-apple-system"/>
+            </a:endParaRPr>
+          </a:p>
+          <a:p>
+            <a:pPr marL="285750" indent="-285750">
+              <a:buFont typeface="Wingdings" panose="05000000000000000000" pitchFamily="2" charset="2"/>
+              <a:buChar char="Ø"/>
+            </a:pPr>
+            <a:endParaRPr lang="es-CO" dirty="0">
+              <a:latin typeface="-apple-system"/>
+            </a:endParaRPr>
+          </a:p>
+          <a:p>
+            <a:pPr marL="285750" indent="-285750">
+              <a:buFont typeface="Wingdings" panose="05000000000000000000" pitchFamily="2" charset="2"/>
+              <a:buChar char="Ø"/>
+            </a:pPr>
+            <a:endParaRPr lang="es-CO" dirty="0">
+              <a:latin typeface="-apple-system"/>
+            </a:endParaRPr>
+          </a:p>
+          <a:p>
+            <a:pPr marL="285750" indent="-285750">
+              <a:buFont typeface="Wingdings" panose="05000000000000000000" pitchFamily="2" charset="2"/>
+              <a:buChar char="Ø"/>
+            </a:pPr>
+            <a:endParaRPr lang="en-US" dirty="0"/>
+          </a:p>
+        </p:txBody>
+      </p:sp>
+      <p:sp>
+        <p:nvSpPr>
+          <p:cNvPr id="8" name="Rectangle 1">
+            <a:extLst>
+              <a:ext uri="{FF2B5EF4-FFF2-40B4-BE49-F238E27FC236}">
+                <a16:creationId xmlns:a16="http://schemas.microsoft.com/office/drawing/2014/main" id="{B9CC6735-D92C-4FBF-8F62-07B48499EC7A}"/>
+              </a:ext>
+            </a:extLst>
+          </p:cNvPr>
+          <p:cNvSpPr>
+            <a:spLocks noChangeArrowheads="1"/>
+          </p:cNvSpPr>
+          <p:nvPr/>
+        </p:nvSpPr>
+        <p:spPr bwMode="auto">
+          <a:xfrm>
+            <a:off x="-381022" y="142648"/>
+            <a:ext cx="99386" cy="287910"/>
+          </a:xfrm>
+          <a:prstGeom prst="rect">
+            <a:avLst/>
+          </a:prstGeom>
+          <a:solidFill>
+            <a:srgbClr val="F8F9FA"/>
+          </a:solidFill>
+          <a:ln>
+            <a:noFill/>
+          </a:ln>
+          <a:effectLst/>
+          <a:extLst>
+            <a:ext uri="{91240B29-F687-4F45-9708-019B960494DF}">
+              <a14:hiddenLine xmlns:a14="http://schemas.microsoft.com/office/drawing/2010/main" w="9525">
+                <a:solidFill>
+                  <a:schemeClr val="tx1"/>
+                </a:solidFill>
+                <a:miter lim="800000"/>
+                <a:headEnd/>
+                <a:tailEnd/>
+              </a14:hiddenLine>
+            </a:ext>
+            <a:ext uri="{AF507438-7753-43E0-B8FC-AC1667EBCBE1}">
+              <a14:hiddenEffects xmlns:a14="http://schemas.microsoft.com/office/drawing/2010/main">
+                <a:effectLst>
+                  <a:outerShdw dist="35921" dir="2700000" algn="ctr" rotWithShape="0">
+                    <a:schemeClr val="bg2"/>
+                  </a:outerShdw>
+                </a:effectLst>
+              </a14:hiddenEffects>
+            </a:ext>
+          </a:extLst>
+        </p:spPr>
+        <p:txBody>
+          <a:bodyPr vert="horz" wrap="none" lIns="0" tIns="-17457" rIns="0" bIns="-17457" numCol="1" anchor="ctr" anchorCtr="0" compatLnSpc="1">
+            <a:prstTxWarp prst="textNoShape">
+              <a:avLst/>
+            </a:prstTxWarp>
+            <a:spAutoFit/>
+          </a:bodyPr>
+          <a:lstStyle/>
+          <a:p>
+            <a:pPr marL="0" marR="0" lvl="0" indent="0" algn="l" defTabSz="914400" rtl="0" eaLnBrk="0" fontAlgn="base" latinLnBrk="0" hangingPunct="0">
+              <a:lnSpc>
+                <a:spcPct val="100000"/>
+              </a:lnSpc>
+              <a:spcBef>
+                <a:spcPct val="0"/>
+              </a:spcBef>
+              <a:spcAft>
+                <a:spcPct val="0"/>
+              </a:spcAft>
+              <a:buClrTx/>
+              <a:buSzTx/>
+              <a:buFontTx/>
+              <a:buNone/>
+              <a:tabLst/>
+            </a:pPr>
+            <a:r>
+              <a:rPr kumimoji="0" lang="es-ES" altLang="en-US" sz="2100" b="0" i="0" u="none" strike="noStrike" cap="none" normalizeH="0" baseline="0" dirty="0">
+                <a:ln>
+                  <a:noFill/>
+                </a:ln>
+                <a:solidFill>
+                  <a:srgbClr val="222222"/>
+                </a:solidFill>
+                <a:effectLst/>
+                <a:latin typeface="inherit"/>
+              </a:rPr>
+              <a:t>.</a:t>
+            </a:r>
+            <a:r>
+              <a:rPr kumimoji="0" lang="es-ES" altLang="en-US" sz="1100" b="0" i="0" u="none" strike="noStrike" cap="none" normalizeH="0" baseline="0" dirty="0">
+                <a:ln>
+                  <a:noFill/>
+                </a:ln>
+                <a:solidFill>
+                  <a:schemeClr val="tx1"/>
+                </a:solidFill>
+                <a:effectLst/>
+              </a:rPr>
+              <a:t> </a:t>
+            </a:r>
+            <a:endParaRPr kumimoji="0" lang="es-ES" altLang="en-US" sz="1800" b="0" i="0" u="none" strike="noStrike" cap="none" normalizeH="0" baseline="0" dirty="0">
+              <a:ln>
+                <a:noFill/>
+              </a:ln>
+              <a:solidFill>
+                <a:schemeClr val="tx1"/>
+              </a:solidFill>
+              <a:effectLst/>
+              <a:latin typeface="Arial" panose="020B0604020202020204" pitchFamily="34" charset="0"/>
+            </a:endParaRPr>
+          </a:p>
+        </p:txBody>
+      </p:sp>
     </p:spTree>
     <p:extLst>
       <p:ext uri="{BB962C8B-B14F-4D97-AF65-F5344CB8AC3E}">
-        <p14:creationId xmlns:p14="http://schemas.microsoft.com/office/powerpoint/2010/main" val="3913236413"/>
+        <p14:creationId xmlns:p14="http://schemas.microsoft.com/office/powerpoint/2010/main" val="4204402852"/>
       </p:ext>
     </p:extLst>
   </p:cSld>
@@ -5718,7 +5913,7 @@
               <a:rPr lang="es-ES" dirty="0">
                 <a:latin typeface="-apple-system"/>
               </a:rPr>
-              <a:t>Contiene información 45.756 espacios publicitados y 74 atributos asociados con 8 tipos de variables:</a:t>
+              <a:t>Contiene información 45.756 propiedades y 74 atributos asociados con 8 tipos de variables:</a:t>
             </a:r>
           </a:p>
           <a:p>
@@ -6212,311 +6407,6 @@
 </file>
 
 <file path=ppt/slides/slide5.xml><?xml version="1.0" encoding="utf-8"?>
-<p:sld xmlns:a="http://schemas.openxmlformats.org/drawingml/2006/main" xmlns:r="http://schemas.openxmlformats.org/officeDocument/2006/relationships" xmlns:p="http://schemas.openxmlformats.org/presentationml/2006/main">
-  <p:cSld>
-    <p:spTree>
-      <p:nvGrpSpPr>
-        <p:cNvPr id="1" name=""/>
-        <p:cNvGrpSpPr/>
-        <p:nvPr/>
-      </p:nvGrpSpPr>
-      <p:grpSpPr>
-        <a:xfrm>
-          <a:off x="0" y="0"/>
-          <a:ext cx="0" cy="0"/>
-          <a:chOff x="0" y="0"/>
-          <a:chExt cx="0" cy="0"/>
-        </a:xfrm>
-      </p:grpSpPr>
-      <p:sp>
-        <p:nvSpPr>
-          <p:cNvPr id="2" name="Título 1">
-            <a:extLst>
-              <a:ext uri="{FF2B5EF4-FFF2-40B4-BE49-F238E27FC236}">
-                <a16:creationId xmlns:a16="http://schemas.microsoft.com/office/drawing/2014/main" id="{EF3C45EF-BAD1-4D0B-B203-EC1C956CB62A}"/>
-              </a:ext>
-            </a:extLst>
-          </p:cNvPr>
-          <p:cNvSpPr>
-            <a:spLocks noGrp="1"/>
-          </p:cNvSpPr>
-          <p:nvPr>
-            <p:ph type="title"/>
-          </p:nvPr>
-        </p:nvSpPr>
-        <p:spPr/>
-        <p:txBody>
-          <a:bodyPr/>
-          <a:lstStyle/>
-          <a:p>
-            <a:endParaRPr lang="en-US"/>
-          </a:p>
-        </p:txBody>
-      </p:sp>
-      <p:sp>
-        <p:nvSpPr>
-          <p:cNvPr id="3" name="Marcador de contenido 2">
-            <a:extLst>
-              <a:ext uri="{FF2B5EF4-FFF2-40B4-BE49-F238E27FC236}">
-                <a16:creationId xmlns:a16="http://schemas.microsoft.com/office/drawing/2014/main" id="{C3D4C1D4-4833-43C0-9C7A-94A836A3B40D}"/>
-              </a:ext>
-            </a:extLst>
-          </p:cNvPr>
-          <p:cNvSpPr>
-            <a:spLocks noGrp="1"/>
-          </p:cNvSpPr>
-          <p:nvPr>
-            <p:ph idx="1"/>
-          </p:nvPr>
-        </p:nvSpPr>
-        <p:spPr/>
-        <p:txBody>
-          <a:bodyPr/>
-          <a:lstStyle/>
-          <a:p>
-            <a:endParaRPr lang="en-US"/>
-          </a:p>
-        </p:txBody>
-      </p:sp>
-      <p:sp>
-        <p:nvSpPr>
-          <p:cNvPr id="4" name="Marcador de pie de página 3">
-            <a:extLst>
-              <a:ext uri="{FF2B5EF4-FFF2-40B4-BE49-F238E27FC236}">
-                <a16:creationId xmlns:a16="http://schemas.microsoft.com/office/drawing/2014/main" id="{32BC0628-410F-49DA-A0B8-F6DFC72A7912}"/>
-              </a:ext>
-            </a:extLst>
-          </p:cNvPr>
-          <p:cNvSpPr>
-            <a:spLocks noGrp="1"/>
-          </p:cNvSpPr>
-          <p:nvPr>
-            <p:ph type="ftr" sz="quarter" idx="11"/>
-          </p:nvPr>
-        </p:nvSpPr>
-        <p:spPr/>
-        <p:txBody>
-          <a:bodyPr/>
-          <a:lstStyle/>
-          <a:p>
-            <a:r>
-              <a:rPr lang="es-ES"/>
-              <a:t>Diplomado en Inteligencia Artificial y Aprendizaje Profundo -UN</a:t>
-            </a:r>
-            <a:endParaRPr lang="en-US"/>
-          </a:p>
-        </p:txBody>
-      </p:sp>
-      <p:sp>
-        <p:nvSpPr>
-          <p:cNvPr id="5" name="Marcador de número de diapositiva 4">
-            <a:extLst>
-              <a:ext uri="{FF2B5EF4-FFF2-40B4-BE49-F238E27FC236}">
-                <a16:creationId xmlns:a16="http://schemas.microsoft.com/office/drawing/2014/main" id="{73AC6EB6-1727-4B63-A917-F19C76CE98E1}"/>
-              </a:ext>
-            </a:extLst>
-          </p:cNvPr>
-          <p:cNvSpPr>
-            <a:spLocks noGrp="1"/>
-          </p:cNvSpPr>
-          <p:nvPr>
-            <p:ph type="sldNum" sz="quarter" idx="12"/>
-          </p:nvPr>
-        </p:nvSpPr>
-        <p:spPr/>
-        <p:txBody>
-          <a:bodyPr/>
-          <a:lstStyle/>
-          <a:p>
-            <a:fld id="{1987B7B8-616A-43F8-924E-8DBE374A2992}" type="slidenum">
-              <a:rPr lang="en-US" smtClean="0"/>
-              <a:t>5</a:t>
-            </a:fld>
-            <a:endParaRPr lang="en-US"/>
-          </a:p>
-        </p:txBody>
-      </p:sp>
-    </p:spTree>
-    <p:extLst>
-      <p:ext uri="{BB962C8B-B14F-4D97-AF65-F5344CB8AC3E}">
-        <p14:creationId xmlns:p14="http://schemas.microsoft.com/office/powerpoint/2010/main" val="3519953303"/>
-      </p:ext>
-    </p:extLst>
-  </p:cSld>
-  <p:clrMapOvr>
-    <a:masterClrMapping/>
-  </p:clrMapOvr>
-</p:sld>
-</file>
-
-<file path=ppt/slides/slide6.xml><?xml version="1.0" encoding="utf-8"?>
-<p:sld xmlns:a="http://schemas.openxmlformats.org/drawingml/2006/main" xmlns:r="http://schemas.openxmlformats.org/officeDocument/2006/relationships" xmlns:p="http://schemas.openxmlformats.org/presentationml/2006/main">
-  <p:cSld>
-    <p:spTree>
-      <p:nvGrpSpPr>
-        <p:cNvPr id="1" name=""/>
-        <p:cNvGrpSpPr/>
-        <p:nvPr/>
-      </p:nvGrpSpPr>
-      <p:grpSpPr>
-        <a:xfrm>
-          <a:off x="0" y="0"/>
-          <a:ext cx="0" cy="0"/>
-          <a:chOff x="0" y="0"/>
-          <a:chExt cx="0" cy="0"/>
-        </a:xfrm>
-      </p:grpSpPr>
-      <p:sp>
-        <p:nvSpPr>
-          <p:cNvPr id="2" name="Título 1">
-            <a:extLst>
-              <a:ext uri="{FF2B5EF4-FFF2-40B4-BE49-F238E27FC236}">
-                <a16:creationId xmlns:a16="http://schemas.microsoft.com/office/drawing/2014/main" id="{633FF7CD-E6E7-452A-A196-5DA3C5CB2E77}"/>
-              </a:ext>
-            </a:extLst>
-          </p:cNvPr>
-          <p:cNvSpPr>
-            <a:spLocks noGrp="1"/>
-          </p:cNvSpPr>
-          <p:nvPr>
-            <p:ph type="title"/>
-          </p:nvPr>
-        </p:nvSpPr>
-        <p:spPr/>
-        <p:txBody>
-          <a:bodyPr/>
-          <a:lstStyle/>
-          <a:p>
-            <a:r>
-              <a:rPr lang="es-CO" dirty="0"/>
-              <a:t>Presentación del problema</a:t>
-            </a:r>
-            <a:endParaRPr lang="en-US" dirty="0"/>
-          </a:p>
-        </p:txBody>
-      </p:sp>
-      <p:sp>
-        <p:nvSpPr>
-          <p:cNvPr id="3" name="Marcador de contenido 2">
-            <a:extLst>
-              <a:ext uri="{FF2B5EF4-FFF2-40B4-BE49-F238E27FC236}">
-                <a16:creationId xmlns:a16="http://schemas.microsoft.com/office/drawing/2014/main" id="{C2B20E0D-4D0F-48F9-90D4-9A46D64D67A1}"/>
-              </a:ext>
-            </a:extLst>
-          </p:cNvPr>
-          <p:cNvSpPr>
-            <a:spLocks noGrp="1"/>
-          </p:cNvSpPr>
-          <p:nvPr>
-            <p:ph idx="1"/>
-          </p:nvPr>
-        </p:nvSpPr>
-        <p:spPr>
-          <a:xfrm>
-            <a:off x="915799" y="4555378"/>
-            <a:ext cx="10058400" cy="1450757"/>
-          </a:xfrm>
-        </p:spPr>
-        <p:txBody>
-          <a:bodyPr/>
-          <a:lstStyle/>
-          <a:p>
-            <a:pPr marL="0" indent="0">
-              <a:buNone/>
-            </a:pPr>
-            <a:r>
-              <a:rPr lang="es-CO" b="1" dirty="0"/>
-              <a:t>Objetivo:</a:t>
-            </a:r>
-          </a:p>
-          <a:p>
-            <a:pPr marL="0" indent="0">
-              <a:buNone/>
-            </a:pPr>
-            <a:r>
-              <a:rPr lang="es-CO" dirty="0"/>
-              <a:t>Diseñar un modelo de aprendizaje profundo que dadas las características de un espacio a publicitar en Airbnb para la ciudad de New York retorne una estimación de la tarifación por noche. Delimitando las tarifas a un precio inferior o igual a </a:t>
-            </a:r>
-            <a:r>
-              <a:rPr lang="en-US" dirty="0"/>
-              <a:t>1.000USD.</a:t>
-            </a:r>
-            <a:endParaRPr lang="es-CO" dirty="0"/>
-          </a:p>
-        </p:txBody>
-      </p:sp>
-      <p:sp>
-        <p:nvSpPr>
-          <p:cNvPr id="4" name="Marcador de pie de página 3">
-            <a:extLst>
-              <a:ext uri="{FF2B5EF4-FFF2-40B4-BE49-F238E27FC236}">
-                <a16:creationId xmlns:a16="http://schemas.microsoft.com/office/drawing/2014/main" id="{1301204C-C1D9-4659-868E-25B7B8A4C11A}"/>
-              </a:ext>
-            </a:extLst>
-          </p:cNvPr>
-          <p:cNvSpPr>
-            <a:spLocks noGrp="1"/>
-          </p:cNvSpPr>
-          <p:nvPr>
-            <p:ph type="ftr" sz="quarter" idx="11"/>
-          </p:nvPr>
-        </p:nvSpPr>
-        <p:spPr/>
-        <p:txBody>
-          <a:bodyPr/>
-          <a:lstStyle/>
-          <a:p>
-            <a:r>
-              <a:rPr lang="es-ES"/>
-              <a:t>Diplomado en Inteligencia Artificial y Aprendizaje Profundo -UN</a:t>
-            </a:r>
-            <a:endParaRPr lang="en-US"/>
-          </a:p>
-        </p:txBody>
-      </p:sp>
-      <p:sp>
-        <p:nvSpPr>
-          <p:cNvPr id="5" name="Marcador de número de diapositiva 4">
-            <a:extLst>
-              <a:ext uri="{FF2B5EF4-FFF2-40B4-BE49-F238E27FC236}">
-                <a16:creationId xmlns:a16="http://schemas.microsoft.com/office/drawing/2014/main" id="{7956E5C5-FA64-4F17-B1CF-60F974E4A187}"/>
-              </a:ext>
-            </a:extLst>
-          </p:cNvPr>
-          <p:cNvSpPr>
-            <a:spLocks noGrp="1"/>
-          </p:cNvSpPr>
-          <p:nvPr>
-            <p:ph type="sldNum" sz="quarter" idx="12"/>
-          </p:nvPr>
-        </p:nvSpPr>
-        <p:spPr/>
-        <p:txBody>
-          <a:bodyPr/>
-          <a:lstStyle/>
-          <a:p>
-            <a:fld id="{1987B7B8-616A-43F8-924E-8DBE374A2992}" type="slidenum">
-              <a:rPr lang="en-US" smtClean="0"/>
-              <a:t>6</a:t>
-            </a:fld>
-            <a:endParaRPr lang="en-US"/>
-          </a:p>
-        </p:txBody>
-      </p:sp>
-    </p:spTree>
-    <p:extLst>
-      <p:ext uri="{BB962C8B-B14F-4D97-AF65-F5344CB8AC3E}">
-        <p14:creationId xmlns:p14="http://schemas.microsoft.com/office/powerpoint/2010/main" val="4204402852"/>
-      </p:ext>
-    </p:extLst>
-  </p:cSld>
-  <p:clrMapOvr>
-    <a:masterClrMapping/>
-  </p:clrMapOvr>
-</p:sld>
-</file>
-
-<file path=ppt/slides/slide7.xml><?xml version="1.0" encoding="utf-8"?>
 <p:sld xmlns:a="http://schemas.openxmlformats.org/drawingml/2006/main" xmlns:r="http://schemas.openxmlformats.org/officeDocument/2006/relationships" xmlns:p="http://schemas.openxmlformats.org/presentationml/2006/main">
   <p:cSld>
     <p:bg>
@@ -7067,7 +6957,7 @@
                   <a:spcPts val="600"/>
                 </a:spcAft>
               </a:pPr>
-              <a:t>7</a:t>
+              <a:t>5</a:t>
             </a:fld>
             <a:endParaRPr lang="en-US"/>
           </a:p>
@@ -7086,7 +6976,7 @@
 </p:sld>
 </file>
 
-<file path=ppt/slides/slide8.xml><?xml version="1.0" encoding="utf-8"?>
+<file path=ppt/slides/slide6.xml><?xml version="1.0" encoding="utf-8"?>
 <p:sld xmlns:a="http://schemas.openxmlformats.org/drawingml/2006/main" xmlns:r="http://schemas.openxmlformats.org/officeDocument/2006/relationships" xmlns:p="http://schemas.openxmlformats.org/presentationml/2006/main">
   <p:cSld>
     <p:bg>
@@ -7686,15 +7576,7 @@
             </a:pPr>
             <a:r>
               <a:rPr lang="es-CO" dirty="0"/>
-              <a:t>La distribución de los </a:t>
-            </a:r>
-            <a:r>
-              <a:rPr lang="es-CO" dirty="0" err="1"/>
-              <a:t>residuals</a:t>
-            </a:r>
-            <a:r>
-              <a:rPr lang="es-CO" dirty="0"/>
-              <a:t> parece seguir una distribución normal.</a:t>
+              <a:t>La distribución de los residuales presenta una distribución simétrica al rededor del cero.</a:t>
             </a:r>
           </a:p>
           <a:p>
@@ -7712,7 +7594,7 @@
             </a:r>
             <a:r>
               <a:rPr lang="es-CO" dirty="0"/>
-              <a:t> para los datos  asociados a tarifas más altas.</a:t>
+              <a:t> para las tarifas más altas.</a:t>
             </a:r>
           </a:p>
           <a:p>
@@ -7915,7 +7797,7 @@
                   <a:spcPts val="600"/>
                 </a:spcAft>
               </a:pPr>
-              <a:t>8</a:t>
+              <a:t>6</a:t>
             </a:fld>
             <a:endParaRPr lang="en-US"/>
           </a:p>
@@ -7994,7 +7876,7 @@
 </p:sld>
 </file>
 
-<file path=ppt/slides/slide9.xml><?xml version="1.0" encoding="utf-8"?>
+<file path=ppt/slides/slide7.xml><?xml version="1.0" encoding="utf-8"?>
 <p:sld xmlns:a="http://schemas.openxmlformats.org/drawingml/2006/main" xmlns:r="http://schemas.openxmlformats.org/officeDocument/2006/relationships" xmlns:p="http://schemas.openxmlformats.org/presentationml/2006/main">
   <p:cSld>
     <p:spTree>
@@ -8034,7 +7916,7 @@
           <a:p>
             <a:r>
               <a:rPr lang="es-CO" dirty="0"/>
-              <a:t>Conclusiones</a:t>
+              <a:t>Futuro análisis</a:t>
             </a:r>
             <a:endParaRPr lang="en-US" dirty="0"/>
           </a:p>
@@ -8061,9 +7943,52 @@
           <a:bodyPr/>
           <a:lstStyle/>
           <a:p>
+            <a:pPr>
+              <a:buFont typeface="Wingdings" panose="05000000000000000000" pitchFamily="2" charset="2"/>
+              <a:buChar char="Ø"/>
+            </a:pPr>
+            <a:r>
+              <a:rPr lang="es-CO" dirty="0"/>
+              <a:t>Ajuste de los hiper parámetros de la red para mejorar su desempeño. </a:t>
+            </a:r>
+          </a:p>
+          <a:p>
+            <a:pPr>
+              <a:buFont typeface="Wingdings" panose="05000000000000000000" pitchFamily="2" charset="2"/>
+              <a:buChar char="Ø"/>
+            </a:pPr>
+            <a:r>
+              <a:rPr lang="es-CO" dirty="0"/>
+              <a:t>Adicionar al interior de la red la información relacionada con los </a:t>
+            </a:r>
+            <a:r>
+              <a:rPr lang="es-CO" dirty="0" err="1"/>
+              <a:t>Reviews</a:t>
+            </a:r>
+            <a:r>
+              <a:rPr lang="es-CO" dirty="0"/>
+              <a:t> de la experiencia del usuario y imágenes de las locaciones. </a:t>
+            </a:r>
+            <a:endParaRPr lang="en-US" dirty="0"/>
+          </a:p>
+          <a:p>
+            <a:pPr>
+              <a:buFont typeface="Wingdings" panose="05000000000000000000" pitchFamily="2" charset="2"/>
+              <a:buChar char="Ø"/>
+            </a:pPr>
             <a:r>
               <a:rPr lang="es-CO" dirty="0"/>
               <a:t>Crear rangos de tarifación e implementar un modelo de clasificación en donde se pondere distintivamente por clase.</a:t>
+            </a:r>
+          </a:p>
+          <a:p>
+            <a:pPr>
+              <a:buFont typeface="Wingdings" panose="05000000000000000000" pitchFamily="2" charset="2"/>
+              <a:buChar char="Ø"/>
+            </a:pPr>
+            <a:r>
+              <a:rPr lang="es-CO" dirty="0"/>
+              <a:t>Segmentar la oferta de locación y diseñar modelos particulares, identificar posibles efectos de estacionalidad.</a:t>
             </a:r>
           </a:p>
           <a:p>
@@ -8123,7 +8048,7 @@
           <a:p>
             <a:fld id="{1987B7B8-616A-43F8-924E-8DBE374A2992}" type="slidenum">
               <a:rPr lang="en-US" smtClean="0"/>
-              <a:t>9</a:t>
+              <a:t>7</a:t>
             </a:fld>
             <a:endParaRPr lang="en-US"/>
           </a:p>
@@ -8133,6 +8058,463 @@
     <p:extLst>
       <p:ext uri="{BB962C8B-B14F-4D97-AF65-F5344CB8AC3E}">
         <p14:creationId xmlns:p14="http://schemas.microsoft.com/office/powerpoint/2010/main" val="101909247"/>
+      </p:ext>
+    </p:extLst>
+  </p:cSld>
+  <p:clrMapOvr>
+    <a:masterClrMapping/>
+  </p:clrMapOvr>
+</p:sld>
+</file>
+
+<file path=ppt/slides/slide8.xml><?xml version="1.0" encoding="utf-8"?>
+<p:sld xmlns:a="http://schemas.openxmlformats.org/drawingml/2006/main" xmlns:r="http://schemas.openxmlformats.org/officeDocument/2006/relationships" xmlns:p="http://schemas.openxmlformats.org/presentationml/2006/main">
+  <p:cSld>
+    <p:spTree>
+      <p:nvGrpSpPr>
+        <p:cNvPr id="1" name=""/>
+        <p:cNvGrpSpPr/>
+        <p:nvPr/>
+      </p:nvGrpSpPr>
+      <p:grpSpPr>
+        <a:xfrm>
+          <a:off x="0" y="0"/>
+          <a:ext cx="0" cy="0"/>
+          <a:chOff x="0" y="0"/>
+          <a:chExt cx="0" cy="0"/>
+        </a:xfrm>
+      </p:grpSpPr>
+      <p:sp>
+        <p:nvSpPr>
+          <p:cNvPr id="2" name="Título 1">
+            <a:extLst>
+              <a:ext uri="{FF2B5EF4-FFF2-40B4-BE49-F238E27FC236}">
+                <a16:creationId xmlns:a16="http://schemas.microsoft.com/office/drawing/2014/main" id="{D33BD806-BE7C-4C0F-A680-134AA775C762}"/>
+              </a:ext>
+            </a:extLst>
+          </p:cNvPr>
+          <p:cNvSpPr>
+            <a:spLocks noGrp="1"/>
+          </p:cNvSpPr>
+          <p:nvPr>
+            <p:ph type="title"/>
+          </p:nvPr>
+        </p:nvSpPr>
+        <p:spPr/>
+        <p:txBody>
+          <a:bodyPr/>
+          <a:lstStyle/>
+          <a:p>
+            <a:r>
+              <a:rPr lang="es-CO" dirty="0"/>
+              <a:t>Referencias</a:t>
+            </a:r>
+            <a:endParaRPr lang="en-US" dirty="0"/>
+          </a:p>
+        </p:txBody>
+      </p:sp>
+      <p:sp>
+        <p:nvSpPr>
+          <p:cNvPr id="3" name="Marcador de contenido 2">
+            <a:extLst>
+              <a:ext uri="{FF2B5EF4-FFF2-40B4-BE49-F238E27FC236}">
+                <a16:creationId xmlns:a16="http://schemas.microsoft.com/office/drawing/2014/main" id="{22515F9D-3AD0-4754-B701-F276A2C1B176}"/>
+              </a:ext>
+            </a:extLst>
+          </p:cNvPr>
+          <p:cNvSpPr>
+            <a:spLocks noGrp="1"/>
+          </p:cNvSpPr>
+          <p:nvPr>
+            <p:ph idx="1"/>
+          </p:nvPr>
+        </p:nvSpPr>
+        <p:spPr/>
+        <p:txBody>
+          <a:bodyPr/>
+          <a:lstStyle/>
+          <a:p>
+            <a:pPr>
+              <a:buFont typeface="Wingdings" panose="05000000000000000000" pitchFamily="2" charset="2"/>
+              <a:buChar char="Ø"/>
+            </a:pPr>
+            <a:r>
+              <a:rPr lang="en-US" dirty="0"/>
+              <a:t>Laura Lewis. Predicting </a:t>
+            </a:r>
+            <a:r>
+              <a:rPr lang="en-US" dirty="0" err="1"/>
+              <a:t>airbnb</a:t>
+            </a:r>
+            <a:r>
+              <a:rPr lang="en-US" dirty="0"/>
+              <a:t> prices with machine learning and deep learning, 2019. </a:t>
+            </a:r>
+            <a:r>
+              <a:rPr lang="en-US" dirty="0">
+                <a:hlinkClick r:id="rId2"/>
+              </a:rPr>
+              <a:t>https://towardsdatascience.com/predicting-airbnb-prices-with-machine-learning-and-deep-learning-f46d44afb8a6</a:t>
+            </a:r>
+            <a:r>
+              <a:rPr lang="en-US" dirty="0"/>
+              <a:t> </a:t>
+            </a:r>
+          </a:p>
+          <a:p>
+            <a:pPr>
+              <a:buFont typeface="Wingdings" panose="05000000000000000000" pitchFamily="2" charset="2"/>
+              <a:buChar char="Ø"/>
+            </a:pPr>
+            <a:r>
+              <a:rPr lang="en-US" dirty="0" err="1"/>
+              <a:t>Pouya</a:t>
+            </a:r>
+            <a:r>
+              <a:rPr lang="en-US" dirty="0"/>
+              <a:t> Rezazadeh </a:t>
+            </a:r>
+            <a:r>
+              <a:rPr lang="en-US" dirty="0" err="1"/>
+              <a:t>Kalehbasti</a:t>
+            </a:r>
+            <a:r>
+              <a:rPr lang="en-US" dirty="0"/>
+              <a:t>, Liubov </a:t>
+            </a:r>
+            <a:r>
+              <a:rPr lang="en-US" dirty="0" err="1"/>
+              <a:t>Nikolenko</a:t>
+            </a:r>
+            <a:r>
+              <a:rPr lang="en-US" dirty="0"/>
+              <a:t>, and </a:t>
+            </a:r>
+            <a:r>
+              <a:rPr lang="en-US" dirty="0" err="1"/>
+              <a:t>Hoormazd</a:t>
+            </a:r>
+            <a:r>
+              <a:rPr lang="en-US" dirty="0"/>
+              <a:t> Rezaei. Airbnb price prediction using machine learning and sentiment analysis. </a:t>
+            </a:r>
+            <a:r>
+              <a:rPr lang="en-US" dirty="0" err="1"/>
+              <a:t>arXiv</a:t>
+            </a:r>
+            <a:r>
+              <a:rPr lang="en-US" dirty="0"/>
+              <a:t> preprint arXiv:1907.12665, 2019.</a:t>
+            </a:r>
+          </a:p>
+        </p:txBody>
+      </p:sp>
+      <p:sp>
+        <p:nvSpPr>
+          <p:cNvPr id="4" name="Marcador de pie de página 3">
+            <a:extLst>
+              <a:ext uri="{FF2B5EF4-FFF2-40B4-BE49-F238E27FC236}">
+                <a16:creationId xmlns:a16="http://schemas.microsoft.com/office/drawing/2014/main" id="{19E6D12E-94C0-41D6-AB72-5A1904961D00}"/>
+              </a:ext>
+            </a:extLst>
+          </p:cNvPr>
+          <p:cNvSpPr>
+            <a:spLocks noGrp="1"/>
+          </p:cNvSpPr>
+          <p:nvPr>
+            <p:ph type="ftr" sz="quarter" idx="11"/>
+          </p:nvPr>
+        </p:nvSpPr>
+        <p:spPr/>
+        <p:txBody>
+          <a:bodyPr/>
+          <a:lstStyle/>
+          <a:p>
+            <a:r>
+              <a:rPr lang="es-ES"/>
+              <a:t>Diplomado en Inteligencia Artificial y Aprendizaje Profundo -UN</a:t>
+            </a:r>
+            <a:endParaRPr lang="en-US"/>
+          </a:p>
+        </p:txBody>
+      </p:sp>
+      <p:sp>
+        <p:nvSpPr>
+          <p:cNvPr id="5" name="Marcador de número de diapositiva 4">
+            <a:extLst>
+              <a:ext uri="{FF2B5EF4-FFF2-40B4-BE49-F238E27FC236}">
+                <a16:creationId xmlns:a16="http://schemas.microsoft.com/office/drawing/2014/main" id="{174404A0-EE6F-40F3-868D-F4E0CD5BFA63}"/>
+              </a:ext>
+            </a:extLst>
+          </p:cNvPr>
+          <p:cNvSpPr>
+            <a:spLocks noGrp="1"/>
+          </p:cNvSpPr>
+          <p:nvPr>
+            <p:ph type="sldNum" sz="quarter" idx="12"/>
+          </p:nvPr>
+        </p:nvSpPr>
+        <p:spPr/>
+        <p:txBody>
+          <a:bodyPr/>
+          <a:lstStyle/>
+          <a:p>
+            <a:fld id="{1987B7B8-616A-43F8-924E-8DBE374A2992}" type="slidenum">
+              <a:rPr lang="en-US" smtClean="0"/>
+              <a:t>8</a:t>
+            </a:fld>
+            <a:endParaRPr lang="en-US"/>
+          </a:p>
+        </p:txBody>
+      </p:sp>
+    </p:spTree>
+    <p:extLst>
+      <p:ext uri="{BB962C8B-B14F-4D97-AF65-F5344CB8AC3E}">
+        <p14:creationId xmlns:p14="http://schemas.microsoft.com/office/powerpoint/2010/main" val="169776319"/>
+      </p:ext>
+    </p:extLst>
+  </p:cSld>
+  <p:clrMapOvr>
+    <a:masterClrMapping/>
+  </p:clrMapOvr>
+</p:sld>
+</file>
+
+<file path=ppt/slides/slide9.xml><?xml version="1.0" encoding="utf-8"?>
+<p:sld xmlns:a="http://schemas.openxmlformats.org/drawingml/2006/main" xmlns:r="http://schemas.openxmlformats.org/officeDocument/2006/relationships" xmlns:p="http://schemas.openxmlformats.org/presentationml/2006/main">
+  <p:cSld>
+    <p:bg>
+      <p:bgPr>
+        <a:solidFill>
+          <a:schemeClr val="bg1"/>
+        </a:solidFill>
+        <a:effectLst/>
+      </p:bgPr>
+    </p:bg>
+    <p:spTree>
+      <p:nvGrpSpPr>
+        <p:cNvPr id="1" name=""/>
+        <p:cNvGrpSpPr/>
+        <p:nvPr/>
+      </p:nvGrpSpPr>
+      <p:grpSpPr>
+        <a:xfrm>
+          <a:off x="0" y="0"/>
+          <a:ext cx="0" cy="0"/>
+          <a:chOff x="0" y="0"/>
+          <a:chExt cx="0" cy="0"/>
+        </a:xfrm>
+      </p:grpSpPr>
+      <p:sp>
+        <p:nvSpPr>
+          <p:cNvPr id="3" name="Marcador de contenido 2">
+            <a:extLst>
+              <a:ext uri="{FF2B5EF4-FFF2-40B4-BE49-F238E27FC236}">
+                <a16:creationId xmlns:a16="http://schemas.microsoft.com/office/drawing/2014/main" id="{48D61464-91A8-4E1B-90DE-EF7C058CB9FC}"/>
+              </a:ext>
+            </a:extLst>
+          </p:cNvPr>
+          <p:cNvSpPr>
+            <a:spLocks noGrp="1"/>
+          </p:cNvSpPr>
+          <p:nvPr>
+            <p:ph idx="1"/>
+          </p:nvPr>
+        </p:nvSpPr>
+        <p:spPr>
+          <a:xfrm>
+            <a:off x="4320770" y="5423255"/>
+            <a:ext cx="6454987" cy="500302"/>
+          </a:xfrm>
+        </p:spPr>
+        <p:txBody>
+          <a:bodyPr>
+            <a:noAutofit/>
+          </a:bodyPr>
+          <a:lstStyle/>
+          <a:p>
+            <a:r>
+              <a:rPr lang="es-CO" sz="4800" dirty="0"/>
+              <a:t>@</a:t>
+            </a:r>
+            <a:r>
+              <a:rPr lang="es-CO" sz="4800" dirty="0" err="1"/>
+              <a:t>anmarphy</a:t>
+            </a:r>
+            <a:endParaRPr lang="en-US" sz="4800" dirty="0"/>
+          </a:p>
+        </p:txBody>
+      </p:sp>
+      <p:pic>
+        <p:nvPicPr>
+          <p:cNvPr id="6" name="Picture 2" descr="Qué es GitHub?">
+            <a:extLst>
+              <a:ext uri="{FF2B5EF4-FFF2-40B4-BE49-F238E27FC236}">
+                <a16:creationId xmlns:a16="http://schemas.microsoft.com/office/drawing/2014/main" id="{C5C6A012-B854-4688-BD44-5A65F3C5A644}"/>
+              </a:ext>
+            </a:extLst>
+          </p:cNvPr>
+          <p:cNvPicPr>
+            <a:picLocks noChangeAspect="1" noChangeArrowheads="1"/>
+          </p:cNvPicPr>
+          <p:nvPr/>
+        </p:nvPicPr>
+        <p:blipFill rotWithShape="1">
+          <a:blip r:embed="rId2">
+            <a:extLst>
+              <a:ext uri="{28A0092B-C50C-407E-A947-70E740481C1C}">
+                <a14:useLocalDpi xmlns:a14="http://schemas.microsoft.com/office/drawing/2010/main" val="0"/>
+              </a:ext>
+            </a:extLst>
+          </a:blip>
+          <a:srcRect l="25179" r="24466"/>
+          <a:stretch/>
+        </p:blipFill>
+        <p:spPr bwMode="auto">
+          <a:xfrm>
+            <a:off x="4612353" y="2292632"/>
+            <a:ext cx="2795212" cy="3094698"/>
+          </a:xfrm>
+          <a:prstGeom prst="rect">
+            <a:avLst/>
+          </a:prstGeom>
+          <a:noFill/>
+          <a:extLst>
+            <a:ext uri="{909E8E84-426E-40DD-AFC4-6F175D3DCCD1}">
+              <a14:hiddenFill xmlns:a14="http://schemas.microsoft.com/office/drawing/2010/main">
+                <a:solidFill>
+                  <a:srgbClr val="FFFFFF"/>
+                </a:solidFill>
+              </a14:hiddenFill>
+            </a:ext>
+          </a:extLst>
+        </p:spPr>
+      </p:pic>
+      <p:sp>
+        <p:nvSpPr>
+          <p:cNvPr id="4" name="Marcador de pie de página 3">
+            <a:extLst>
+              <a:ext uri="{FF2B5EF4-FFF2-40B4-BE49-F238E27FC236}">
+                <a16:creationId xmlns:a16="http://schemas.microsoft.com/office/drawing/2014/main" id="{C90F60B1-464B-47FE-943C-F087347E8C8D}"/>
+              </a:ext>
+            </a:extLst>
+          </p:cNvPr>
+          <p:cNvSpPr>
+            <a:spLocks noGrp="1"/>
+          </p:cNvSpPr>
+          <p:nvPr>
+            <p:ph type="ftr" sz="quarter" idx="11"/>
+          </p:nvPr>
+        </p:nvSpPr>
+        <p:spPr>
+          <a:xfrm>
+            <a:off x="3686185" y="6459785"/>
+            <a:ext cx="4822804" cy="365125"/>
+          </a:xfrm>
+        </p:spPr>
+        <p:txBody>
+          <a:bodyPr>
+            <a:normAutofit/>
+          </a:bodyPr>
+          <a:lstStyle/>
+          <a:p>
+            <a:pPr>
+              <a:spcAft>
+                <a:spcPts val="600"/>
+              </a:spcAft>
+            </a:pPr>
+            <a:r>
+              <a:rPr lang="es-ES"/>
+              <a:t>Diplomado en Inteligencia Artificial y Aprendizaje Profundo -UN</a:t>
+            </a:r>
+            <a:endParaRPr lang="en-US"/>
+          </a:p>
+        </p:txBody>
+      </p:sp>
+      <p:sp>
+        <p:nvSpPr>
+          <p:cNvPr id="5" name="Marcador de número de diapositiva 4">
+            <a:extLst>
+              <a:ext uri="{FF2B5EF4-FFF2-40B4-BE49-F238E27FC236}">
+                <a16:creationId xmlns:a16="http://schemas.microsoft.com/office/drawing/2014/main" id="{38A6B737-6221-4F45-9B2B-3EB041CE98B3}"/>
+              </a:ext>
+            </a:extLst>
+          </p:cNvPr>
+          <p:cNvSpPr>
+            <a:spLocks noGrp="1"/>
+          </p:cNvSpPr>
+          <p:nvPr>
+            <p:ph type="sldNum" sz="quarter" idx="12"/>
+          </p:nvPr>
+        </p:nvSpPr>
+        <p:spPr>
+          <a:xfrm>
+            <a:off x="9900458" y="6459785"/>
+            <a:ext cx="1312025" cy="365125"/>
+          </a:xfrm>
+        </p:spPr>
+        <p:txBody>
+          <a:bodyPr>
+            <a:normAutofit/>
+          </a:bodyPr>
+          <a:lstStyle/>
+          <a:p>
+            <a:pPr>
+              <a:spcAft>
+                <a:spcPts val="600"/>
+              </a:spcAft>
+            </a:pPr>
+            <a:fld id="{1987B7B8-616A-43F8-924E-8DBE374A2992}" type="slidenum">
+              <a:rPr lang="en-US" smtClean="0"/>
+              <a:pPr>
+                <a:spcAft>
+                  <a:spcPts val="600"/>
+                </a:spcAft>
+              </a:pPr>
+              <a:t>9</a:t>
+            </a:fld>
+            <a:endParaRPr lang="en-US"/>
+          </a:p>
+        </p:txBody>
+      </p:sp>
+      <p:sp>
+        <p:nvSpPr>
+          <p:cNvPr id="7" name="Título 1">
+            <a:extLst>
+              <a:ext uri="{FF2B5EF4-FFF2-40B4-BE49-F238E27FC236}">
+                <a16:creationId xmlns:a16="http://schemas.microsoft.com/office/drawing/2014/main" id="{11F76853-F96A-47A5-A9D2-35810E187909}"/>
+              </a:ext>
+            </a:extLst>
+          </p:cNvPr>
+          <p:cNvSpPr>
+            <a:spLocks noGrp="1"/>
+          </p:cNvSpPr>
+          <p:nvPr>
+            <p:ph type="title"/>
+          </p:nvPr>
+        </p:nvSpPr>
+        <p:spPr>
+          <a:xfrm>
+            <a:off x="1097280" y="286603"/>
+            <a:ext cx="10058400" cy="1450757"/>
+          </a:xfrm>
+        </p:spPr>
+        <p:txBody>
+          <a:bodyPr/>
+          <a:lstStyle/>
+          <a:p>
+            <a:r>
+              <a:rPr lang="es-CO" dirty="0"/>
+              <a:t>Gracias!</a:t>
+            </a:r>
+            <a:endParaRPr lang="en-US" dirty="0"/>
+          </a:p>
+        </p:txBody>
+      </p:sp>
+    </p:spTree>
+    <p:extLst>
+      <p:ext uri="{BB962C8B-B14F-4D97-AF65-F5344CB8AC3E}">
+        <p14:creationId xmlns:p14="http://schemas.microsoft.com/office/powerpoint/2010/main" val="947331470"/>
       </p:ext>
     </p:extLst>
   </p:cSld>
